--- a/07_deep_learning/99_Project_ATT/01_att_project.pptx
+++ b/07_deep_learning/99_Project_ATT/01_att_project.pptx
@@ -1560,12 +1560,12 @@
   <pc:docChgLst>
     <pc:chgData name="Philippe Baucour" userId="5102170ae7533958" providerId="LiveId" clId="{ABAE05BF-949A-4E93-BC19-2AEAAED3ED81}"/>
     <pc:docChg chg="custSel modSld">
-      <pc:chgData name="Philippe Baucour" userId="5102170ae7533958" providerId="LiveId" clId="{ABAE05BF-949A-4E93-BC19-2AEAAED3ED81}" dt="2024-08-24T09:47:27.756" v="4" actId="20577"/>
+      <pc:chgData name="Philippe Baucour" userId="5102170ae7533958" providerId="LiveId" clId="{ABAE05BF-949A-4E93-BC19-2AEAAED3ED81}" dt="2024-08-26T08:48:31.873" v="30" actId="20577"/>
       <pc:docMkLst>
         <pc:docMk/>
       </pc:docMkLst>
-      <pc:sldChg chg="modSp mod">
-        <pc:chgData name="Philippe Baucour" userId="5102170ae7533958" providerId="LiveId" clId="{ABAE05BF-949A-4E93-BC19-2AEAAED3ED81}" dt="2024-08-24T09:47:27.756" v="4" actId="20577"/>
+      <pc:sldChg chg="modSp mod modNotesTx">
+        <pc:chgData name="Philippe Baucour" userId="5102170ae7533958" providerId="LiveId" clId="{ABAE05BF-949A-4E93-BC19-2AEAAED3ED81}" dt="2024-08-26T08:48:31.873" v="30" actId="20577"/>
         <pc:sldMkLst>
           <pc:docMk/>
           <pc:sldMk cId="1392602265" sldId="256"/>
@@ -1666,7 +1666,7 @@
           <a:p>
             <a:fld id="{FD1752CD-A7D2-4825-BC26-9DAEFBD0A5FF}" type="datetimeFigureOut">
               <a:rPr lang="fr-FR" smtClean="0"/>
-              <a:t>24/08/2024</a:t>
+              <a:t>26/08/2024</a:t>
             </a:fld>
             <a:endParaRPr lang="fr-FR"/>
           </a:p>
@@ -1933,6 +1933,306 @@
 </p:notesMaster>
 </file>
 
+<file path=ppt/notesSlides/notesSlide1.xml><?xml version="1.0" encoding="utf-8"?>
+<p:notes xmlns:a="http://schemas.openxmlformats.org/drawingml/2006/main" xmlns:r="http://schemas.openxmlformats.org/officeDocument/2006/relationships" xmlns:p="http://schemas.openxmlformats.org/presentationml/2006/main">
+  <p:cSld>
+    <p:spTree>
+      <p:nvGrpSpPr>
+        <p:cNvPr id="1" name=""/>
+        <p:cNvGrpSpPr/>
+        <p:nvPr/>
+      </p:nvGrpSpPr>
+      <p:grpSpPr>
+        <a:xfrm>
+          <a:off x="0" y="0"/>
+          <a:ext cx="0" cy="0"/>
+          <a:chOff x="0" y="0"/>
+          <a:chExt cx="0" cy="0"/>
+        </a:xfrm>
+      </p:grpSpPr>
+      <p:sp>
+        <p:nvSpPr>
+          <p:cNvPr id="2" name="Espace réservé de l'image des diapositives 1"/>
+          <p:cNvSpPr>
+            <a:spLocks noGrp="1" noRot="1" noChangeAspect="1"/>
+          </p:cNvSpPr>
+          <p:nvPr>
+            <p:ph type="sldImg"/>
+          </p:nvPr>
+        </p:nvSpPr>
+        <p:spPr/>
+      </p:sp>
+      <p:sp>
+        <p:nvSpPr>
+          <p:cNvPr id="3" name="Espace réservé des notes 2"/>
+          <p:cNvSpPr>
+            <a:spLocks noGrp="1"/>
+          </p:cNvSpPr>
+          <p:nvPr>
+            <p:ph type="body" idx="1"/>
+          </p:nvPr>
+        </p:nvSpPr>
+        <p:spPr/>
+        <p:txBody>
+          <a:bodyPr/>
+          <a:lstStyle/>
+          <a:p>
+            <a:pPr algn="l">
+              <a:buFont typeface="Arial" panose="020B0604020202020204" pitchFamily="34" charset="0"/>
+              <a:buNone/>
+            </a:pPr>
+            <a:r>
+              <a:rPr lang="en-US" b="1" i="0" dirty="0">
+                <a:solidFill>
+                  <a:srgbClr val="1F2123"/>
+                </a:solidFill>
+                <a:effectLst/>
+                <a:highlight>
+                  <a:srgbClr val="FBFDFF"/>
+                </a:highlight>
+                <a:latin typeface="Inter"/>
+              </a:rPr>
+              <a:t>Criteria </a:t>
+            </a:r>
+            <a:r>
+              <a:rPr lang="en-US" b="1" i="0">
+                <a:solidFill>
+                  <a:srgbClr val="1F2123"/>
+                </a:solidFill>
+                <a:effectLst/>
+                <a:highlight>
+                  <a:srgbClr val="FBFDFF"/>
+                </a:highlight>
+                <a:latin typeface="Inter"/>
+              </a:rPr>
+              <a:t>: </a:t>
+            </a:r>
+          </a:p>
+          <a:p>
+            <a:pPr algn="l">
+              <a:buFont typeface="Arial" panose="020B0604020202020204" pitchFamily="34" charset="0"/>
+              <a:buNone/>
+            </a:pPr>
+            <a:endParaRPr lang="en-US" b="1" i="0" dirty="0">
+              <a:solidFill>
+                <a:srgbClr val="1F2123"/>
+              </a:solidFill>
+              <a:effectLst/>
+              <a:highlight>
+                <a:srgbClr val="FBFDFF"/>
+              </a:highlight>
+              <a:latin typeface="Inter"/>
+            </a:endParaRPr>
+          </a:p>
+          <a:p>
+            <a:pPr algn="l">
+              <a:buFont typeface="Arial" panose="020B0604020202020204" pitchFamily="34" charset="0"/>
+              <a:buNone/>
+            </a:pPr>
+            <a:r>
+              <a:rPr lang="en-US" b="0" i="0" dirty="0">
+                <a:solidFill>
+                  <a:srgbClr val="1F2123"/>
+                </a:solidFill>
+                <a:effectLst/>
+                <a:highlight>
+                  <a:srgbClr val="FBFDFF"/>
+                </a:highlight>
+                <a:latin typeface="Inter"/>
+              </a:rPr>
+              <a:t>The predictive analysis processes by defined deep machine learning algorithms are effective and address the problem:</a:t>
+            </a:r>
+          </a:p>
+          <a:p>
+            <a:pPr algn="l">
+              <a:buFont typeface="Arial" panose="020B0604020202020204" pitchFamily="34" charset="0"/>
+              <a:buNone/>
+            </a:pPr>
+            <a:endParaRPr lang="en-US" b="0" i="0" dirty="0">
+              <a:solidFill>
+                <a:srgbClr val="1F2123"/>
+              </a:solidFill>
+              <a:effectLst/>
+              <a:highlight>
+                <a:srgbClr val="FBFDFF"/>
+              </a:highlight>
+              <a:latin typeface="Inter"/>
+            </a:endParaRPr>
+          </a:p>
+          <a:p>
+            <a:pPr marL="171450" indent="-171450" algn="l">
+              <a:buFont typeface="Arial" panose="020B0604020202020204" pitchFamily="34" charset="0"/>
+              <a:buChar char="•"/>
+            </a:pPr>
+            <a:r>
+              <a:rPr lang="en-US" b="0" i="0" dirty="0">
+                <a:solidFill>
+                  <a:srgbClr val="1F2123"/>
+                </a:solidFill>
+                <a:effectLst/>
+                <a:highlight>
+                  <a:srgbClr val="FBFDFF"/>
+                </a:highlight>
+                <a:latin typeface="Inter"/>
+              </a:rPr>
+              <a:t>Quality of data preparation (creation of tensors, use of data augmentation techniques)</a:t>
+            </a:r>
+          </a:p>
+          <a:p>
+            <a:pPr marL="171450" indent="-171450" algn="l">
+              <a:buFont typeface="Arial" panose="020B0604020202020204" pitchFamily="34" charset="0"/>
+              <a:buChar char="•"/>
+            </a:pPr>
+            <a:r>
+              <a:rPr lang="en-US" b="0" i="0" dirty="0">
+                <a:solidFill>
+                  <a:srgbClr val="1F2123"/>
+                </a:solidFill>
+                <a:effectLst/>
+                <a:highlight>
+                  <a:srgbClr val="FBFDFF"/>
+                </a:highlight>
+                <a:latin typeface="Inter"/>
+              </a:rPr>
+              <a:t>Relevance of the choice of neural network type (classical, convolutional or recursive)</a:t>
+            </a:r>
+          </a:p>
+          <a:p>
+            <a:pPr marL="171450" indent="-171450" algn="l">
+              <a:buFont typeface="Arial" panose="020B0604020202020204" pitchFamily="34" charset="0"/>
+              <a:buChar char="•"/>
+            </a:pPr>
+            <a:r>
+              <a:rPr lang="en-US" b="0" i="0" dirty="0">
+                <a:solidFill>
+                  <a:srgbClr val="1F2123"/>
+                </a:solidFill>
+                <a:effectLst/>
+                <a:highlight>
+                  <a:srgbClr val="FBFDFF"/>
+                </a:highlight>
+                <a:latin typeface="Inter"/>
+              </a:rPr>
+              <a:t>Efficiency of the neural networks constructed (verified by performance generalization tests, on test and validation data)</a:t>
+            </a:r>
+          </a:p>
+          <a:p>
+            <a:pPr marL="171450" indent="-171450" algn="l">
+              <a:buFont typeface="Arial" panose="020B0604020202020204" pitchFamily="34" charset="0"/>
+              <a:buChar char="•"/>
+            </a:pPr>
+            <a:r>
+              <a:rPr lang="en-US" b="0" i="0" dirty="0">
+                <a:solidFill>
+                  <a:srgbClr val="1F2123"/>
+                </a:solidFill>
+                <a:effectLst/>
+                <a:highlight>
+                  <a:srgbClr val="FBFDFF"/>
+                </a:highlight>
+                <a:latin typeface="Inter"/>
+              </a:rPr>
+              <a:t>Clarity of signal detection from unstructured data</a:t>
+            </a:r>
+          </a:p>
+          <a:p>
+            <a:pPr marL="171450" indent="-171450" algn="l">
+              <a:buFont typeface="Arial" panose="020B0604020202020204" pitchFamily="34" charset="0"/>
+              <a:buChar char="•"/>
+            </a:pPr>
+            <a:r>
+              <a:rPr lang="en-US" b="0" i="0" dirty="0">
+                <a:solidFill>
+                  <a:srgbClr val="1F2123"/>
+                </a:solidFill>
+                <a:effectLst/>
+                <a:highlight>
+                  <a:srgbClr val="FBFDFF"/>
+                </a:highlight>
+                <a:latin typeface="Inter"/>
+              </a:rPr>
+              <a:t>Cleanliness of the code (compliance with PEP8 standards in Python)</a:t>
+            </a:r>
+          </a:p>
+          <a:p>
+            <a:pPr marL="171450" indent="-171450" algn="l">
+              <a:buFont typeface="Arial" panose="020B0604020202020204" pitchFamily="34" charset="0"/>
+              <a:buChar char="•"/>
+            </a:pPr>
+            <a:r>
+              <a:rPr lang="en-US" b="0" i="0" dirty="0">
+                <a:solidFill>
+                  <a:srgbClr val="1F2123"/>
+                </a:solidFill>
+                <a:effectLst/>
+                <a:highlight>
+                  <a:srgbClr val="FBFDFF"/>
+                </a:highlight>
+                <a:latin typeface="Inter"/>
+              </a:rPr>
+              <a:t>Relevance of the choice of criteria for evaluating the performance of an algorithm (development of a cost function: Cross Entropy, Mean Squared Error)</a:t>
+            </a:r>
+          </a:p>
+          <a:p>
+            <a:pPr marL="171450" indent="-171450" algn="l">
+              <a:buFont typeface="Arial" panose="020B0604020202020204" pitchFamily="34" charset="0"/>
+              <a:buChar char="•"/>
+            </a:pPr>
+            <a:r>
+              <a:rPr lang="en-US" b="0" i="0" dirty="0">
+                <a:solidFill>
+                  <a:srgbClr val="1F2123"/>
+                </a:solidFill>
+                <a:effectLst/>
+                <a:highlight>
+                  <a:srgbClr val="FBFDFF"/>
+                </a:highlight>
+                <a:latin typeface="Inter"/>
+              </a:rPr>
+              <a:t>Quality of the unstructured data generated</a:t>
+            </a:r>
+          </a:p>
+          <a:p>
+            <a:endParaRPr lang="fr-FR" dirty="0"/>
+          </a:p>
+        </p:txBody>
+      </p:sp>
+      <p:sp>
+        <p:nvSpPr>
+          <p:cNvPr id="4" name="Espace réservé du numéro de diapositive 3"/>
+          <p:cNvSpPr>
+            <a:spLocks noGrp="1"/>
+          </p:cNvSpPr>
+          <p:nvPr>
+            <p:ph type="sldNum" sz="quarter" idx="5"/>
+          </p:nvPr>
+        </p:nvSpPr>
+        <p:spPr/>
+        <p:txBody>
+          <a:bodyPr/>
+          <a:lstStyle/>
+          <a:p>
+            <a:fld id="{341AEC00-4977-4C47-A11B-52155DC12F54}" type="slidenum">
+              <a:rPr lang="fr-FR" smtClean="0"/>
+              <a:t>1</a:t>
+            </a:fld>
+            <a:endParaRPr lang="fr-FR"/>
+          </a:p>
+        </p:txBody>
+      </p:sp>
+    </p:spTree>
+    <p:extLst>
+      <p:ext uri="{BB962C8B-B14F-4D97-AF65-F5344CB8AC3E}">
+        <p14:creationId xmlns:p14="http://schemas.microsoft.com/office/powerpoint/2010/main" val="1722328075"/>
+      </p:ext>
+    </p:extLst>
+  </p:cSld>
+  <p:clrMapOvr>
+    <a:masterClrMapping/>
+  </p:clrMapOvr>
+</p:notes>
+</file>
+
 <file path=ppt/slideLayouts/slideLayout1.xml><?xml version="1.0" encoding="utf-8"?>
 <p:sldLayout xmlns:a="http://schemas.openxmlformats.org/drawingml/2006/main" xmlns:r="http://schemas.openxmlformats.org/officeDocument/2006/relationships" xmlns:p="http://schemas.openxmlformats.org/presentationml/2006/main" type="title" preserve="1">
   <p:cSld name="Diapositive de titre">
@@ -2080,7 +2380,7 @@
           <a:p>
             <a:fld id="{7ECB9D5A-E5E4-41FE-AF39-634902D6D5D2}" type="datetimeFigureOut">
               <a:rPr lang="fr-FR" smtClean="0"/>
-              <a:t>24/08/2024</a:t>
+              <a:t>26/08/2024</a:t>
             </a:fld>
             <a:endParaRPr lang="fr-FR"/>
           </a:p>
@@ -2278,7 +2578,7 @@
           <a:p>
             <a:fld id="{7ECB9D5A-E5E4-41FE-AF39-634902D6D5D2}" type="datetimeFigureOut">
               <a:rPr lang="fr-FR" smtClean="0"/>
-              <a:t>24/08/2024</a:t>
+              <a:t>26/08/2024</a:t>
             </a:fld>
             <a:endParaRPr lang="fr-FR"/>
           </a:p>
@@ -2486,7 +2786,7 @@
           <a:p>
             <a:fld id="{7ECB9D5A-E5E4-41FE-AF39-634902D6D5D2}" type="datetimeFigureOut">
               <a:rPr lang="fr-FR" smtClean="0"/>
-              <a:t>24/08/2024</a:t>
+              <a:t>26/08/2024</a:t>
             </a:fld>
             <a:endParaRPr lang="fr-FR"/>
           </a:p>
@@ -2684,7 +2984,7 @@
           <a:p>
             <a:fld id="{7ECB9D5A-E5E4-41FE-AF39-634902D6D5D2}" type="datetimeFigureOut">
               <a:rPr lang="fr-FR" smtClean="0"/>
-              <a:t>24/08/2024</a:t>
+              <a:t>26/08/2024</a:t>
             </a:fld>
             <a:endParaRPr lang="fr-FR"/>
           </a:p>
@@ -2959,7 +3259,7 @@
           <a:p>
             <a:fld id="{7ECB9D5A-E5E4-41FE-AF39-634902D6D5D2}" type="datetimeFigureOut">
               <a:rPr lang="fr-FR" smtClean="0"/>
-              <a:t>24/08/2024</a:t>
+              <a:t>26/08/2024</a:t>
             </a:fld>
             <a:endParaRPr lang="fr-FR"/>
           </a:p>
@@ -3224,7 +3524,7 @@
           <a:p>
             <a:fld id="{7ECB9D5A-E5E4-41FE-AF39-634902D6D5D2}" type="datetimeFigureOut">
               <a:rPr lang="fr-FR" smtClean="0"/>
-              <a:t>24/08/2024</a:t>
+              <a:t>26/08/2024</a:t>
             </a:fld>
             <a:endParaRPr lang="fr-FR"/>
           </a:p>
@@ -3636,7 +3936,7 @@
           <a:p>
             <a:fld id="{7ECB9D5A-E5E4-41FE-AF39-634902D6D5D2}" type="datetimeFigureOut">
               <a:rPr lang="fr-FR" smtClean="0"/>
-              <a:t>24/08/2024</a:t>
+              <a:t>26/08/2024</a:t>
             </a:fld>
             <a:endParaRPr lang="fr-FR"/>
           </a:p>
@@ -3777,7 +4077,7 @@
           <a:p>
             <a:fld id="{7ECB9D5A-E5E4-41FE-AF39-634902D6D5D2}" type="datetimeFigureOut">
               <a:rPr lang="fr-FR" smtClean="0"/>
-              <a:t>24/08/2024</a:t>
+              <a:t>26/08/2024</a:t>
             </a:fld>
             <a:endParaRPr lang="fr-FR"/>
           </a:p>
@@ -3890,7 +4190,7 @@
           <a:p>
             <a:fld id="{7ECB9D5A-E5E4-41FE-AF39-634902D6D5D2}" type="datetimeFigureOut">
               <a:rPr lang="fr-FR" smtClean="0"/>
-              <a:t>24/08/2024</a:t>
+              <a:t>26/08/2024</a:t>
             </a:fld>
             <a:endParaRPr lang="fr-FR"/>
           </a:p>
@@ -4201,7 +4501,7 @@
           <a:p>
             <a:fld id="{7ECB9D5A-E5E4-41FE-AF39-634902D6D5D2}" type="datetimeFigureOut">
               <a:rPr lang="fr-FR" smtClean="0"/>
-              <a:t>24/08/2024</a:t>
+              <a:t>26/08/2024</a:t>
             </a:fld>
             <a:endParaRPr lang="fr-FR"/>
           </a:p>
@@ -4492,7 +4792,7 @@
           <a:p>
             <a:fld id="{7ECB9D5A-E5E4-41FE-AF39-634902D6D5D2}" type="datetimeFigureOut">
               <a:rPr lang="fr-FR" smtClean="0"/>
-              <a:t>24/08/2024</a:t>
+              <a:t>26/08/2024</a:t>
             </a:fld>
             <a:endParaRPr lang="fr-FR"/>
           </a:p>
@@ -4733,7 +5033,7 @@
           <a:p>
             <a:fld id="{7ECB9D5A-E5E4-41FE-AF39-634902D6D5D2}" type="datetimeFigureOut">
               <a:rPr lang="fr-FR" smtClean="0"/>
-              <a:t>24/08/2024</a:t>
+              <a:t>26/08/2024</a:t>
             </a:fld>
             <a:endParaRPr lang="fr-FR"/>
           </a:p>
@@ -5221,7 +5521,7 @@
             </a:r>
             <a:r>
               <a:rPr lang="fr-FR" sz="1400" dirty="0">
-                <a:hlinkClick r:id="rId2"/>
+                <a:hlinkClick r:id="rId3"/>
               </a:rPr>
               <a:t>philippe.baucour@gmail.com</a:t>
             </a:r>
@@ -5239,7 +5539,7 @@
             </a:r>
             <a:r>
               <a:rPr lang="fr-FR" sz="1400" dirty="0">
-                <a:hlinkClick r:id="rId3"/>
+                <a:hlinkClick r:id="rId4"/>
               </a:rPr>
               <a:t>https://app.jedha.co/course/project-steam-ft/steam-ft</a:t>
             </a:r>
@@ -5253,7 +5553,7 @@
             </a:r>
             <a:r>
               <a:rPr lang="fr-FR" sz="1400" dirty="0">
-                <a:hlinkClick r:id="rId4"/>
+                <a:hlinkClick r:id="rId5"/>
               </a:rPr>
               <a:t>https://github.com/40tude/fullstack_mars_2024_3/tree/main/04_big_data/99_Project_Steam</a:t>
             </a:r>

--- a/07_deep_learning/99_Project_ATT/01_att_project.pptx
+++ b/07_deep_learning/99_Project_ATT/01_att_project.pptx
@@ -121,7 +121,7 @@
 <file path=ppt/revisionInfo.xml><?xml version="1.0" encoding="utf-8"?>
 <p1510:revInfo xmlns:a="http://schemas.openxmlformats.org/drawingml/2006/main" xmlns:r="http://schemas.openxmlformats.org/officeDocument/2006/relationships" xmlns:p1510="http://schemas.microsoft.com/office/powerpoint/2015/10/main">
   <p1510:revLst>
-    <p1510:client id="{ABAE05BF-949A-4E93-BC19-2AEAAED3ED81}" v="1" dt="2024-08-24T09:47:25.241"/>
+    <p1510:client id="{ABAE05BF-949A-4E93-BC19-2AEAAED3ED81}" v="5" dt="2024-08-30T06:47:43.276"/>
   </p1510:revLst>
 </p1510:revInfo>
 </file>
@@ -1559,19 +1559,27 @@
   </pc:docChgLst>
   <pc:docChgLst>
     <pc:chgData name="Philippe Baucour" userId="5102170ae7533958" providerId="LiveId" clId="{ABAE05BF-949A-4E93-BC19-2AEAAED3ED81}"/>
-    <pc:docChg chg="custSel modSld">
-      <pc:chgData name="Philippe Baucour" userId="5102170ae7533958" providerId="LiveId" clId="{ABAE05BF-949A-4E93-BC19-2AEAAED3ED81}" dt="2024-08-26T08:48:31.873" v="30" actId="20577"/>
+    <pc:docChg chg="undo custSel modSld">
+      <pc:chgData name="Philippe Baucour" userId="5102170ae7533958" providerId="LiveId" clId="{ABAE05BF-949A-4E93-BC19-2AEAAED3ED81}" dt="2024-08-30T06:47:50.311" v="60" actId="27636"/>
       <pc:docMkLst>
         <pc:docMk/>
       </pc:docMkLst>
       <pc:sldChg chg="modSp mod modNotesTx">
-        <pc:chgData name="Philippe Baucour" userId="5102170ae7533958" providerId="LiveId" clId="{ABAE05BF-949A-4E93-BC19-2AEAAED3ED81}" dt="2024-08-26T08:48:31.873" v="30" actId="20577"/>
+        <pc:chgData name="Philippe Baucour" userId="5102170ae7533958" providerId="LiveId" clId="{ABAE05BF-949A-4E93-BC19-2AEAAED3ED81}" dt="2024-08-30T06:47:50.311" v="60" actId="27636"/>
         <pc:sldMkLst>
           <pc:docMk/>
           <pc:sldMk cId="1392602265" sldId="256"/>
         </pc:sldMkLst>
         <pc:spChg chg="mod">
-          <ac:chgData name="Philippe Baucour" userId="5102170ae7533958" providerId="LiveId" clId="{ABAE05BF-949A-4E93-BC19-2AEAAED3ED81}" dt="2024-08-24T09:47:27.756" v="4" actId="20577"/>
+          <ac:chgData name="Philippe Baucour" userId="5102170ae7533958" providerId="LiveId" clId="{ABAE05BF-949A-4E93-BC19-2AEAAED3ED81}" dt="2024-08-30T06:46:42.849" v="37" actId="6549"/>
+          <ac:spMkLst>
+            <pc:docMk/>
+            <pc:sldMk cId="1392602265" sldId="256"/>
+            <ac:spMk id="2" creationId="{27403E06-B2E3-4008-35B5-576464278A6D}"/>
+          </ac:spMkLst>
+        </pc:spChg>
+        <pc:spChg chg="mod">
+          <ac:chgData name="Philippe Baucour" userId="5102170ae7533958" providerId="LiveId" clId="{ABAE05BF-949A-4E93-BC19-2AEAAED3ED81}" dt="2024-08-30T06:47:50.311" v="60" actId="27636"/>
           <ac:spMkLst>
             <pc:docMk/>
             <pc:sldMk cId="1392602265" sldId="256"/>
@@ -1666,7 +1674,7 @@
           <a:p>
             <a:fld id="{FD1752CD-A7D2-4825-BC26-9DAEFBD0A5FF}" type="datetimeFigureOut">
               <a:rPr lang="fr-FR" smtClean="0"/>
-              <a:t>26/08/2024</a:t>
+              <a:t>30/08/2024</a:t>
             </a:fld>
             <a:endParaRPr lang="fr-FR"/>
           </a:p>
@@ -2380,7 +2388,7 @@
           <a:p>
             <a:fld id="{7ECB9D5A-E5E4-41FE-AF39-634902D6D5D2}" type="datetimeFigureOut">
               <a:rPr lang="fr-FR" smtClean="0"/>
-              <a:t>26/08/2024</a:t>
+              <a:t>30/08/2024</a:t>
             </a:fld>
             <a:endParaRPr lang="fr-FR"/>
           </a:p>
@@ -2578,7 +2586,7 @@
           <a:p>
             <a:fld id="{7ECB9D5A-E5E4-41FE-AF39-634902D6D5D2}" type="datetimeFigureOut">
               <a:rPr lang="fr-FR" smtClean="0"/>
-              <a:t>26/08/2024</a:t>
+              <a:t>30/08/2024</a:t>
             </a:fld>
             <a:endParaRPr lang="fr-FR"/>
           </a:p>
@@ -2786,7 +2794,7 @@
           <a:p>
             <a:fld id="{7ECB9D5A-E5E4-41FE-AF39-634902D6D5D2}" type="datetimeFigureOut">
               <a:rPr lang="fr-FR" smtClean="0"/>
-              <a:t>26/08/2024</a:t>
+              <a:t>30/08/2024</a:t>
             </a:fld>
             <a:endParaRPr lang="fr-FR"/>
           </a:p>
@@ -2984,7 +2992,7 @@
           <a:p>
             <a:fld id="{7ECB9D5A-E5E4-41FE-AF39-634902D6D5D2}" type="datetimeFigureOut">
               <a:rPr lang="fr-FR" smtClean="0"/>
-              <a:t>26/08/2024</a:t>
+              <a:t>30/08/2024</a:t>
             </a:fld>
             <a:endParaRPr lang="fr-FR"/>
           </a:p>
@@ -3259,7 +3267,7 @@
           <a:p>
             <a:fld id="{7ECB9D5A-E5E4-41FE-AF39-634902D6D5D2}" type="datetimeFigureOut">
               <a:rPr lang="fr-FR" smtClean="0"/>
-              <a:t>26/08/2024</a:t>
+              <a:t>30/08/2024</a:t>
             </a:fld>
             <a:endParaRPr lang="fr-FR"/>
           </a:p>
@@ -3524,7 +3532,7 @@
           <a:p>
             <a:fld id="{7ECB9D5A-E5E4-41FE-AF39-634902D6D5D2}" type="datetimeFigureOut">
               <a:rPr lang="fr-FR" smtClean="0"/>
-              <a:t>26/08/2024</a:t>
+              <a:t>30/08/2024</a:t>
             </a:fld>
             <a:endParaRPr lang="fr-FR"/>
           </a:p>
@@ -3936,7 +3944,7 @@
           <a:p>
             <a:fld id="{7ECB9D5A-E5E4-41FE-AF39-634902D6D5D2}" type="datetimeFigureOut">
               <a:rPr lang="fr-FR" smtClean="0"/>
-              <a:t>26/08/2024</a:t>
+              <a:t>30/08/2024</a:t>
             </a:fld>
             <a:endParaRPr lang="fr-FR"/>
           </a:p>
@@ -4077,7 +4085,7 @@
           <a:p>
             <a:fld id="{7ECB9D5A-E5E4-41FE-AF39-634902D6D5D2}" type="datetimeFigureOut">
               <a:rPr lang="fr-FR" smtClean="0"/>
-              <a:t>26/08/2024</a:t>
+              <a:t>30/08/2024</a:t>
             </a:fld>
             <a:endParaRPr lang="fr-FR"/>
           </a:p>
@@ -4190,7 +4198,7 @@
           <a:p>
             <a:fld id="{7ECB9D5A-E5E4-41FE-AF39-634902D6D5D2}" type="datetimeFigureOut">
               <a:rPr lang="fr-FR" smtClean="0"/>
-              <a:t>26/08/2024</a:t>
+              <a:t>30/08/2024</a:t>
             </a:fld>
             <a:endParaRPr lang="fr-FR"/>
           </a:p>
@@ -4501,7 +4509,7 @@
           <a:p>
             <a:fld id="{7ECB9D5A-E5E4-41FE-AF39-634902D6D5D2}" type="datetimeFigureOut">
               <a:rPr lang="fr-FR" smtClean="0"/>
-              <a:t>26/08/2024</a:t>
+              <a:t>30/08/2024</a:t>
             </a:fld>
             <a:endParaRPr lang="fr-FR"/>
           </a:p>
@@ -4792,7 +4800,7 @@
           <a:p>
             <a:fld id="{7ECB9D5A-E5E4-41FE-AF39-634902D6D5D2}" type="datetimeFigureOut">
               <a:rPr lang="fr-FR" smtClean="0"/>
-              <a:t>26/08/2024</a:t>
+              <a:t>30/08/2024</a:t>
             </a:fld>
             <a:endParaRPr lang="fr-FR"/>
           </a:p>
@@ -5033,7 +5041,7 @@
           <a:p>
             <a:fld id="{7ECB9D5A-E5E4-41FE-AF39-634902D6D5D2}" type="datetimeFigureOut">
               <a:rPr lang="fr-FR" smtClean="0"/>
-              <a:t>26/08/2024</a:t>
+              <a:t>30/08/2024</a:t>
             </a:fld>
             <a:endParaRPr lang="fr-FR"/>
           </a:p>
@@ -5472,12 +5480,8 @@
           <a:lstStyle/>
           <a:p>
             <a:r>
-              <a:rPr lang="fr-FR"/>
-              <a:t>XXX </a:t>
-            </a:r>
-            <a:r>
               <a:rPr lang="fr-FR" dirty="0"/>
-              <a:t>Project</a:t>
+              <a:t>AT&amp;T Project</a:t>
             </a:r>
           </a:p>
         </p:txBody>
@@ -5541,7 +5545,7 @@
               <a:rPr lang="fr-FR" sz="1400" dirty="0">
                 <a:hlinkClick r:id="rId4"/>
               </a:rPr>
-              <a:t>https://app.jedha.co/course/project-steam-ft/steam-ft</a:t>
+              <a:t>https://app.jedha.co/course/projects-deep-learning-ft/att-spam-detector-ft</a:t>
             </a:r>
             <a:endParaRPr lang="fr-FR" sz="1400" dirty="0"/>
           </a:p>
@@ -5555,23 +5559,23 @@
               <a:rPr lang="fr-FR" sz="1400" dirty="0">
                 <a:hlinkClick r:id="rId5"/>
               </a:rPr>
-              <a:t>https://github.com/40tude/fullstack_mars_2024_3/tree/main/04_big_data/99_Project_Steam</a:t>
+              <a:t>https://github.com/40tude/fullstack_mars_2024_3/tree/main/07_deep_learning/99_Project_ATT</a:t>
             </a:r>
             <a:endParaRPr lang="fr-FR" sz="1400" dirty="0"/>
           </a:p>
           <a:p>
             <a:pPr algn="l"/>
-            <a:endParaRPr lang="fr-FR" sz="1400" dirty="0"/>
+            <a:endParaRPr lang="en-US" sz="1400"/>
           </a:p>
           <a:p>
             <a:pPr algn="l"/>
             <a:r>
+              <a:rPr lang="en-US" sz="1400"/>
+              <a:t>The </a:t>
+            </a:r>
+            <a:r>
               <a:rPr lang="en-US" sz="1400" dirty="0"/>
-              <a:t>The content of the following slides is mainly a cut-and-paste of what's already available in the project notebook(s). The idea is that the slides can be used to guide and frame the presentation and </a:t>
-            </a:r>
-            <a:r>
-              <a:rPr lang="en-US" sz="1400"/>
-              <a:t>discussion.</a:t>
+              <a:t>content of the following slides is mainly a cut-and-paste of what's already available in the project notebook(s). The idea is that the slides can be used to guide and frame the presentation and discussion.</a:t>
             </a:r>
             <a:endParaRPr lang="fr-FR" sz="1400" dirty="0"/>
           </a:p>

--- a/07_deep_learning/99_Project_ATT/01_att_project.pptx
+++ b/07_deep_learning/99_Project_ATT/01_att_project.pptx
@@ -5,13 +5,18 @@
     <p:sldMasterId id="2147483660" r:id="rId1"/>
   </p:sldMasterIdLst>
   <p:notesMasterIdLst>
-    <p:notesMasterId r:id="rId6"/>
+    <p:notesMasterId r:id="rId11"/>
   </p:notesMasterIdLst>
   <p:sldIdLst>
     <p:sldId id="256" r:id="rId2"/>
     <p:sldId id="258" r:id="rId3"/>
-    <p:sldId id="263" r:id="rId4"/>
-    <p:sldId id="257" r:id="rId5"/>
+    <p:sldId id="264" r:id="rId4"/>
+    <p:sldId id="266" r:id="rId5"/>
+    <p:sldId id="267" r:id="rId6"/>
+    <p:sldId id="268" r:id="rId7"/>
+    <p:sldId id="265" r:id="rId8"/>
+    <p:sldId id="257" r:id="rId9"/>
+    <p:sldId id="263" r:id="rId10"/>
   </p:sldIdLst>
   <p:sldSz cx="12192000" cy="6858000"/>
   <p:notesSz cx="6858000" cy="9144000"/>
@@ -121,7 +126,7 @@
 <file path=ppt/revisionInfo.xml><?xml version="1.0" encoding="utf-8"?>
 <p1510:revInfo xmlns:a="http://schemas.openxmlformats.org/drawingml/2006/main" xmlns:r="http://schemas.openxmlformats.org/officeDocument/2006/relationships" xmlns:p1510="http://schemas.microsoft.com/office/powerpoint/2015/10/main">
   <p1510:revLst>
-    <p1510:client id="{ABAE05BF-949A-4E93-BC19-2AEAAED3ED81}" v="5" dt="2024-08-30T06:47:43.276"/>
+    <p1510:client id="{ABAE05BF-949A-4E93-BC19-2AEAAED3ED81}" v="17" dt="2024-09-02T18:26:44.143"/>
   </p1510:revLst>
 </p1510:revInfo>
 </file>
@@ -1559,13 +1564,13 @@
   </pc:docChgLst>
   <pc:docChgLst>
     <pc:chgData name="Philippe Baucour" userId="5102170ae7533958" providerId="LiveId" clId="{ABAE05BF-949A-4E93-BC19-2AEAAED3ED81}"/>
-    <pc:docChg chg="undo custSel modSld">
-      <pc:chgData name="Philippe Baucour" userId="5102170ae7533958" providerId="LiveId" clId="{ABAE05BF-949A-4E93-BC19-2AEAAED3ED81}" dt="2024-08-30T06:47:50.311" v="60" actId="27636"/>
+    <pc:docChg chg="undo custSel addSld modSld sldOrd">
+      <pc:chgData name="Philippe Baucour" userId="5102170ae7533958" providerId="LiveId" clId="{ABAE05BF-949A-4E93-BC19-2AEAAED3ED81}" dt="2024-09-02T18:44:49.177" v="1846" actId="6549"/>
       <pc:docMkLst>
         <pc:docMk/>
       </pc:docMkLst>
-      <pc:sldChg chg="modSp mod modNotesTx">
-        <pc:chgData name="Philippe Baucour" userId="5102170ae7533958" providerId="LiveId" clId="{ABAE05BF-949A-4E93-BC19-2AEAAED3ED81}" dt="2024-08-30T06:47:50.311" v="60" actId="27636"/>
+      <pc:sldChg chg="addSp modSp mod modNotesTx">
+        <pc:chgData name="Philippe Baucour" userId="5102170ae7533958" providerId="LiveId" clId="{ABAE05BF-949A-4E93-BC19-2AEAAED3ED81}" dt="2024-09-02T14:16:02.149" v="893" actId="465"/>
         <pc:sldMkLst>
           <pc:docMk/>
           <pc:sldMk cId="1392602265" sldId="256"/>
@@ -1586,6 +1591,470 @@
             <ac:spMk id="3" creationId="{08069205-150B-B4B1-565B-156D78F5E9E8}"/>
           </ac:spMkLst>
         </pc:spChg>
+        <pc:picChg chg="add mod">
+          <ac:chgData name="Philippe Baucour" userId="5102170ae7533958" providerId="LiveId" clId="{ABAE05BF-949A-4E93-BC19-2AEAAED3ED81}" dt="2024-09-02T14:16:02.149" v="893" actId="465"/>
+          <ac:picMkLst>
+            <pc:docMk/>
+            <pc:sldMk cId="1392602265" sldId="256"/>
+            <ac:picMk id="4" creationId="{8AB5BF6C-1D2F-59DA-7BCE-449A409C5AEE}"/>
+          </ac:picMkLst>
+        </pc:picChg>
+        <pc:picChg chg="add mod">
+          <ac:chgData name="Philippe Baucour" userId="5102170ae7533958" providerId="LiveId" clId="{ABAE05BF-949A-4E93-BC19-2AEAAED3ED81}" dt="2024-09-02T14:16:02.149" v="893" actId="465"/>
+          <ac:picMkLst>
+            <pc:docMk/>
+            <pc:sldMk cId="1392602265" sldId="256"/>
+            <ac:picMk id="5" creationId="{687090E6-EF80-881F-6A94-D96E809381CE}"/>
+          </ac:picMkLst>
+        </pc:picChg>
+        <pc:picChg chg="add mod">
+          <ac:chgData name="Philippe Baucour" userId="5102170ae7533958" providerId="LiveId" clId="{ABAE05BF-949A-4E93-BC19-2AEAAED3ED81}" dt="2024-09-02T14:15:46.405" v="892" actId="1076"/>
+          <ac:picMkLst>
+            <pc:docMk/>
+            <pc:sldMk cId="1392602265" sldId="256"/>
+            <ac:picMk id="6" creationId="{CAD46378-6C72-551A-AEA4-741D4D1DCDFA}"/>
+          </ac:picMkLst>
+        </pc:picChg>
+        <pc:picChg chg="add mod">
+          <ac:chgData name="Philippe Baucour" userId="5102170ae7533958" providerId="LiveId" clId="{ABAE05BF-949A-4E93-BC19-2AEAAED3ED81}" dt="2024-09-02T14:16:02.149" v="893" actId="465"/>
+          <ac:picMkLst>
+            <pc:docMk/>
+            <pc:sldMk cId="1392602265" sldId="256"/>
+            <ac:picMk id="7" creationId="{1455B81D-CC51-FD47-093B-7CCA8848351C}"/>
+          </ac:picMkLst>
+        </pc:picChg>
+        <pc:picChg chg="add mod">
+          <ac:chgData name="Philippe Baucour" userId="5102170ae7533958" providerId="LiveId" clId="{ABAE05BF-949A-4E93-BC19-2AEAAED3ED81}" dt="2024-09-02T14:15:41.295" v="891" actId="1076"/>
+          <ac:picMkLst>
+            <pc:docMk/>
+            <pc:sldMk cId="1392602265" sldId="256"/>
+            <ac:picMk id="8" creationId="{21C74849-A1B5-FDCD-0143-0CD426B1CD9B}"/>
+          </ac:picMkLst>
+        </pc:picChg>
+      </pc:sldChg>
+      <pc:sldChg chg="modSp mod">
+        <pc:chgData name="Philippe Baucour" userId="5102170ae7533958" providerId="LiveId" clId="{ABAE05BF-949A-4E93-BC19-2AEAAED3ED81}" dt="2024-09-02T18:44:49.177" v="1846" actId="6549"/>
+        <pc:sldMkLst>
+          <pc:docMk/>
+          <pc:sldMk cId="3201622378" sldId="257"/>
+        </pc:sldMkLst>
+        <pc:spChg chg="mod">
+          <ac:chgData name="Philippe Baucour" userId="5102170ae7533958" providerId="LiveId" clId="{ABAE05BF-949A-4E93-BC19-2AEAAED3ED81}" dt="2024-09-02T18:44:49.177" v="1846" actId="6549"/>
+          <ac:spMkLst>
+            <pc:docMk/>
+            <pc:sldMk cId="3201622378" sldId="257"/>
+            <ac:spMk id="3" creationId="{1A803C62-BD0B-D0AC-2B41-C4F420891B06}"/>
+          </ac:spMkLst>
+        </pc:spChg>
+      </pc:sldChg>
+      <pc:sldChg chg="addSp modSp mod">
+        <pc:chgData name="Philippe Baucour" userId="5102170ae7533958" providerId="LiveId" clId="{ABAE05BF-949A-4E93-BC19-2AEAAED3ED81}" dt="2024-09-02T09:39:42.054" v="150" actId="1076"/>
+        <pc:sldMkLst>
+          <pc:docMk/>
+          <pc:sldMk cId="246086491" sldId="258"/>
+        </pc:sldMkLst>
+        <pc:spChg chg="add mod">
+          <ac:chgData name="Philippe Baucour" userId="5102170ae7533958" providerId="LiveId" clId="{ABAE05BF-949A-4E93-BC19-2AEAAED3ED81}" dt="2024-09-02T09:39:42.054" v="150" actId="1076"/>
+          <ac:spMkLst>
+            <pc:docMk/>
+            <pc:sldMk cId="246086491" sldId="258"/>
+            <ac:spMk id="6" creationId="{3359D40A-9184-CE81-CDA2-DB6A4C6B3280}"/>
+          </ac:spMkLst>
+        </pc:spChg>
+        <pc:picChg chg="add mod">
+          <ac:chgData name="Philippe Baucour" userId="5102170ae7533958" providerId="LiveId" clId="{ABAE05BF-949A-4E93-BC19-2AEAAED3ED81}" dt="2024-09-02T09:38:40.620" v="116" actId="1035"/>
+          <ac:picMkLst>
+            <pc:docMk/>
+            <pc:sldMk cId="246086491" sldId="258"/>
+            <ac:picMk id="5" creationId="{8925DC70-09A2-138C-900B-57BB44F5CC44}"/>
+          </ac:picMkLst>
+        </pc:picChg>
+      </pc:sldChg>
+      <pc:sldChg chg="ord">
+        <pc:chgData name="Philippe Baucour" userId="5102170ae7533958" providerId="LiveId" clId="{ABAE05BF-949A-4E93-BC19-2AEAAED3ED81}" dt="2024-09-02T09:39:49.786" v="152"/>
+        <pc:sldMkLst>
+          <pc:docMk/>
+          <pc:sldMk cId="312535264" sldId="263"/>
+        </pc:sldMkLst>
+      </pc:sldChg>
+      <pc:sldChg chg="addSp delSp modSp new mod modClrScheme chgLayout modNotesTx">
+        <pc:chgData name="Philippe Baucour" userId="5102170ae7533958" providerId="LiveId" clId="{ABAE05BF-949A-4E93-BC19-2AEAAED3ED81}" dt="2024-09-02T14:20:31.860" v="1013" actId="20577"/>
+        <pc:sldMkLst>
+          <pc:docMk/>
+          <pc:sldMk cId="3003218727" sldId="264"/>
+        </pc:sldMkLst>
+        <pc:spChg chg="mod ord">
+          <ac:chgData name="Philippe Baucour" userId="5102170ae7533958" providerId="LiveId" clId="{ABAE05BF-949A-4E93-BC19-2AEAAED3ED81}" dt="2024-09-02T09:42:18.520" v="157" actId="700"/>
+          <ac:spMkLst>
+            <pc:docMk/>
+            <pc:sldMk cId="3003218727" sldId="264"/>
+            <ac:spMk id="2" creationId="{DD17E4C4-4734-9561-2C1A-F6E6F31CB724}"/>
+          </ac:spMkLst>
+        </pc:spChg>
+        <pc:spChg chg="del">
+          <ac:chgData name="Philippe Baucour" userId="5102170ae7533958" providerId="LiveId" clId="{ABAE05BF-949A-4E93-BC19-2AEAAED3ED81}" dt="2024-09-02T09:42:18.520" v="157" actId="700"/>
+          <ac:spMkLst>
+            <pc:docMk/>
+            <pc:sldMk cId="3003218727" sldId="264"/>
+            <ac:spMk id="3" creationId="{E45D64B4-EA4C-3637-911C-A1F105EAA5BD}"/>
+          </ac:spMkLst>
+        </pc:spChg>
+        <pc:spChg chg="add mod">
+          <ac:chgData name="Philippe Baucour" userId="5102170ae7533958" providerId="LiveId" clId="{ABAE05BF-949A-4E93-BC19-2AEAAED3ED81}" dt="2024-09-02T09:44:49.112" v="181" actId="1038"/>
+          <ac:spMkLst>
+            <pc:docMk/>
+            <pc:sldMk cId="3003218727" sldId="264"/>
+            <ac:spMk id="8" creationId="{DCE02009-66B8-A28E-CCDF-F8751B33D11B}"/>
+          </ac:spMkLst>
+        </pc:spChg>
+        <pc:picChg chg="add mod">
+          <ac:chgData name="Philippe Baucour" userId="5102170ae7533958" providerId="LiveId" clId="{ABAE05BF-949A-4E93-BC19-2AEAAED3ED81}" dt="2024-09-02T09:43:27.903" v="170" actId="1076"/>
+          <ac:picMkLst>
+            <pc:docMk/>
+            <pc:sldMk cId="3003218727" sldId="264"/>
+            <ac:picMk id="5" creationId="{EED01AF8-948F-7E7F-E93A-0EBF59E86006}"/>
+          </ac:picMkLst>
+        </pc:picChg>
+        <pc:picChg chg="add mod">
+          <ac:chgData name="Philippe Baucour" userId="5102170ae7533958" providerId="LiveId" clId="{ABAE05BF-949A-4E93-BC19-2AEAAED3ED81}" dt="2024-09-02T09:43:32.702" v="171" actId="1076"/>
+          <ac:picMkLst>
+            <pc:docMk/>
+            <pc:sldMk cId="3003218727" sldId="264"/>
+            <ac:picMk id="7" creationId="{9BD3C26B-160B-2B5D-0EFD-9EC5D9D12B13}"/>
+          </ac:picMkLst>
+        </pc:picChg>
+      </pc:sldChg>
+      <pc:sldChg chg="addSp delSp modSp new mod modNotesTx">
+        <pc:chgData name="Philippe Baucour" userId="5102170ae7533958" providerId="LiveId" clId="{ABAE05BF-949A-4E93-BC19-2AEAAED3ED81}" dt="2024-09-02T18:31:24.819" v="1716" actId="20577"/>
+        <pc:sldMkLst>
+          <pc:docMk/>
+          <pc:sldMk cId="52206540" sldId="265"/>
+        </pc:sldMkLst>
+        <pc:spChg chg="mod">
+          <ac:chgData name="Philippe Baucour" userId="5102170ae7533958" providerId="LiveId" clId="{ABAE05BF-949A-4E93-BC19-2AEAAED3ED81}" dt="2024-09-02T16:03:45.935" v="1323" actId="20577"/>
+          <ac:spMkLst>
+            <pc:docMk/>
+            <pc:sldMk cId="52206540" sldId="265"/>
+            <ac:spMk id="2" creationId="{C9D5C376-48FD-431A-1BC9-093D4CF79FA5}"/>
+          </ac:spMkLst>
+        </pc:spChg>
+        <pc:spChg chg="add del mod ord">
+          <ac:chgData name="Philippe Baucour" userId="5102170ae7533958" providerId="LiveId" clId="{ABAE05BF-949A-4E93-BC19-2AEAAED3ED81}" dt="2024-09-02T18:13:25.862" v="1429" actId="478"/>
+          <ac:spMkLst>
+            <pc:docMk/>
+            <pc:sldMk cId="52206540" sldId="265"/>
+            <ac:spMk id="7" creationId="{F24A941F-2181-C4F9-89D6-36763FC20D0D}"/>
+          </ac:spMkLst>
+        </pc:spChg>
+        <pc:spChg chg="add mod">
+          <ac:chgData name="Philippe Baucour" userId="5102170ae7533958" providerId="LiveId" clId="{ABAE05BF-949A-4E93-BC19-2AEAAED3ED81}" dt="2024-09-02T18:22:55.713" v="1665" actId="1036"/>
+          <ac:spMkLst>
+            <pc:docMk/>
+            <pc:sldMk cId="52206540" sldId="265"/>
+            <ac:spMk id="14" creationId="{7C9A728B-9207-9414-6ADE-FB7396970C24}"/>
+          </ac:spMkLst>
+        </pc:spChg>
+        <pc:spChg chg="add mod">
+          <ac:chgData name="Philippe Baucour" userId="5102170ae7533958" providerId="LiveId" clId="{ABAE05BF-949A-4E93-BC19-2AEAAED3ED81}" dt="2024-09-02T18:22:55.713" v="1665" actId="1036"/>
+          <ac:spMkLst>
+            <pc:docMk/>
+            <pc:sldMk cId="52206540" sldId="265"/>
+            <ac:spMk id="15" creationId="{0412050E-AEF1-9749-C033-E22F44474A48}"/>
+          </ac:spMkLst>
+        </pc:spChg>
+        <pc:spChg chg="add del">
+          <ac:chgData name="Philippe Baucour" userId="5102170ae7533958" providerId="LiveId" clId="{ABAE05BF-949A-4E93-BC19-2AEAAED3ED81}" dt="2024-09-02T18:18:55.667" v="1508" actId="478"/>
+          <ac:spMkLst>
+            <pc:docMk/>
+            <pc:sldMk cId="52206540" sldId="265"/>
+            <ac:spMk id="17" creationId="{8FFB9689-6BD0-27F7-5E31-2AEAA6B55A3D}"/>
+          </ac:spMkLst>
+        </pc:spChg>
+        <pc:spChg chg="add mod">
+          <ac:chgData name="Philippe Baucour" userId="5102170ae7533958" providerId="LiveId" clId="{ABAE05BF-949A-4E93-BC19-2AEAAED3ED81}" dt="2024-09-02T18:31:24.819" v="1716" actId="20577"/>
+          <ac:spMkLst>
+            <pc:docMk/>
+            <pc:sldMk cId="52206540" sldId="265"/>
+            <ac:spMk id="20" creationId="{B46825B3-C8F2-FD5A-CD69-073F76F8B11D}"/>
+          </ac:spMkLst>
+        </pc:spChg>
+        <pc:picChg chg="add del mod">
+          <ac:chgData name="Philippe Baucour" userId="5102170ae7533958" providerId="LiveId" clId="{ABAE05BF-949A-4E93-BC19-2AEAAED3ED81}" dt="2024-09-02T18:08:56.207" v="1334" actId="478"/>
+          <ac:picMkLst>
+            <pc:docMk/>
+            <pc:sldMk cId="52206540" sldId="265"/>
+            <ac:picMk id="4" creationId="{433DF392-025B-7EDD-826C-EBD7A2BE08E4}"/>
+          </ac:picMkLst>
+        </pc:picChg>
+        <pc:picChg chg="add mod">
+          <ac:chgData name="Philippe Baucour" userId="5102170ae7533958" providerId="LiveId" clId="{ABAE05BF-949A-4E93-BC19-2AEAAED3ED81}" dt="2024-09-02T18:22:55.713" v="1665" actId="1036"/>
+          <ac:picMkLst>
+            <pc:docMk/>
+            <pc:sldMk cId="52206540" sldId="265"/>
+            <ac:picMk id="6" creationId="{5B89E3E9-73E4-5392-63AB-FD759386D9DF}"/>
+          </ac:picMkLst>
+        </pc:picChg>
+        <pc:picChg chg="add mod">
+          <ac:chgData name="Philippe Baucour" userId="5102170ae7533958" providerId="LiveId" clId="{ABAE05BF-949A-4E93-BC19-2AEAAED3ED81}" dt="2024-09-02T18:22:55.713" v="1665" actId="1036"/>
+          <ac:picMkLst>
+            <pc:docMk/>
+            <pc:sldMk cId="52206540" sldId="265"/>
+            <ac:picMk id="9" creationId="{414196D8-4384-3AE0-B8AD-06545C570E3C}"/>
+          </ac:picMkLst>
+        </pc:picChg>
+        <pc:picChg chg="add mod">
+          <ac:chgData name="Philippe Baucour" userId="5102170ae7533958" providerId="LiveId" clId="{ABAE05BF-949A-4E93-BC19-2AEAAED3ED81}" dt="2024-09-02T18:22:55.713" v="1665" actId="1036"/>
+          <ac:picMkLst>
+            <pc:docMk/>
+            <pc:sldMk cId="52206540" sldId="265"/>
+            <ac:picMk id="11" creationId="{F85D1A3C-8735-E810-1B4E-BEC3C316F7B3}"/>
+          </ac:picMkLst>
+        </pc:picChg>
+        <pc:picChg chg="add del mod">
+          <ac:chgData name="Philippe Baucour" userId="5102170ae7533958" providerId="LiveId" clId="{ABAE05BF-949A-4E93-BC19-2AEAAED3ED81}" dt="2024-09-02T18:12:50.698" v="1426" actId="478"/>
+          <ac:picMkLst>
+            <pc:docMk/>
+            <pc:sldMk cId="52206540" sldId="265"/>
+            <ac:picMk id="13" creationId="{AD2A3647-F4DB-A89C-576E-F63CDC76C543}"/>
+          </ac:picMkLst>
+        </pc:picChg>
+        <pc:picChg chg="add mod">
+          <ac:chgData name="Philippe Baucour" userId="5102170ae7533958" providerId="LiveId" clId="{ABAE05BF-949A-4E93-BC19-2AEAAED3ED81}" dt="2024-09-02T18:23:17.130" v="1677" actId="1036"/>
+          <ac:picMkLst>
+            <pc:docMk/>
+            <pc:sldMk cId="52206540" sldId="265"/>
+            <ac:picMk id="19" creationId="{53B19E68-B5FA-6930-E7D3-25EC7616B0D7}"/>
+          </ac:picMkLst>
+        </pc:picChg>
+      </pc:sldChg>
+      <pc:sldChg chg="addSp modSp new mod ord">
+        <pc:chgData name="Philippe Baucour" userId="5102170ae7533958" providerId="LiveId" clId="{ABAE05BF-949A-4E93-BC19-2AEAAED3ED81}" dt="2024-09-02T12:22:50.343" v="304" actId="20577"/>
+        <pc:sldMkLst>
+          <pc:docMk/>
+          <pc:sldMk cId="1208043485" sldId="266"/>
+        </pc:sldMkLst>
+        <pc:spChg chg="mod">
+          <ac:chgData name="Philippe Baucour" userId="5102170ae7533958" providerId="LiveId" clId="{ABAE05BF-949A-4E93-BC19-2AEAAED3ED81}" dt="2024-09-02T12:17:00.621" v="214" actId="20577"/>
+          <ac:spMkLst>
+            <pc:docMk/>
+            <pc:sldMk cId="1208043485" sldId="266"/>
+            <ac:spMk id="2" creationId="{85BA5245-1861-0F20-2AEB-5D15F0E8E61E}"/>
+          </ac:spMkLst>
+        </pc:spChg>
+        <pc:spChg chg="add mod">
+          <ac:chgData name="Philippe Baucour" userId="5102170ae7533958" providerId="LiveId" clId="{ABAE05BF-949A-4E93-BC19-2AEAAED3ED81}" dt="2024-09-02T12:22:50.343" v="304" actId="20577"/>
+          <ac:spMkLst>
+            <pc:docMk/>
+            <pc:sldMk cId="1208043485" sldId="266"/>
+            <ac:spMk id="11" creationId="{B22C1711-2C5B-09D9-84F9-20CB5254CC0A}"/>
+          </ac:spMkLst>
+        </pc:spChg>
+        <pc:picChg chg="add mod">
+          <ac:chgData name="Philippe Baucour" userId="5102170ae7533958" providerId="LiveId" clId="{ABAE05BF-949A-4E93-BC19-2AEAAED3ED81}" dt="2024-09-02T12:17:14.096" v="216" actId="1076"/>
+          <ac:picMkLst>
+            <pc:docMk/>
+            <pc:sldMk cId="1208043485" sldId="266"/>
+            <ac:picMk id="4" creationId="{77415216-9AA7-4E29-2184-2A7FA9FA5CC8}"/>
+          </ac:picMkLst>
+        </pc:picChg>
+        <pc:picChg chg="add mod">
+          <ac:chgData name="Philippe Baucour" userId="5102170ae7533958" providerId="LiveId" clId="{ABAE05BF-949A-4E93-BC19-2AEAAED3ED81}" dt="2024-09-02T12:17:35.468" v="219" actId="1076"/>
+          <ac:picMkLst>
+            <pc:docMk/>
+            <pc:sldMk cId="1208043485" sldId="266"/>
+            <ac:picMk id="6" creationId="{037B4BEF-4A1A-146A-28E2-3FDC6A03EA53}"/>
+          </ac:picMkLst>
+        </pc:picChg>
+        <pc:picChg chg="add mod">
+          <ac:chgData name="Philippe Baucour" userId="5102170ae7533958" providerId="LiveId" clId="{ABAE05BF-949A-4E93-BC19-2AEAAED3ED81}" dt="2024-09-02T12:19:19.811" v="235" actId="1038"/>
+          <ac:picMkLst>
+            <pc:docMk/>
+            <pc:sldMk cId="1208043485" sldId="266"/>
+            <ac:picMk id="8" creationId="{A8B0206B-5AE9-5BE3-4C2A-66C140800561}"/>
+          </ac:picMkLst>
+        </pc:picChg>
+        <pc:picChg chg="add mod">
+          <ac:chgData name="Philippe Baucour" userId="5102170ae7533958" providerId="LiveId" clId="{ABAE05BF-949A-4E93-BC19-2AEAAED3ED81}" dt="2024-09-02T12:19:16.788" v="230" actId="1037"/>
+          <ac:picMkLst>
+            <pc:docMk/>
+            <pc:sldMk cId="1208043485" sldId="266"/>
+            <ac:picMk id="10" creationId="{09F856DC-F0DA-17CA-AC7C-101B3457F80E}"/>
+          </ac:picMkLst>
+        </pc:picChg>
+      </pc:sldChg>
+      <pc:sldChg chg="addSp delSp modSp new mod modNotesTx">
+        <pc:chgData name="Philippe Baucour" userId="5102170ae7533958" providerId="LiveId" clId="{ABAE05BF-949A-4E93-BC19-2AEAAED3ED81}" dt="2024-09-02T14:18:41.261" v="899" actId="1076"/>
+        <pc:sldMkLst>
+          <pc:docMk/>
+          <pc:sldMk cId="671232843" sldId="267"/>
+        </pc:sldMkLst>
+        <pc:spChg chg="mod">
+          <ac:chgData name="Philippe Baucour" userId="5102170ae7533958" providerId="LiveId" clId="{ABAE05BF-949A-4E93-BC19-2AEAAED3ED81}" dt="2024-09-02T12:23:46.627" v="316" actId="20577"/>
+          <ac:spMkLst>
+            <pc:docMk/>
+            <pc:sldMk cId="671232843" sldId="267"/>
+            <ac:spMk id="2" creationId="{5C06DFB4-6CEB-9A90-B9B4-CD5231B0FC34}"/>
+          </ac:spMkLst>
+        </pc:spChg>
+        <pc:spChg chg="add mod">
+          <ac:chgData name="Philippe Baucour" userId="5102170ae7533958" providerId="LiveId" clId="{ABAE05BF-949A-4E93-BC19-2AEAAED3ED81}" dt="2024-09-02T14:18:34.620" v="898" actId="1076"/>
+          <ac:spMkLst>
+            <pc:docMk/>
+            <pc:sldMk cId="671232843" sldId="267"/>
+            <ac:spMk id="17" creationId="{3053E7A8-B72C-E8FD-CA87-54B853B912FF}"/>
+          </ac:spMkLst>
+        </pc:spChg>
+        <pc:picChg chg="add del">
+          <ac:chgData name="Philippe Baucour" userId="5102170ae7533958" providerId="LiveId" clId="{ABAE05BF-949A-4E93-BC19-2AEAAED3ED81}" dt="2024-09-02T12:24:02.679" v="318" actId="22"/>
+          <ac:picMkLst>
+            <pc:docMk/>
+            <pc:sldMk cId="671232843" sldId="267"/>
+            <ac:picMk id="4" creationId="{DDCC9B01-1C86-4361-3D29-D58BF989F47C}"/>
+          </ac:picMkLst>
+        </pc:picChg>
+        <pc:picChg chg="add mod">
+          <ac:chgData name="Philippe Baucour" userId="5102170ae7533958" providerId="LiveId" clId="{ABAE05BF-949A-4E93-BC19-2AEAAED3ED81}" dt="2024-09-02T12:31:10.525" v="445" actId="14100"/>
+          <ac:picMkLst>
+            <pc:docMk/>
+            <pc:sldMk cId="671232843" sldId="267"/>
+            <ac:picMk id="6" creationId="{DE215ABA-7CB9-739C-7843-0B94C0596BAA}"/>
+          </ac:picMkLst>
+        </pc:picChg>
+        <pc:picChg chg="add mod">
+          <ac:chgData name="Philippe Baucour" userId="5102170ae7533958" providerId="LiveId" clId="{ABAE05BF-949A-4E93-BC19-2AEAAED3ED81}" dt="2024-09-02T12:32:36.623" v="466" actId="14861"/>
+          <ac:picMkLst>
+            <pc:docMk/>
+            <pc:sldMk cId="671232843" sldId="267"/>
+            <ac:picMk id="8" creationId="{98F01870-7F64-E70E-7931-FB963429CC65}"/>
+          </ac:picMkLst>
+        </pc:picChg>
+        <pc:picChg chg="add mod">
+          <ac:chgData name="Philippe Baucour" userId="5102170ae7533958" providerId="LiveId" clId="{ABAE05BF-949A-4E93-BC19-2AEAAED3ED81}" dt="2024-09-02T12:32:29.879" v="465" actId="1038"/>
+          <ac:picMkLst>
+            <pc:docMk/>
+            <pc:sldMk cId="671232843" sldId="267"/>
+            <ac:picMk id="10" creationId="{B219E183-51F3-8F3E-F7A6-EE74696E2CF6}"/>
+          </ac:picMkLst>
+        </pc:picChg>
+        <pc:picChg chg="add mod">
+          <ac:chgData name="Philippe Baucour" userId="5102170ae7533958" providerId="LiveId" clId="{ABAE05BF-949A-4E93-BC19-2AEAAED3ED81}" dt="2024-09-02T12:30:37.861" v="386" actId="14100"/>
+          <ac:picMkLst>
+            <pc:docMk/>
+            <pc:sldMk cId="671232843" sldId="267"/>
+            <ac:picMk id="12" creationId="{2C468C74-FB0F-2D3E-FC0D-98A51AB44FD1}"/>
+          </ac:picMkLst>
+        </pc:picChg>
+        <pc:picChg chg="add mod">
+          <ac:chgData name="Philippe Baucour" userId="5102170ae7533958" providerId="LiveId" clId="{ABAE05BF-949A-4E93-BC19-2AEAAED3ED81}" dt="2024-09-02T12:32:29.879" v="465" actId="1038"/>
+          <ac:picMkLst>
+            <pc:docMk/>
+            <pc:sldMk cId="671232843" sldId="267"/>
+            <ac:picMk id="14" creationId="{03DCF24A-A399-5F89-1FB9-27F49EE8948D}"/>
+          </ac:picMkLst>
+        </pc:picChg>
+        <pc:picChg chg="add mod">
+          <ac:chgData name="Philippe Baucour" userId="5102170ae7533958" providerId="LiveId" clId="{ABAE05BF-949A-4E93-BC19-2AEAAED3ED81}" dt="2024-09-02T12:32:16.637" v="450" actId="1076"/>
+          <ac:picMkLst>
+            <pc:docMk/>
+            <pc:sldMk cId="671232843" sldId="267"/>
+            <ac:picMk id="16" creationId="{4BBD0288-8849-D410-540F-88973DB583A2}"/>
+          </ac:picMkLst>
+        </pc:picChg>
+        <pc:picChg chg="add mod">
+          <ac:chgData name="Philippe Baucour" userId="5102170ae7533958" providerId="LiveId" clId="{ABAE05BF-949A-4E93-BC19-2AEAAED3ED81}" dt="2024-09-02T12:37:56.841" v="593" actId="1038"/>
+          <ac:picMkLst>
+            <pc:docMk/>
+            <pc:sldMk cId="671232843" sldId="267"/>
+            <ac:picMk id="19" creationId="{10D1E19D-8BF6-E276-0361-5D7954E56B3A}"/>
+          </ac:picMkLst>
+        </pc:picChg>
+        <pc:picChg chg="add mod">
+          <ac:chgData name="Philippe Baucour" userId="5102170ae7533958" providerId="LiveId" clId="{ABAE05BF-949A-4E93-BC19-2AEAAED3ED81}" dt="2024-09-02T14:18:17.318" v="897" actId="1076"/>
+          <ac:picMkLst>
+            <pc:docMk/>
+            <pc:sldMk cId="671232843" sldId="267"/>
+            <ac:picMk id="20" creationId="{8D66137E-54DB-EAD7-AEA2-D5B91141B969}"/>
+          </ac:picMkLst>
+        </pc:picChg>
+        <pc:picChg chg="add mod">
+          <ac:chgData name="Philippe Baucour" userId="5102170ae7533958" providerId="LiveId" clId="{ABAE05BF-949A-4E93-BC19-2AEAAED3ED81}" dt="2024-09-02T14:18:13.378" v="896" actId="1076"/>
+          <ac:picMkLst>
+            <pc:docMk/>
+            <pc:sldMk cId="671232843" sldId="267"/>
+            <ac:picMk id="21" creationId="{53077D63-D165-184F-240A-2370B4436AF2}"/>
+          </ac:picMkLst>
+        </pc:picChg>
+        <pc:picChg chg="add mod">
+          <ac:chgData name="Philippe Baucour" userId="5102170ae7533958" providerId="LiveId" clId="{ABAE05BF-949A-4E93-BC19-2AEAAED3ED81}" dt="2024-09-02T14:16:14.399" v="894"/>
+          <ac:picMkLst>
+            <pc:docMk/>
+            <pc:sldMk cId="671232843" sldId="267"/>
+            <ac:picMk id="22" creationId="{0D44EBCE-E3FC-4AB2-B30E-7D2EACA958E8}"/>
+          </ac:picMkLst>
+        </pc:picChg>
+        <pc:picChg chg="add mod">
+          <ac:chgData name="Philippe Baucour" userId="5102170ae7533958" providerId="LiveId" clId="{ABAE05BF-949A-4E93-BC19-2AEAAED3ED81}" dt="2024-09-02T14:18:41.261" v="899" actId="1076"/>
+          <ac:picMkLst>
+            <pc:docMk/>
+            <pc:sldMk cId="671232843" sldId="267"/>
+            <ac:picMk id="23" creationId="{4762C2C7-011E-1CCE-F3A8-1359492F40E8}"/>
+          </ac:picMkLst>
+        </pc:picChg>
+        <pc:picChg chg="add mod">
+          <ac:chgData name="Philippe Baucour" userId="5102170ae7533958" providerId="LiveId" clId="{ABAE05BF-949A-4E93-BC19-2AEAAED3ED81}" dt="2024-09-02T14:18:08.790" v="895" actId="1076"/>
+          <ac:picMkLst>
+            <pc:docMk/>
+            <pc:sldMk cId="671232843" sldId="267"/>
+            <ac:picMk id="24" creationId="{97EBF08F-E1CC-F230-8C76-F3906CF86D90}"/>
+          </ac:picMkLst>
+        </pc:picChg>
+      </pc:sldChg>
+      <pc:sldChg chg="addSp modSp new mod">
+        <pc:chgData name="Philippe Baucour" userId="5102170ae7533958" providerId="LiveId" clId="{ABAE05BF-949A-4E93-BC19-2AEAAED3ED81}" dt="2024-09-02T12:50:42.658" v="863" actId="20577"/>
+        <pc:sldMkLst>
+          <pc:docMk/>
+          <pc:sldMk cId="3250692139" sldId="268"/>
+        </pc:sldMkLst>
+        <pc:spChg chg="mod">
+          <ac:chgData name="Philippe Baucour" userId="5102170ae7533958" providerId="LiveId" clId="{ABAE05BF-949A-4E93-BC19-2AEAAED3ED81}" dt="2024-09-02T12:41:04.693" v="622" actId="20577"/>
+          <ac:spMkLst>
+            <pc:docMk/>
+            <pc:sldMk cId="3250692139" sldId="268"/>
+            <ac:spMk id="2" creationId="{298D14FB-41AD-08E5-65AA-A5B1CAF68D21}"/>
+          </ac:spMkLst>
+        </pc:spChg>
+        <pc:spChg chg="add mod">
+          <ac:chgData name="Philippe Baucour" userId="5102170ae7533958" providerId="LiveId" clId="{ABAE05BF-949A-4E93-BC19-2AEAAED3ED81}" dt="2024-09-02T12:50:42.658" v="863" actId="20577"/>
+          <ac:spMkLst>
+            <pc:docMk/>
+            <pc:sldMk cId="3250692139" sldId="268"/>
+            <ac:spMk id="7" creationId="{F83906D1-5B66-08E7-5606-B26F5B3FEA7B}"/>
+          </ac:spMkLst>
+        </pc:spChg>
+        <pc:spChg chg="add mod">
+          <ac:chgData name="Philippe Baucour" userId="5102170ae7533958" providerId="LiveId" clId="{ABAE05BF-949A-4E93-BC19-2AEAAED3ED81}" dt="2024-09-02T12:49:37.866" v="851" actId="554"/>
+          <ac:spMkLst>
+            <pc:docMk/>
+            <pc:sldMk cId="3250692139" sldId="268"/>
+            <ac:spMk id="8" creationId="{AE2CE680-597C-A15B-A1D6-B7C27162D4C2}"/>
+          </ac:spMkLst>
+        </pc:spChg>
+        <pc:picChg chg="add mod">
+          <ac:chgData name="Philippe Baucour" userId="5102170ae7533958" providerId="LiveId" clId="{ABAE05BF-949A-4E93-BC19-2AEAAED3ED81}" dt="2024-09-02T12:43:00.202" v="630" actId="1076"/>
+          <ac:picMkLst>
+            <pc:docMk/>
+            <pc:sldMk cId="3250692139" sldId="268"/>
+            <ac:picMk id="4" creationId="{6928F55C-3FD1-EA6D-77CA-52AC0CEA11F1}"/>
+          </ac:picMkLst>
+        </pc:picChg>
+        <pc:picChg chg="add mod">
+          <ac:chgData name="Philippe Baucour" userId="5102170ae7533958" providerId="LiveId" clId="{ABAE05BF-949A-4E93-BC19-2AEAAED3ED81}" dt="2024-09-02T12:47:08.529" v="771" actId="1037"/>
+          <ac:picMkLst>
+            <pc:docMk/>
+            <pc:sldMk cId="3250692139" sldId="268"/>
+            <ac:picMk id="6" creationId="{81C31236-3B5B-5A41-4354-0F5DD675816F}"/>
+          </ac:picMkLst>
+        </pc:picChg>
       </pc:sldChg>
     </pc:docChg>
   </pc:docChgLst>
@@ -1674,7 +2143,7 @@
           <a:p>
             <a:fld id="{FD1752CD-A7D2-4825-BC26-9DAEFBD0A5FF}" type="datetimeFigureOut">
               <a:rPr lang="fr-FR" smtClean="0"/>
-              <a:t>30/08/2024</a:t>
+              <a:t>02/09/2024</a:t>
             </a:fld>
             <a:endParaRPr lang="fr-FR"/>
           </a:p>
@@ -2241,6 +2710,555 @@
 </p:notes>
 </file>
 
+<file path=ppt/notesSlides/notesSlide2.xml><?xml version="1.0" encoding="utf-8"?>
+<p:notes xmlns:a="http://schemas.openxmlformats.org/drawingml/2006/main" xmlns:r="http://schemas.openxmlformats.org/officeDocument/2006/relationships" xmlns:p="http://schemas.openxmlformats.org/presentationml/2006/main">
+  <p:cSld>
+    <p:spTree>
+      <p:nvGrpSpPr>
+        <p:cNvPr id="1" name=""/>
+        <p:cNvGrpSpPr/>
+        <p:nvPr/>
+      </p:nvGrpSpPr>
+      <p:grpSpPr>
+        <a:xfrm>
+          <a:off x="0" y="0"/>
+          <a:ext cx="0" cy="0"/>
+          <a:chOff x="0" y="0"/>
+          <a:chExt cx="0" cy="0"/>
+        </a:xfrm>
+      </p:grpSpPr>
+      <p:sp>
+        <p:nvSpPr>
+          <p:cNvPr id="2" name="Espace réservé de l'image des diapositives 1"/>
+          <p:cNvSpPr>
+            <a:spLocks noGrp="1" noRot="1" noChangeAspect="1"/>
+          </p:cNvSpPr>
+          <p:nvPr>
+            <p:ph type="sldImg"/>
+          </p:nvPr>
+        </p:nvSpPr>
+        <p:spPr/>
+      </p:sp>
+      <p:sp>
+        <p:nvSpPr>
+          <p:cNvPr id="3" name="Espace réservé des notes 2"/>
+          <p:cNvSpPr>
+            <a:spLocks noGrp="1"/>
+          </p:cNvSpPr>
+          <p:nvPr>
+            <p:ph type="body" idx="1"/>
+          </p:nvPr>
+        </p:nvSpPr>
+        <p:spPr/>
+        <p:txBody>
+          <a:bodyPr/>
+          <a:lstStyle/>
+          <a:p>
+            <a:r>
+              <a:rPr lang="fr-FR" dirty="0"/>
+              <a:t>Pas beaucoup de sms</a:t>
+            </a:r>
+          </a:p>
+          <a:p>
+            <a:r>
+              <a:rPr lang="fr-FR" dirty="0"/>
+              <a:t>Ca peut être un pb avec des modèles </a:t>
+            </a:r>
+            <a:r>
+              <a:rPr lang="fr-FR" dirty="0" err="1"/>
+              <a:t>deep</a:t>
+            </a:r>
+            <a:r>
+              <a:rPr lang="fr-FR" dirty="0"/>
+              <a:t> learning qui ont besoin de brasser bcp de données</a:t>
+            </a:r>
+          </a:p>
+        </p:txBody>
+      </p:sp>
+      <p:sp>
+        <p:nvSpPr>
+          <p:cNvPr id="4" name="Espace réservé du numéro de diapositive 3"/>
+          <p:cNvSpPr>
+            <a:spLocks noGrp="1"/>
+          </p:cNvSpPr>
+          <p:nvPr>
+            <p:ph type="sldNum" sz="quarter" idx="5"/>
+          </p:nvPr>
+        </p:nvSpPr>
+        <p:spPr/>
+        <p:txBody>
+          <a:bodyPr/>
+          <a:lstStyle/>
+          <a:p>
+            <a:fld id="{341AEC00-4977-4C47-A11B-52155DC12F54}" type="slidenum">
+              <a:rPr lang="fr-FR" smtClean="0"/>
+              <a:t>3</a:t>
+            </a:fld>
+            <a:endParaRPr lang="fr-FR"/>
+          </a:p>
+        </p:txBody>
+      </p:sp>
+    </p:spTree>
+    <p:extLst>
+      <p:ext uri="{BB962C8B-B14F-4D97-AF65-F5344CB8AC3E}">
+        <p14:creationId xmlns:p14="http://schemas.microsoft.com/office/powerpoint/2010/main" val="1803812917"/>
+      </p:ext>
+    </p:extLst>
+  </p:cSld>
+  <p:clrMapOvr>
+    <a:masterClrMapping/>
+  </p:clrMapOvr>
+</p:notes>
+</file>
+
+<file path=ppt/notesSlides/notesSlide3.xml><?xml version="1.0" encoding="utf-8"?>
+<p:notes xmlns:a="http://schemas.openxmlformats.org/drawingml/2006/main" xmlns:r="http://schemas.openxmlformats.org/officeDocument/2006/relationships" xmlns:p="http://schemas.openxmlformats.org/presentationml/2006/main">
+  <p:cSld>
+    <p:spTree>
+      <p:nvGrpSpPr>
+        <p:cNvPr id="1" name=""/>
+        <p:cNvGrpSpPr/>
+        <p:nvPr/>
+      </p:nvGrpSpPr>
+      <p:grpSpPr>
+        <a:xfrm>
+          <a:off x="0" y="0"/>
+          <a:ext cx="0" cy="0"/>
+          <a:chOff x="0" y="0"/>
+          <a:chExt cx="0" cy="0"/>
+        </a:xfrm>
+      </p:grpSpPr>
+      <p:sp>
+        <p:nvSpPr>
+          <p:cNvPr id="2" name="Espace réservé de l'image des diapositives 1"/>
+          <p:cNvSpPr>
+            <a:spLocks noGrp="1" noRot="1" noChangeAspect="1"/>
+          </p:cNvSpPr>
+          <p:nvPr>
+            <p:ph type="sldImg"/>
+          </p:nvPr>
+        </p:nvSpPr>
+        <p:spPr/>
+      </p:sp>
+      <p:sp>
+        <p:nvSpPr>
+          <p:cNvPr id="3" name="Espace réservé des notes 2"/>
+          <p:cNvSpPr>
+            <a:spLocks noGrp="1"/>
+          </p:cNvSpPr>
+          <p:nvPr>
+            <p:ph type="body" idx="1"/>
+          </p:nvPr>
+        </p:nvSpPr>
+        <p:spPr/>
+        <p:txBody>
+          <a:bodyPr/>
+          <a:lstStyle/>
+          <a:p>
+            <a:r>
+              <a:rPr lang="en-US" b="0" dirty="0">
+                <a:solidFill>
+                  <a:srgbClr val="CCCCCC"/>
+                </a:solidFill>
+                <a:effectLst/>
+                <a:latin typeface="JetBrains Mono" panose="02000009000000000000" pitchFamily="49" charset="0"/>
+              </a:rPr>
+              <a:t>* </a:t>
+            </a:r>
+            <a:r>
+              <a:rPr lang="en-US" b="0" dirty="0" err="1">
+                <a:solidFill>
+                  <a:srgbClr val="CCCCCC"/>
+                </a:solidFill>
+                <a:effectLst/>
+                <a:latin typeface="JetBrains Mono" panose="02000009000000000000" pitchFamily="49" charset="0"/>
+              </a:rPr>
+              <a:t>Sms</a:t>
+            </a:r>
+            <a:r>
+              <a:rPr lang="en-US" b="0" dirty="0">
+                <a:solidFill>
+                  <a:srgbClr val="CCCCCC"/>
+                </a:solidFill>
+                <a:effectLst/>
+                <a:latin typeface="JetBrains Mono" panose="02000009000000000000" pitchFamily="49" charset="0"/>
+              </a:rPr>
+              <a:t> identified as spam (=1)</a:t>
+            </a:r>
+          </a:p>
+          <a:p>
+            <a:r>
+              <a:rPr lang="en-US" b="0" dirty="0">
+                <a:solidFill>
+                  <a:srgbClr val="6796E6"/>
+                </a:solidFill>
+                <a:effectLst/>
+                <a:latin typeface="JetBrains Mono" panose="02000009000000000000" pitchFamily="49" charset="0"/>
+              </a:rPr>
+              <a:t>*</a:t>
+            </a:r>
+            <a:r>
+              <a:rPr lang="en-US" b="0" dirty="0">
+                <a:solidFill>
+                  <a:srgbClr val="CCCCCC"/>
+                </a:solidFill>
+                <a:effectLst/>
+                <a:latin typeface="JetBrains Mono" panose="02000009000000000000" pitchFamily="49" charset="0"/>
+              </a:rPr>
+              <a:t> Can I accept spam in my </a:t>
+            </a:r>
+            <a:r>
+              <a:rPr lang="en-US" b="0" dirty="0" err="1">
+                <a:solidFill>
+                  <a:srgbClr val="CCCCCC"/>
+                </a:solidFill>
+                <a:effectLst/>
+                <a:latin typeface="JetBrains Mono" panose="02000009000000000000" pitchFamily="49" charset="0"/>
+              </a:rPr>
+              <a:t>sms</a:t>
+            </a:r>
+            <a:r>
+              <a:rPr lang="en-US" b="0" dirty="0">
+                <a:solidFill>
+                  <a:srgbClr val="CCCCCC"/>
+                </a:solidFill>
+                <a:effectLst/>
+                <a:latin typeface="JetBrains Mono" panose="02000009000000000000" pitchFamily="49" charset="0"/>
+              </a:rPr>
+              <a:t>? I don't know...</a:t>
+            </a:r>
+          </a:p>
+          <a:p>
+            <a:r>
+              <a:rPr lang="en-US" b="0" dirty="0">
+                <a:solidFill>
+                  <a:srgbClr val="6796E6"/>
+                </a:solidFill>
+                <a:effectLst/>
+                <a:latin typeface="JetBrains Mono" panose="02000009000000000000" pitchFamily="49" charset="0"/>
+              </a:rPr>
+              <a:t>*</a:t>
+            </a:r>
+            <a:r>
+              <a:rPr lang="en-US" b="0" dirty="0">
+                <a:solidFill>
+                  <a:srgbClr val="CCCCCC"/>
+                </a:solidFill>
+                <a:effectLst/>
+                <a:latin typeface="JetBrains Mono" panose="02000009000000000000" pitchFamily="49" charset="0"/>
+              </a:rPr>
+              <a:t> Can I accept to see an </a:t>
+            </a:r>
+            <a:r>
+              <a:rPr lang="en-US" b="0" dirty="0" err="1">
+                <a:solidFill>
+                  <a:srgbClr val="CCCCCC"/>
+                </a:solidFill>
+                <a:effectLst/>
+                <a:latin typeface="JetBrains Mono" panose="02000009000000000000" pitchFamily="49" charset="0"/>
+              </a:rPr>
+              <a:t>sms</a:t>
+            </a:r>
+            <a:r>
+              <a:rPr lang="en-US" b="0" dirty="0">
+                <a:solidFill>
+                  <a:srgbClr val="CCCCCC"/>
+                </a:solidFill>
+                <a:effectLst/>
+                <a:latin typeface="JetBrains Mono" panose="02000009000000000000" pitchFamily="49" charset="0"/>
+              </a:rPr>
+              <a:t> from my beloved CEO classified as spam? No! </a:t>
+            </a:r>
+          </a:p>
+          <a:p>
+            <a:r>
+              <a:rPr lang="en-US" b="0" dirty="0">
+                <a:solidFill>
+                  <a:srgbClr val="6796E6"/>
+                </a:solidFill>
+                <a:effectLst/>
+                <a:latin typeface="JetBrains Mono" panose="02000009000000000000" pitchFamily="49" charset="0"/>
+              </a:rPr>
+              <a:t>*</a:t>
+            </a:r>
+            <a:r>
+              <a:rPr lang="en-US" b="0" dirty="0">
+                <a:solidFill>
+                  <a:srgbClr val="CCCCCC"/>
+                </a:solidFill>
+                <a:effectLst/>
+                <a:latin typeface="JetBrains Mono" panose="02000009000000000000" pitchFamily="49" charset="0"/>
+              </a:rPr>
+              <a:t> So I want FP to tend towards 0 and precision $</a:t>
+            </a:r>
+            <a:r>
+              <a:rPr lang="en-US" b="0" dirty="0">
+                <a:solidFill>
+                  <a:srgbClr val="569CD6"/>
+                </a:solidFill>
+                <a:effectLst/>
+                <a:latin typeface="JetBrains Mono" panose="02000009000000000000" pitchFamily="49" charset="0"/>
+              </a:rPr>
+              <a:t>\</a:t>
+            </a:r>
+            <a:r>
+              <a:rPr lang="en-US" b="0" dirty="0">
+                <a:solidFill>
+                  <a:srgbClr val="DCDCAA"/>
+                </a:solidFill>
+                <a:effectLst/>
+                <a:latin typeface="JetBrains Mono" panose="02000009000000000000" pitchFamily="49" charset="0"/>
+              </a:rPr>
+              <a:t>frac</a:t>
+            </a:r>
+            <a:r>
+              <a:rPr lang="en-US" b="0" dirty="0">
+                <a:solidFill>
+                  <a:srgbClr val="D4D4D4"/>
+                </a:solidFill>
+                <a:effectLst/>
+                <a:latin typeface="JetBrains Mono" panose="02000009000000000000" pitchFamily="49" charset="0"/>
+              </a:rPr>
+              <a:t>{TP}{TP+FP}</a:t>
+            </a:r>
+            <a:r>
+              <a:rPr lang="en-US" b="0" dirty="0">
+                <a:solidFill>
+                  <a:srgbClr val="CCCCCC"/>
+                </a:solidFill>
+                <a:effectLst/>
+                <a:latin typeface="JetBrains Mono" panose="02000009000000000000" pitchFamily="49" charset="0"/>
+              </a:rPr>
+              <a:t>$ towards 1 (even if the recall, $</a:t>
+            </a:r>
+            <a:r>
+              <a:rPr lang="en-US" b="0" dirty="0">
+                <a:solidFill>
+                  <a:srgbClr val="569CD6"/>
+                </a:solidFill>
+                <a:effectLst/>
+                <a:latin typeface="JetBrains Mono" panose="02000009000000000000" pitchFamily="49" charset="0"/>
+              </a:rPr>
+              <a:t>\</a:t>
+            </a:r>
+            <a:r>
+              <a:rPr lang="en-US" b="0" dirty="0">
+                <a:solidFill>
+                  <a:srgbClr val="DCDCAA"/>
+                </a:solidFill>
+                <a:effectLst/>
+                <a:latin typeface="JetBrains Mono" panose="02000009000000000000" pitchFamily="49" charset="0"/>
+              </a:rPr>
+              <a:t>frac</a:t>
+            </a:r>
+            <a:r>
+              <a:rPr lang="en-US" b="0" dirty="0">
+                <a:solidFill>
+                  <a:srgbClr val="D4D4D4"/>
+                </a:solidFill>
+                <a:effectLst/>
+                <a:latin typeface="JetBrains Mono" panose="02000009000000000000" pitchFamily="49" charset="0"/>
+              </a:rPr>
+              <a:t>{TP}{TP+FN}</a:t>
+            </a:r>
+            <a:r>
+              <a:rPr lang="en-US" b="0" dirty="0">
+                <a:solidFill>
+                  <a:srgbClr val="CCCCCC"/>
+                </a:solidFill>
+                <a:effectLst/>
+                <a:latin typeface="JetBrains Mono" panose="02000009000000000000" pitchFamily="49" charset="0"/>
+              </a:rPr>
+              <a:t>$, is not that great )</a:t>
+            </a:r>
+          </a:p>
+          <a:p>
+            <a:r>
+              <a:rPr lang="en-US" b="0" dirty="0">
+                <a:solidFill>
+                  <a:srgbClr val="6796E6"/>
+                </a:solidFill>
+                <a:effectLst/>
+                <a:latin typeface="JetBrains Mono" panose="02000009000000000000" pitchFamily="49" charset="0"/>
+              </a:rPr>
+              <a:t>*</a:t>
+            </a:r>
+            <a:r>
+              <a:rPr lang="en-US" b="0" dirty="0">
+                <a:solidFill>
+                  <a:srgbClr val="CCCCCC"/>
+                </a:solidFill>
+                <a:effectLst/>
+                <a:latin typeface="JetBrains Mono" panose="02000009000000000000" pitchFamily="49" charset="0"/>
+              </a:rPr>
+              <a:t> I decide to </a:t>
+            </a:r>
+            <a:r>
+              <a:rPr lang="en-US" b="0" dirty="0" err="1">
+                <a:solidFill>
+                  <a:srgbClr val="CCCCCC"/>
+                </a:solidFill>
+                <a:effectLst/>
+                <a:latin typeface="JetBrains Mono" panose="02000009000000000000" pitchFamily="49" charset="0"/>
+              </a:rPr>
+              <a:t>favour</a:t>
+            </a:r>
+            <a:r>
+              <a:rPr lang="en-US" b="0" dirty="0">
+                <a:solidFill>
+                  <a:srgbClr val="CCCCCC"/>
+                </a:solidFill>
+                <a:effectLst/>
+                <a:latin typeface="JetBrains Mono" panose="02000009000000000000" pitchFamily="49" charset="0"/>
+              </a:rPr>
+              <a:t> precision over recall</a:t>
+            </a:r>
+          </a:p>
+          <a:p>
+            <a:endParaRPr lang="fr-FR" dirty="0"/>
+          </a:p>
+        </p:txBody>
+      </p:sp>
+      <p:sp>
+        <p:nvSpPr>
+          <p:cNvPr id="4" name="Espace réservé du numéro de diapositive 3"/>
+          <p:cNvSpPr>
+            <a:spLocks noGrp="1"/>
+          </p:cNvSpPr>
+          <p:nvPr>
+            <p:ph type="sldNum" sz="quarter" idx="5"/>
+          </p:nvPr>
+        </p:nvSpPr>
+        <p:spPr/>
+        <p:txBody>
+          <a:bodyPr/>
+          <a:lstStyle/>
+          <a:p>
+            <a:fld id="{341AEC00-4977-4C47-A11B-52155DC12F54}" type="slidenum">
+              <a:rPr lang="fr-FR" smtClean="0"/>
+              <a:t>5</a:t>
+            </a:fld>
+            <a:endParaRPr lang="fr-FR"/>
+          </a:p>
+        </p:txBody>
+      </p:sp>
+    </p:spTree>
+    <p:extLst>
+      <p:ext uri="{BB962C8B-B14F-4D97-AF65-F5344CB8AC3E}">
+        <p14:creationId xmlns:p14="http://schemas.microsoft.com/office/powerpoint/2010/main" val="1978138556"/>
+      </p:ext>
+    </p:extLst>
+  </p:cSld>
+  <p:clrMapOvr>
+    <a:masterClrMapping/>
+  </p:clrMapOvr>
+</p:notes>
+</file>
+
+<file path=ppt/notesSlides/notesSlide4.xml><?xml version="1.0" encoding="utf-8"?>
+<p:notes xmlns:a="http://schemas.openxmlformats.org/drawingml/2006/main" xmlns:r="http://schemas.openxmlformats.org/officeDocument/2006/relationships" xmlns:p="http://schemas.openxmlformats.org/presentationml/2006/main">
+  <p:cSld>
+    <p:spTree>
+      <p:nvGrpSpPr>
+        <p:cNvPr id="1" name=""/>
+        <p:cNvGrpSpPr/>
+        <p:nvPr/>
+      </p:nvGrpSpPr>
+      <p:grpSpPr>
+        <a:xfrm>
+          <a:off x="0" y="0"/>
+          <a:ext cx="0" cy="0"/>
+          <a:chOff x="0" y="0"/>
+          <a:chExt cx="0" cy="0"/>
+        </a:xfrm>
+      </p:grpSpPr>
+      <p:sp>
+        <p:nvSpPr>
+          <p:cNvPr id="2" name="Espace réservé de l'image des diapositives 1"/>
+          <p:cNvSpPr>
+            <a:spLocks noGrp="1" noRot="1" noChangeAspect="1"/>
+          </p:cNvSpPr>
+          <p:nvPr>
+            <p:ph type="sldImg"/>
+          </p:nvPr>
+        </p:nvSpPr>
+        <p:spPr/>
+      </p:sp>
+      <p:sp>
+        <p:nvSpPr>
+          <p:cNvPr id="3" name="Espace réservé des notes 2"/>
+          <p:cNvSpPr>
+            <a:spLocks noGrp="1"/>
+          </p:cNvSpPr>
+          <p:nvPr>
+            <p:ph type="body" idx="1"/>
+          </p:nvPr>
+        </p:nvSpPr>
+        <p:spPr/>
+        <p:txBody>
+          <a:bodyPr/>
+          <a:lstStyle/>
+          <a:p>
+            <a:r>
+              <a:rPr lang="fr-FR" dirty="0"/>
+              <a:t>On avait 8 169 paramètres entrainables avec le modèle de base</a:t>
+            </a:r>
+          </a:p>
+          <a:p>
+            <a:r>
+              <a:rPr lang="fr-FR" dirty="0"/>
+              <a:t>Ici on en a  : </a:t>
+            </a:r>
+            <a:r>
+              <a:rPr lang="fr-FR" b="0" i="0" dirty="0">
+                <a:solidFill>
+                  <a:srgbClr val="CCCCCC"/>
+                </a:solidFill>
+                <a:effectLst/>
+                <a:latin typeface="JetBrains Mono" panose="02000009000000000000" pitchFamily="49" charset="0"/>
+              </a:rPr>
+              <a:t>109 483 009 = 100 millions !!!</a:t>
+            </a:r>
+            <a:endParaRPr lang="fr-FR" dirty="0"/>
+          </a:p>
+        </p:txBody>
+      </p:sp>
+      <p:sp>
+        <p:nvSpPr>
+          <p:cNvPr id="4" name="Espace réservé du numéro de diapositive 3"/>
+          <p:cNvSpPr>
+            <a:spLocks noGrp="1"/>
+          </p:cNvSpPr>
+          <p:nvPr>
+            <p:ph type="sldNum" sz="quarter" idx="5"/>
+          </p:nvPr>
+        </p:nvSpPr>
+        <p:spPr/>
+        <p:txBody>
+          <a:bodyPr/>
+          <a:lstStyle/>
+          <a:p>
+            <a:fld id="{341AEC00-4977-4C47-A11B-52155DC12F54}" type="slidenum">
+              <a:rPr lang="fr-FR" smtClean="0"/>
+              <a:t>7</a:t>
+            </a:fld>
+            <a:endParaRPr lang="fr-FR"/>
+          </a:p>
+        </p:txBody>
+      </p:sp>
+    </p:spTree>
+    <p:extLst>
+      <p:ext uri="{BB962C8B-B14F-4D97-AF65-F5344CB8AC3E}">
+        <p14:creationId xmlns:p14="http://schemas.microsoft.com/office/powerpoint/2010/main" val="1757169278"/>
+      </p:ext>
+    </p:extLst>
+  </p:cSld>
+  <p:clrMapOvr>
+    <a:masterClrMapping/>
+  </p:clrMapOvr>
+</p:notes>
+</file>
+
 <file path=ppt/slideLayouts/slideLayout1.xml><?xml version="1.0" encoding="utf-8"?>
 <p:sldLayout xmlns:a="http://schemas.openxmlformats.org/drawingml/2006/main" xmlns:r="http://schemas.openxmlformats.org/officeDocument/2006/relationships" xmlns:p="http://schemas.openxmlformats.org/presentationml/2006/main" type="title" preserve="1">
   <p:cSld name="Diapositive de titre">
@@ -2388,7 +3406,7 @@
           <a:p>
             <a:fld id="{7ECB9D5A-E5E4-41FE-AF39-634902D6D5D2}" type="datetimeFigureOut">
               <a:rPr lang="fr-FR" smtClean="0"/>
-              <a:t>30/08/2024</a:t>
+              <a:t>02/09/2024</a:t>
             </a:fld>
             <a:endParaRPr lang="fr-FR"/>
           </a:p>
@@ -2586,7 +3604,7 @@
           <a:p>
             <a:fld id="{7ECB9D5A-E5E4-41FE-AF39-634902D6D5D2}" type="datetimeFigureOut">
               <a:rPr lang="fr-FR" smtClean="0"/>
-              <a:t>30/08/2024</a:t>
+              <a:t>02/09/2024</a:t>
             </a:fld>
             <a:endParaRPr lang="fr-FR"/>
           </a:p>
@@ -2794,7 +3812,7 @@
           <a:p>
             <a:fld id="{7ECB9D5A-E5E4-41FE-AF39-634902D6D5D2}" type="datetimeFigureOut">
               <a:rPr lang="fr-FR" smtClean="0"/>
-              <a:t>30/08/2024</a:t>
+              <a:t>02/09/2024</a:t>
             </a:fld>
             <a:endParaRPr lang="fr-FR"/>
           </a:p>
@@ -2992,7 +4010,7 @@
           <a:p>
             <a:fld id="{7ECB9D5A-E5E4-41FE-AF39-634902D6D5D2}" type="datetimeFigureOut">
               <a:rPr lang="fr-FR" smtClean="0"/>
-              <a:t>30/08/2024</a:t>
+              <a:t>02/09/2024</a:t>
             </a:fld>
             <a:endParaRPr lang="fr-FR"/>
           </a:p>
@@ -3267,7 +4285,7 @@
           <a:p>
             <a:fld id="{7ECB9D5A-E5E4-41FE-AF39-634902D6D5D2}" type="datetimeFigureOut">
               <a:rPr lang="fr-FR" smtClean="0"/>
-              <a:t>30/08/2024</a:t>
+              <a:t>02/09/2024</a:t>
             </a:fld>
             <a:endParaRPr lang="fr-FR"/>
           </a:p>
@@ -3532,7 +4550,7 @@
           <a:p>
             <a:fld id="{7ECB9D5A-E5E4-41FE-AF39-634902D6D5D2}" type="datetimeFigureOut">
               <a:rPr lang="fr-FR" smtClean="0"/>
-              <a:t>30/08/2024</a:t>
+              <a:t>02/09/2024</a:t>
             </a:fld>
             <a:endParaRPr lang="fr-FR"/>
           </a:p>
@@ -3944,7 +4962,7 @@
           <a:p>
             <a:fld id="{7ECB9D5A-E5E4-41FE-AF39-634902D6D5D2}" type="datetimeFigureOut">
               <a:rPr lang="fr-FR" smtClean="0"/>
-              <a:t>30/08/2024</a:t>
+              <a:t>02/09/2024</a:t>
             </a:fld>
             <a:endParaRPr lang="fr-FR"/>
           </a:p>
@@ -4085,7 +5103,7 @@
           <a:p>
             <a:fld id="{7ECB9D5A-E5E4-41FE-AF39-634902D6D5D2}" type="datetimeFigureOut">
               <a:rPr lang="fr-FR" smtClean="0"/>
-              <a:t>30/08/2024</a:t>
+              <a:t>02/09/2024</a:t>
             </a:fld>
             <a:endParaRPr lang="fr-FR"/>
           </a:p>
@@ -4198,7 +5216,7 @@
           <a:p>
             <a:fld id="{7ECB9D5A-E5E4-41FE-AF39-634902D6D5D2}" type="datetimeFigureOut">
               <a:rPr lang="fr-FR" smtClean="0"/>
-              <a:t>30/08/2024</a:t>
+              <a:t>02/09/2024</a:t>
             </a:fld>
             <a:endParaRPr lang="fr-FR"/>
           </a:p>
@@ -4509,7 +5527,7 @@
           <a:p>
             <a:fld id="{7ECB9D5A-E5E4-41FE-AF39-634902D6D5D2}" type="datetimeFigureOut">
               <a:rPr lang="fr-FR" smtClean="0"/>
-              <a:t>30/08/2024</a:t>
+              <a:t>02/09/2024</a:t>
             </a:fld>
             <a:endParaRPr lang="fr-FR"/>
           </a:p>
@@ -4800,7 +5818,7 @@
           <a:p>
             <a:fld id="{7ECB9D5A-E5E4-41FE-AF39-634902D6D5D2}" type="datetimeFigureOut">
               <a:rPr lang="fr-FR" smtClean="0"/>
-              <a:t>30/08/2024</a:t>
+              <a:t>02/09/2024</a:t>
             </a:fld>
             <a:endParaRPr lang="fr-FR"/>
           </a:p>
@@ -5041,7 +6059,7 @@
           <a:p>
             <a:fld id="{7ECB9D5A-E5E4-41FE-AF39-634902D6D5D2}" type="datetimeFigureOut">
               <a:rPr lang="fr-FR" smtClean="0"/>
-              <a:t>30/08/2024</a:t>
+              <a:t>02/09/2024</a:t>
             </a:fld>
             <a:endParaRPr lang="fr-FR"/>
           </a:p>
@@ -5565,17 +6583,13 @@
           </a:p>
           <a:p>
             <a:pPr algn="l"/>
-            <a:endParaRPr lang="en-US" sz="1400"/>
+            <a:endParaRPr lang="en-US" sz="1400" dirty="0"/>
           </a:p>
           <a:p>
             <a:pPr algn="l"/>
             <a:r>
-              <a:rPr lang="en-US" sz="1400"/>
-              <a:t>The </a:t>
-            </a:r>
-            <a:r>
               <a:rPr lang="en-US" sz="1400" dirty="0"/>
-              <a:t>content of the following slides is mainly a cut-and-paste of what's already available in the project notebook(s). The idea is that the slides can be used to guide and frame the presentation and discussion.</a:t>
+              <a:t>The content of the following slides is mainly a cut-and-paste of what's already available in the project notebook(s). The idea is that the slides can be used to guide and frame the presentation and discussion.</a:t>
             </a:r>
             <a:endParaRPr lang="fr-FR" sz="1400" dirty="0"/>
           </a:p>
@@ -5589,6 +6603,186 @@
           </a:p>
         </p:txBody>
       </p:sp>
+      <p:pic>
+        <p:nvPicPr>
+          <p:cNvPr id="4" name="Graphique 3" descr="Badge 3 avec un remplissage uni">
+            <a:extLst>
+              <a:ext uri="{FF2B5EF4-FFF2-40B4-BE49-F238E27FC236}">
+                <a16:creationId xmlns:a16="http://schemas.microsoft.com/office/drawing/2014/main" id="{8AB5BF6C-1D2F-59DA-7BCE-449A409C5AEE}"/>
+              </a:ext>
+            </a:extLst>
+          </p:cNvPr>
+          <p:cNvPicPr>
+            <a:picLocks noChangeAspect="1"/>
+          </p:cNvPicPr>
+          <p:nvPr/>
+        </p:nvPicPr>
+        <p:blipFill>
+          <a:blip r:embed="rId6">
+            <a:extLst>
+              <a:ext uri="{96DAC541-7B7A-43D3-8B79-37D633B846F1}">
+                <asvg:svgBlip xmlns:asvg="http://schemas.microsoft.com/office/drawing/2016/SVG/main" r:embed="rId7"/>
+              </a:ext>
+            </a:extLst>
+          </a:blip>
+          <a:stretch>
+            <a:fillRect/>
+          </a:stretch>
+        </p:blipFill>
+        <p:spPr>
+          <a:xfrm>
+            <a:off x="-1198095" y="1485900"/>
+            <a:ext cx="914400" cy="914400"/>
+          </a:xfrm>
+          <a:prstGeom prst="rect">
+            <a:avLst/>
+          </a:prstGeom>
+        </p:spPr>
+      </p:pic>
+      <p:pic>
+        <p:nvPicPr>
+          <p:cNvPr id="5" name="Espace réservé du contenu 13" descr="Badge avec un remplissage uni">
+            <a:extLst>
+              <a:ext uri="{FF2B5EF4-FFF2-40B4-BE49-F238E27FC236}">
+                <a16:creationId xmlns:a16="http://schemas.microsoft.com/office/drawing/2014/main" id="{687090E6-EF80-881F-6A94-D96E809381CE}"/>
+              </a:ext>
+            </a:extLst>
+          </p:cNvPr>
+          <p:cNvPicPr>
+            <a:picLocks noChangeAspect="1"/>
+          </p:cNvPicPr>
+          <p:nvPr/>
+        </p:nvPicPr>
+        <p:blipFill>
+          <a:blip r:embed="rId8">
+            <a:extLst>
+              <a:ext uri="{96DAC541-7B7A-43D3-8B79-37D633B846F1}">
+                <asvg:svgBlip xmlns:asvg="http://schemas.microsoft.com/office/drawing/2016/SVG/main" r:embed="rId9"/>
+              </a:ext>
+            </a:extLst>
+          </a:blip>
+          <a:stretch>
+            <a:fillRect/>
+          </a:stretch>
+        </p:blipFill>
+        <p:spPr>
+          <a:xfrm>
+            <a:off x="-1198095" y="2971800"/>
+            <a:ext cx="914400" cy="914400"/>
+          </a:xfrm>
+          <a:prstGeom prst="rect">
+            <a:avLst/>
+          </a:prstGeom>
+        </p:spPr>
+      </p:pic>
+      <p:pic>
+        <p:nvPicPr>
+          <p:cNvPr id="6" name="Graphique 5" descr="Badge 5 avec un remplissage uni">
+            <a:extLst>
+              <a:ext uri="{FF2B5EF4-FFF2-40B4-BE49-F238E27FC236}">
+                <a16:creationId xmlns:a16="http://schemas.microsoft.com/office/drawing/2014/main" id="{CAD46378-6C72-551A-AEA4-741D4D1DCDFA}"/>
+              </a:ext>
+            </a:extLst>
+          </p:cNvPr>
+          <p:cNvPicPr>
+            <a:picLocks noChangeAspect="1"/>
+          </p:cNvPicPr>
+          <p:nvPr/>
+        </p:nvPicPr>
+        <p:blipFill>
+          <a:blip r:embed="rId10">
+            <a:extLst>
+              <a:ext uri="{96DAC541-7B7A-43D3-8B79-37D633B846F1}">
+                <asvg:svgBlip xmlns:asvg="http://schemas.microsoft.com/office/drawing/2016/SVG/main" r:embed="rId11"/>
+              </a:ext>
+            </a:extLst>
+          </a:blip>
+          <a:stretch>
+            <a:fillRect/>
+          </a:stretch>
+        </p:blipFill>
+        <p:spPr>
+          <a:xfrm>
+            <a:off x="-1198095" y="5943600"/>
+            <a:ext cx="914400" cy="914400"/>
+          </a:xfrm>
+          <a:prstGeom prst="rect">
+            <a:avLst/>
+          </a:prstGeom>
+        </p:spPr>
+      </p:pic>
+      <p:pic>
+        <p:nvPicPr>
+          <p:cNvPr id="7" name="Graphique 6" descr="Badge 4 avec un remplissage uni">
+            <a:extLst>
+              <a:ext uri="{FF2B5EF4-FFF2-40B4-BE49-F238E27FC236}">
+                <a16:creationId xmlns:a16="http://schemas.microsoft.com/office/drawing/2014/main" id="{1455B81D-CC51-FD47-093B-7CCA8848351C}"/>
+              </a:ext>
+            </a:extLst>
+          </p:cNvPr>
+          <p:cNvPicPr>
+            <a:picLocks noChangeAspect="1"/>
+          </p:cNvPicPr>
+          <p:nvPr/>
+        </p:nvPicPr>
+        <p:blipFill>
+          <a:blip r:embed="rId12">
+            <a:extLst>
+              <a:ext uri="{96DAC541-7B7A-43D3-8B79-37D633B846F1}">
+                <asvg:svgBlip xmlns:asvg="http://schemas.microsoft.com/office/drawing/2016/SVG/main" r:embed="rId13"/>
+              </a:ext>
+            </a:extLst>
+          </a:blip>
+          <a:stretch>
+            <a:fillRect/>
+          </a:stretch>
+        </p:blipFill>
+        <p:spPr>
+          <a:xfrm>
+            <a:off x="-1198095" y="4457700"/>
+            <a:ext cx="914400" cy="914400"/>
+          </a:xfrm>
+          <a:prstGeom prst="rect">
+            <a:avLst/>
+          </a:prstGeom>
+        </p:spPr>
+      </p:pic>
+      <p:pic>
+        <p:nvPicPr>
+          <p:cNvPr id="8" name="Graphique 7" descr="Badge 1 avec un remplissage uni">
+            <a:extLst>
+              <a:ext uri="{FF2B5EF4-FFF2-40B4-BE49-F238E27FC236}">
+                <a16:creationId xmlns:a16="http://schemas.microsoft.com/office/drawing/2014/main" id="{21C74849-A1B5-FDCD-0143-0CD426B1CD9B}"/>
+              </a:ext>
+            </a:extLst>
+          </p:cNvPr>
+          <p:cNvPicPr>
+            <a:picLocks noChangeAspect="1"/>
+          </p:cNvPicPr>
+          <p:nvPr/>
+        </p:nvPicPr>
+        <p:blipFill>
+          <a:blip r:embed="rId14">
+            <a:extLst>
+              <a:ext uri="{96DAC541-7B7A-43D3-8B79-37D633B846F1}">
+                <asvg:svgBlip xmlns:asvg="http://schemas.microsoft.com/office/drawing/2016/SVG/main" r:embed="rId15"/>
+              </a:ext>
+            </a:extLst>
+          </a:blip>
+          <a:stretch>
+            <a:fillRect/>
+          </a:stretch>
+        </p:blipFill>
+        <p:spPr>
+          <a:xfrm>
+            <a:off x="-1198095" y="0"/>
+            <a:ext cx="914400" cy="914400"/>
+          </a:xfrm>
+          <a:prstGeom prst="rect">
+            <a:avLst/>
+          </a:prstGeom>
+        </p:spPr>
+      </p:pic>
     </p:spTree>
     <p:extLst>
       <p:ext uri="{BB962C8B-B14F-4D97-AF65-F5344CB8AC3E}">
@@ -5678,6 +6872,111 @@
           </a:p>
         </p:txBody>
       </p:sp>
+      <p:pic>
+        <p:nvPicPr>
+          <p:cNvPr id="5" name="Image 4">
+            <a:extLst>
+              <a:ext uri="{FF2B5EF4-FFF2-40B4-BE49-F238E27FC236}">
+                <a16:creationId xmlns:a16="http://schemas.microsoft.com/office/drawing/2014/main" id="{8925DC70-09A2-138C-900B-57BB44F5CC44}"/>
+              </a:ext>
+            </a:extLst>
+          </p:cNvPr>
+          <p:cNvPicPr>
+            <a:picLocks noChangeAspect="1"/>
+          </p:cNvPicPr>
+          <p:nvPr/>
+        </p:nvPicPr>
+        <p:blipFill>
+          <a:blip r:embed="rId2"/>
+          <a:stretch>
+            <a:fillRect/>
+          </a:stretch>
+        </p:blipFill>
+        <p:spPr>
+          <a:xfrm>
+            <a:off x="213358" y="1264123"/>
+            <a:ext cx="11765281" cy="4650492"/>
+          </a:xfrm>
+          <a:prstGeom prst="rect">
+            <a:avLst/>
+          </a:prstGeom>
+          <a:effectLst>
+            <a:outerShdw blurRad="50800" dist="38100" dir="2700000" algn="tl" rotWithShape="0">
+              <a:prstClr val="black">
+                <a:alpha val="40000"/>
+              </a:prstClr>
+            </a:outerShdw>
+          </a:effectLst>
+        </p:spPr>
+      </p:pic>
+      <p:sp>
+        <p:nvSpPr>
+          <p:cNvPr id="6" name="ZoneTexte 5">
+            <a:extLst>
+              <a:ext uri="{FF2B5EF4-FFF2-40B4-BE49-F238E27FC236}">
+                <a16:creationId xmlns:a16="http://schemas.microsoft.com/office/drawing/2014/main" id="{3359D40A-9184-CE81-CDA2-DB6A4C6B3280}"/>
+              </a:ext>
+            </a:extLst>
+          </p:cNvPr>
+          <p:cNvSpPr txBox="1"/>
+          <p:nvPr/>
+        </p:nvSpPr>
+        <p:spPr>
+          <a:xfrm rot="20930732">
+            <a:off x="8442100" y="943390"/>
+            <a:ext cx="2114681" cy="646331"/>
+          </a:xfrm>
+          <a:prstGeom prst="rect">
+            <a:avLst/>
+          </a:prstGeom>
+          <a:solidFill>
+            <a:schemeClr val="accent4">
+              <a:lumMod val="20000"/>
+              <a:lumOff val="80000"/>
+            </a:schemeClr>
+          </a:solidFill>
+          <a:ln>
+            <a:solidFill>
+              <a:schemeClr val="tx1"/>
+            </a:solidFill>
+          </a:ln>
+        </p:spPr>
+        <p:txBody>
+          <a:bodyPr wrap="none" rtlCol="0">
+            <a:spAutoFit/>
+          </a:bodyPr>
+          <a:lstStyle/>
+          <a:p>
+            <a:r>
+              <a:rPr lang="fr-FR" dirty="0">
+                <a:latin typeface="Courier New" panose="02070309020205020404" pitchFamily="49" charset="0"/>
+                <a:cs typeface="Courier New" panose="02070309020205020404" pitchFamily="49" charset="0"/>
+              </a:rPr>
+              <a:t>Spam </a:t>
+            </a:r>
+            <a:r>
+              <a:rPr lang="fr-FR" dirty="0" err="1">
+                <a:latin typeface="Courier New" panose="02070309020205020404" pitchFamily="49" charset="0"/>
+                <a:cs typeface="Courier New" panose="02070309020205020404" pitchFamily="49" charset="0"/>
+              </a:rPr>
+              <a:t>detection</a:t>
+            </a:r>
+            <a:endParaRPr lang="fr-FR" dirty="0">
+              <a:latin typeface="Courier New" panose="02070309020205020404" pitchFamily="49" charset="0"/>
+              <a:cs typeface="Courier New" panose="02070309020205020404" pitchFamily="49" charset="0"/>
+            </a:endParaRPr>
+          </a:p>
+          <a:p>
+            <a:r>
+              <a:rPr lang="fr-FR" dirty="0">
+                <a:latin typeface="Courier New" panose="02070309020205020404" pitchFamily="49" charset="0"/>
+                <a:cs typeface="Courier New" panose="02070309020205020404" pitchFamily="49" charset="0"/>
+              </a:rPr>
+              <a:t>Deep Learning</a:t>
+            </a:r>
+          </a:p>
+        </p:txBody>
+      </p:sp>
     </p:spTree>
     <p:extLst>
       <p:ext uri="{BB962C8B-B14F-4D97-AF65-F5344CB8AC3E}">
@@ -5710,10 +7009,10 @@
       </p:grpSpPr>
       <p:sp>
         <p:nvSpPr>
-          <p:cNvPr id="4" name="Titre 3">
-            <a:extLst>
-              <a:ext uri="{FF2B5EF4-FFF2-40B4-BE49-F238E27FC236}">
-                <a16:creationId xmlns:a16="http://schemas.microsoft.com/office/drawing/2014/main" id="{80E590DF-0A88-7056-85D1-A8E809E2318F}"/>
+          <p:cNvPr id="2" name="Titre 1">
+            <a:extLst>
+              <a:ext uri="{FF2B5EF4-FFF2-40B4-BE49-F238E27FC236}">
+                <a16:creationId xmlns:a16="http://schemas.microsoft.com/office/drawing/2014/main" id="{DD17E4C4-4734-9561-2C1A-F6E6F31CB724}"/>
               </a:ext>
             </a:extLst>
           </p:cNvPr>
@@ -5724,50 +7023,137 @@
             <p:ph type="title"/>
           </p:nvPr>
         </p:nvSpPr>
+        <p:spPr/>
+        <p:txBody>
+          <a:bodyPr/>
+          <a:lstStyle/>
+          <a:p>
+            <a:r>
+              <a:rPr lang="fr-FR" dirty="0"/>
+              <a:t>EDA</a:t>
+            </a:r>
+          </a:p>
+        </p:txBody>
+      </p:sp>
+      <p:pic>
+        <p:nvPicPr>
+          <p:cNvPr id="5" name="Image 4">
+            <a:extLst>
+              <a:ext uri="{FF2B5EF4-FFF2-40B4-BE49-F238E27FC236}">
+                <a16:creationId xmlns:a16="http://schemas.microsoft.com/office/drawing/2014/main" id="{EED01AF8-948F-7E7F-E93A-0EBF59E86006}"/>
+              </a:ext>
+            </a:extLst>
+          </p:cNvPr>
+          <p:cNvPicPr>
+            <a:picLocks noChangeAspect="1"/>
+          </p:cNvPicPr>
+          <p:nvPr/>
+        </p:nvPicPr>
+        <p:blipFill>
+          <a:blip r:embed="rId3"/>
+          <a:stretch>
+            <a:fillRect/>
+          </a:stretch>
+        </p:blipFill>
         <p:spPr>
           <a:xfrm>
-            <a:off x="831850" y="1709738"/>
-            <a:ext cx="10515600" cy="1837859"/>
+            <a:off x="213360" y="1138063"/>
+            <a:ext cx="6327912" cy="4080564"/>
           </a:xfrm>
+          <a:prstGeom prst="rect">
+            <a:avLst/>
+          </a:prstGeom>
+          <a:effectLst>
+            <a:outerShdw blurRad="50800" dist="38100" dir="2700000" algn="tl" rotWithShape="0">
+              <a:prstClr val="black">
+                <a:alpha val="40000"/>
+              </a:prstClr>
+            </a:outerShdw>
+          </a:effectLst>
         </p:spPr>
-        <p:txBody>
-          <a:bodyPr/>
+      </p:pic>
+      <p:pic>
+        <p:nvPicPr>
+          <p:cNvPr id="7" name="Image 6">
+            <a:extLst>
+              <a:ext uri="{FF2B5EF4-FFF2-40B4-BE49-F238E27FC236}">
+                <a16:creationId xmlns:a16="http://schemas.microsoft.com/office/drawing/2014/main" id="{9BD3C26B-160B-2B5D-0EFD-9EC5D9D12B13}"/>
+              </a:ext>
+            </a:extLst>
+          </p:cNvPr>
+          <p:cNvPicPr>
+            <a:picLocks noChangeAspect="1"/>
+          </p:cNvPicPr>
+          <p:nvPr/>
+        </p:nvPicPr>
+        <p:blipFill>
+          <a:blip r:embed="rId4"/>
+          <a:stretch>
+            <a:fillRect/>
+          </a:stretch>
+        </p:blipFill>
+        <p:spPr>
+          <a:xfrm>
+            <a:off x="7910112" y="1143429"/>
+            <a:ext cx="4068528" cy="4075198"/>
+          </a:xfrm>
+          <a:prstGeom prst="rect">
+            <a:avLst/>
+          </a:prstGeom>
+          <a:effectLst>
+            <a:outerShdw blurRad="50800" dist="38100" dir="2700000" algn="tl" rotWithShape="0">
+              <a:prstClr val="black">
+                <a:alpha val="40000"/>
+              </a:prstClr>
+            </a:outerShdw>
+          </a:effectLst>
+        </p:spPr>
+      </p:pic>
+      <p:sp>
+        <p:nvSpPr>
+          <p:cNvPr id="8" name="Flèche : haut 7">
+            <a:extLst>
+              <a:ext uri="{FF2B5EF4-FFF2-40B4-BE49-F238E27FC236}">
+                <a16:creationId xmlns:a16="http://schemas.microsoft.com/office/drawing/2014/main" id="{DCE02009-66B8-A28E-CCDF-F8751B33D11B}"/>
+              </a:ext>
+            </a:extLst>
+          </p:cNvPr>
+          <p:cNvSpPr/>
+          <p:nvPr/>
+        </p:nvSpPr>
+        <p:spPr>
+          <a:xfrm rot="16200000">
+            <a:off x="2153718" y="1168251"/>
+            <a:ext cx="464127" cy="644236"/>
+          </a:xfrm>
+          <a:prstGeom prst="upArrow">
+            <a:avLst/>
+          </a:prstGeom>
+          <a:solidFill>
+            <a:srgbClr val="FF0000"/>
+          </a:solidFill>
+        </p:spPr>
+        <p:style>
+          <a:lnRef idx="2">
+            <a:schemeClr val="accent1">
+              <a:shade val="15000"/>
+            </a:schemeClr>
+          </a:lnRef>
+          <a:fillRef idx="1">
+            <a:schemeClr val="accent1"/>
+          </a:fillRef>
+          <a:effectRef idx="0">
+            <a:schemeClr val="accent1"/>
+          </a:effectRef>
+          <a:fontRef idx="minor">
+            <a:schemeClr val="lt1"/>
+          </a:fontRef>
+        </p:style>
+        <p:txBody>
+          <a:bodyPr rtlCol="0" anchor="ctr"/>
           <a:lstStyle/>
           <a:p>
             <a:pPr algn="ctr"/>
-            <a:r>
-              <a:rPr lang="fr-FR" dirty="0"/>
-              <a:t>Code </a:t>
-            </a:r>
-            <a:r>
-              <a:rPr lang="fr-FR" dirty="0" err="1"/>
-              <a:t>Review</a:t>
-            </a:r>
-            <a:endParaRPr lang="fr-FR" dirty="0"/>
-          </a:p>
-        </p:txBody>
-      </p:sp>
-      <p:sp>
-        <p:nvSpPr>
-          <p:cNvPr id="5" name="Espace réservé du texte 4">
-            <a:extLst>
-              <a:ext uri="{FF2B5EF4-FFF2-40B4-BE49-F238E27FC236}">
-                <a16:creationId xmlns:a16="http://schemas.microsoft.com/office/drawing/2014/main" id="{64E8BF61-007C-0740-1AA1-06B9449B33C7}"/>
-              </a:ext>
-            </a:extLst>
-          </p:cNvPr>
-          <p:cNvSpPr>
-            <a:spLocks noGrp="1"/>
-          </p:cNvSpPr>
-          <p:nvPr>
-            <p:ph type="body" idx="1"/>
-          </p:nvPr>
-        </p:nvSpPr>
-        <p:spPr/>
-        <p:txBody>
-          <a:bodyPr/>
-          <a:lstStyle/>
-          <a:p>
             <a:endParaRPr lang="fr-FR"/>
           </a:p>
         </p:txBody>
@@ -5775,7 +7161,7 @@
     </p:spTree>
     <p:extLst>
       <p:ext uri="{BB962C8B-B14F-4D97-AF65-F5344CB8AC3E}">
-        <p14:creationId xmlns:p14="http://schemas.microsoft.com/office/powerpoint/2010/main" val="312535264"/>
+        <p14:creationId xmlns:p14="http://schemas.microsoft.com/office/powerpoint/2010/main" val="3003218727"/>
       </p:ext>
     </p:extLst>
   </p:cSld>
@@ -5807,7 +7193,7 @@
           <p:cNvPr id="2" name="Titre 1">
             <a:extLst>
               <a:ext uri="{FF2B5EF4-FFF2-40B4-BE49-F238E27FC236}">
-                <a16:creationId xmlns:a16="http://schemas.microsoft.com/office/drawing/2014/main" id="{F13D07B4-C7D9-46E1-38A0-A6EEF16B48EB}"/>
+                <a16:creationId xmlns:a16="http://schemas.microsoft.com/office/drawing/2014/main" id="{85BA5245-1861-0F20-2AEB-5D15F0E8E61E}"/>
               </a:ext>
             </a:extLst>
           </p:cNvPr>
@@ -5825,6 +7211,1584 @@
           <a:p>
             <a:r>
               <a:rPr lang="fr-FR" dirty="0" err="1"/>
+              <a:t>Text</a:t>
+            </a:r>
+            <a:r>
+              <a:rPr lang="fr-FR" dirty="0"/>
+              <a:t> </a:t>
+            </a:r>
+            <a:r>
+              <a:rPr lang="fr-FR" dirty="0" err="1"/>
+              <a:t>processing</a:t>
+            </a:r>
+            <a:endParaRPr lang="fr-FR" dirty="0"/>
+          </a:p>
+        </p:txBody>
+      </p:sp>
+      <p:pic>
+        <p:nvPicPr>
+          <p:cNvPr id="4" name="Image 3">
+            <a:extLst>
+              <a:ext uri="{FF2B5EF4-FFF2-40B4-BE49-F238E27FC236}">
+                <a16:creationId xmlns:a16="http://schemas.microsoft.com/office/drawing/2014/main" id="{77415216-9AA7-4E29-2184-2A7FA9FA5CC8}"/>
+              </a:ext>
+            </a:extLst>
+          </p:cNvPr>
+          <p:cNvPicPr>
+            <a:picLocks noChangeAspect="1"/>
+          </p:cNvPicPr>
+          <p:nvPr/>
+        </p:nvPicPr>
+        <p:blipFill>
+          <a:blip r:embed="rId2"/>
+          <a:stretch>
+            <a:fillRect/>
+          </a:stretch>
+        </p:blipFill>
+        <p:spPr>
+          <a:xfrm>
+            <a:off x="213360" y="925064"/>
+            <a:ext cx="5657850" cy="3114675"/>
+          </a:xfrm>
+          <a:prstGeom prst="rect">
+            <a:avLst/>
+          </a:prstGeom>
+        </p:spPr>
+      </p:pic>
+      <p:pic>
+        <p:nvPicPr>
+          <p:cNvPr id="6" name="Image 5">
+            <a:extLst>
+              <a:ext uri="{FF2B5EF4-FFF2-40B4-BE49-F238E27FC236}">
+                <a16:creationId xmlns:a16="http://schemas.microsoft.com/office/drawing/2014/main" id="{037B4BEF-4A1A-146A-28E2-3FDC6A03EA53}"/>
+              </a:ext>
+            </a:extLst>
+          </p:cNvPr>
+          <p:cNvPicPr>
+            <a:picLocks noChangeAspect="1"/>
+          </p:cNvPicPr>
+          <p:nvPr/>
+        </p:nvPicPr>
+        <p:blipFill>
+          <a:blip r:embed="rId3"/>
+          <a:stretch>
+            <a:fillRect/>
+          </a:stretch>
+        </p:blipFill>
+        <p:spPr>
+          <a:xfrm>
+            <a:off x="6096000" y="925064"/>
+            <a:ext cx="5657850" cy="3114675"/>
+          </a:xfrm>
+          <a:prstGeom prst="rect">
+            <a:avLst/>
+          </a:prstGeom>
+        </p:spPr>
+      </p:pic>
+      <p:pic>
+        <p:nvPicPr>
+          <p:cNvPr id="8" name="Image 7">
+            <a:extLst>
+              <a:ext uri="{FF2B5EF4-FFF2-40B4-BE49-F238E27FC236}">
+                <a16:creationId xmlns:a16="http://schemas.microsoft.com/office/drawing/2014/main" id="{A8B0206B-5AE9-5BE3-4C2A-66C140800561}"/>
+              </a:ext>
+            </a:extLst>
+          </p:cNvPr>
+          <p:cNvPicPr>
+            <a:picLocks noChangeAspect="1"/>
+          </p:cNvPicPr>
+          <p:nvPr/>
+        </p:nvPicPr>
+        <p:blipFill>
+          <a:blip r:embed="rId4"/>
+          <a:stretch>
+            <a:fillRect/>
+          </a:stretch>
+        </p:blipFill>
+        <p:spPr>
+          <a:xfrm>
+            <a:off x="6222208" y="4039738"/>
+            <a:ext cx="5450681" cy="1046819"/>
+          </a:xfrm>
+          <a:prstGeom prst="rect">
+            <a:avLst/>
+          </a:prstGeom>
+        </p:spPr>
+      </p:pic>
+      <p:pic>
+        <p:nvPicPr>
+          <p:cNvPr id="10" name="Image 9">
+            <a:extLst>
+              <a:ext uri="{FF2B5EF4-FFF2-40B4-BE49-F238E27FC236}">
+                <a16:creationId xmlns:a16="http://schemas.microsoft.com/office/drawing/2014/main" id="{09F856DC-F0DA-17CA-AC7C-101B3457F80E}"/>
+              </a:ext>
+            </a:extLst>
+          </p:cNvPr>
+          <p:cNvPicPr>
+            <a:picLocks noChangeAspect="1"/>
+          </p:cNvPicPr>
+          <p:nvPr/>
+        </p:nvPicPr>
+        <p:blipFill>
+          <a:blip r:embed="rId5"/>
+          <a:stretch>
+            <a:fillRect/>
+          </a:stretch>
+        </p:blipFill>
+        <p:spPr>
+          <a:xfrm>
+            <a:off x="290755" y="4039738"/>
+            <a:ext cx="5771908" cy="1046819"/>
+          </a:xfrm>
+          <a:prstGeom prst="rect">
+            <a:avLst/>
+          </a:prstGeom>
+        </p:spPr>
+      </p:pic>
+      <p:sp>
+        <p:nvSpPr>
+          <p:cNvPr id="11" name="ZoneTexte 10">
+            <a:extLst>
+              <a:ext uri="{FF2B5EF4-FFF2-40B4-BE49-F238E27FC236}">
+                <a16:creationId xmlns:a16="http://schemas.microsoft.com/office/drawing/2014/main" id="{B22C1711-2C5B-09D9-84F9-20CB5254CC0A}"/>
+              </a:ext>
+            </a:extLst>
+          </p:cNvPr>
+          <p:cNvSpPr txBox="1"/>
+          <p:nvPr/>
+        </p:nvSpPr>
+        <p:spPr>
+          <a:xfrm>
+            <a:off x="290755" y="5479256"/>
+            <a:ext cx="9421169" cy="369332"/>
+          </a:xfrm>
+          <a:prstGeom prst="rect">
+            <a:avLst/>
+          </a:prstGeom>
+          <a:noFill/>
+        </p:spPr>
+        <p:txBody>
+          <a:bodyPr wrap="none" rtlCol="0">
+            <a:spAutoFit/>
+          </a:bodyPr>
+          <a:lstStyle/>
+          <a:p>
+            <a:r>
+              <a:rPr lang="fr-FR" dirty="0" err="1">
+                <a:latin typeface="Courier New" panose="02070309020205020404" pitchFamily="49" charset="0"/>
+                <a:cs typeface="Courier New" panose="02070309020205020404" pitchFamily="49" charset="0"/>
+              </a:rPr>
+              <a:t>Cleaning</a:t>
+            </a:r>
+            <a:r>
+              <a:rPr lang="fr-FR" dirty="0">
+                <a:latin typeface="Courier New" panose="02070309020205020404" pitchFamily="49" charset="0"/>
+                <a:cs typeface="Courier New" panose="02070309020205020404" pitchFamily="49" charset="0"/>
+              </a:rPr>
+              <a:t>, </a:t>
+            </a:r>
+            <a:r>
+              <a:rPr lang="fr-FR" dirty="0" err="1">
+                <a:latin typeface="Courier New" panose="02070309020205020404" pitchFamily="49" charset="0"/>
+                <a:cs typeface="Courier New" panose="02070309020205020404" pitchFamily="49" charset="0"/>
+              </a:rPr>
+              <a:t>Tokenization</a:t>
+            </a:r>
+            <a:r>
+              <a:rPr lang="fr-FR" dirty="0">
+                <a:latin typeface="Courier New" panose="02070309020205020404" pitchFamily="49" charset="0"/>
+                <a:cs typeface="Courier New" panose="02070309020205020404" pitchFamily="49" charset="0"/>
+              </a:rPr>
+              <a:t>, </a:t>
+            </a:r>
+            <a:r>
+              <a:rPr lang="fr-FR" dirty="0" err="1">
+                <a:latin typeface="Courier New" panose="02070309020205020404" pitchFamily="49" charset="0"/>
+                <a:cs typeface="Courier New" panose="02070309020205020404" pitchFamily="49" charset="0"/>
+              </a:rPr>
+              <a:t>Encoding</a:t>
+            </a:r>
+            <a:r>
+              <a:rPr lang="fr-FR" dirty="0">
+                <a:latin typeface="Courier New" panose="02070309020205020404" pitchFamily="49" charset="0"/>
+                <a:cs typeface="Courier New" panose="02070309020205020404" pitchFamily="49" charset="0"/>
+              </a:rPr>
+              <a:t>, </a:t>
+            </a:r>
+            <a:r>
+              <a:rPr lang="fr-FR" dirty="0" err="1">
+                <a:latin typeface="Courier New" panose="02070309020205020404" pitchFamily="49" charset="0"/>
+                <a:cs typeface="Courier New" panose="02070309020205020404" pitchFamily="49" charset="0"/>
+              </a:rPr>
+              <a:t>Padding</a:t>
+            </a:r>
+            <a:r>
+              <a:rPr lang="fr-FR" dirty="0">
+                <a:latin typeface="Courier New" panose="02070309020205020404" pitchFamily="49" charset="0"/>
+                <a:cs typeface="Courier New" panose="02070309020205020404" pitchFamily="49" charset="0"/>
+              </a:rPr>
+              <a:t>, </a:t>
+            </a:r>
+            <a:r>
+              <a:rPr lang="fr-FR" dirty="0" err="1">
+                <a:latin typeface="Courier New" panose="02070309020205020404" pitchFamily="49" charset="0"/>
+                <a:cs typeface="Courier New" panose="02070309020205020404" pitchFamily="49" charset="0"/>
+              </a:rPr>
+              <a:t>Splitting</a:t>
+            </a:r>
+            <a:r>
+              <a:rPr lang="fr-FR" dirty="0">
+                <a:latin typeface="Courier New" panose="02070309020205020404" pitchFamily="49" charset="0"/>
+                <a:cs typeface="Courier New" panose="02070309020205020404" pitchFamily="49" charset="0"/>
+              </a:rPr>
+              <a:t>, </a:t>
+            </a:r>
+            <a:r>
+              <a:rPr lang="fr-FR" dirty="0" err="1">
+                <a:latin typeface="Courier New" panose="02070309020205020404" pitchFamily="49" charset="0"/>
+                <a:cs typeface="Courier New" panose="02070309020205020404" pitchFamily="49" charset="0"/>
+              </a:rPr>
+              <a:t>Create</a:t>
+            </a:r>
+            <a:r>
+              <a:rPr lang="fr-FR" dirty="0">
+                <a:latin typeface="Courier New" panose="02070309020205020404" pitchFamily="49" charset="0"/>
+                <a:cs typeface="Courier New" panose="02070309020205020404" pitchFamily="49" charset="0"/>
+              </a:rPr>
+              <a:t> </a:t>
+            </a:r>
+            <a:r>
+              <a:rPr lang="fr-FR" dirty="0" err="1">
+                <a:latin typeface="Courier New" panose="02070309020205020404" pitchFamily="49" charset="0"/>
+                <a:cs typeface="Courier New" panose="02070309020205020404" pitchFamily="49" charset="0"/>
+              </a:rPr>
+              <a:t>Tensor</a:t>
+            </a:r>
+            <a:endParaRPr lang="fr-FR" dirty="0">
+              <a:latin typeface="Courier New" panose="02070309020205020404" pitchFamily="49" charset="0"/>
+              <a:cs typeface="Courier New" panose="02070309020205020404" pitchFamily="49" charset="0"/>
+            </a:endParaRPr>
+          </a:p>
+        </p:txBody>
+      </p:sp>
+    </p:spTree>
+    <p:extLst>
+      <p:ext uri="{BB962C8B-B14F-4D97-AF65-F5344CB8AC3E}">
+        <p14:creationId xmlns:p14="http://schemas.microsoft.com/office/powerpoint/2010/main" val="1208043485"/>
+      </p:ext>
+    </p:extLst>
+  </p:cSld>
+  <p:clrMapOvr>
+    <a:masterClrMapping/>
+  </p:clrMapOvr>
+</p:sld>
+</file>
+
+<file path=ppt/slides/slide5.xml><?xml version="1.0" encoding="utf-8"?>
+<p:sld xmlns:a="http://schemas.openxmlformats.org/drawingml/2006/main" xmlns:r="http://schemas.openxmlformats.org/officeDocument/2006/relationships" xmlns:p="http://schemas.openxmlformats.org/presentationml/2006/main">
+  <p:cSld>
+    <p:spTree>
+      <p:nvGrpSpPr>
+        <p:cNvPr id="1" name=""/>
+        <p:cNvGrpSpPr/>
+        <p:nvPr/>
+      </p:nvGrpSpPr>
+      <p:grpSpPr>
+        <a:xfrm>
+          <a:off x="0" y="0"/>
+          <a:ext cx="0" cy="0"/>
+          <a:chOff x="0" y="0"/>
+          <a:chExt cx="0" cy="0"/>
+        </a:xfrm>
+      </p:grpSpPr>
+      <p:sp>
+        <p:nvSpPr>
+          <p:cNvPr id="2" name="Titre 1">
+            <a:extLst>
+              <a:ext uri="{FF2B5EF4-FFF2-40B4-BE49-F238E27FC236}">
+                <a16:creationId xmlns:a16="http://schemas.microsoft.com/office/drawing/2014/main" id="{5C06DFB4-6CEB-9A90-B9B4-CD5231B0FC34}"/>
+              </a:ext>
+            </a:extLst>
+          </p:cNvPr>
+          <p:cNvSpPr>
+            <a:spLocks noGrp="1"/>
+          </p:cNvSpPr>
+          <p:nvPr>
+            <p:ph type="title"/>
+          </p:nvPr>
+        </p:nvSpPr>
+        <p:spPr/>
+        <p:txBody>
+          <a:bodyPr/>
+          <a:lstStyle/>
+          <a:p>
+            <a:r>
+              <a:rPr lang="fr-FR" dirty="0"/>
+              <a:t>Basic model</a:t>
+            </a:r>
+          </a:p>
+        </p:txBody>
+      </p:sp>
+      <p:pic>
+        <p:nvPicPr>
+          <p:cNvPr id="6" name="Image 5">
+            <a:extLst>
+              <a:ext uri="{FF2B5EF4-FFF2-40B4-BE49-F238E27FC236}">
+                <a16:creationId xmlns:a16="http://schemas.microsoft.com/office/drawing/2014/main" id="{DE215ABA-7CB9-739C-7843-0B94C0596BAA}"/>
+              </a:ext>
+            </a:extLst>
+          </p:cNvPr>
+          <p:cNvPicPr>
+            <a:picLocks noChangeAspect="1"/>
+          </p:cNvPicPr>
+          <p:nvPr/>
+        </p:nvPicPr>
+        <p:blipFill>
+          <a:blip r:embed="rId3"/>
+          <a:stretch>
+            <a:fillRect/>
+          </a:stretch>
+        </p:blipFill>
+        <p:spPr>
+          <a:xfrm>
+            <a:off x="213359" y="920035"/>
+            <a:ext cx="2564880" cy="3035500"/>
+          </a:xfrm>
+          <a:prstGeom prst="rect">
+            <a:avLst/>
+          </a:prstGeom>
+          <a:effectLst>
+            <a:outerShdw blurRad="50800" dist="38100" dir="2700000" algn="tl" rotWithShape="0">
+              <a:prstClr val="black">
+                <a:alpha val="40000"/>
+              </a:prstClr>
+            </a:outerShdw>
+          </a:effectLst>
+        </p:spPr>
+      </p:pic>
+      <p:pic>
+        <p:nvPicPr>
+          <p:cNvPr id="8" name="Image 7">
+            <a:extLst>
+              <a:ext uri="{FF2B5EF4-FFF2-40B4-BE49-F238E27FC236}">
+                <a16:creationId xmlns:a16="http://schemas.microsoft.com/office/drawing/2014/main" id="{98F01870-7F64-E70E-7931-FB963429CC65}"/>
+              </a:ext>
+            </a:extLst>
+          </p:cNvPr>
+          <p:cNvPicPr>
+            <a:picLocks noChangeAspect="1"/>
+          </p:cNvPicPr>
+          <p:nvPr/>
+        </p:nvPicPr>
+        <p:blipFill>
+          <a:blip r:embed="rId4"/>
+          <a:stretch>
+            <a:fillRect/>
+          </a:stretch>
+        </p:blipFill>
+        <p:spPr>
+          <a:xfrm>
+            <a:off x="213359" y="4077423"/>
+            <a:ext cx="3168088" cy="833321"/>
+          </a:xfrm>
+          <a:prstGeom prst="rect">
+            <a:avLst/>
+          </a:prstGeom>
+          <a:effectLst>
+            <a:outerShdw blurRad="50800" dist="38100" dir="2700000" algn="tl" rotWithShape="0">
+              <a:prstClr val="black">
+                <a:alpha val="40000"/>
+              </a:prstClr>
+            </a:outerShdw>
+          </a:effectLst>
+        </p:spPr>
+      </p:pic>
+      <p:pic>
+        <p:nvPicPr>
+          <p:cNvPr id="10" name="Image 9">
+            <a:extLst>
+              <a:ext uri="{FF2B5EF4-FFF2-40B4-BE49-F238E27FC236}">
+                <a16:creationId xmlns:a16="http://schemas.microsoft.com/office/drawing/2014/main" id="{B219E183-51F3-8F3E-F7A6-EE74696E2CF6}"/>
+              </a:ext>
+            </a:extLst>
+          </p:cNvPr>
+          <p:cNvPicPr>
+            <a:picLocks noChangeAspect="1"/>
+          </p:cNvPicPr>
+          <p:nvPr/>
+        </p:nvPicPr>
+        <p:blipFill>
+          <a:blip r:embed="rId5"/>
+          <a:stretch>
+            <a:fillRect/>
+          </a:stretch>
+        </p:blipFill>
+        <p:spPr>
+          <a:xfrm>
+            <a:off x="3591522" y="920035"/>
+            <a:ext cx="4068862" cy="3035500"/>
+          </a:xfrm>
+          <a:prstGeom prst="rect">
+            <a:avLst/>
+          </a:prstGeom>
+          <a:effectLst>
+            <a:outerShdw blurRad="50800" dist="38100" dir="2700000" algn="tl" rotWithShape="0">
+              <a:prstClr val="black">
+                <a:alpha val="40000"/>
+              </a:prstClr>
+            </a:outerShdw>
+          </a:effectLst>
+        </p:spPr>
+      </p:pic>
+      <p:pic>
+        <p:nvPicPr>
+          <p:cNvPr id="12" name="Image 11">
+            <a:extLst>
+              <a:ext uri="{FF2B5EF4-FFF2-40B4-BE49-F238E27FC236}">
+                <a16:creationId xmlns:a16="http://schemas.microsoft.com/office/drawing/2014/main" id="{2C468C74-FB0F-2D3E-FC0D-98A51AB44FD1}"/>
+              </a:ext>
+            </a:extLst>
+          </p:cNvPr>
+          <p:cNvPicPr>
+            <a:picLocks noChangeAspect="1"/>
+          </p:cNvPicPr>
+          <p:nvPr/>
+        </p:nvPicPr>
+        <p:blipFill>
+          <a:blip r:embed="rId6"/>
+          <a:stretch>
+            <a:fillRect/>
+          </a:stretch>
+        </p:blipFill>
+        <p:spPr>
+          <a:xfrm>
+            <a:off x="7909779" y="920035"/>
+            <a:ext cx="4068862" cy="3035500"/>
+          </a:xfrm>
+          <a:prstGeom prst="rect">
+            <a:avLst/>
+          </a:prstGeom>
+          <a:effectLst>
+            <a:outerShdw blurRad="50800" dist="38100" dir="2700000" algn="tl" rotWithShape="0">
+              <a:prstClr val="black">
+                <a:alpha val="40000"/>
+              </a:prstClr>
+            </a:outerShdw>
+          </a:effectLst>
+        </p:spPr>
+      </p:pic>
+      <p:pic>
+        <p:nvPicPr>
+          <p:cNvPr id="14" name="Image 13">
+            <a:extLst>
+              <a:ext uri="{FF2B5EF4-FFF2-40B4-BE49-F238E27FC236}">
+                <a16:creationId xmlns:a16="http://schemas.microsoft.com/office/drawing/2014/main" id="{03DCF24A-A399-5F89-1FB9-27F49EE8948D}"/>
+              </a:ext>
+            </a:extLst>
+          </p:cNvPr>
+          <p:cNvPicPr>
+            <a:picLocks noChangeAspect="1"/>
+          </p:cNvPicPr>
+          <p:nvPr/>
+        </p:nvPicPr>
+        <p:blipFill>
+          <a:blip r:embed="rId7"/>
+          <a:stretch>
+            <a:fillRect/>
+          </a:stretch>
+        </p:blipFill>
+        <p:spPr>
+          <a:xfrm>
+            <a:off x="3591520" y="4077423"/>
+            <a:ext cx="4068863" cy="998855"/>
+          </a:xfrm>
+          <a:prstGeom prst="rect">
+            <a:avLst/>
+          </a:prstGeom>
+          <a:effectLst>
+            <a:outerShdw blurRad="50800" dist="38100" dir="2700000" algn="tl" rotWithShape="0">
+              <a:prstClr val="black">
+                <a:alpha val="40000"/>
+              </a:prstClr>
+            </a:outerShdw>
+          </a:effectLst>
+        </p:spPr>
+      </p:pic>
+      <p:pic>
+        <p:nvPicPr>
+          <p:cNvPr id="16" name="Image 15">
+            <a:extLst>
+              <a:ext uri="{FF2B5EF4-FFF2-40B4-BE49-F238E27FC236}">
+                <a16:creationId xmlns:a16="http://schemas.microsoft.com/office/drawing/2014/main" id="{4BBD0288-8849-D410-540F-88973DB583A2}"/>
+              </a:ext>
+            </a:extLst>
+          </p:cNvPr>
+          <p:cNvPicPr>
+            <a:picLocks noChangeAspect="1"/>
+          </p:cNvPicPr>
+          <p:nvPr/>
+        </p:nvPicPr>
+        <p:blipFill>
+          <a:blip r:embed="rId8"/>
+          <a:stretch>
+            <a:fillRect/>
+          </a:stretch>
+        </p:blipFill>
+        <p:spPr>
+          <a:xfrm>
+            <a:off x="7909779" y="4077423"/>
+            <a:ext cx="4068862" cy="742232"/>
+          </a:xfrm>
+          <a:prstGeom prst="rect">
+            <a:avLst/>
+          </a:prstGeom>
+        </p:spPr>
+      </p:pic>
+      <p:sp>
+        <p:nvSpPr>
+          <p:cNvPr id="17" name="ZoneTexte 16">
+            <a:extLst>
+              <a:ext uri="{FF2B5EF4-FFF2-40B4-BE49-F238E27FC236}">
+                <a16:creationId xmlns:a16="http://schemas.microsoft.com/office/drawing/2014/main" id="{3053E7A8-B72C-E8FD-CA87-54B853B912FF}"/>
+              </a:ext>
+            </a:extLst>
+          </p:cNvPr>
+          <p:cNvSpPr txBox="1"/>
+          <p:nvPr/>
+        </p:nvSpPr>
+        <p:spPr>
+          <a:xfrm>
+            <a:off x="2581475" y="5280331"/>
+            <a:ext cx="2390398" cy="923330"/>
+          </a:xfrm>
+          <a:prstGeom prst="rect">
+            <a:avLst/>
+          </a:prstGeom>
+          <a:solidFill>
+            <a:schemeClr val="bg1">
+              <a:lumMod val="95000"/>
+            </a:schemeClr>
+          </a:solidFill>
+          <a:effectLst>
+            <a:outerShdw blurRad="50800" dist="38100" dir="2700000" algn="tl" rotWithShape="0">
+              <a:prstClr val="black">
+                <a:alpha val="40000"/>
+              </a:prstClr>
+            </a:outerShdw>
+          </a:effectLst>
+        </p:spPr>
+        <p:txBody>
+          <a:bodyPr wrap="none" rtlCol="0">
+            <a:spAutoFit/>
+          </a:bodyPr>
+          <a:lstStyle/>
+          <a:p>
+            <a:r>
+              <a:rPr lang="fr-FR" dirty="0" err="1">
+                <a:latin typeface="Courier New" panose="02070309020205020404" pitchFamily="49" charset="0"/>
+                <a:cs typeface="Courier New" panose="02070309020205020404" pitchFamily="49" charset="0"/>
+              </a:rPr>
+              <a:t>Precision</a:t>
+            </a:r>
+            <a:r>
+              <a:rPr lang="fr-FR" dirty="0">
+                <a:latin typeface="Courier New" panose="02070309020205020404" pitchFamily="49" charset="0"/>
+                <a:cs typeface="Courier New" panose="02070309020205020404" pitchFamily="49" charset="0"/>
+              </a:rPr>
+              <a:t> : 0.98</a:t>
+            </a:r>
+          </a:p>
+          <a:p>
+            <a:r>
+              <a:rPr lang="fr-FR" dirty="0">
+                <a:latin typeface="Courier New" panose="02070309020205020404" pitchFamily="49" charset="0"/>
+                <a:cs typeface="Courier New" panose="02070309020205020404" pitchFamily="49" charset="0"/>
+              </a:rPr>
+              <a:t>Recall    : 0.89</a:t>
+            </a:r>
+          </a:p>
+          <a:p>
+            <a:r>
+              <a:rPr lang="fr-FR" dirty="0">
+                <a:latin typeface="Courier New" panose="02070309020205020404" pitchFamily="49" charset="0"/>
+                <a:cs typeface="Courier New" panose="02070309020205020404" pitchFamily="49" charset="0"/>
+              </a:rPr>
+              <a:t>F1        : 0.93</a:t>
+            </a:r>
+          </a:p>
+        </p:txBody>
+      </p:sp>
+      <p:pic>
+        <p:nvPicPr>
+          <p:cNvPr id="19" name="Image 18">
+            <a:extLst>
+              <a:ext uri="{FF2B5EF4-FFF2-40B4-BE49-F238E27FC236}">
+                <a16:creationId xmlns:a16="http://schemas.microsoft.com/office/drawing/2014/main" id="{10D1E19D-8BF6-E276-0361-5D7954E56B3A}"/>
+              </a:ext>
+            </a:extLst>
+          </p:cNvPr>
+          <p:cNvPicPr>
+            <a:picLocks noChangeAspect="1"/>
+          </p:cNvPicPr>
+          <p:nvPr/>
+        </p:nvPicPr>
+        <p:blipFill>
+          <a:blip r:embed="rId9"/>
+          <a:stretch>
+            <a:fillRect/>
+          </a:stretch>
+        </p:blipFill>
+        <p:spPr>
+          <a:xfrm>
+            <a:off x="5192077" y="5260832"/>
+            <a:ext cx="5259364" cy="1460643"/>
+          </a:xfrm>
+          <a:prstGeom prst="rect">
+            <a:avLst/>
+          </a:prstGeom>
+          <a:effectLst>
+            <a:outerShdw blurRad="50800" dist="38100" dir="2700000" algn="tl" rotWithShape="0">
+              <a:prstClr val="black">
+                <a:alpha val="40000"/>
+              </a:prstClr>
+            </a:outerShdw>
+          </a:effectLst>
+        </p:spPr>
+      </p:pic>
+      <p:pic>
+        <p:nvPicPr>
+          <p:cNvPr id="20" name="Graphique 19" descr="Badge 3 avec un remplissage uni">
+            <a:extLst>
+              <a:ext uri="{FF2B5EF4-FFF2-40B4-BE49-F238E27FC236}">
+                <a16:creationId xmlns:a16="http://schemas.microsoft.com/office/drawing/2014/main" id="{8D66137E-54DB-EAD7-AEA2-D5B91141B969}"/>
+              </a:ext>
+            </a:extLst>
+          </p:cNvPr>
+          <p:cNvPicPr>
+            <a:picLocks noChangeAspect="1"/>
+          </p:cNvPicPr>
+          <p:nvPr/>
+        </p:nvPicPr>
+        <p:blipFill>
+          <a:blip r:embed="rId10">
+            <a:extLst>
+              <a:ext uri="{96DAC541-7B7A-43D3-8B79-37D633B846F1}">
+                <asvg:svgBlip xmlns:asvg="http://schemas.microsoft.com/office/drawing/2016/SVG/main" r:embed="rId11"/>
+              </a:ext>
+            </a:extLst>
+          </a:blip>
+          <a:stretch>
+            <a:fillRect/>
+          </a:stretch>
+        </p:blipFill>
+        <p:spPr>
+          <a:xfrm>
+            <a:off x="10451441" y="1523385"/>
+            <a:ext cx="914400" cy="914400"/>
+          </a:xfrm>
+          <a:prstGeom prst="rect">
+            <a:avLst/>
+          </a:prstGeom>
+        </p:spPr>
+      </p:pic>
+      <p:pic>
+        <p:nvPicPr>
+          <p:cNvPr id="21" name="Espace réservé du contenu 13" descr="Badge avec un remplissage uni">
+            <a:extLst>
+              <a:ext uri="{FF2B5EF4-FFF2-40B4-BE49-F238E27FC236}">
+                <a16:creationId xmlns:a16="http://schemas.microsoft.com/office/drawing/2014/main" id="{53077D63-D165-184F-240A-2370B4436AF2}"/>
+              </a:ext>
+            </a:extLst>
+          </p:cNvPr>
+          <p:cNvPicPr>
+            <a:picLocks noChangeAspect="1"/>
+          </p:cNvPicPr>
+          <p:nvPr/>
+        </p:nvPicPr>
+        <p:blipFill>
+          <a:blip r:embed="rId12">
+            <a:extLst>
+              <a:ext uri="{96DAC541-7B7A-43D3-8B79-37D633B846F1}">
+                <asvg:svgBlip xmlns:asvg="http://schemas.microsoft.com/office/drawing/2016/SVG/main" r:embed="rId13"/>
+              </a:ext>
+            </a:extLst>
+          </a:blip>
+          <a:stretch>
+            <a:fillRect/>
+          </a:stretch>
+        </p:blipFill>
+        <p:spPr>
+          <a:xfrm>
+            <a:off x="5194037" y="1319934"/>
+            <a:ext cx="914400" cy="914400"/>
+          </a:xfrm>
+          <a:prstGeom prst="rect">
+            <a:avLst/>
+          </a:prstGeom>
+        </p:spPr>
+      </p:pic>
+      <p:pic>
+        <p:nvPicPr>
+          <p:cNvPr id="22" name="Graphique 21" descr="Badge 5 avec un remplissage uni">
+            <a:extLst>
+              <a:ext uri="{FF2B5EF4-FFF2-40B4-BE49-F238E27FC236}">
+                <a16:creationId xmlns:a16="http://schemas.microsoft.com/office/drawing/2014/main" id="{0D44EBCE-E3FC-4AB2-B30E-7D2EACA958E8}"/>
+              </a:ext>
+            </a:extLst>
+          </p:cNvPr>
+          <p:cNvPicPr>
+            <a:picLocks noChangeAspect="1"/>
+          </p:cNvPicPr>
+          <p:nvPr/>
+        </p:nvPicPr>
+        <p:blipFill>
+          <a:blip r:embed="rId14">
+            <a:extLst>
+              <a:ext uri="{96DAC541-7B7A-43D3-8B79-37D633B846F1}">
+                <asvg:svgBlip xmlns:asvg="http://schemas.microsoft.com/office/drawing/2016/SVG/main" r:embed="rId15"/>
+              </a:ext>
+            </a:extLst>
+          </a:blip>
+          <a:stretch>
+            <a:fillRect/>
+          </a:stretch>
+        </p:blipFill>
+        <p:spPr>
+          <a:xfrm>
+            <a:off x="-1198095" y="5943600"/>
+            <a:ext cx="914400" cy="914400"/>
+          </a:xfrm>
+          <a:prstGeom prst="rect">
+            <a:avLst/>
+          </a:prstGeom>
+        </p:spPr>
+      </p:pic>
+      <p:pic>
+        <p:nvPicPr>
+          <p:cNvPr id="23" name="Graphique 22" descr="Badge 4 avec un remplissage uni">
+            <a:extLst>
+              <a:ext uri="{FF2B5EF4-FFF2-40B4-BE49-F238E27FC236}">
+                <a16:creationId xmlns:a16="http://schemas.microsoft.com/office/drawing/2014/main" id="{4762C2C7-011E-1CCE-F3A8-1359492F40E8}"/>
+              </a:ext>
+            </a:extLst>
+          </p:cNvPr>
+          <p:cNvPicPr>
+            <a:picLocks noChangeAspect="1"/>
+          </p:cNvPicPr>
+          <p:nvPr/>
+        </p:nvPicPr>
+        <p:blipFill>
+          <a:blip r:embed="rId16">
+            <a:extLst>
+              <a:ext uri="{96DAC541-7B7A-43D3-8B79-37D633B846F1}">
+                <asvg:svgBlip xmlns:asvg="http://schemas.microsoft.com/office/drawing/2016/SVG/main" r:embed="rId17"/>
+              </a:ext>
+            </a:extLst>
+          </a:blip>
+          <a:stretch>
+            <a:fillRect/>
+          </a:stretch>
+        </p:blipFill>
+        <p:spPr>
+          <a:xfrm>
+            <a:off x="3134320" y="5991153"/>
+            <a:ext cx="914400" cy="914400"/>
+          </a:xfrm>
+          <a:prstGeom prst="rect">
+            <a:avLst/>
+          </a:prstGeom>
+        </p:spPr>
+      </p:pic>
+      <p:pic>
+        <p:nvPicPr>
+          <p:cNvPr id="24" name="Graphique 23" descr="Badge 1 avec un remplissage uni">
+            <a:extLst>
+              <a:ext uri="{FF2B5EF4-FFF2-40B4-BE49-F238E27FC236}">
+                <a16:creationId xmlns:a16="http://schemas.microsoft.com/office/drawing/2014/main" id="{97EBF08F-E1CC-F230-8C76-F3906CF86D90}"/>
+              </a:ext>
+            </a:extLst>
+          </p:cNvPr>
+          <p:cNvPicPr>
+            <a:picLocks noChangeAspect="1"/>
+          </p:cNvPicPr>
+          <p:nvPr/>
+        </p:nvPicPr>
+        <p:blipFill>
+          <a:blip r:embed="rId18">
+            <a:extLst>
+              <a:ext uri="{96DAC541-7B7A-43D3-8B79-37D633B846F1}">
+                <asvg:svgBlip xmlns:asvg="http://schemas.microsoft.com/office/drawing/2016/SVG/main" r:embed="rId19"/>
+              </a:ext>
+            </a:extLst>
+          </a:blip>
+          <a:stretch>
+            <a:fillRect/>
+          </a:stretch>
+        </p:blipFill>
+        <p:spPr>
+          <a:xfrm>
+            <a:off x="2427727" y="2644879"/>
+            <a:ext cx="914400" cy="914400"/>
+          </a:xfrm>
+          <a:prstGeom prst="rect">
+            <a:avLst/>
+          </a:prstGeom>
+        </p:spPr>
+      </p:pic>
+    </p:spTree>
+    <p:extLst>
+      <p:ext uri="{BB962C8B-B14F-4D97-AF65-F5344CB8AC3E}">
+        <p14:creationId xmlns:p14="http://schemas.microsoft.com/office/powerpoint/2010/main" val="671232843"/>
+      </p:ext>
+    </p:extLst>
+  </p:cSld>
+  <p:clrMapOvr>
+    <a:masterClrMapping/>
+  </p:clrMapOvr>
+</p:sld>
+</file>
+
+<file path=ppt/slides/slide6.xml><?xml version="1.0" encoding="utf-8"?>
+<p:sld xmlns:a="http://schemas.openxmlformats.org/drawingml/2006/main" xmlns:r="http://schemas.openxmlformats.org/officeDocument/2006/relationships" xmlns:p="http://schemas.openxmlformats.org/presentationml/2006/main">
+  <p:cSld>
+    <p:spTree>
+      <p:nvGrpSpPr>
+        <p:cNvPr id="1" name=""/>
+        <p:cNvGrpSpPr/>
+        <p:nvPr/>
+      </p:nvGrpSpPr>
+      <p:grpSpPr>
+        <a:xfrm>
+          <a:off x="0" y="0"/>
+          <a:ext cx="0" cy="0"/>
+          <a:chOff x="0" y="0"/>
+          <a:chExt cx="0" cy="0"/>
+        </a:xfrm>
+      </p:grpSpPr>
+      <p:sp>
+        <p:nvSpPr>
+          <p:cNvPr id="2" name="Titre 1">
+            <a:extLst>
+              <a:ext uri="{FF2B5EF4-FFF2-40B4-BE49-F238E27FC236}">
+                <a16:creationId xmlns:a16="http://schemas.microsoft.com/office/drawing/2014/main" id="{298D14FB-41AD-08E5-65AA-A5B1CAF68D21}"/>
+              </a:ext>
+            </a:extLst>
+          </p:cNvPr>
+          <p:cNvSpPr>
+            <a:spLocks noGrp="1"/>
+          </p:cNvSpPr>
+          <p:nvPr>
+            <p:ph type="title"/>
+          </p:nvPr>
+        </p:nvSpPr>
+        <p:spPr/>
+        <p:txBody>
+          <a:bodyPr/>
+          <a:lstStyle/>
+          <a:p>
+            <a:r>
+              <a:rPr lang="fr-FR" dirty="0"/>
+              <a:t>RNN &amp; LSTM - CNN </a:t>
+            </a:r>
+          </a:p>
+        </p:txBody>
+      </p:sp>
+      <p:pic>
+        <p:nvPicPr>
+          <p:cNvPr id="4" name="Image 3">
+            <a:extLst>
+              <a:ext uri="{FF2B5EF4-FFF2-40B4-BE49-F238E27FC236}">
+                <a16:creationId xmlns:a16="http://schemas.microsoft.com/office/drawing/2014/main" id="{6928F55C-3FD1-EA6D-77CA-52AC0CEA11F1}"/>
+              </a:ext>
+            </a:extLst>
+          </p:cNvPr>
+          <p:cNvPicPr>
+            <a:picLocks noChangeAspect="1"/>
+          </p:cNvPicPr>
+          <p:nvPr/>
+        </p:nvPicPr>
+        <p:blipFill>
+          <a:blip r:embed="rId2"/>
+          <a:stretch>
+            <a:fillRect/>
+          </a:stretch>
+        </p:blipFill>
+        <p:spPr>
+          <a:xfrm>
+            <a:off x="213360" y="1135380"/>
+            <a:ext cx="5003496" cy="3732767"/>
+          </a:xfrm>
+          <a:prstGeom prst="rect">
+            <a:avLst/>
+          </a:prstGeom>
+          <a:effectLst>
+            <a:outerShdw blurRad="50800" dist="38100" dir="2700000" algn="tl" rotWithShape="0">
+              <a:prstClr val="black">
+                <a:alpha val="40000"/>
+              </a:prstClr>
+            </a:outerShdw>
+          </a:effectLst>
+        </p:spPr>
+      </p:pic>
+      <p:pic>
+        <p:nvPicPr>
+          <p:cNvPr id="6" name="Image 5">
+            <a:extLst>
+              <a:ext uri="{FF2B5EF4-FFF2-40B4-BE49-F238E27FC236}">
+                <a16:creationId xmlns:a16="http://schemas.microsoft.com/office/drawing/2014/main" id="{81C31236-3B5B-5A41-4354-0F5DD675816F}"/>
+              </a:ext>
+            </a:extLst>
+          </p:cNvPr>
+          <p:cNvPicPr>
+            <a:picLocks noChangeAspect="1"/>
+          </p:cNvPicPr>
+          <p:nvPr/>
+        </p:nvPicPr>
+        <p:blipFill>
+          <a:blip r:embed="rId3"/>
+          <a:stretch>
+            <a:fillRect/>
+          </a:stretch>
+        </p:blipFill>
+        <p:spPr>
+          <a:xfrm>
+            <a:off x="6524478" y="1135380"/>
+            <a:ext cx="5003496" cy="3732767"/>
+          </a:xfrm>
+          <a:prstGeom prst="rect">
+            <a:avLst/>
+          </a:prstGeom>
+          <a:effectLst>
+            <a:outerShdw blurRad="50800" dist="38100" dir="2700000" algn="tl" rotWithShape="0">
+              <a:prstClr val="black">
+                <a:alpha val="40000"/>
+              </a:prstClr>
+            </a:outerShdw>
+          </a:effectLst>
+        </p:spPr>
+      </p:pic>
+      <p:sp>
+        <p:nvSpPr>
+          <p:cNvPr id="7" name="ZoneTexte 6">
+            <a:extLst>
+              <a:ext uri="{FF2B5EF4-FFF2-40B4-BE49-F238E27FC236}">
+                <a16:creationId xmlns:a16="http://schemas.microsoft.com/office/drawing/2014/main" id="{F83906D1-5B66-08E7-5606-B26F5B3FEA7B}"/>
+              </a:ext>
+            </a:extLst>
+          </p:cNvPr>
+          <p:cNvSpPr txBox="1"/>
+          <p:nvPr/>
+        </p:nvSpPr>
+        <p:spPr>
+          <a:xfrm>
+            <a:off x="6407884" y="5135818"/>
+            <a:ext cx="5570756" cy="861774"/>
+          </a:xfrm>
+          <a:prstGeom prst="rect">
+            <a:avLst/>
+          </a:prstGeom>
+          <a:noFill/>
+        </p:spPr>
+        <p:txBody>
+          <a:bodyPr wrap="square" rtlCol="0">
+            <a:spAutoFit/>
+          </a:bodyPr>
+          <a:lstStyle/>
+          <a:p>
+            <a:r>
+              <a:rPr lang="en-US" sz="1000" dirty="0">
+                <a:latin typeface="Courier New" panose="02070309020205020404" pitchFamily="49" charset="0"/>
+                <a:cs typeface="Courier New" panose="02070309020205020404" pitchFamily="49" charset="0"/>
+              </a:rPr>
+              <a:t>Convolutional Neural Network can be used also for text classification </a:t>
+            </a:r>
+          </a:p>
+          <a:p>
+            <a:r>
+              <a:rPr lang="en-US" sz="1000" dirty="0">
+                <a:latin typeface="Courier New" panose="02070309020205020404" pitchFamily="49" charset="0"/>
+                <a:cs typeface="Courier New" panose="02070309020205020404" pitchFamily="49" charset="0"/>
+              </a:rPr>
+              <a:t>Indeed, they can capture local patterns (phrases, words combinations)</a:t>
+            </a:r>
+          </a:p>
+          <a:p>
+            <a:r>
+              <a:rPr lang="en-US" sz="1000" dirty="0">
+                <a:latin typeface="Courier New" panose="02070309020205020404" pitchFamily="49" charset="0"/>
+                <a:cs typeface="Courier New" panose="02070309020205020404" pitchFamily="49" charset="0"/>
+              </a:rPr>
+              <a:t>Quick to train (1:12 min)</a:t>
+            </a:r>
+          </a:p>
+          <a:p>
+            <a:r>
+              <a:rPr lang="en-US" sz="1000" dirty="0">
+                <a:latin typeface="Courier New" panose="02070309020205020404" pitchFamily="49" charset="0"/>
+                <a:cs typeface="Courier New" panose="02070309020205020404" pitchFamily="49" charset="0"/>
+              </a:rPr>
+              <a:t>Can be less effective at capturing long-distance relationships in text</a:t>
+            </a:r>
+          </a:p>
+          <a:p>
+            <a:r>
+              <a:rPr lang="en-US" sz="1000" dirty="0">
+                <a:latin typeface="Courier New" panose="02070309020205020404" pitchFamily="49" charset="0"/>
+                <a:cs typeface="Courier New" panose="02070309020205020404" pitchFamily="49" charset="0"/>
+              </a:rPr>
+              <a:t>Not an issue here since </a:t>
+            </a:r>
+            <a:r>
+              <a:rPr lang="en-US" sz="1000" dirty="0" err="1">
+                <a:latin typeface="Courier New" panose="02070309020205020404" pitchFamily="49" charset="0"/>
+                <a:cs typeface="Courier New" panose="02070309020205020404" pitchFamily="49" charset="0"/>
+              </a:rPr>
+              <a:t>sms</a:t>
+            </a:r>
+            <a:r>
+              <a:rPr lang="en-US" sz="1000" dirty="0">
+                <a:latin typeface="Courier New" panose="02070309020205020404" pitchFamily="49" charset="0"/>
+                <a:cs typeface="Courier New" panose="02070309020205020404" pitchFamily="49" charset="0"/>
+              </a:rPr>
+              <a:t> are short</a:t>
+            </a:r>
+            <a:endParaRPr lang="fr-FR" sz="1000" dirty="0">
+              <a:latin typeface="Courier New" panose="02070309020205020404" pitchFamily="49" charset="0"/>
+              <a:cs typeface="Courier New" panose="02070309020205020404" pitchFamily="49" charset="0"/>
+            </a:endParaRPr>
+          </a:p>
+        </p:txBody>
+      </p:sp>
+      <p:sp>
+        <p:nvSpPr>
+          <p:cNvPr id="8" name="ZoneTexte 7">
+            <a:extLst>
+              <a:ext uri="{FF2B5EF4-FFF2-40B4-BE49-F238E27FC236}">
+                <a16:creationId xmlns:a16="http://schemas.microsoft.com/office/drawing/2014/main" id="{AE2CE680-597C-A15B-A1D6-B7C27162D4C2}"/>
+              </a:ext>
+            </a:extLst>
+          </p:cNvPr>
+          <p:cNvSpPr txBox="1"/>
+          <p:nvPr/>
+        </p:nvSpPr>
+        <p:spPr>
+          <a:xfrm>
+            <a:off x="213360" y="5135818"/>
+            <a:ext cx="5003496" cy="861774"/>
+          </a:xfrm>
+          <a:prstGeom prst="rect">
+            <a:avLst/>
+          </a:prstGeom>
+          <a:noFill/>
+        </p:spPr>
+        <p:txBody>
+          <a:bodyPr wrap="square" rtlCol="0">
+            <a:spAutoFit/>
+          </a:bodyPr>
+          <a:lstStyle/>
+          <a:p>
+            <a:r>
+              <a:rPr lang="en-US" sz="1000" dirty="0">
+                <a:latin typeface="Courier New" panose="02070309020205020404" pitchFamily="49" charset="0"/>
+                <a:cs typeface="Courier New" panose="02070309020205020404" pitchFamily="49" charset="0"/>
+              </a:rPr>
+              <a:t>Recurrent Neural Networks with Long Short-Term Memory</a:t>
+            </a:r>
+          </a:p>
+          <a:p>
+            <a:r>
+              <a:rPr lang="en-US" sz="1000" dirty="0">
+                <a:latin typeface="Courier New" panose="02070309020205020404" pitchFamily="49" charset="0"/>
+                <a:cs typeface="Courier New" panose="02070309020205020404" pitchFamily="49" charset="0"/>
+              </a:rPr>
+              <a:t>They efficiently capture word relationships and handle long, complex sequences.</a:t>
+            </a:r>
+          </a:p>
+          <a:p>
+            <a:r>
+              <a:rPr lang="en-US" sz="1000" dirty="0">
+                <a:latin typeface="Courier New" panose="02070309020205020404" pitchFamily="49" charset="0"/>
+                <a:cs typeface="Courier New" panose="02070309020205020404" pitchFamily="49" charset="0"/>
+              </a:rPr>
+              <a:t>Much slower to train than CNN-type models. Risk of overlearning if data is limited (which is the case here (5K </a:t>
+            </a:r>
+            <a:r>
+              <a:rPr lang="en-US" sz="1000" dirty="0" err="1">
+                <a:latin typeface="Courier New" panose="02070309020205020404" pitchFamily="49" charset="0"/>
+                <a:cs typeface="Courier New" panose="02070309020205020404" pitchFamily="49" charset="0"/>
+              </a:rPr>
+              <a:t>sms</a:t>
+            </a:r>
+            <a:r>
+              <a:rPr lang="en-US" sz="1000" dirty="0">
+                <a:latin typeface="Courier New" panose="02070309020205020404" pitchFamily="49" charset="0"/>
+                <a:cs typeface="Courier New" panose="02070309020205020404" pitchFamily="49" charset="0"/>
+              </a:rPr>
+              <a:t>)</a:t>
+            </a:r>
+            <a:endParaRPr lang="fr-FR" sz="1000" dirty="0">
+              <a:latin typeface="Courier New" panose="02070309020205020404" pitchFamily="49" charset="0"/>
+              <a:cs typeface="Courier New" panose="02070309020205020404" pitchFamily="49" charset="0"/>
+            </a:endParaRPr>
+          </a:p>
+        </p:txBody>
+      </p:sp>
+    </p:spTree>
+    <p:extLst>
+      <p:ext uri="{BB962C8B-B14F-4D97-AF65-F5344CB8AC3E}">
+        <p14:creationId xmlns:p14="http://schemas.microsoft.com/office/powerpoint/2010/main" val="3250692139"/>
+      </p:ext>
+    </p:extLst>
+  </p:cSld>
+  <p:clrMapOvr>
+    <a:masterClrMapping/>
+  </p:clrMapOvr>
+</p:sld>
+</file>
+
+<file path=ppt/slides/slide7.xml><?xml version="1.0" encoding="utf-8"?>
+<p:sld xmlns:a="http://schemas.openxmlformats.org/drawingml/2006/main" xmlns:r="http://schemas.openxmlformats.org/officeDocument/2006/relationships" xmlns:p="http://schemas.openxmlformats.org/presentationml/2006/main">
+  <p:cSld>
+    <p:spTree>
+      <p:nvGrpSpPr>
+        <p:cNvPr id="1" name=""/>
+        <p:cNvGrpSpPr/>
+        <p:nvPr/>
+      </p:nvGrpSpPr>
+      <p:grpSpPr>
+        <a:xfrm>
+          <a:off x="0" y="0"/>
+          <a:ext cx="0" cy="0"/>
+          <a:chOff x="0" y="0"/>
+          <a:chExt cx="0" cy="0"/>
+        </a:xfrm>
+      </p:grpSpPr>
+      <p:sp>
+        <p:nvSpPr>
+          <p:cNvPr id="2" name="Titre 1">
+            <a:extLst>
+              <a:ext uri="{FF2B5EF4-FFF2-40B4-BE49-F238E27FC236}">
+                <a16:creationId xmlns:a16="http://schemas.microsoft.com/office/drawing/2014/main" id="{C9D5C376-48FD-431A-1BC9-093D4CF79FA5}"/>
+              </a:ext>
+            </a:extLst>
+          </p:cNvPr>
+          <p:cNvSpPr>
+            <a:spLocks noGrp="1"/>
+          </p:cNvSpPr>
+          <p:nvPr>
+            <p:ph type="title"/>
+          </p:nvPr>
+        </p:nvSpPr>
+        <p:spPr/>
+        <p:txBody>
+          <a:bodyPr/>
+          <a:lstStyle/>
+          <a:p>
+            <a:r>
+              <a:rPr lang="fr-FR" dirty="0"/>
+              <a:t>Transfer learning : BERT</a:t>
+            </a:r>
+          </a:p>
+        </p:txBody>
+      </p:sp>
+      <p:pic>
+        <p:nvPicPr>
+          <p:cNvPr id="6" name="Image 5">
+            <a:extLst>
+              <a:ext uri="{FF2B5EF4-FFF2-40B4-BE49-F238E27FC236}">
+                <a16:creationId xmlns:a16="http://schemas.microsoft.com/office/drawing/2014/main" id="{5B89E3E9-73E4-5392-63AB-FD759386D9DF}"/>
+              </a:ext>
+            </a:extLst>
+          </p:cNvPr>
+          <p:cNvPicPr>
+            <a:picLocks noChangeAspect="1"/>
+          </p:cNvPicPr>
+          <p:nvPr/>
+        </p:nvPicPr>
+        <p:blipFill>
+          <a:blip r:embed="rId3"/>
+          <a:stretch>
+            <a:fillRect/>
+          </a:stretch>
+        </p:blipFill>
+        <p:spPr>
+          <a:xfrm>
+            <a:off x="7999120" y="2674620"/>
+            <a:ext cx="3979520" cy="4064822"/>
+          </a:xfrm>
+          <a:prstGeom prst="rect">
+            <a:avLst/>
+          </a:prstGeom>
+          <a:effectLst>
+            <a:outerShdw blurRad="50800" dist="38100" dir="2700000" algn="tl" rotWithShape="0">
+              <a:prstClr val="black">
+                <a:alpha val="40000"/>
+              </a:prstClr>
+            </a:outerShdw>
+          </a:effectLst>
+        </p:spPr>
+      </p:pic>
+      <p:pic>
+        <p:nvPicPr>
+          <p:cNvPr id="9" name="Image 8">
+            <a:extLst>
+              <a:ext uri="{FF2B5EF4-FFF2-40B4-BE49-F238E27FC236}">
+                <a16:creationId xmlns:a16="http://schemas.microsoft.com/office/drawing/2014/main" id="{414196D8-4384-3AE0-B8AD-06545C570E3C}"/>
+              </a:ext>
+            </a:extLst>
+          </p:cNvPr>
+          <p:cNvPicPr>
+            <a:picLocks noChangeAspect="1"/>
+          </p:cNvPicPr>
+          <p:nvPr/>
+        </p:nvPicPr>
+        <p:blipFill>
+          <a:blip r:embed="rId4"/>
+          <a:stretch>
+            <a:fillRect/>
+          </a:stretch>
+        </p:blipFill>
+        <p:spPr>
+          <a:xfrm>
+            <a:off x="184672" y="2674620"/>
+            <a:ext cx="3717912" cy="2773680"/>
+          </a:xfrm>
+          <a:prstGeom prst="rect">
+            <a:avLst/>
+          </a:prstGeom>
+          <a:effectLst>
+            <a:outerShdw blurRad="50800" dist="38100" dir="2700000" algn="tl" rotWithShape="0">
+              <a:prstClr val="black">
+                <a:alpha val="40000"/>
+              </a:prstClr>
+            </a:outerShdw>
+          </a:effectLst>
+        </p:spPr>
+      </p:pic>
+      <p:pic>
+        <p:nvPicPr>
+          <p:cNvPr id="11" name="Image 10">
+            <a:extLst>
+              <a:ext uri="{FF2B5EF4-FFF2-40B4-BE49-F238E27FC236}">
+                <a16:creationId xmlns:a16="http://schemas.microsoft.com/office/drawing/2014/main" id="{F85D1A3C-8735-E810-1B4E-BEC3C316F7B3}"/>
+              </a:ext>
+            </a:extLst>
+          </p:cNvPr>
+          <p:cNvPicPr>
+            <a:picLocks noChangeAspect="1"/>
+          </p:cNvPicPr>
+          <p:nvPr/>
+        </p:nvPicPr>
+        <p:blipFill>
+          <a:blip r:embed="rId5"/>
+          <a:stretch>
+            <a:fillRect/>
+          </a:stretch>
+        </p:blipFill>
+        <p:spPr>
+          <a:xfrm>
+            <a:off x="4091896" y="2674620"/>
+            <a:ext cx="3717912" cy="2773680"/>
+          </a:xfrm>
+          <a:prstGeom prst="rect">
+            <a:avLst/>
+          </a:prstGeom>
+          <a:effectLst>
+            <a:outerShdw blurRad="50800" dist="38100" dir="2700000" algn="tl" rotWithShape="0">
+              <a:prstClr val="black">
+                <a:alpha val="40000"/>
+              </a:prstClr>
+            </a:outerShdw>
+          </a:effectLst>
+        </p:spPr>
+      </p:pic>
+      <p:sp>
+        <p:nvSpPr>
+          <p:cNvPr id="14" name="ZoneTexte 13">
+            <a:extLst>
+              <a:ext uri="{FF2B5EF4-FFF2-40B4-BE49-F238E27FC236}">
+                <a16:creationId xmlns:a16="http://schemas.microsoft.com/office/drawing/2014/main" id="{7C9A728B-9207-9414-6ADE-FB7396970C24}"/>
+              </a:ext>
+            </a:extLst>
+          </p:cNvPr>
+          <p:cNvSpPr txBox="1"/>
+          <p:nvPr/>
+        </p:nvSpPr>
+        <p:spPr>
+          <a:xfrm rot="20425850">
+            <a:off x="8328660" y="4583920"/>
+            <a:ext cx="958917" cy="246221"/>
+          </a:xfrm>
+          <a:prstGeom prst="rect">
+            <a:avLst/>
+          </a:prstGeom>
+          <a:solidFill>
+            <a:schemeClr val="accent4">
+              <a:lumMod val="20000"/>
+              <a:lumOff val="80000"/>
+            </a:schemeClr>
+          </a:solidFill>
+          <a:effectLst>
+            <a:outerShdw blurRad="50800" dist="38100" dir="2700000" algn="tl" rotWithShape="0">
+              <a:prstClr val="black">
+                <a:alpha val="40000"/>
+              </a:prstClr>
+            </a:outerShdw>
+          </a:effectLst>
+        </p:spPr>
+        <p:txBody>
+          <a:bodyPr wrap="none" rtlCol="0">
+            <a:spAutoFit/>
+          </a:bodyPr>
+          <a:lstStyle/>
+          <a:p>
+            <a:r>
+              <a:rPr lang="fr-FR" sz="1000" dirty="0">
+                <a:latin typeface="Times New Roman" panose="02020603050405020304" pitchFamily="18" charset="0"/>
+                <a:cs typeface="Times New Roman" panose="02020603050405020304" pitchFamily="18" charset="0"/>
+              </a:rPr>
+              <a:t>BERT </a:t>
+            </a:r>
+            <a:r>
+              <a:rPr lang="fr-FR" sz="1000" dirty="0" err="1">
+                <a:latin typeface="Times New Roman" panose="02020603050405020304" pitchFamily="18" charset="0"/>
+                <a:cs typeface="Times New Roman" panose="02020603050405020304" pitchFamily="18" charset="0"/>
+              </a:rPr>
+              <a:t>uncased</a:t>
+            </a:r>
+            <a:endParaRPr lang="fr-FR" sz="1000" dirty="0">
+              <a:latin typeface="Times New Roman" panose="02020603050405020304" pitchFamily="18" charset="0"/>
+              <a:cs typeface="Times New Roman" panose="02020603050405020304" pitchFamily="18" charset="0"/>
+            </a:endParaRPr>
+          </a:p>
+        </p:txBody>
+      </p:sp>
+      <p:sp>
+        <p:nvSpPr>
+          <p:cNvPr id="15" name="ZoneTexte 14">
+            <a:extLst>
+              <a:ext uri="{FF2B5EF4-FFF2-40B4-BE49-F238E27FC236}">
+                <a16:creationId xmlns:a16="http://schemas.microsoft.com/office/drawing/2014/main" id="{0412050E-AEF1-9749-C033-E22F44474A48}"/>
+              </a:ext>
+            </a:extLst>
+          </p:cNvPr>
+          <p:cNvSpPr txBox="1"/>
+          <p:nvPr/>
+        </p:nvSpPr>
+        <p:spPr>
+          <a:xfrm rot="20567996">
+            <a:off x="2396944" y="3784759"/>
+            <a:ext cx="830676" cy="246221"/>
+          </a:xfrm>
+          <a:prstGeom prst="rect">
+            <a:avLst/>
+          </a:prstGeom>
+          <a:solidFill>
+            <a:schemeClr val="accent4">
+              <a:lumMod val="20000"/>
+              <a:lumOff val="80000"/>
+            </a:schemeClr>
+          </a:solidFill>
+          <a:effectLst>
+            <a:outerShdw blurRad="50800" dist="38100" dir="2700000" algn="tl" rotWithShape="0">
+              <a:prstClr val="black">
+                <a:alpha val="40000"/>
+              </a:prstClr>
+            </a:outerShdw>
+          </a:effectLst>
+        </p:spPr>
+        <p:txBody>
+          <a:bodyPr wrap="none" rtlCol="0">
+            <a:spAutoFit/>
+          </a:bodyPr>
+          <a:lstStyle>
+            <a:defPPr>
+              <a:defRPr lang="fr-FR"/>
+            </a:defPPr>
+            <a:lvl1pPr>
+              <a:defRPr sz="1000">
+                <a:latin typeface="Times New Roman" panose="02020603050405020304" pitchFamily="18" charset="0"/>
+                <a:cs typeface="Times New Roman" panose="02020603050405020304" pitchFamily="18" charset="0"/>
+              </a:defRPr>
+            </a:lvl1pPr>
+          </a:lstStyle>
+          <a:p>
+            <a:r>
+              <a:rPr lang="fr-FR" dirty="0"/>
+              <a:t>BERT </a:t>
+            </a:r>
+            <a:r>
+              <a:rPr lang="fr-FR" dirty="0" err="1"/>
+              <a:t>cased</a:t>
+            </a:r>
+            <a:endParaRPr lang="fr-FR" dirty="0"/>
+          </a:p>
+        </p:txBody>
+      </p:sp>
+      <p:pic>
+        <p:nvPicPr>
+          <p:cNvPr id="19" name="Image 18">
+            <a:extLst>
+              <a:ext uri="{FF2B5EF4-FFF2-40B4-BE49-F238E27FC236}">
+                <a16:creationId xmlns:a16="http://schemas.microsoft.com/office/drawing/2014/main" id="{53B19E68-B5FA-6930-E7D3-25EC7616B0D7}"/>
+              </a:ext>
+            </a:extLst>
+          </p:cNvPr>
+          <p:cNvPicPr>
+            <a:picLocks noChangeAspect="1"/>
+          </p:cNvPicPr>
+          <p:nvPr/>
+        </p:nvPicPr>
+        <p:blipFill>
+          <a:blip r:embed="rId6"/>
+          <a:stretch>
+            <a:fillRect/>
+          </a:stretch>
+        </p:blipFill>
+        <p:spPr>
+          <a:xfrm>
+            <a:off x="2484120" y="881879"/>
+            <a:ext cx="7223760" cy="1670832"/>
+          </a:xfrm>
+          <a:prstGeom prst="rect">
+            <a:avLst/>
+          </a:prstGeom>
+          <a:effectLst>
+            <a:outerShdw blurRad="50800" dist="38100" dir="2700000" algn="tl" rotWithShape="0">
+              <a:prstClr val="black">
+                <a:alpha val="40000"/>
+              </a:prstClr>
+            </a:outerShdw>
+          </a:effectLst>
+        </p:spPr>
+      </p:pic>
+      <p:sp>
+        <p:nvSpPr>
+          <p:cNvPr id="20" name="ZoneTexte 19">
+            <a:extLst>
+              <a:ext uri="{FF2B5EF4-FFF2-40B4-BE49-F238E27FC236}">
+                <a16:creationId xmlns:a16="http://schemas.microsoft.com/office/drawing/2014/main" id="{B46825B3-C8F2-FD5A-CD69-073F76F8B11D}"/>
+              </a:ext>
+            </a:extLst>
+          </p:cNvPr>
+          <p:cNvSpPr txBox="1"/>
+          <p:nvPr/>
+        </p:nvSpPr>
+        <p:spPr>
+          <a:xfrm>
+            <a:off x="4091896" y="5707051"/>
+            <a:ext cx="3631122" cy="923330"/>
+          </a:xfrm>
+          <a:prstGeom prst="rect">
+            <a:avLst/>
+          </a:prstGeom>
+          <a:solidFill>
+            <a:schemeClr val="bg1">
+              <a:lumMod val="95000"/>
+            </a:schemeClr>
+          </a:solidFill>
+          <a:effectLst>
+            <a:outerShdw blurRad="50800" dist="38100" dir="2700000" algn="tl" rotWithShape="0">
+              <a:prstClr val="black">
+                <a:alpha val="40000"/>
+              </a:prstClr>
+            </a:outerShdw>
+          </a:effectLst>
+        </p:spPr>
+        <p:txBody>
+          <a:bodyPr wrap="none" rtlCol="0">
+            <a:spAutoFit/>
+          </a:bodyPr>
+          <a:lstStyle/>
+          <a:p>
+            <a:r>
+              <a:rPr lang="fr-FR" dirty="0" err="1">
+                <a:latin typeface="Courier New" panose="02070309020205020404" pitchFamily="49" charset="0"/>
+                <a:cs typeface="Courier New" panose="02070309020205020404" pitchFamily="49" charset="0"/>
+              </a:rPr>
+              <a:t>Precision</a:t>
+            </a:r>
+            <a:r>
+              <a:rPr lang="fr-FR" dirty="0">
+                <a:latin typeface="Courier New" panose="02070309020205020404" pitchFamily="49" charset="0"/>
+                <a:cs typeface="Courier New" panose="02070309020205020404" pitchFamily="49" charset="0"/>
+              </a:rPr>
+              <a:t> : 0.99 vs 0.98</a:t>
+            </a:r>
+          </a:p>
+          <a:p>
+            <a:r>
+              <a:rPr lang="fr-FR" dirty="0">
+                <a:latin typeface="Courier New" panose="02070309020205020404" pitchFamily="49" charset="0"/>
+                <a:cs typeface="Courier New" panose="02070309020205020404" pitchFamily="49" charset="0"/>
+              </a:rPr>
+              <a:t>Recall    : 0.95 vs 0.89 </a:t>
+            </a:r>
+          </a:p>
+          <a:p>
+            <a:r>
+              <a:rPr lang="fr-FR" dirty="0">
+                <a:latin typeface="Courier New" panose="02070309020205020404" pitchFamily="49" charset="0"/>
+                <a:cs typeface="Courier New" panose="02070309020205020404" pitchFamily="49" charset="0"/>
+              </a:rPr>
+              <a:t>F1        : 0.97 vs 0.93</a:t>
+            </a:r>
+          </a:p>
+        </p:txBody>
+      </p:sp>
+    </p:spTree>
+    <p:extLst>
+      <p:ext uri="{BB962C8B-B14F-4D97-AF65-F5344CB8AC3E}">
+        <p14:creationId xmlns:p14="http://schemas.microsoft.com/office/powerpoint/2010/main" val="52206540"/>
+      </p:ext>
+    </p:extLst>
+  </p:cSld>
+  <p:clrMapOvr>
+    <a:masterClrMapping/>
+  </p:clrMapOvr>
+</p:sld>
+</file>
+
+<file path=ppt/slides/slide8.xml><?xml version="1.0" encoding="utf-8"?>
+<p:sld xmlns:a="http://schemas.openxmlformats.org/drawingml/2006/main" xmlns:r="http://schemas.openxmlformats.org/officeDocument/2006/relationships" xmlns:p="http://schemas.openxmlformats.org/presentationml/2006/main">
+  <p:cSld>
+    <p:spTree>
+      <p:nvGrpSpPr>
+        <p:cNvPr id="1" name=""/>
+        <p:cNvGrpSpPr/>
+        <p:nvPr/>
+      </p:nvGrpSpPr>
+      <p:grpSpPr>
+        <a:xfrm>
+          <a:off x="0" y="0"/>
+          <a:ext cx="0" cy="0"/>
+          <a:chOff x="0" y="0"/>
+          <a:chExt cx="0" cy="0"/>
+        </a:xfrm>
+      </p:grpSpPr>
+      <p:sp>
+        <p:nvSpPr>
+          <p:cNvPr id="2" name="Titre 1">
+            <a:extLst>
+              <a:ext uri="{FF2B5EF4-FFF2-40B4-BE49-F238E27FC236}">
+                <a16:creationId xmlns:a16="http://schemas.microsoft.com/office/drawing/2014/main" id="{F13D07B4-C7D9-46E1-38A0-A6EEF16B48EB}"/>
+              </a:ext>
+            </a:extLst>
+          </p:cNvPr>
+          <p:cNvSpPr>
+            <a:spLocks noGrp="1"/>
+          </p:cNvSpPr>
+          <p:nvPr>
+            <p:ph type="title"/>
+          </p:nvPr>
+        </p:nvSpPr>
+        <p:spPr/>
+        <p:txBody>
+          <a:bodyPr/>
+          <a:lstStyle/>
+          <a:p>
+            <a:r>
+              <a:rPr lang="fr-FR" dirty="0" err="1"/>
               <a:t>Take</a:t>
             </a:r>
             <a:r>
@@ -5860,6 +8824,188 @@
           <a:bodyPr/>
           <a:lstStyle/>
           <a:p>
+            <a:r>
+              <a:rPr lang="fr-FR" dirty="0"/>
+              <a:t>So far, </a:t>
+            </a:r>
+            <a:r>
+              <a:rPr lang="fr-FR" dirty="0" err="1"/>
+              <a:t>working</a:t>
+            </a:r>
+            <a:r>
+              <a:rPr lang="fr-FR" dirty="0"/>
+              <a:t> on the </a:t>
+            </a:r>
+            <a:r>
+              <a:rPr lang="fr-FR" dirty="0" err="1"/>
+              <a:t>projects</a:t>
+            </a:r>
+            <a:r>
+              <a:rPr lang="fr-FR" dirty="0"/>
+              <a:t> I </a:t>
+            </a:r>
+            <a:r>
+              <a:rPr lang="fr-FR" dirty="0" err="1"/>
+              <a:t>learn</a:t>
+            </a:r>
+            <a:r>
+              <a:rPr lang="fr-FR" dirty="0"/>
+              <a:t> 2 </a:t>
+            </a:r>
+            <a:r>
+              <a:rPr lang="fr-FR" dirty="0" err="1"/>
+              <a:t>things</a:t>
+            </a:r>
+            <a:endParaRPr lang="fr-FR" dirty="0"/>
+          </a:p>
+          <a:p>
+            <a:pPr marL="914400" lvl="1" indent="-457200">
+              <a:buFont typeface="+mj-lt"/>
+              <a:buAutoNum type="arabicPeriod"/>
+            </a:pPr>
+            <a:r>
+              <a:rPr lang="fr-FR" dirty="0"/>
+              <a:t>Don't mess </a:t>
+            </a:r>
+            <a:r>
+              <a:rPr lang="fr-FR" dirty="0" err="1"/>
+              <a:t>with</a:t>
+            </a:r>
+            <a:r>
+              <a:rPr lang="fr-FR" dirty="0"/>
+              <a:t> EDA. Never !</a:t>
+            </a:r>
+          </a:p>
+          <a:p>
+            <a:pPr marL="914400" lvl="1" indent="-457200">
+              <a:buFont typeface="+mj-lt"/>
+              <a:buAutoNum type="arabicPeriod"/>
+            </a:pPr>
+            <a:r>
+              <a:rPr lang="fr-FR" dirty="0"/>
+              <a:t>Get a </a:t>
+            </a:r>
+            <a:r>
+              <a:rPr lang="fr-FR" dirty="0" err="1"/>
+              <a:t>baseline</a:t>
+            </a:r>
+            <a:r>
+              <a:rPr lang="fr-FR" dirty="0"/>
+              <a:t> model. Quick !</a:t>
+            </a:r>
+          </a:p>
+          <a:p>
+            <a:r>
+              <a:rPr lang="fr-FR" dirty="0"/>
+              <a:t>It </a:t>
+            </a:r>
+            <a:r>
+              <a:rPr lang="fr-FR" dirty="0" err="1"/>
+              <a:t>is</a:t>
+            </a:r>
+            <a:r>
+              <a:rPr lang="fr-FR" dirty="0"/>
+              <a:t> true </a:t>
+            </a:r>
+            <a:r>
+              <a:rPr lang="fr-FR" dirty="0" err="1"/>
+              <a:t>here</a:t>
+            </a:r>
+            <a:r>
+              <a:rPr lang="fr-FR" dirty="0"/>
+              <a:t> </a:t>
+            </a:r>
+            <a:r>
+              <a:rPr lang="fr-FR" dirty="0" err="1"/>
+              <a:t>too</a:t>
+            </a:r>
+            <a:endParaRPr lang="fr-FR" dirty="0"/>
+          </a:p>
+          <a:p>
+            <a:endParaRPr lang="fr-FR" dirty="0"/>
+          </a:p>
+          <a:p>
+            <a:r>
+              <a:rPr lang="fr-FR" dirty="0" err="1"/>
+              <a:t>Impressed</a:t>
+            </a:r>
+            <a:r>
+              <a:rPr lang="fr-FR" dirty="0"/>
+              <a:t> by the </a:t>
+            </a:r>
+            <a:r>
+              <a:rPr lang="fr-FR" dirty="0" err="1"/>
+              <a:t>results</a:t>
+            </a:r>
+            <a:r>
+              <a:rPr lang="fr-FR" dirty="0"/>
+              <a:t> of the </a:t>
+            </a:r>
+            <a:r>
+              <a:rPr lang="fr-FR" dirty="0" err="1"/>
+              <a:t>baseline</a:t>
+            </a:r>
+            <a:r>
+              <a:rPr lang="fr-FR" dirty="0"/>
+              <a:t> model</a:t>
+            </a:r>
+          </a:p>
+          <a:p>
+            <a:r>
+              <a:rPr lang="fr-FR"/>
+              <a:t>BERT help to </a:t>
+            </a:r>
+            <a:r>
+              <a:rPr lang="fr-FR" dirty="0" err="1"/>
+              <a:t>keep</a:t>
+            </a:r>
+            <a:r>
+              <a:rPr lang="fr-FR" dirty="0"/>
+              <a:t> the </a:t>
+            </a:r>
+            <a:r>
+              <a:rPr lang="fr-FR" dirty="0" err="1"/>
+              <a:t>Precision</a:t>
+            </a:r>
+            <a:r>
+              <a:rPr lang="fr-FR" dirty="0"/>
+              <a:t> </a:t>
+            </a:r>
+            <a:r>
+              <a:rPr lang="fr-FR" dirty="0" err="1"/>
+              <a:t>while</a:t>
+            </a:r>
+            <a:r>
+              <a:rPr lang="fr-FR" dirty="0"/>
+              <a:t> </a:t>
+            </a:r>
+            <a:r>
+              <a:rPr lang="fr-FR" dirty="0" err="1"/>
+              <a:t>improving</a:t>
+            </a:r>
+            <a:r>
+              <a:rPr lang="fr-FR" dirty="0"/>
+              <a:t> the Accuracy but at the </a:t>
+            </a:r>
+            <a:r>
+              <a:rPr lang="fr-FR" dirty="0" err="1"/>
+              <a:t>cost</a:t>
+            </a:r>
+            <a:r>
+              <a:rPr lang="fr-FR" dirty="0"/>
+              <a:t> of training time</a:t>
+            </a:r>
+          </a:p>
+          <a:p>
+            <a:endParaRPr lang="fr-FR" dirty="0"/>
+          </a:p>
+          <a:p>
+            <a:pPr marL="457200" lvl="1" indent="0">
+              <a:buNone/>
+            </a:pPr>
+            <a:endParaRPr lang="fr-FR" dirty="0"/>
+          </a:p>
+          <a:p>
             <a:endParaRPr lang="fr-FR" dirty="0"/>
           </a:p>
         </p:txBody>
@@ -5868,6 +9014,100 @@
     <p:extLst>
       <p:ext uri="{BB962C8B-B14F-4D97-AF65-F5344CB8AC3E}">
         <p14:creationId xmlns:p14="http://schemas.microsoft.com/office/powerpoint/2010/main" val="3201622378"/>
+      </p:ext>
+    </p:extLst>
+  </p:cSld>
+  <p:clrMapOvr>
+    <a:masterClrMapping/>
+  </p:clrMapOvr>
+</p:sld>
+</file>
+
+<file path=ppt/slides/slide9.xml><?xml version="1.0" encoding="utf-8"?>
+<p:sld xmlns:a="http://schemas.openxmlformats.org/drawingml/2006/main" xmlns:r="http://schemas.openxmlformats.org/officeDocument/2006/relationships" xmlns:p="http://schemas.openxmlformats.org/presentationml/2006/main">
+  <p:cSld>
+    <p:spTree>
+      <p:nvGrpSpPr>
+        <p:cNvPr id="1" name=""/>
+        <p:cNvGrpSpPr/>
+        <p:nvPr/>
+      </p:nvGrpSpPr>
+      <p:grpSpPr>
+        <a:xfrm>
+          <a:off x="0" y="0"/>
+          <a:ext cx="0" cy="0"/>
+          <a:chOff x="0" y="0"/>
+          <a:chExt cx="0" cy="0"/>
+        </a:xfrm>
+      </p:grpSpPr>
+      <p:sp>
+        <p:nvSpPr>
+          <p:cNvPr id="4" name="Titre 3">
+            <a:extLst>
+              <a:ext uri="{FF2B5EF4-FFF2-40B4-BE49-F238E27FC236}">
+                <a16:creationId xmlns:a16="http://schemas.microsoft.com/office/drawing/2014/main" id="{80E590DF-0A88-7056-85D1-A8E809E2318F}"/>
+              </a:ext>
+            </a:extLst>
+          </p:cNvPr>
+          <p:cNvSpPr>
+            <a:spLocks noGrp="1"/>
+          </p:cNvSpPr>
+          <p:nvPr>
+            <p:ph type="title"/>
+          </p:nvPr>
+        </p:nvSpPr>
+        <p:spPr>
+          <a:xfrm>
+            <a:off x="831850" y="1709738"/>
+            <a:ext cx="10515600" cy="1837859"/>
+          </a:xfrm>
+        </p:spPr>
+        <p:txBody>
+          <a:bodyPr/>
+          <a:lstStyle/>
+          <a:p>
+            <a:pPr algn="ctr"/>
+            <a:r>
+              <a:rPr lang="fr-FR" dirty="0"/>
+              <a:t>Code </a:t>
+            </a:r>
+            <a:r>
+              <a:rPr lang="fr-FR" dirty="0" err="1"/>
+              <a:t>Review</a:t>
+            </a:r>
+            <a:endParaRPr lang="fr-FR" dirty="0"/>
+          </a:p>
+        </p:txBody>
+      </p:sp>
+      <p:sp>
+        <p:nvSpPr>
+          <p:cNvPr id="5" name="Espace réservé du texte 4">
+            <a:extLst>
+              <a:ext uri="{FF2B5EF4-FFF2-40B4-BE49-F238E27FC236}">
+                <a16:creationId xmlns:a16="http://schemas.microsoft.com/office/drawing/2014/main" id="{64E8BF61-007C-0740-1AA1-06B9449B33C7}"/>
+              </a:ext>
+            </a:extLst>
+          </p:cNvPr>
+          <p:cNvSpPr>
+            <a:spLocks noGrp="1"/>
+          </p:cNvSpPr>
+          <p:nvPr>
+            <p:ph type="body" idx="1"/>
+          </p:nvPr>
+        </p:nvSpPr>
+        <p:spPr/>
+        <p:txBody>
+          <a:bodyPr/>
+          <a:lstStyle/>
+          <a:p>
+            <a:endParaRPr lang="fr-FR"/>
+          </a:p>
+        </p:txBody>
+      </p:sp>
+    </p:spTree>
+    <p:extLst>
+      <p:ext uri="{BB962C8B-B14F-4D97-AF65-F5344CB8AC3E}">
+        <p14:creationId xmlns:p14="http://schemas.microsoft.com/office/powerpoint/2010/main" val="312535264"/>
       </p:ext>
     </p:extLst>
   </p:cSld>

--- a/07_deep_learning/99_Project_ATT/01_att_project.pptx
+++ b/07_deep_learning/99_Project_ATT/01_att_project.pptx
@@ -5,7 +5,7 @@
     <p:sldMasterId id="2147483660" r:id="rId1"/>
   </p:sldMasterIdLst>
   <p:notesMasterIdLst>
-    <p:notesMasterId r:id="rId11"/>
+    <p:notesMasterId r:id="rId12"/>
   </p:notesMasterIdLst>
   <p:sldIdLst>
     <p:sldId id="256" r:id="rId2"/>
@@ -14,9 +14,10 @@
     <p:sldId id="266" r:id="rId5"/>
     <p:sldId id="267" r:id="rId6"/>
     <p:sldId id="268" r:id="rId7"/>
-    <p:sldId id="265" r:id="rId8"/>
-    <p:sldId id="257" r:id="rId9"/>
-    <p:sldId id="263" r:id="rId10"/>
+    <p:sldId id="269" r:id="rId8"/>
+    <p:sldId id="265" r:id="rId9"/>
+    <p:sldId id="257" r:id="rId10"/>
+    <p:sldId id="263" r:id="rId11"/>
   </p:sldIdLst>
   <p:sldSz cx="12192000" cy="6858000"/>
   <p:notesSz cx="6858000" cy="9144000"/>
@@ -126,7 +127,7 @@
 <file path=ppt/revisionInfo.xml><?xml version="1.0" encoding="utf-8"?>
 <p1510:revInfo xmlns:a="http://schemas.openxmlformats.org/drawingml/2006/main" xmlns:r="http://schemas.openxmlformats.org/officeDocument/2006/relationships" xmlns:p1510="http://schemas.microsoft.com/office/powerpoint/2015/10/main">
   <p1510:revLst>
-    <p1510:client id="{ABAE05BF-949A-4E93-BC19-2AEAAED3ED81}" v="17" dt="2024-09-02T18:26:44.143"/>
+    <p1510:client id="{ABAE05BF-949A-4E93-BC19-2AEAAED3ED81}" v="20" dt="2024-09-03T08:48:14.023"/>
   </p1510:revLst>
 </p1510:revInfo>
 </file>
@@ -1565,7 +1566,7 @@
   <pc:docChgLst>
     <pc:chgData name="Philippe Baucour" userId="5102170ae7533958" providerId="LiveId" clId="{ABAE05BF-949A-4E93-BC19-2AEAAED3ED81}"/>
     <pc:docChg chg="undo custSel addSld modSld sldOrd">
-      <pc:chgData name="Philippe Baucour" userId="5102170ae7533958" providerId="LiveId" clId="{ABAE05BF-949A-4E93-BC19-2AEAAED3ED81}" dt="2024-09-02T18:44:49.177" v="1846" actId="6549"/>
+      <pc:chgData name="Philippe Baucour" userId="5102170ae7533958" providerId="LiveId" clId="{ABAE05BF-949A-4E93-BC19-2AEAAED3ED81}" dt="2024-09-03T10:36:57.247" v="2700" actId="1036"/>
       <pc:docMkLst>
         <pc:docMk/>
       </pc:docMkLst>
@@ -1633,13 +1634,13 @@
         </pc:picChg>
       </pc:sldChg>
       <pc:sldChg chg="modSp mod">
-        <pc:chgData name="Philippe Baucour" userId="5102170ae7533958" providerId="LiveId" clId="{ABAE05BF-949A-4E93-BC19-2AEAAED3ED81}" dt="2024-09-02T18:44:49.177" v="1846" actId="6549"/>
+        <pc:chgData name="Philippe Baucour" userId="5102170ae7533958" providerId="LiveId" clId="{ABAE05BF-949A-4E93-BC19-2AEAAED3ED81}" dt="2024-09-03T08:51:35.722" v="2652" actId="20577"/>
         <pc:sldMkLst>
           <pc:docMk/>
           <pc:sldMk cId="3201622378" sldId="257"/>
         </pc:sldMkLst>
         <pc:spChg chg="mod">
-          <ac:chgData name="Philippe Baucour" userId="5102170ae7533958" providerId="LiveId" clId="{ABAE05BF-949A-4E93-BC19-2AEAAED3ED81}" dt="2024-09-02T18:44:49.177" v="1846" actId="6549"/>
+          <ac:chgData name="Philippe Baucour" userId="5102170ae7533958" providerId="LiveId" clId="{ABAE05BF-949A-4E93-BC19-2AEAAED3ED81}" dt="2024-09-03T08:51:35.722" v="2652" actId="20577"/>
           <ac:spMkLst>
             <pc:docMk/>
             <pc:sldMk cId="3201622378" sldId="257"/>
@@ -1725,13 +1726,13 @@
         </pc:picChg>
       </pc:sldChg>
       <pc:sldChg chg="addSp delSp modSp new mod modNotesTx">
-        <pc:chgData name="Philippe Baucour" userId="5102170ae7533958" providerId="LiveId" clId="{ABAE05BF-949A-4E93-BC19-2AEAAED3ED81}" dt="2024-09-02T18:31:24.819" v="1716" actId="20577"/>
+        <pc:chgData name="Philippe Baucour" userId="5102170ae7533958" providerId="LiveId" clId="{ABAE05BF-949A-4E93-BC19-2AEAAED3ED81}" dt="2024-09-03T08:50:39.336" v="2617" actId="20577"/>
         <pc:sldMkLst>
           <pc:docMk/>
           <pc:sldMk cId="52206540" sldId="265"/>
         </pc:sldMkLst>
         <pc:spChg chg="mod">
-          <ac:chgData name="Philippe Baucour" userId="5102170ae7533958" providerId="LiveId" clId="{ABAE05BF-949A-4E93-BC19-2AEAAED3ED81}" dt="2024-09-02T16:03:45.935" v="1323" actId="20577"/>
+          <ac:chgData name="Philippe Baucour" userId="5102170ae7533958" providerId="LiveId" clId="{ABAE05BF-949A-4E93-BC19-2AEAAED3ED81}" dt="2024-09-03T08:50:39.336" v="2617" actId="20577"/>
           <ac:spMkLst>
             <pc:docMk/>
             <pc:sldMk cId="52206540" sldId="265"/>
@@ -1747,7 +1748,7 @@
           </ac:spMkLst>
         </pc:spChg>
         <pc:spChg chg="add mod">
-          <ac:chgData name="Philippe Baucour" userId="5102170ae7533958" providerId="LiveId" clId="{ABAE05BF-949A-4E93-BC19-2AEAAED3ED81}" dt="2024-09-02T18:22:55.713" v="1665" actId="1036"/>
+          <ac:chgData name="Philippe Baucour" userId="5102170ae7533958" providerId="LiveId" clId="{ABAE05BF-949A-4E93-BC19-2AEAAED3ED81}" dt="2024-09-03T08:45:50.735" v="2476" actId="1036"/>
           <ac:spMkLst>
             <pc:docMk/>
             <pc:sldMk cId="52206540" sldId="265"/>
@@ -1755,7 +1756,7 @@
           </ac:spMkLst>
         </pc:spChg>
         <pc:spChg chg="add mod">
-          <ac:chgData name="Philippe Baucour" userId="5102170ae7533958" providerId="LiveId" clId="{ABAE05BF-949A-4E93-BC19-2AEAAED3ED81}" dt="2024-09-02T18:22:55.713" v="1665" actId="1036"/>
+          <ac:chgData name="Philippe Baucour" userId="5102170ae7533958" providerId="LiveId" clId="{ABAE05BF-949A-4E93-BC19-2AEAAED3ED81}" dt="2024-09-03T08:48:34.123" v="2551" actId="1035"/>
           <ac:spMkLst>
             <pc:docMk/>
             <pc:sldMk cId="52206540" sldId="265"/>
@@ -1771,7 +1772,7 @@
           </ac:spMkLst>
         </pc:spChg>
         <pc:spChg chg="add mod">
-          <ac:chgData name="Philippe Baucour" userId="5102170ae7533958" providerId="LiveId" clId="{ABAE05BF-949A-4E93-BC19-2AEAAED3ED81}" dt="2024-09-02T18:31:24.819" v="1716" actId="20577"/>
+          <ac:chgData name="Philippe Baucour" userId="5102170ae7533958" providerId="LiveId" clId="{ABAE05BF-949A-4E93-BC19-2AEAAED3ED81}" dt="2024-09-03T08:48:34.123" v="2551" actId="1035"/>
           <ac:spMkLst>
             <pc:docMk/>
             <pc:sldMk cId="52206540" sldId="265"/>
@@ -1786,8 +1787,16 @@
             <ac:picMk id="4" creationId="{433DF392-025B-7EDD-826C-EBD7A2BE08E4}"/>
           </ac:picMkLst>
         </pc:picChg>
+        <pc:picChg chg="add del mod">
+          <ac:chgData name="Philippe Baucour" userId="5102170ae7533958" providerId="LiveId" clId="{ABAE05BF-949A-4E93-BC19-2AEAAED3ED81}" dt="2024-09-03T08:47:42.210" v="2479" actId="21"/>
+          <ac:picMkLst>
+            <pc:docMk/>
+            <pc:sldMk cId="52206540" sldId="265"/>
+            <ac:picMk id="4" creationId="{A7B46FF0-27BB-E16C-88E4-DADF374F8C37}"/>
+          </ac:picMkLst>
+        </pc:picChg>
         <pc:picChg chg="add mod">
-          <ac:chgData name="Philippe Baucour" userId="5102170ae7533958" providerId="LiveId" clId="{ABAE05BF-949A-4E93-BC19-2AEAAED3ED81}" dt="2024-09-02T18:22:55.713" v="1665" actId="1036"/>
+          <ac:chgData name="Philippe Baucour" userId="5102170ae7533958" providerId="LiveId" clId="{ABAE05BF-949A-4E93-BC19-2AEAAED3ED81}" dt="2024-09-03T08:48:34.123" v="2551" actId="1035"/>
           <ac:picMkLst>
             <pc:docMk/>
             <pc:sldMk cId="52206540" sldId="265"/>
@@ -1795,7 +1804,7 @@
           </ac:picMkLst>
         </pc:picChg>
         <pc:picChg chg="add mod">
-          <ac:chgData name="Philippe Baucour" userId="5102170ae7533958" providerId="LiveId" clId="{ABAE05BF-949A-4E93-BC19-2AEAAED3ED81}" dt="2024-09-02T18:22:55.713" v="1665" actId="1036"/>
+          <ac:chgData name="Philippe Baucour" userId="5102170ae7533958" providerId="LiveId" clId="{ABAE05BF-949A-4E93-BC19-2AEAAED3ED81}" dt="2024-09-03T08:48:34.123" v="2551" actId="1035"/>
           <ac:picMkLst>
             <pc:docMk/>
             <pc:sldMk cId="52206540" sldId="265"/>
@@ -1803,11 +1812,19 @@
           </ac:picMkLst>
         </pc:picChg>
         <pc:picChg chg="add mod">
-          <ac:chgData name="Philippe Baucour" userId="5102170ae7533958" providerId="LiveId" clId="{ABAE05BF-949A-4E93-BC19-2AEAAED3ED81}" dt="2024-09-02T18:22:55.713" v="1665" actId="1036"/>
+          <ac:chgData name="Philippe Baucour" userId="5102170ae7533958" providerId="LiveId" clId="{ABAE05BF-949A-4E93-BC19-2AEAAED3ED81}" dt="2024-09-03T08:48:34.123" v="2551" actId="1035"/>
           <ac:picMkLst>
             <pc:docMk/>
             <pc:sldMk cId="52206540" sldId="265"/>
             <ac:picMk id="11" creationId="{F85D1A3C-8735-E810-1B4E-BEC3C316F7B3}"/>
+          </ac:picMkLst>
+        </pc:picChg>
+        <pc:picChg chg="add mod">
+          <ac:chgData name="Philippe Baucour" userId="5102170ae7533958" providerId="LiveId" clId="{ABAE05BF-949A-4E93-BC19-2AEAAED3ED81}" dt="2024-09-03T08:48:43.522" v="2586" actId="1035"/>
+          <ac:picMkLst>
+            <pc:docMk/>
+            <pc:sldMk cId="52206540" sldId="265"/>
+            <ac:picMk id="12" creationId="{A7B46FF0-27BB-E16C-88E4-DADF374F8C37}"/>
           </ac:picMkLst>
         </pc:picChg>
         <pc:picChg chg="add del mod">
@@ -1818,8 +1835,8 @@
             <ac:picMk id="13" creationId="{AD2A3647-F4DB-A89C-576E-F63CDC76C543}"/>
           </ac:picMkLst>
         </pc:picChg>
-        <pc:picChg chg="add mod">
-          <ac:chgData name="Philippe Baucour" userId="5102170ae7533958" providerId="LiveId" clId="{ABAE05BF-949A-4E93-BC19-2AEAAED3ED81}" dt="2024-09-02T18:23:17.130" v="1677" actId="1036"/>
+        <pc:picChg chg="add del mod">
+          <ac:chgData name="Philippe Baucour" userId="5102170ae7533958" providerId="LiveId" clId="{ABAE05BF-949A-4E93-BC19-2AEAAED3ED81}" dt="2024-09-03T08:44:45.217" v="2423" actId="478"/>
           <ac:picMkLst>
             <pc:docMk/>
             <pc:sldMk cId="52206540" sldId="265"/>
@@ -1883,7 +1900,7 @@
         </pc:picChg>
       </pc:sldChg>
       <pc:sldChg chg="addSp delSp modSp new mod modNotesTx">
-        <pc:chgData name="Philippe Baucour" userId="5102170ae7533958" providerId="LiveId" clId="{ABAE05BF-949A-4E93-BC19-2AEAAED3ED81}" dt="2024-09-02T14:18:41.261" v="899" actId="1076"/>
+        <pc:chgData name="Philippe Baucour" userId="5102170ae7533958" providerId="LiveId" clId="{ABAE05BF-949A-4E93-BC19-2AEAAED3ED81}" dt="2024-09-03T10:36:57.247" v="2700" actId="1036"/>
         <pc:sldMkLst>
           <pc:docMk/>
           <pc:sldMk cId="671232843" sldId="267"/>
@@ -1904,6 +1921,14 @@
             <ac:spMk id="17" creationId="{3053E7A8-B72C-E8FD-CA87-54B853B912FF}"/>
           </ac:spMkLst>
         </pc:spChg>
+        <pc:picChg chg="add mod">
+          <ac:chgData name="Philippe Baucour" userId="5102170ae7533958" providerId="LiveId" clId="{ABAE05BF-949A-4E93-BC19-2AEAAED3ED81}" dt="2024-09-03T10:36:57.247" v="2700" actId="1036"/>
+          <ac:picMkLst>
+            <pc:docMk/>
+            <pc:sldMk cId="671232843" sldId="267"/>
+            <ac:picMk id="4" creationId="{56A0ACCB-7D50-6852-381E-13AB02B4947C}"/>
+          </ac:picMkLst>
+        </pc:picChg>
         <pc:picChg chg="add del">
           <ac:chgData name="Philippe Baucour" userId="5102170ae7533958" providerId="LiveId" clId="{ABAE05BF-949A-4E93-BC19-2AEAAED3ED81}" dt="2024-09-02T12:24:02.679" v="318" actId="22"/>
           <ac:picMkLst>
@@ -1920,8 +1945,8 @@
             <ac:picMk id="6" creationId="{DE215ABA-7CB9-739C-7843-0B94C0596BAA}"/>
           </ac:picMkLst>
         </pc:picChg>
-        <pc:picChg chg="add mod">
-          <ac:chgData name="Philippe Baucour" userId="5102170ae7533958" providerId="LiveId" clId="{ABAE05BF-949A-4E93-BC19-2AEAAED3ED81}" dt="2024-09-02T12:32:36.623" v="466" actId="14861"/>
+        <pc:picChg chg="add del mod">
+          <ac:chgData name="Philippe Baucour" userId="5102170ae7533958" providerId="LiveId" clId="{ABAE05BF-949A-4E93-BC19-2AEAAED3ED81}" dt="2024-09-03T10:36:51.270" v="2659" actId="478"/>
           <ac:picMkLst>
             <pc:docMk/>
             <pc:sldMk cId="671232843" sldId="267"/>
@@ -2053,6 +2078,109 @@
             <pc:docMk/>
             <pc:sldMk cId="3250692139" sldId="268"/>
             <ac:picMk id="6" creationId="{81C31236-3B5B-5A41-4354-0F5DD675816F}"/>
+          </ac:picMkLst>
+        </pc:picChg>
+      </pc:sldChg>
+      <pc:sldChg chg="addSp delSp modSp add mod ord modNotesTx">
+        <pc:chgData name="Philippe Baucour" userId="5102170ae7533958" providerId="LiveId" clId="{ABAE05BF-949A-4E93-BC19-2AEAAED3ED81}" dt="2024-09-03T08:49:41.680" v="2615" actId="14100"/>
+        <pc:sldMkLst>
+          <pc:docMk/>
+          <pc:sldMk cId="2840346932" sldId="269"/>
+        </pc:sldMkLst>
+        <pc:spChg chg="mod">
+          <ac:chgData name="Philippe Baucour" userId="5102170ae7533958" providerId="LiveId" clId="{ABAE05BF-949A-4E93-BC19-2AEAAED3ED81}" dt="2024-09-03T08:41:03.976" v="2257" actId="404"/>
+          <ac:spMkLst>
+            <pc:docMk/>
+            <pc:sldMk cId="2840346932" sldId="269"/>
+            <ac:spMk id="2" creationId="{C9D5C376-48FD-431A-1BC9-093D4CF79FA5}"/>
+          </ac:spMkLst>
+        </pc:spChg>
+        <pc:spChg chg="del">
+          <ac:chgData name="Philippe Baucour" userId="5102170ae7533958" providerId="LiveId" clId="{ABAE05BF-949A-4E93-BC19-2AEAAED3ED81}" dt="2024-09-03T08:41:13.474" v="2259" actId="478"/>
+          <ac:spMkLst>
+            <pc:docMk/>
+            <pc:sldMk cId="2840346932" sldId="269"/>
+            <ac:spMk id="14" creationId="{7C9A728B-9207-9414-6ADE-FB7396970C24}"/>
+          </ac:spMkLst>
+        </pc:spChg>
+        <pc:spChg chg="del">
+          <ac:chgData name="Philippe Baucour" userId="5102170ae7533958" providerId="LiveId" clId="{ABAE05BF-949A-4E93-BC19-2AEAAED3ED81}" dt="2024-09-03T08:41:09.611" v="2258" actId="478"/>
+          <ac:spMkLst>
+            <pc:docMk/>
+            <pc:sldMk cId="2840346932" sldId="269"/>
+            <ac:spMk id="15" creationId="{0412050E-AEF1-9749-C033-E22F44474A48}"/>
+          </ac:spMkLst>
+        </pc:spChg>
+        <pc:spChg chg="add del mod">
+          <ac:chgData name="Philippe Baucour" userId="5102170ae7533958" providerId="LiveId" clId="{ABAE05BF-949A-4E93-BC19-2AEAAED3ED81}" dt="2024-09-03T08:43:57.156" v="2358" actId="1035"/>
+          <ac:spMkLst>
+            <pc:docMk/>
+            <pc:sldMk cId="2840346932" sldId="269"/>
+            <ac:spMk id="20" creationId="{B46825B3-C8F2-FD5A-CD69-073F76F8B11D}"/>
+          </ac:spMkLst>
+        </pc:spChg>
+        <pc:picChg chg="add mod">
+          <ac:chgData name="Philippe Baucour" userId="5102170ae7533958" providerId="LiveId" clId="{ABAE05BF-949A-4E93-BC19-2AEAAED3ED81}" dt="2024-09-03T08:49:41.680" v="2615" actId="14100"/>
+          <ac:picMkLst>
+            <pc:docMk/>
+            <pc:sldMk cId="2840346932" sldId="269"/>
+            <ac:picMk id="4" creationId="{7CA78895-3DB6-76B4-F344-4850294BBC37}"/>
+          </ac:picMkLst>
+        </pc:picChg>
+        <pc:picChg chg="del">
+          <ac:chgData name="Philippe Baucour" userId="5102170ae7533958" providerId="LiveId" clId="{ABAE05BF-949A-4E93-BC19-2AEAAED3ED81}" dt="2024-09-03T08:41:16.987" v="2260" actId="478"/>
+          <ac:picMkLst>
+            <pc:docMk/>
+            <pc:sldMk cId="2840346932" sldId="269"/>
+            <ac:picMk id="6" creationId="{5B89E3E9-73E4-5392-63AB-FD759386D9DF}"/>
+          </ac:picMkLst>
+        </pc:picChg>
+        <pc:picChg chg="add mod ord">
+          <ac:chgData name="Philippe Baucour" userId="5102170ae7533958" providerId="LiveId" clId="{ABAE05BF-949A-4E93-BC19-2AEAAED3ED81}" dt="2024-09-03T08:43:57.156" v="2358" actId="1035"/>
+          <ac:picMkLst>
+            <pc:docMk/>
+            <pc:sldMk cId="2840346932" sldId="269"/>
+            <ac:picMk id="7" creationId="{021C3181-9E15-C029-00E2-42449F39DC16}"/>
+          </ac:picMkLst>
+        </pc:picChg>
+        <pc:picChg chg="del">
+          <ac:chgData name="Philippe Baucour" userId="5102170ae7533958" providerId="LiveId" clId="{ABAE05BF-949A-4E93-BC19-2AEAAED3ED81}" dt="2024-09-03T08:40:11.411" v="2240" actId="478"/>
+          <ac:picMkLst>
+            <pc:docMk/>
+            <pc:sldMk cId="2840346932" sldId="269"/>
+            <ac:picMk id="9" creationId="{414196D8-4384-3AE0-B8AD-06545C570E3C}"/>
+          </ac:picMkLst>
+        </pc:picChg>
+        <pc:picChg chg="add mod">
+          <ac:chgData name="Philippe Baucour" userId="5102170ae7533958" providerId="LiveId" clId="{ABAE05BF-949A-4E93-BC19-2AEAAED3ED81}" dt="2024-09-03T08:43:57.156" v="2358" actId="1035"/>
+          <ac:picMkLst>
+            <pc:docMk/>
+            <pc:sldMk cId="2840346932" sldId="269"/>
+            <ac:picMk id="10" creationId="{24528A4E-7429-5BA0-696A-515DD39FA236}"/>
+          </ac:picMkLst>
+        </pc:picChg>
+        <pc:picChg chg="del">
+          <ac:chgData name="Philippe Baucour" userId="5102170ae7533958" providerId="LiveId" clId="{ABAE05BF-949A-4E93-BC19-2AEAAED3ED81}" dt="2024-09-03T08:41:45.928" v="2261" actId="478"/>
+          <ac:picMkLst>
+            <pc:docMk/>
+            <pc:sldMk cId="2840346932" sldId="269"/>
+            <ac:picMk id="11" creationId="{F85D1A3C-8735-E810-1B4E-BEC3C316F7B3}"/>
+          </ac:picMkLst>
+        </pc:picChg>
+        <pc:picChg chg="add del mod">
+          <ac:chgData name="Philippe Baucour" userId="5102170ae7533958" providerId="LiveId" clId="{ABAE05BF-949A-4E93-BC19-2AEAAED3ED81}" dt="2024-09-03T08:48:10.878" v="2484" actId="21"/>
+          <ac:picMkLst>
+            <pc:docMk/>
+            <pc:sldMk cId="2840346932" sldId="269"/>
+            <ac:picMk id="12" creationId="{A7B46FF0-27BB-E16C-88E4-DADF374F8C37}"/>
+          </ac:picMkLst>
+        </pc:picChg>
+        <pc:picChg chg="mod">
+          <ac:chgData name="Philippe Baucour" userId="5102170ae7533958" providerId="LiveId" clId="{ABAE05BF-949A-4E93-BC19-2AEAAED3ED81}" dt="2024-09-03T08:44:03.923" v="2381" actId="1036"/>
+          <ac:picMkLst>
+            <pc:docMk/>
+            <pc:sldMk cId="2840346932" sldId="269"/>
+            <ac:picMk id="19" creationId="{53B19E68-B5FA-6930-E7D3-25EC7616B0D7}"/>
           </ac:picMkLst>
         </pc:picChg>
       </pc:sldChg>
@@ -2143,7 +2271,7 @@
           <a:p>
             <a:fld id="{FD1752CD-A7D2-4825-BC26-9DAEFBD0A5FF}" type="datetimeFigureOut">
               <a:rPr lang="fr-FR" smtClean="0"/>
-              <a:t>02/09/2024</a:t>
+              <a:t>03/09/2024</a:t>
             </a:fld>
             <a:endParaRPr lang="fr-FR"/>
           </a:p>
@@ -3207,19 +3335,39 @@
           <a:p>
             <a:r>
               <a:rPr lang="fr-FR" dirty="0"/>
-              <a:t>Ici on en a  : </a:t>
-            </a:r>
-            <a:r>
-              <a:rPr lang="fr-FR" b="0" i="0" dirty="0">
-                <a:solidFill>
-                  <a:srgbClr val="CCCCCC"/>
-                </a:solidFill>
-                <a:effectLst/>
-                <a:latin typeface="JetBrains Mono" panose="02000009000000000000" pitchFamily="49" charset="0"/>
-              </a:rPr>
-              <a:t>109 483 009 = 100 millions !!!</a:t>
+              <a:t>On a pris le parti de geler TOUTES les couches de BERT et de juste rajouter une dernière couche dense avec une activation </a:t>
+            </a:r>
+            <a:r>
+              <a:rPr lang="fr-FR" dirty="0" err="1"/>
+              <a:t>sigmoide</a:t>
             </a:r>
             <a:endParaRPr lang="fr-FR" dirty="0"/>
+          </a:p>
+          <a:p>
+            <a:r>
+              <a:rPr lang="fr-FR" dirty="0"/>
+              <a:t>Du coup même si BERT a 110 M de para entrainables, on en a que 769 à entrainer</a:t>
+            </a:r>
+          </a:p>
+          <a:p>
+            <a:r>
+              <a:rPr lang="fr-FR" dirty="0"/>
+              <a:t>Par contre c'est reste très </a:t>
+            </a:r>
+            <a:r>
+              <a:rPr lang="fr-FR" dirty="0" err="1"/>
+              <a:t>très</a:t>
+            </a:r>
+            <a:r>
+              <a:rPr lang="fr-FR" dirty="0"/>
+              <a:t> lent à entrainer</a:t>
+            </a:r>
+          </a:p>
+          <a:p>
+            <a:r>
+              <a:rPr lang="fr-FR" dirty="0"/>
+              <a:t>Les résultats sont pas top</a:t>
+            </a:r>
           </a:p>
         </p:txBody>
       </p:sp>
@@ -3241,6 +3389,124 @@
             <a:fld id="{341AEC00-4977-4C47-A11B-52155DC12F54}" type="slidenum">
               <a:rPr lang="fr-FR" smtClean="0"/>
               <a:t>7</a:t>
+            </a:fld>
+            <a:endParaRPr lang="fr-FR"/>
+          </a:p>
+        </p:txBody>
+      </p:sp>
+    </p:spTree>
+    <p:extLst>
+      <p:ext uri="{BB962C8B-B14F-4D97-AF65-F5344CB8AC3E}">
+        <p14:creationId xmlns:p14="http://schemas.microsoft.com/office/powerpoint/2010/main" val="243988749"/>
+      </p:ext>
+    </p:extLst>
+  </p:cSld>
+  <p:clrMapOvr>
+    <a:masterClrMapping/>
+  </p:clrMapOvr>
+</p:notes>
+</file>
+
+<file path=ppt/notesSlides/notesSlide5.xml><?xml version="1.0" encoding="utf-8"?>
+<p:notes xmlns:a="http://schemas.openxmlformats.org/drawingml/2006/main" xmlns:r="http://schemas.openxmlformats.org/officeDocument/2006/relationships" xmlns:p="http://schemas.openxmlformats.org/presentationml/2006/main">
+  <p:cSld>
+    <p:spTree>
+      <p:nvGrpSpPr>
+        <p:cNvPr id="1" name=""/>
+        <p:cNvGrpSpPr/>
+        <p:nvPr/>
+      </p:nvGrpSpPr>
+      <p:grpSpPr>
+        <a:xfrm>
+          <a:off x="0" y="0"/>
+          <a:ext cx="0" cy="0"/>
+          <a:chOff x="0" y="0"/>
+          <a:chExt cx="0" cy="0"/>
+        </a:xfrm>
+      </p:grpSpPr>
+      <p:sp>
+        <p:nvSpPr>
+          <p:cNvPr id="2" name="Espace réservé de l'image des diapositives 1"/>
+          <p:cNvSpPr>
+            <a:spLocks noGrp="1" noRot="1" noChangeAspect="1"/>
+          </p:cNvSpPr>
+          <p:nvPr>
+            <p:ph type="sldImg"/>
+          </p:nvPr>
+        </p:nvSpPr>
+        <p:spPr/>
+      </p:sp>
+      <p:sp>
+        <p:nvSpPr>
+          <p:cNvPr id="3" name="Espace réservé des notes 2"/>
+          <p:cNvSpPr>
+            <a:spLocks noGrp="1"/>
+          </p:cNvSpPr>
+          <p:nvPr>
+            <p:ph type="body" idx="1"/>
+          </p:nvPr>
+        </p:nvSpPr>
+        <p:spPr/>
+        <p:txBody>
+          <a:bodyPr/>
+          <a:lstStyle/>
+          <a:p>
+            <a:r>
+              <a:rPr lang="fr-FR" dirty="0"/>
+              <a:t>On avait 8 169 paramètres entrainables avec le modèle de base</a:t>
+            </a:r>
+          </a:p>
+          <a:p>
+            <a:r>
+              <a:rPr lang="fr-FR" dirty="0"/>
+              <a:t>On a pris le parti de geler TOUTES les couches de BERT et de juste rajouter une dernière couche dense avec une activation </a:t>
+            </a:r>
+            <a:r>
+              <a:rPr lang="fr-FR" dirty="0" err="1"/>
+              <a:t>sigmoide</a:t>
+            </a:r>
+            <a:endParaRPr lang="fr-FR" dirty="0"/>
+          </a:p>
+          <a:p>
+            <a:r>
+              <a:rPr lang="fr-FR" dirty="0"/>
+              <a:t>Du coup même si BERT a 110 M de para entrainables, on en a que 769 à entrainer</a:t>
+            </a:r>
+          </a:p>
+          <a:p>
+            <a:r>
+              <a:rPr lang="fr-FR" dirty="0"/>
+              <a:t>Par contre c'est reste très </a:t>
+            </a:r>
+            <a:r>
+              <a:rPr lang="fr-FR" dirty="0" err="1"/>
+              <a:t>très</a:t>
+            </a:r>
+            <a:r>
+              <a:rPr lang="fr-FR" dirty="0"/>
+              <a:t> lent à entrainer</a:t>
+            </a:r>
+          </a:p>
+        </p:txBody>
+      </p:sp>
+      <p:sp>
+        <p:nvSpPr>
+          <p:cNvPr id="4" name="Espace réservé du numéro de diapositive 3"/>
+          <p:cNvSpPr>
+            <a:spLocks noGrp="1"/>
+          </p:cNvSpPr>
+          <p:nvPr>
+            <p:ph type="sldNum" sz="quarter" idx="5"/>
+          </p:nvPr>
+        </p:nvSpPr>
+        <p:spPr/>
+        <p:txBody>
+          <a:bodyPr/>
+          <a:lstStyle/>
+          <a:p>
+            <a:fld id="{341AEC00-4977-4C47-A11B-52155DC12F54}" type="slidenum">
+              <a:rPr lang="fr-FR" smtClean="0"/>
+              <a:t>8</a:t>
             </a:fld>
             <a:endParaRPr lang="fr-FR"/>
           </a:p>
@@ -3406,7 +3672,7 @@
           <a:p>
             <a:fld id="{7ECB9D5A-E5E4-41FE-AF39-634902D6D5D2}" type="datetimeFigureOut">
               <a:rPr lang="fr-FR" smtClean="0"/>
-              <a:t>02/09/2024</a:t>
+              <a:t>03/09/2024</a:t>
             </a:fld>
             <a:endParaRPr lang="fr-FR"/>
           </a:p>
@@ -3604,7 +3870,7 @@
           <a:p>
             <a:fld id="{7ECB9D5A-E5E4-41FE-AF39-634902D6D5D2}" type="datetimeFigureOut">
               <a:rPr lang="fr-FR" smtClean="0"/>
-              <a:t>02/09/2024</a:t>
+              <a:t>03/09/2024</a:t>
             </a:fld>
             <a:endParaRPr lang="fr-FR"/>
           </a:p>
@@ -3812,7 +4078,7 @@
           <a:p>
             <a:fld id="{7ECB9D5A-E5E4-41FE-AF39-634902D6D5D2}" type="datetimeFigureOut">
               <a:rPr lang="fr-FR" smtClean="0"/>
-              <a:t>02/09/2024</a:t>
+              <a:t>03/09/2024</a:t>
             </a:fld>
             <a:endParaRPr lang="fr-FR"/>
           </a:p>
@@ -4010,7 +4276,7 @@
           <a:p>
             <a:fld id="{7ECB9D5A-E5E4-41FE-AF39-634902D6D5D2}" type="datetimeFigureOut">
               <a:rPr lang="fr-FR" smtClean="0"/>
-              <a:t>02/09/2024</a:t>
+              <a:t>03/09/2024</a:t>
             </a:fld>
             <a:endParaRPr lang="fr-FR"/>
           </a:p>
@@ -4285,7 +4551,7 @@
           <a:p>
             <a:fld id="{7ECB9D5A-E5E4-41FE-AF39-634902D6D5D2}" type="datetimeFigureOut">
               <a:rPr lang="fr-FR" smtClean="0"/>
-              <a:t>02/09/2024</a:t>
+              <a:t>03/09/2024</a:t>
             </a:fld>
             <a:endParaRPr lang="fr-FR"/>
           </a:p>
@@ -4550,7 +4816,7 @@
           <a:p>
             <a:fld id="{7ECB9D5A-E5E4-41FE-AF39-634902D6D5D2}" type="datetimeFigureOut">
               <a:rPr lang="fr-FR" smtClean="0"/>
-              <a:t>02/09/2024</a:t>
+              <a:t>03/09/2024</a:t>
             </a:fld>
             <a:endParaRPr lang="fr-FR"/>
           </a:p>
@@ -4962,7 +5228,7 @@
           <a:p>
             <a:fld id="{7ECB9D5A-E5E4-41FE-AF39-634902D6D5D2}" type="datetimeFigureOut">
               <a:rPr lang="fr-FR" smtClean="0"/>
-              <a:t>02/09/2024</a:t>
+              <a:t>03/09/2024</a:t>
             </a:fld>
             <a:endParaRPr lang="fr-FR"/>
           </a:p>
@@ -5103,7 +5369,7 @@
           <a:p>
             <a:fld id="{7ECB9D5A-E5E4-41FE-AF39-634902D6D5D2}" type="datetimeFigureOut">
               <a:rPr lang="fr-FR" smtClean="0"/>
-              <a:t>02/09/2024</a:t>
+              <a:t>03/09/2024</a:t>
             </a:fld>
             <a:endParaRPr lang="fr-FR"/>
           </a:p>
@@ -5216,7 +5482,7 @@
           <a:p>
             <a:fld id="{7ECB9D5A-E5E4-41FE-AF39-634902D6D5D2}" type="datetimeFigureOut">
               <a:rPr lang="fr-FR" smtClean="0"/>
-              <a:t>02/09/2024</a:t>
+              <a:t>03/09/2024</a:t>
             </a:fld>
             <a:endParaRPr lang="fr-FR"/>
           </a:p>
@@ -5527,7 +5793,7 @@
           <a:p>
             <a:fld id="{7ECB9D5A-E5E4-41FE-AF39-634902D6D5D2}" type="datetimeFigureOut">
               <a:rPr lang="fr-FR" smtClean="0"/>
-              <a:t>02/09/2024</a:t>
+              <a:t>03/09/2024</a:t>
             </a:fld>
             <a:endParaRPr lang="fr-FR"/>
           </a:p>
@@ -5818,7 +6084,7 @@
           <a:p>
             <a:fld id="{7ECB9D5A-E5E4-41FE-AF39-634902D6D5D2}" type="datetimeFigureOut">
               <a:rPr lang="fr-FR" smtClean="0"/>
-              <a:t>02/09/2024</a:t>
+              <a:t>03/09/2024</a:t>
             </a:fld>
             <a:endParaRPr lang="fr-FR"/>
           </a:p>
@@ -6059,7 +6325,7 @@
           <a:p>
             <a:fld id="{7ECB9D5A-E5E4-41FE-AF39-634902D6D5D2}" type="datetimeFigureOut">
               <a:rPr lang="fr-FR" smtClean="0"/>
-              <a:t>02/09/2024</a:t>
+              <a:t>03/09/2024</a:t>
             </a:fld>
             <a:endParaRPr lang="fr-FR"/>
           </a:p>
@@ -6796,6 +7062,100 @@
 </p:sld>
 </file>
 
+<file path=ppt/slides/slide10.xml><?xml version="1.0" encoding="utf-8"?>
+<p:sld xmlns:a="http://schemas.openxmlformats.org/drawingml/2006/main" xmlns:r="http://schemas.openxmlformats.org/officeDocument/2006/relationships" xmlns:p="http://schemas.openxmlformats.org/presentationml/2006/main">
+  <p:cSld>
+    <p:spTree>
+      <p:nvGrpSpPr>
+        <p:cNvPr id="1" name=""/>
+        <p:cNvGrpSpPr/>
+        <p:nvPr/>
+      </p:nvGrpSpPr>
+      <p:grpSpPr>
+        <a:xfrm>
+          <a:off x="0" y="0"/>
+          <a:ext cx="0" cy="0"/>
+          <a:chOff x="0" y="0"/>
+          <a:chExt cx="0" cy="0"/>
+        </a:xfrm>
+      </p:grpSpPr>
+      <p:sp>
+        <p:nvSpPr>
+          <p:cNvPr id="4" name="Titre 3">
+            <a:extLst>
+              <a:ext uri="{FF2B5EF4-FFF2-40B4-BE49-F238E27FC236}">
+                <a16:creationId xmlns:a16="http://schemas.microsoft.com/office/drawing/2014/main" id="{80E590DF-0A88-7056-85D1-A8E809E2318F}"/>
+              </a:ext>
+            </a:extLst>
+          </p:cNvPr>
+          <p:cNvSpPr>
+            <a:spLocks noGrp="1"/>
+          </p:cNvSpPr>
+          <p:nvPr>
+            <p:ph type="title"/>
+          </p:nvPr>
+        </p:nvSpPr>
+        <p:spPr>
+          <a:xfrm>
+            <a:off x="831850" y="1709738"/>
+            <a:ext cx="10515600" cy="1837859"/>
+          </a:xfrm>
+        </p:spPr>
+        <p:txBody>
+          <a:bodyPr/>
+          <a:lstStyle/>
+          <a:p>
+            <a:pPr algn="ctr"/>
+            <a:r>
+              <a:rPr lang="fr-FR" dirty="0"/>
+              <a:t>Code </a:t>
+            </a:r>
+            <a:r>
+              <a:rPr lang="fr-FR" dirty="0" err="1"/>
+              <a:t>Review</a:t>
+            </a:r>
+            <a:endParaRPr lang="fr-FR" dirty="0"/>
+          </a:p>
+        </p:txBody>
+      </p:sp>
+      <p:sp>
+        <p:nvSpPr>
+          <p:cNvPr id="5" name="Espace réservé du texte 4">
+            <a:extLst>
+              <a:ext uri="{FF2B5EF4-FFF2-40B4-BE49-F238E27FC236}">
+                <a16:creationId xmlns:a16="http://schemas.microsoft.com/office/drawing/2014/main" id="{64E8BF61-007C-0740-1AA1-06B9449B33C7}"/>
+              </a:ext>
+            </a:extLst>
+          </p:cNvPr>
+          <p:cNvSpPr>
+            <a:spLocks noGrp="1"/>
+          </p:cNvSpPr>
+          <p:nvPr>
+            <p:ph type="body" idx="1"/>
+          </p:nvPr>
+        </p:nvSpPr>
+        <p:spPr/>
+        <p:txBody>
+          <a:bodyPr/>
+          <a:lstStyle/>
+          <a:p>
+            <a:endParaRPr lang="fr-FR"/>
+          </a:p>
+        </p:txBody>
+      </p:sp>
+    </p:spTree>
+    <p:extLst>
+      <p:ext uri="{BB962C8B-B14F-4D97-AF65-F5344CB8AC3E}">
+        <p14:creationId xmlns:p14="http://schemas.microsoft.com/office/powerpoint/2010/main" val="312535264"/>
+      </p:ext>
+    </p:extLst>
+  </p:cSld>
+  <p:clrMapOvr>
+    <a:masterClrMapping/>
+  </p:clrMapOvr>
+</p:sld>
+</file>
+
 <file path=ppt/slides/slide2.xml><?xml version="1.0" encoding="utf-8"?>
 <p:sld xmlns:a="http://schemas.openxmlformats.org/drawingml/2006/main" xmlns:r="http://schemas.openxmlformats.org/officeDocument/2006/relationships" xmlns:p="http://schemas.openxmlformats.org/presentationml/2006/main">
   <p:cSld>
@@ -7568,10 +7928,10 @@
       </p:pic>
       <p:pic>
         <p:nvPicPr>
-          <p:cNvPr id="8" name="Image 7">
-            <a:extLst>
-              <a:ext uri="{FF2B5EF4-FFF2-40B4-BE49-F238E27FC236}">
-                <a16:creationId xmlns:a16="http://schemas.microsoft.com/office/drawing/2014/main" id="{98F01870-7F64-E70E-7931-FB963429CC65}"/>
+          <p:cNvPr id="10" name="Image 9">
+            <a:extLst>
+              <a:ext uri="{FF2B5EF4-FFF2-40B4-BE49-F238E27FC236}">
+                <a16:creationId xmlns:a16="http://schemas.microsoft.com/office/drawing/2014/main" id="{B219E183-51F3-8F3E-F7A6-EE74696E2CF6}"/>
               </a:ext>
             </a:extLst>
           </p:cNvPr>
@@ -7582,43 +7942,6 @@
         </p:nvPicPr>
         <p:blipFill>
           <a:blip r:embed="rId4"/>
-          <a:stretch>
-            <a:fillRect/>
-          </a:stretch>
-        </p:blipFill>
-        <p:spPr>
-          <a:xfrm>
-            <a:off x="213359" y="4077423"/>
-            <a:ext cx="3168088" cy="833321"/>
-          </a:xfrm>
-          <a:prstGeom prst="rect">
-            <a:avLst/>
-          </a:prstGeom>
-          <a:effectLst>
-            <a:outerShdw blurRad="50800" dist="38100" dir="2700000" algn="tl" rotWithShape="0">
-              <a:prstClr val="black">
-                <a:alpha val="40000"/>
-              </a:prstClr>
-            </a:outerShdw>
-          </a:effectLst>
-        </p:spPr>
-      </p:pic>
-      <p:pic>
-        <p:nvPicPr>
-          <p:cNvPr id="10" name="Image 9">
-            <a:extLst>
-              <a:ext uri="{FF2B5EF4-FFF2-40B4-BE49-F238E27FC236}">
-                <a16:creationId xmlns:a16="http://schemas.microsoft.com/office/drawing/2014/main" id="{B219E183-51F3-8F3E-F7A6-EE74696E2CF6}"/>
-              </a:ext>
-            </a:extLst>
-          </p:cNvPr>
-          <p:cNvPicPr>
-            <a:picLocks noChangeAspect="1"/>
-          </p:cNvPicPr>
-          <p:nvPr/>
-        </p:nvPicPr>
-        <p:blipFill>
-          <a:blip r:embed="rId5"/>
           <a:stretch>
             <a:fillRect/>
           </a:stretch>
@@ -7655,7 +7978,7 @@
           <p:nvPr/>
         </p:nvPicPr>
         <p:blipFill>
-          <a:blip r:embed="rId6"/>
+          <a:blip r:embed="rId5"/>
           <a:stretch>
             <a:fillRect/>
           </a:stretch>
@@ -7692,7 +8015,7 @@
           <p:nvPr/>
         </p:nvPicPr>
         <p:blipFill>
-          <a:blip r:embed="rId7"/>
+          <a:blip r:embed="rId6"/>
           <a:stretch>
             <a:fillRect/>
           </a:stretch>
@@ -7729,7 +8052,7 @@
           <p:nvPr/>
         </p:nvPicPr>
         <p:blipFill>
-          <a:blip r:embed="rId8"/>
+          <a:blip r:embed="rId7"/>
           <a:stretch>
             <a:fillRect/>
           </a:stretch>
@@ -7833,7 +8156,7 @@
           <p:nvPr/>
         </p:nvPicPr>
         <p:blipFill>
-          <a:blip r:embed="rId9"/>
+          <a:blip r:embed="rId8"/>
           <a:stretch>
             <a:fillRect/>
           </a:stretch>
@@ -7870,10 +8193,10 @@
           <p:nvPr/>
         </p:nvPicPr>
         <p:blipFill>
-          <a:blip r:embed="rId10">
+          <a:blip r:embed="rId9">
             <a:extLst>
               <a:ext uri="{96DAC541-7B7A-43D3-8B79-37D633B846F1}">
-                <asvg:svgBlip xmlns:asvg="http://schemas.microsoft.com/office/drawing/2016/SVG/main" r:embed="rId11"/>
+                <asvg:svgBlip xmlns:asvg="http://schemas.microsoft.com/office/drawing/2016/SVG/main" r:embed="rId10"/>
               </a:ext>
             </a:extLst>
           </a:blip>
@@ -7906,10 +8229,10 @@
           <p:nvPr/>
         </p:nvPicPr>
         <p:blipFill>
-          <a:blip r:embed="rId12">
+          <a:blip r:embed="rId11">
             <a:extLst>
               <a:ext uri="{96DAC541-7B7A-43D3-8B79-37D633B846F1}">
-                <asvg:svgBlip xmlns:asvg="http://schemas.microsoft.com/office/drawing/2016/SVG/main" r:embed="rId13"/>
+                <asvg:svgBlip xmlns:asvg="http://schemas.microsoft.com/office/drawing/2016/SVG/main" r:embed="rId12"/>
               </a:ext>
             </a:extLst>
           </a:blip>
@@ -7942,10 +8265,10 @@
           <p:nvPr/>
         </p:nvPicPr>
         <p:blipFill>
-          <a:blip r:embed="rId14">
+          <a:blip r:embed="rId13">
             <a:extLst>
               <a:ext uri="{96DAC541-7B7A-43D3-8B79-37D633B846F1}">
-                <asvg:svgBlip xmlns:asvg="http://schemas.microsoft.com/office/drawing/2016/SVG/main" r:embed="rId15"/>
+                <asvg:svgBlip xmlns:asvg="http://schemas.microsoft.com/office/drawing/2016/SVG/main" r:embed="rId14"/>
               </a:ext>
             </a:extLst>
           </a:blip>
@@ -7978,10 +8301,10 @@
           <p:nvPr/>
         </p:nvPicPr>
         <p:blipFill>
-          <a:blip r:embed="rId16">
+          <a:blip r:embed="rId15">
             <a:extLst>
               <a:ext uri="{96DAC541-7B7A-43D3-8B79-37D633B846F1}">
-                <asvg:svgBlip xmlns:asvg="http://schemas.microsoft.com/office/drawing/2016/SVG/main" r:embed="rId17"/>
+                <asvg:svgBlip xmlns:asvg="http://schemas.microsoft.com/office/drawing/2016/SVG/main" r:embed="rId16"/>
               </a:ext>
             </a:extLst>
           </a:blip>
@@ -8014,10 +8337,10 @@
           <p:nvPr/>
         </p:nvPicPr>
         <p:blipFill>
-          <a:blip r:embed="rId18">
+          <a:blip r:embed="rId17">
             <a:extLst>
               <a:ext uri="{96DAC541-7B7A-43D3-8B79-37D633B846F1}">
-                <asvg:svgBlip xmlns:asvg="http://schemas.microsoft.com/office/drawing/2016/SVG/main" r:embed="rId19"/>
+                <asvg:svgBlip xmlns:asvg="http://schemas.microsoft.com/office/drawing/2016/SVG/main" r:embed="rId18"/>
               </a:ext>
             </a:extLst>
           </a:blip>
@@ -8029,6 +8352,36 @@
           <a:xfrm>
             <a:off x="2427727" y="2644879"/>
             <a:ext cx="914400" cy="914400"/>
+          </a:xfrm>
+          <a:prstGeom prst="rect">
+            <a:avLst/>
+          </a:prstGeom>
+        </p:spPr>
+      </p:pic>
+      <p:pic>
+        <p:nvPicPr>
+          <p:cNvPr id="4" name="Image 3">
+            <a:extLst>
+              <a:ext uri="{FF2B5EF4-FFF2-40B4-BE49-F238E27FC236}">
+                <a16:creationId xmlns:a16="http://schemas.microsoft.com/office/drawing/2014/main" id="{56A0ACCB-7D50-6852-381E-13AB02B4947C}"/>
+              </a:ext>
+            </a:extLst>
+          </p:cNvPr>
+          <p:cNvPicPr>
+            <a:picLocks noChangeAspect="1"/>
+          </p:cNvPicPr>
+          <p:nvPr/>
+        </p:nvPicPr>
+        <p:blipFill>
+          <a:blip r:embed="rId19"/>
+          <a:stretch>
+            <a:fillRect/>
+          </a:stretch>
+        </p:blipFill>
+        <p:spPr>
+          <a:xfrm>
+            <a:off x="213359" y="4089925"/>
+            <a:ext cx="3168088" cy="678352"/>
           </a:xfrm>
           <a:prstGeom prst="rect">
             <a:avLst/>
@@ -8363,40 +8716,12 @@
           <a:chExt cx="0" cy="0"/>
         </a:xfrm>
       </p:grpSpPr>
-      <p:sp>
-        <p:nvSpPr>
-          <p:cNvPr id="2" name="Titre 1">
-            <a:extLst>
-              <a:ext uri="{FF2B5EF4-FFF2-40B4-BE49-F238E27FC236}">
-                <a16:creationId xmlns:a16="http://schemas.microsoft.com/office/drawing/2014/main" id="{C9D5C376-48FD-431A-1BC9-093D4CF79FA5}"/>
-              </a:ext>
-            </a:extLst>
-          </p:cNvPr>
-          <p:cNvSpPr>
-            <a:spLocks noGrp="1"/>
-          </p:cNvSpPr>
-          <p:nvPr>
-            <p:ph type="title"/>
-          </p:nvPr>
-        </p:nvSpPr>
-        <p:spPr/>
-        <p:txBody>
-          <a:bodyPr/>
-          <a:lstStyle/>
-          <a:p>
-            <a:r>
-              <a:rPr lang="fr-FR" dirty="0"/>
-              <a:t>Transfer learning : BERT</a:t>
-            </a:r>
-          </a:p>
-        </p:txBody>
-      </p:sp>
       <p:pic>
         <p:nvPicPr>
-          <p:cNvPr id="6" name="Image 5">
-            <a:extLst>
-              <a:ext uri="{FF2B5EF4-FFF2-40B4-BE49-F238E27FC236}">
-                <a16:creationId xmlns:a16="http://schemas.microsoft.com/office/drawing/2014/main" id="{5B89E3E9-73E4-5392-63AB-FD759386D9DF}"/>
+          <p:cNvPr id="7" name="Image 6">
+            <a:extLst>
+              <a:ext uri="{FF2B5EF4-FFF2-40B4-BE49-F238E27FC236}">
+                <a16:creationId xmlns:a16="http://schemas.microsoft.com/office/drawing/2014/main" id="{021C3181-9E15-C029-00E2-42449F39DC16}"/>
               </a:ext>
             </a:extLst>
           </p:cNvPr>
@@ -8413,7 +8738,350 @@
         </p:blipFill>
         <p:spPr>
           <a:xfrm>
-            <a:off x="7999120" y="2674620"/>
+            <a:off x="235935" y="3440912"/>
+            <a:ext cx="3717910" cy="2773679"/>
+          </a:xfrm>
+          <a:prstGeom prst="rect">
+            <a:avLst/>
+          </a:prstGeom>
+          <a:effectLst>
+            <a:outerShdw blurRad="50800" dist="38100" dir="2700000" algn="tl" rotWithShape="0">
+              <a:prstClr val="black">
+                <a:alpha val="40000"/>
+              </a:prstClr>
+            </a:outerShdw>
+          </a:effectLst>
+        </p:spPr>
+      </p:pic>
+      <p:sp>
+        <p:nvSpPr>
+          <p:cNvPr id="2" name="Titre 1">
+            <a:extLst>
+              <a:ext uri="{FF2B5EF4-FFF2-40B4-BE49-F238E27FC236}">
+                <a16:creationId xmlns:a16="http://schemas.microsoft.com/office/drawing/2014/main" id="{C9D5C376-48FD-431A-1BC9-093D4CF79FA5}"/>
+              </a:ext>
+            </a:extLst>
+          </p:cNvPr>
+          <p:cNvSpPr>
+            <a:spLocks noGrp="1"/>
+          </p:cNvSpPr>
+          <p:nvPr>
+            <p:ph type="title"/>
+          </p:nvPr>
+        </p:nvSpPr>
+        <p:spPr/>
+        <p:txBody>
+          <a:bodyPr>
+            <a:normAutofit/>
+          </a:bodyPr>
+          <a:lstStyle/>
+          <a:p>
+            <a:r>
+              <a:rPr lang="fr-FR" dirty="0"/>
+              <a:t>Transfer learning : BERT </a:t>
+            </a:r>
+            <a:r>
+              <a:rPr lang="fr-FR" sz="2800" dirty="0"/>
+              <a:t>(</a:t>
+            </a:r>
+            <a:r>
+              <a:rPr lang="fr-FR" sz="2800" dirty="0" err="1"/>
+              <a:t>freezed</a:t>
+            </a:r>
+            <a:r>
+              <a:rPr lang="fr-FR" sz="2800" dirty="0"/>
+              <a:t>, </a:t>
+            </a:r>
+            <a:r>
+              <a:rPr lang="fr-FR" sz="2800" dirty="0" err="1"/>
+              <a:t>uncased</a:t>
+            </a:r>
+            <a:r>
+              <a:rPr lang="fr-FR" sz="2800" dirty="0"/>
+              <a:t>)</a:t>
+            </a:r>
+            <a:endParaRPr lang="fr-FR" dirty="0"/>
+          </a:p>
+        </p:txBody>
+      </p:sp>
+      <p:pic>
+        <p:nvPicPr>
+          <p:cNvPr id="19" name="Image 18">
+            <a:extLst>
+              <a:ext uri="{FF2B5EF4-FFF2-40B4-BE49-F238E27FC236}">
+                <a16:creationId xmlns:a16="http://schemas.microsoft.com/office/drawing/2014/main" id="{53B19E68-B5FA-6930-E7D3-25EC7616B0D7}"/>
+              </a:ext>
+            </a:extLst>
+          </p:cNvPr>
+          <p:cNvPicPr>
+            <a:picLocks noChangeAspect="1"/>
+          </p:cNvPicPr>
+          <p:nvPr/>
+        </p:nvPicPr>
+        <p:blipFill>
+          <a:blip r:embed="rId4"/>
+          <a:stretch>
+            <a:fillRect/>
+          </a:stretch>
+        </p:blipFill>
+        <p:spPr>
+          <a:xfrm>
+            <a:off x="4744350" y="1178091"/>
+            <a:ext cx="7223760" cy="1670832"/>
+          </a:xfrm>
+          <a:prstGeom prst="rect">
+            <a:avLst/>
+          </a:prstGeom>
+          <a:effectLst>
+            <a:outerShdw blurRad="50800" dist="38100" dir="2700000" algn="tl" rotWithShape="0">
+              <a:prstClr val="black">
+                <a:alpha val="40000"/>
+              </a:prstClr>
+            </a:outerShdw>
+          </a:effectLst>
+        </p:spPr>
+      </p:pic>
+      <p:sp>
+        <p:nvSpPr>
+          <p:cNvPr id="20" name="ZoneTexte 19">
+            <a:extLst>
+              <a:ext uri="{FF2B5EF4-FFF2-40B4-BE49-F238E27FC236}">
+                <a16:creationId xmlns:a16="http://schemas.microsoft.com/office/drawing/2014/main" id="{B46825B3-C8F2-FD5A-CD69-073F76F8B11D}"/>
+              </a:ext>
+            </a:extLst>
+          </p:cNvPr>
+          <p:cNvSpPr txBox="1"/>
+          <p:nvPr/>
+        </p:nvSpPr>
+        <p:spPr>
+          <a:xfrm>
+            <a:off x="9126160" y="4195292"/>
+            <a:ext cx="2841950" cy="738664"/>
+          </a:xfrm>
+          <a:prstGeom prst="rect">
+            <a:avLst/>
+          </a:prstGeom>
+          <a:solidFill>
+            <a:schemeClr val="bg1">
+              <a:lumMod val="95000"/>
+            </a:schemeClr>
+          </a:solidFill>
+          <a:effectLst>
+            <a:outerShdw blurRad="50800" dist="38100" dir="2700000" algn="tl" rotWithShape="0">
+              <a:prstClr val="black">
+                <a:alpha val="40000"/>
+              </a:prstClr>
+            </a:outerShdw>
+          </a:effectLst>
+        </p:spPr>
+        <p:txBody>
+          <a:bodyPr wrap="square" rtlCol="0">
+            <a:spAutoFit/>
+          </a:bodyPr>
+          <a:lstStyle/>
+          <a:p>
+            <a:r>
+              <a:rPr lang="fr-FR" sz="1400" dirty="0" err="1">
+                <a:latin typeface="Courier New" panose="02070309020205020404" pitchFamily="49" charset="0"/>
+                <a:cs typeface="Courier New" panose="02070309020205020404" pitchFamily="49" charset="0"/>
+              </a:rPr>
+              <a:t>Precision</a:t>
+            </a:r>
+            <a:r>
+              <a:rPr lang="fr-FR" sz="1400" dirty="0">
+                <a:latin typeface="Courier New" panose="02070309020205020404" pitchFamily="49" charset="0"/>
+                <a:cs typeface="Courier New" panose="02070309020205020404" pitchFamily="49" charset="0"/>
+              </a:rPr>
+              <a:t> : 0.82 vs 0.98</a:t>
+            </a:r>
+          </a:p>
+          <a:p>
+            <a:r>
+              <a:rPr lang="fr-FR" sz="1400" dirty="0">
+                <a:latin typeface="Courier New" panose="02070309020205020404" pitchFamily="49" charset="0"/>
+                <a:cs typeface="Courier New" panose="02070309020205020404" pitchFamily="49" charset="0"/>
+              </a:rPr>
+              <a:t>Recall    : 0.33 vs 0.89</a:t>
+            </a:r>
+          </a:p>
+          <a:p>
+            <a:r>
+              <a:rPr lang="fr-FR" sz="1400" dirty="0">
+                <a:latin typeface="Courier New" panose="02070309020205020404" pitchFamily="49" charset="0"/>
+                <a:cs typeface="Courier New" panose="02070309020205020404" pitchFamily="49" charset="0"/>
+              </a:rPr>
+              <a:t>F1        : 0.47 vs 0.93</a:t>
+            </a:r>
+          </a:p>
+        </p:txBody>
+      </p:sp>
+      <p:pic>
+        <p:nvPicPr>
+          <p:cNvPr id="4" name="Image 3">
+            <a:extLst>
+              <a:ext uri="{FF2B5EF4-FFF2-40B4-BE49-F238E27FC236}">
+                <a16:creationId xmlns:a16="http://schemas.microsoft.com/office/drawing/2014/main" id="{7CA78895-3DB6-76B4-F344-4850294BBC37}"/>
+              </a:ext>
+            </a:extLst>
+          </p:cNvPr>
+          <p:cNvPicPr>
+            <a:picLocks noChangeAspect="1"/>
+          </p:cNvPicPr>
+          <p:nvPr/>
+        </p:nvPicPr>
+        <p:blipFill>
+          <a:blip r:embed="rId5"/>
+          <a:stretch>
+            <a:fillRect/>
+          </a:stretch>
+        </p:blipFill>
+        <p:spPr>
+          <a:xfrm>
+            <a:off x="213360" y="1083865"/>
+            <a:ext cx="4053446" cy="1296000"/>
+          </a:xfrm>
+          <a:prstGeom prst="rect">
+            <a:avLst/>
+          </a:prstGeom>
+        </p:spPr>
+      </p:pic>
+      <p:pic>
+        <p:nvPicPr>
+          <p:cNvPr id="10" name="Image 9">
+            <a:extLst>
+              <a:ext uri="{FF2B5EF4-FFF2-40B4-BE49-F238E27FC236}">
+                <a16:creationId xmlns:a16="http://schemas.microsoft.com/office/drawing/2014/main" id="{24528A4E-7429-5BA0-696A-515DD39FA236}"/>
+              </a:ext>
+            </a:extLst>
+          </p:cNvPr>
+          <p:cNvPicPr>
+            <a:picLocks noChangeAspect="1"/>
+          </p:cNvPicPr>
+          <p:nvPr/>
+        </p:nvPicPr>
+        <p:blipFill>
+          <a:blip r:embed="rId6"/>
+          <a:stretch>
+            <a:fillRect/>
+          </a:stretch>
+        </p:blipFill>
+        <p:spPr>
+          <a:xfrm>
+            <a:off x="4559118" y="3440912"/>
+            <a:ext cx="3673072" cy="2740229"/>
+          </a:xfrm>
+          <a:prstGeom prst="rect">
+            <a:avLst/>
+          </a:prstGeom>
+          <a:effectLst>
+            <a:outerShdw blurRad="50800" dist="38100" dir="2700000" algn="tl" rotWithShape="0">
+              <a:prstClr val="black">
+                <a:alpha val="40000"/>
+              </a:prstClr>
+            </a:outerShdw>
+          </a:effectLst>
+        </p:spPr>
+      </p:pic>
+    </p:spTree>
+    <p:extLst>
+      <p:ext uri="{BB962C8B-B14F-4D97-AF65-F5344CB8AC3E}">
+        <p14:creationId xmlns:p14="http://schemas.microsoft.com/office/powerpoint/2010/main" val="2840346932"/>
+      </p:ext>
+    </p:extLst>
+  </p:cSld>
+  <p:clrMapOvr>
+    <a:masterClrMapping/>
+  </p:clrMapOvr>
+</p:sld>
+</file>
+
+<file path=ppt/slides/slide8.xml><?xml version="1.0" encoding="utf-8"?>
+<p:sld xmlns:a="http://schemas.openxmlformats.org/drawingml/2006/main" xmlns:r="http://schemas.openxmlformats.org/officeDocument/2006/relationships" xmlns:p="http://schemas.openxmlformats.org/presentationml/2006/main">
+  <p:cSld>
+    <p:spTree>
+      <p:nvGrpSpPr>
+        <p:cNvPr id="1" name=""/>
+        <p:cNvGrpSpPr/>
+        <p:nvPr/>
+      </p:nvGrpSpPr>
+      <p:grpSpPr>
+        <a:xfrm>
+          <a:off x="0" y="0"/>
+          <a:ext cx="0" cy="0"/>
+          <a:chOff x="0" y="0"/>
+          <a:chExt cx="0" cy="0"/>
+        </a:xfrm>
+      </p:grpSpPr>
+      <p:sp>
+        <p:nvSpPr>
+          <p:cNvPr id="2" name="Titre 1">
+            <a:extLst>
+              <a:ext uri="{FF2B5EF4-FFF2-40B4-BE49-F238E27FC236}">
+                <a16:creationId xmlns:a16="http://schemas.microsoft.com/office/drawing/2014/main" id="{C9D5C376-48FD-431A-1BC9-093D4CF79FA5}"/>
+              </a:ext>
+            </a:extLst>
+          </p:cNvPr>
+          <p:cNvSpPr>
+            <a:spLocks noGrp="1"/>
+          </p:cNvSpPr>
+          <p:nvPr>
+            <p:ph type="title"/>
+          </p:nvPr>
+        </p:nvSpPr>
+        <p:spPr/>
+        <p:txBody>
+          <a:bodyPr>
+            <a:normAutofit/>
+          </a:bodyPr>
+          <a:lstStyle/>
+          <a:p>
+            <a:r>
+              <a:rPr lang="fr-FR" dirty="0"/>
+              <a:t>Transfer learning : BERT</a:t>
+            </a:r>
+            <a:r>
+              <a:rPr lang="fr-FR" sz="3600" dirty="0"/>
+              <a:t> </a:t>
+            </a:r>
+            <a:r>
+              <a:rPr lang="fr-FR" sz="2800" dirty="0"/>
+              <a:t>(</a:t>
+            </a:r>
+            <a:r>
+              <a:rPr lang="fr-FR" sz="2800" dirty="0" err="1"/>
+              <a:t>unfreezed</a:t>
+            </a:r>
+            <a:r>
+              <a:rPr lang="fr-FR" sz="2800" dirty="0"/>
+              <a:t>)</a:t>
+            </a:r>
+            <a:endParaRPr lang="fr-FR" dirty="0"/>
+          </a:p>
+        </p:txBody>
+      </p:sp>
+      <p:pic>
+        <p:nvPicPr>
+          <p:cNvPr id="6" name="Image 5">
+            <a:extLst>
+              <a:ext uri="{FF2B5EF4-FFF2-40B4-BE49-F238E27FC236}">
+                <a16:creationId xmlns:a16="http://schemas.microsoft.com/office/drawing/2014/main" id="{5B89E3E9-73E4-5392-63AB-FD759386D9DF}"/>
+              </a:ext>
+            </a:extLst>
+          </p:cNvPr>
+          <p:cNvPicPr>
+            <a:picLocks noChangeAspect="1"/>
+          </p:cNvPicPr>
+          <p:nvPr/>
+        </p:nvPicPr>
+        <p:blipFill>
+          <a:blip r:embed="rId3"/>
+          <a:stretch>
+            <a:fillRect/>
+          </a:stretch>
+        </p:blipFill>
+        <p:spPr>
+          <a:xfrm>
+            <a:off x="7999120" y="2520075"/>
             <a:ext cx="3979520" cy="4064822"/>
           </a:xfrm>
           <a:prstGeom prst="rect">
@@ -8450,7 +9118,7 @@
         </p:blipFill>
         <p:spPr>
           <a:xfrm>
-            <a:off x="184672" y="2674620"/>
+            <a:off x="184672" y="2520075"/>
             <a:ext cx="3717912" cy="2773680"/>
           </a:xfrm>
           <a:prstGeom prst="rect">
@@ -8487,7 +9155,7 @@
         </p:blipFill>
         <p:spPr>
           <a:xfrm>
-            <a:off x="4091896" y="2674620"/>
+            <a:off x="4091896" y="2520075"/>
             <a:ext cx="3717912" cy="2773680"/>
           </a:xfrm>
           <a:prstGeom prst="rect">
@@ -8516,7 +9184,7 @@
         </p:nvSpPr>
         <p:spPr>
           <a:xfrm rot="20425850">
-            <a:off x="8328660" y="4583920"/>
+            <a:off x="8328660" y="3469900"/>
             <a:ext cx="958917" cy="246221"/>
           </a:xfrm>
           <a:prstGeom prst="rect">
@@ -8577,7 +9245,7 @@
         </p:nvSpPr>
         <p:spPr>
           <a:xfrm rot="20567996">
-            <a:off x="2396944" y="3784759"/>
+            <a:off x="2396944" y="3630214"/>
             <a:ext cx="830676" cy="246221"/>
           </a:xfrm>
           <a:prstGeom prst="rect">
@@ -8625,58 +9293,21 @@
           </a:p>
         </p:txBody>
       </p:sp>
-      <p:pic>
-        <p:nvPicPr>
-          <p:cNvPr id="19" name="Image 18">
-            <a:extLst>
-              <a:ext uri="{FF2B5EF4-FFF2-40B4-BE49-F238E27FC236}">
-                <a16:creationId xmlns:a16="http://schemas.microsoft.com/office/drawing/2014/main" id="{53B19E68-B5FA-6930-E7D3-25EC7616B0D7}"/>
-              </a:ext>
-            </a:extLst>
-          </p:cNvPr>
-          <p:cNvPicPr>
-            <a:picLocks noChangeAspect="1"/>
-          </p:cNvPicPr>
+      <p:sp>
+        <p:nvSpPr>
+          <p:cNvPr id="20" name="ZoneTexte 19">
+            <a:extLst>
+              <a:ext uri="{FF2B5EF4-FFF2-40B4-BE49-F238E27FC236}">
+                <a16:creationId xmlns:a16="http://schemas.microsoft.com/office/drawing/2014/main" id="{B46825B3-C8F2-FD5A-CD69-073F76F8B11D}"/>
+              </a:ext>
+            </a:extLst>
+          </p:cNvPr>
+          <p:cNvSpPr txBox="1"/>
           <p:nvPr/>
-        </p:nvPicPr>
-        <p:blipFill>
-          <a:blip r:embed="rId6"/>
-          <a:stretch>
-            <a:fillRect/>
-          </a:stretch>
-        </p:blipFill>
+        </p:nvSpPr>
         <p:spPr>
           <a:xfrm>
-            <a:off x="2484120" y="881879"/>
-            <a:ext cx="7223760" cy="1670832"/>
-          </a:xfrm>
-          <a:prstGeom prst="rect">
-            <a:avLst/>
-          </a:prstGeom>
-          <a:effectLst>
-            <a:outerShdw blurRad="50800" dist="38100" dir="2700000" algn="tl" rotWithShape="0">
-              <a:prstClr val="black">
-                <a:alpha val="40000"/>
-              </a:prstClr>
-            </a:outerShdw>
-          </a:effectLst>
-        </p:spPr>
-      </p:pic>
-      <p:sp>
-        <p:nvSpPr>
-          <p:cNvPr id="20" name="ZoneTexte 19">
-            <a:extLst>
-              <a:ext uri="{FF2B5EF4-FFF2-40B4-BE49-F238E27FC236}">
-                <a16:creationId xmlns:a16="http://schemas.microsoft.com/office/drawing/2014/main" id="{B46825B3-C8F2-FD5A-CD69-073F76F8B11D}"/>
-              </a:ext>
-            </a:extLst>
-          </p:cNvPr>
-          <p:cNvSpPr txBox="1"/>
-          <p:nvPr/>
-        </p:nvSpPr>
-        <p:spPr>
-          <a:xfrm>
-            <a:off x="4091896" y="5707051"/>
+            <a:off x="4091896" y="5552506"/>
             <a:ext cx="3631122" cy="923330"/>
           </a:xfrm>
           <a:prstGeom prst="rect">
@@ -8736,284 +9367,40 @@
           </a:p>
         </p:txBody>
       </p:sp>
+      <p:pic>
+        <p:nvPicPr>
+          <p:cNvPr id="12" name="Image 11">
+            <a:extLst>
+              <a:ext uri="{FF2B5EF4-FFF2-40B4-BE49-F238E27FC236}">
+                <a16:creationId xmlns:a16="http://schemas.microsoft.com/office/drawing/2014/main" id="{A7B46FF0-27BB-E16C-88E4-DADF374F8C37}"/>
+              </a:ext>
+            </a:extLst>
+          </p:cNvPr>
+          <p:cNvPicPr>
+            <a:picLocks noChangeAspect="1"/>
+          </p:cNvPicPr>
+          <p:nvPr/>
+        </p:nvPicPr>
+        <p:blipFill>
+          <a:blip r:embed="rId6"/>
+          <a:stretch>
+            <a:fillRect/>
+          </a:stretch>
+        </p:blipFill>
+        <p:spPr>
+          <a:xfrm>
+            <a:off x="213360" y="1006597"/>
+            <a:ext cx="3519020" cy="1322118"/>
+          </a:xfrm>
+          <a:prstGeom prst="rect">
+            <a:avLst/>
+          </a:prstGeom>
+        </p:spPr>
+      </p:pic>
     </p:spTree>
     <p:extLst>
       <p:ext uri="{BB962C8B-B14F-4D97-AF65-F5344CB8AC3E}">
         <p14:creationId xmlns:p14="http://schemas.microsoft.com/office/powerpoint/2010/main" val="52206540"/>
-      </p:ext>
-    </p:extLst>
-  </p:cSld>
-  <p:clrMapOvr>
-    <a:masterClrMapping/>
-  </p:clrMapOvr>
-</p:sld>
-</file>
-
-<file path=ppt/slides/slide8.xml><?xml version="1.0" encoding="utf-8"?>
-<p:sld xmlns:a="http://schemas.openxmlformats.org/drawingml/2006/main" xmlns:r="http://schemas.openxmlformats.org/officeDocument/2006/relationships" xmlns:p="http://schemas.openxmlformats.org/presentationml/2006/main">
-  <p:cSld>
-    <p:spTree>
-      <p:nvGrpSpPr>
-        <p:cNvPr id="1" name=""/>
-        <p:cNvGrpSpPr/>
-        <p:nvPr/>
-      </p:nvGrpSpPr>
-      <p:grpSpPr>
-        <a:xfrm>
-          <a:off x="0" y="0"/>
-          <a:ext cx="0" cy="0"/>
-          <a:chOff x="0" y="0"/>
-          <a:chExt cx="0" cy="0"/>
-        </a:xfrm>
-      </p:grpSpPr>
-      <p:sp>
-        <p:nvSpPr>
-          <p:cNvPr id="2" name="Titre 1">
-            <a:extLst>
-              <a:ext uri="{FF2B5EF4-FFF2-40B4-BE49-F238E27FC236}">
-                <a16:creationId xmlns:a16="http://schemas.microsoft.com/office/drawing/2014/main" id="{F13D07B4-C7D9-46E1-38A0-A6EEF16B48EB}"/>
-              </a:ext>
-            </a:extLst>
-          </p:cNvPr>
-          <p:cNvSpPr>
-            <a:spLocks noGrp="1"/>
-          </p:cNvSpPr>
-          <p:nvPr>
-            <p:ph type="title"/>
-          </p:nvPr>
-        </p:nvSpPr>
-        <p:spPr/>
-        <p:txBody>
-          <a:bodyPr/>
-          <a:lstStyle/>
-          <a:p>
-            <a:r>
-              <a:rPr lang="fr-FR" dirty="0" err="1"/>
-              <a:t>Take</a:t>
-            </a:r>
-            <a:r>
-              <a:rPr lang="fr-FR" dirty="0"/>
-              <a:t> </a:t>
-            </a:r>
-            <a:r>
-              <a:rPr lang="fr-FR" dirty="0" err="1"/>
-              <a:t>away</a:t>
-            </a:r>
-            <a:endParaRPr lang="fr-FR" dirty="0"/>
-          </a:p>
-        </p:txBody>
-      </p:sp>
-      <p:sp>
-        <p:nvSpPr>
-          <p:cNvPr id="3" name="Espace réservé du contenu 2">
-            <a:extLst>
-              <a:ext uri="{FF2B5EF4-FFF2-40B4-BE49-F238E27FC236}">
-                <a16:creationId xmlns:a16="http://schemas.microsoft.com/office/drawing/2014/main" id="{1A803C62-BD0B-D0AC-2B41-C4F420891B06}"/>
-              </a:ext>
-            </a:extLst>
-          </p:cNvPr>
-          <p:cNvSpPr>
-            <a:spLocks noGrp="1"/>
-          </p:cNvSpPr>
-          <p:nvPr>
-            <p:ph idx="1"/>
-          </p:nvPr>
-        </p:nvSpPr>
-        <p:spPr/>
-        <p:txBody>
-          <a:bodyPr/>
-          <a:lstStyle/>
-          <a:p>
-            <a:r>
-              <a:rPr lang="fr-FR" dirty="0"/>
-              <a:t>So far, </a:t>
-            </a:r>
-            <a:r>
-              <a:rPr lang="fr-FR" dirty="0" err="1"/>
-              <a:t>working</a:t>
-            </a:r>
-            <a:r>
-              <a:rPr lang="fr-FR" dirty="0"/>
-              <a:t> on the </a:t>
-            </a:r>
-            <a:r>
-              <a:rPr lang="fr-FR" dirty="0" err="1"/>
-              <a:t>projects</a:t>
-            </a:r>
-            <a:r>
-              <a:rPr lang="fr-FR" dirty="0"/>
-              <a:t> I </a:t>
-            </a:r>
-            <a:r>
-              <a:rPr lang="fr-FR" dirty="0" err="1"/>
-              <a:t>learn</a:t>
-            </a:r>
-            <a:r>
-              <a:rPr lang="fr-FR" dirty="0"/>
-              <a:t> 2 </a:t>
-            </a:r>
-            <a:r>
-              <a:rPr lang="fr-FR" dirty="0" err="1"/>
-              <a:t>things</a:t>
-            </a:r>
-            <a:endParaRPr lang="fr-FR" dirty="0"/>
-          </a:p>
-          <a:p>
-            <a:pPr marL="914400" lvl="1" indent="-457200">
-              <a:buFont typeface="+mj-lt"/>
-              <a:buAutoNum type="arabicPeriod"/>
-            </a:pPr>
-            <a:r>
-              <a:rPr lang="fr-FR" dirty="0"/>
-              <a:t>Don't mess </a:t>
-            </a:r>
-            <a:r>
-              <a:rPr lang="fr-FR" dirty="0" err="1"/>
-              <a:t>with</a:t>
-            </a:r>
-            <a:r>
-              <a:rPr lang="fr-FR" dirty="0"/>
-              <a:t> EDA. Never !</a:t>
-            </a:r>
-          </a:p>
-          <a:p>
-            <a:pPr marL="914400" lvl="1" indent="-457200">
-              <a:buFont typeface="+mj-lt"/>
-              <a:buAutoNum type="arabicPeriod"/>
-            </a:pPr>
-            <a:r>
-              <a:rPr lang="fr-FR" dirty="0"/>
-              <a:t>Get a </a:t>
-            </a:r>
-            <a:r>
-              <a:rPr lang="fr-FR" dirty="0" err="1"/>
-              <a:t>baseline</a:t>
-            </a:r>
-            <a:r>
-              <a:rPr lang="fr-FR" dirty="0"/>
-              <a:t> model. Quick !</a:t>
-            </a:r>
-          </a:p>
-          <a:p>
-            <a:r>
-              <a:rPr lang="fr-FR" dirty="0"/>
-              <a:t>It </a:t>
-            </a:r>
-            <a:r>
-              <a:rPr lang="fr-FR" dirty="0" err="1"/>
-              <a:t>is</a:t>
-            </a:r>
-            <a:r>
-              <a:rPr lang="fr-FR" dirty="0"/>
-              <a:t> true </a:t>
-            </a:r>
-            <a:r>
-              <a:rPr lang="fr-FR" dirty="0" err="1"/>
-              <a:t>here</a:t>
-            </a:r>
-            <a:r>
-              <a:rPr lang="fr-FR" dirty="0"/>
-              <a:t> </a:t>
-            </a:r>
-            <a:r>
-              <a:rPr lang="fr-FR" dirty="0" err="1"/>
-              <a:t>too</a:t>
-            </a:r>
-            <a:endParaRPr lang="fr-FR" dirty="0"/>
-          </a:p>
-          <a:p>
-            <a:endParaRPr lang="fr-FR" dirty="0"/>
-          </a:p>
-          <a:p>
-            <a:r>
-              <a:rPr lang="fr-FR" dirty="0" err="1"/>
-              <a:t>Impressed</a:t>
-            </a:r>
-            <a:r>
-              <a:rPr lang="fr-FR" dirty="0"/>
-              <a:t> by the </a:t>
-            </a:r>
-            <a:r>
-              <a:rPr lang="fr-FR" dirty="0" err="1"/>
-              <a:t>results</a:t>
-            </a:r>
-            <a:r>
-              <a:rPr lang="fr-FR" dirty="0"/>
-              <a:t> of the </a:t>
-            </a:r>
-            <a:r>
-              <a:rPr lang="fr-FR" dirty="0" err="1"/>
-              <a:t>baseline</a:t>
-            </a:r>
-            <a:r>
-              <a:rPr lang="fr-FR" dirty="0"/>
-              <a:t> model</a:t>
-            </a:r>
-          </a:p>
-          <a:p>
-            <a:r>
-              <a:rPr lang="fr-FR"/>
-              <a:t>BERT help to </a:t>
-            </a:r>
-            <a:r>
-              <a:rPr lang="fr-FR" dirty="0" err="1"/>
-              <a:t>keep</a:t>
-            </a:r>
-            <a:r>
-              <a:rPr lang="fr-FR" dirty="0"/>
-              <a:t> the </a:t>
-            </a:r>
-            <a:r>
-              <a:rPr lang="fr-FR" dirty="0" err="1"/>
-              <a:t>Precision</a:t>
-            </a:r>
-            <a:r>
-              <a:rPr lang="fr-FR" dirty="0"/>
-              <a:t> </a:t>
-            </a:r>
-            <a:r>
-              <a:rPr lang="fr-FR" dirty="0" err="1"/>
-              <a:t>while</a:t>
-            </a:r>
-            <a:r>
-              <a:rPr lang="fr-FR" dirty="0"/>
-              <a:t> </a:t>
-            </a:r>
-            <a:r>
-              <a:rPr lang="fr-FR" dirty="0" err="1"/>
-              <a:t>improving</a:t>
-            </a:r>
-            <a:r>
-              <a:rPr lang="fr-FR" dirty="0"/>
-              <a:t> the Accuracy but at the </a:t>
-            </a:r>
-            <a:r>
-              <a:rPr lang="fr-FR" dirty="0" err="1"/>
-              <a:t>cost</a:t>
-            </a:r>
-            <a:r>
-              <a:rPr lang="fr-FR" dirty="0"/>
-              <a:t> of training time</a:t>
-            </a:r>
-          </a:p>
-          <a:p>
-            <a:endParaRPr lang="fr-FR" dirty="0"/>
-          </a:p>
-          <a:p>
-            <a:pPr marL="457200" lvl="1" indent="0">
-              <a:buNone/>
-            </a:pPr>
-            <a:endParaRPr lang="fr-FR" dirty="0"/>
-          </a:p>
-          <a:p>
-            <a:endParaRPr lang="fr-FR" dirty="0"/>
-          </a:p>
-        </p:txBody>
-      </p:sp>
-    </p:spTree>
-    <p:extLst>
-      <p:ext uri="{BB962C8B-B14F-4D97-AF65-F5344CB8AC3E}">
-        <p14:creationId xmlns:p14="http://schemas.microsoft.com/office/powerpoint/2010/main" val="3201622378"/>
       </p:ext>
     </p:extLst>
   </p:cSld>
@@ -9042,10 +9429,10 @@
       </p:grpSpPr>
       <p:sp>
         <p:nvSpPr>
-          <p:cNvPr id="4" name="Titre 3">
-            <a:extLst>
-              <a:ext uri="{FF2B5EF4-FFF2-40B4-BE49-F238E27FC236}">
-                <a16:creationId xmlns:a16="http://schemas.microsoft.com/office/drawing/2014/main" id="{80E590DF-0A88-7056-85D1-A8E809E2318F}"/>
+          <p:cNvPr id="2" name="Titre 1">
+            <a:extLst>
+              <a:ext uri="{FF2B5EF4-FFF2-40B4-BE49-F238E27FC236}">
+                <a16:creationId xmlns:a16="http://schemas.microsoft.com/office/drawing/2014/main" id="{F13D07B4-C7D9-46E1-38A0-A6EEF16B48EB}"/>
               </a:ext>
             </a:extLst>
           </p:cNvPr>
@@ -9056,24 +9443,22 @@
             <p:ph type="title"/>
           </p:nvPr>
         </p:nvSpPr>
-        <p:spPr>
-          <a:xfrm>
-            <a:off x="831850" y="1709738"/>
-            <a:ext cx="10515600" cy="1837859"/>
-          </a:xfrm>
-        </p:spPr>
+        <p:spPr/>
         <p:txBody>
           <a:bodyPr/>
           <a:lstStyle/>
           <a:p>
-            <a:pPr algn="ctr"/>
+            <a:r>
+              <a:rPr lang="fr-FR" dirty="0" err="1"/>
+              <a:t>Take</a:t>
+            </a:r>
             <a:r>
               <a:rPr lang="fr-FR" dirty="0"/>
-              <a:t>Code </a:t>
+              <a:t> </a:t>
             </a:r>
             <a:r>
               <a:rPr lang="fr-FR" dirty="0" err="1"/>
-              <a:t>Review</a:t>
+              <a:t>away</a:t>
             </a:r>
             <a:endParaRPr lang="fr-FR" dirty="0"/>
           </a:p>
@@ -9081,10 +9466,10 @@
       </p:sp>
       <p:sp>
         <p:nvSpPr>
-          <p:cNvPr id="5" name="Espace réservé du texte 4">
-            <a:extLst>
-              <a:ext uri="{FF2B5EF4-FFF2-40B4-BE49-F238E27FC236}">
-                <a16:creationId xmlns:a16="http://schemas.microsoft.com/office/drawing/2014/main" id="{64E8BF61-007C-0740-1AA1-06B9449B33C7}"/>
+          <p:cNvPr id="3" name="Espace réservé du contenu 2">
+            <a:extLst>
+              <a:ext uri="{FF2B5EF4-FFF2-40B4-BE49-F238E27FC236}">
+                <a16:creationId xmlns:a16="http://schemas.microsoft.com/office/drawing/2014/main" id="{1A803C62-BD0B-D0AC-2B41-C4F420891B06}"/>
               </a:ext>
             </a:extLst>
           </p:cNvPr>
@@ -9092,7 +9477,7 @@
             <a:spLocks noGrp="1"/>
           </p:cNvSpPr>
           <p:nvPr>
-            <p:ph type="body" idx="1"/>
+            <p:ph idx="1"/>
           </p:nvPr>
         </p:nvSpPr>
         <p:spPr/>
@@ -9100,14 +9485,204 @@
           <a:bodyPr/>
           <a:lstStyle/>
           <a:p>
-            <a:endParaRPr lang="fr-FR"/>
+            <a:r>
+              <a:rPr lang="fr-FR" dirty="0"/>
+              <a:t>So far, </a:t>
+            </a:r>
+            <a:r>
+              <a:rPr lang="fr-FR" dirty="0" err="1"/>
+              <a:t>working</a:t>
+            </a:r>
+            <a:r>
+              <a:rPr lang="fr-FR" dirty="0"/>
+              <a:t> on the </a:t>
+            </a:r>
+            <a:r>
+              <a:rPr lang="fr-FR" dirty="0" err="1"/>
+              <a:t>projects</a:t>
+            </a:r>
+            <a:r>
+              <a:rPr lang="fr-FR" dirty="0"/>
+              <a:t> I </a:t>
+            </a:r>
+            <a:r>
+              <a:rPr lang="fr-FR" dirty="0" err="1"/>
+              <a:t>learn</a:t>
+            </a:r>
+            <a:r>
+              <a:rPr lang="fr-FR" dirty="0"/>
+              <a:t> 2 </a:t>
+            </a:r>
+            <a:r>
+              <a:rPr lang="fr-FR" dirty="0" err="1"/>
+              <a:t>things</a:t>
+            </a:r>
+            <a:endParaRPr lang="fr-FR" dirty="0"/>
+          </a:p>
+          <a:p>
+            <a:pPr marL="914400" lvl="1" indent="-457200">
+              <a:buFont typeface="+mj-lt"/>
+              <a:buAutoNum type="arabicPeriod"/>
+            </a:pPr>
+            <a:r>
+              <a:rPr lang="fr-FR" dirty="0"/>
+              <a:t>Don't mess </a:t>
+            </a:r>
+            <a:r>
+              <a:rPr lang="fr-FR" dirty="0" err="1"/>
+              <a:t>with</a:t>
+            </a:r>
+            <a:r>
+              <a:rPr lang="fr-FR" dirty="0"/>
+              <a:t> EDA.  Never !</a:t>
+            </a:r>
+          </a:p>
+          <a:p>
+            <a:pPr marL="914400" lvl="1" indent="-457200">
+              <a:buFont typeface="+mj-lt"/>
+              <a:buAutoNum type="arabicPeriod"/>
+            </a:pPr>
+            <a:r>
+              <a:rPr lang="fr-FR" dirty="0"/>
+              <a:t>Get a </a:t>
+            </a:r>
+            <a:r>
+              <a:rPr lang="fr-FR" dirty="0" err="1"/>
+              <a:t>baseline</a:t>
+            </a:r>
+            <a:r>
+              <a:rPr lang="fr-FR" dirty="0"/>
+              <a:t> model. Quick !</a:t>
+            </a:r>
+          </a:p>
+          <a:p>
+            <a:r>
+              <a:rPr lang="fr-FR" dirty="0"/>
+              <a:t>It </a:t>
+            </a:r>
+            <a:r>
+              <a:rPr lang="fr-FR" dirty="0" err="1"/>
+              <a:t>is</a:t>
+            </a:r>
+            <a:r>
+              <a:rPr lang="fr-FR" dirty="0"/>
+              <a:t> true </a:t>
+            </a:r>
+            <a:r>
+              <a:rPr lang="fr-FR" dirty="0" err="1"/>
+              <a:t>here</a:t>
+            </a:r>
+            <a:r>
+              <a:rPr lang="fr-FR" dirty="0"/>
+              <a:t> </a:t>
+            </a:r>
+            <a:r>
+              <a:rPr lang="fr-FR" dirty="0" err="1"/>
+              <a:t>too</a:t>
+            </a:r>
+            <a:endParaRPr lang="fr-FR" dirty="0"/>
+          </a:p>
+          <a:p>
+            <a:endParaRPr lang="fr-FR" dirty="0"/>
+          </a:p>
+          <a:p>
+            <a:r>
+              <a:rPr lang="fr-FR" dirty="0" err="1"/>
+              <a:t>Impressed</a:t>
+            </a:r>
+            <a:r>
+              <a:rPr lang="fr-FR" dirty="0"/>
+              <a:t> by the </a:t>
+            </a:r>
+            <a:r>
+              <a:rPr lang="fr-FR" dirty="0" err="1"/>
+              <a:t>results</a:t>
+            </a:r>
+            <a:r>
+              <a:rPr lang="fr-FR" dirty="0"/>
+              <a:t> of the </a:t>
+            </a:r>
+            <a:r>
+              <a:rPr lang="fr-FR" dirty="0" err="1"/>
+              <a:t>baseline</a:t>
+            </a:r>
+            <a:r>
+              <a:rPr lang="fr-FR" dirty="0"/>
+              <a:t> model</a:t>
+            </a:r>
+          </a:p>
+          <a:p>
+            <a:r>
+              <a:rPr lang="fr-FR" dirty="0"/>
+              <a:t>BERT (</a:t>
+            </a:r>
+            <a:r>
+              <a:rPr lang="fr-FR" dirty="0" err="1"/>
+              <a:t>unfreezed</a:t>
+            </a:r>
+            <a:r>
+              <a:rPr lang="fr-FR" dirty="0"/>
+              <a:t>) help to </a:t>
+            </a:r>
+            <a:r>
+              <a:rPr lang="fr-FR" dirty="0" err="1"/>
+              <a:t>keep</a:t>
+            </a:r>
+            <a:r>
+              <a:rPr lang="fr-FR" dirty="0"/>
+              <a:t> the </a:t>
+            </a:r>
+            <a:r>
+              <a:rPr lang="fr-FR" dirty="0" err="1"/>
+              <a:t>Precision</a:t>
+            </a:r>
+            <a:r>
+              <a:rPr lang="fr-FR" dirty="0"/>
+              <a:t> </a:t>
+            </a:r>
+            <a:r>
+              <a:rPr lang="fr-FR" dirty="0" err="1"/>
+              <a:t>while</a:t>
+            </a:r>
+            <a:r>
+              <a:rPr lang="fr-FR" dirty="0"/>
+              <a:t> </a:t>
+            </a:r>
+            <a:r>
+              <a:rPr lang="fr-FR" dirty="0" err="1"/>
+              <a:t>improving</a:t>
+            </a:r>
+            <a:r>
+              <a:rPr lang="fr-FR" dirty="0"/>
+              <a:t> the Accuracy but at the </a:t>
+            </a:r>
+            <a:r>
+              <a:rPr lang="fr-FR" dirty="0" err="1"/>
+              <a:t>cost</a:t>
+            </a:r>
+            <a:r>
+              <a:rPr lang="fr-FR" dirty="0"/>
+              <a:t> of training time</a:t>
+            </a:r>
+          </a:p>
+          <a:p>
+            <a:endParaRPr lang="fr-FR" dirty="0"/>
+          </a:p>
+          <a:p>
+            <a:pPr marL="457200" lvl="1" indent="0">
+              <a:buNone/>
+            </a:pPr>
+            <a:endParaRPr lang="fr-FR" dirty="0"/>
+          </a:p>
+          <a:p>
+            <a:endParaRPr lang="fr-FR" dirty="0"/>
           </a:p>
         </p:txBody>
       </p:sp>
     </p:spTree>
     <p:extLst>
       <p:ext uri="{BB962C8B-B14F-4D97-AF65-F5344CB8AC3E}">
-        <p14:creationId xmlns:p14="http://schemas.microsoft.com/office/powerpoint/2010/main" val="312535264"/>
+        <p14:creationId xmlns:p14="http://schemas.microsoft.com/office/powerpoint/2010/main" val="3201622378"/>
       </p:ext>
     </p:extLst>
   </p:cSld>

--- a/07_deep_learning/99_Project_ATT/01_att_project.pptx
+++ b/07_deep_learning/99_Project_ATT/01_att_project.pptx
@@ -127,7 +127,7 @@
 <file path=ppt/revisionInfo.xml><?xml version="1.0" encoding="utf-8"?>
 <p1510:revInfo xmlns:a="http://schemas.openxmlformats.org/drawingml/2006/main" xmlns:r="http://schemas.openxmlformats.org/officeDocument/2006/relationships" xmlns:p1510="http://schemas.microsoft.com/office/powerpoint/2015/10/main">
   <p1510:revLst>
-    <p1510:client id="{ABAE05BF-949A-4E93-BC19-2AEAAED3ED81}" v="20" dt="2024-09-03T08:48:14.023"/>
+    <p1510:client id="{ABAE05BF-949A-4E93-BC19-2AEAAED3ED81}" v="25" dt="2024-09-04T13:58:46.902"/>
   </p1510:revLst>
 </p1510:revInfo>
 </file>
@@ -1566,7 +1566,7 @@
   <pc:docChgLst>
     <pc:chgData name="Philippe Baucour" userId="5102170ae7533958" providerId="LiveId" clId="{ABAE05BF-949A-4E93-BC19-2AEAAED3ED81}"/>
     <pc:docChg chg="undo custSel addSld modSld sldOrd">
-      <pc:chgData name="Philippe Baucour" userId="5102170ae7533958" providerId="LiveId" clId="{ABAE05BF-949A-4E93-BC19-2AEAAED3ED81}" dt="2024-09-03T10:36:57.247" v="2700" actId="1036"/>
+      <pc:chgData name="Philippe Baucour" userId="5102170ae7533958" providerId="LiveId" clId="{ABAE05BF-949A-4E93-BC19-2AEAAED3ED81}" dt="2024-09-04T14:03:37.276" v="2979" actId="6549"/>
       <pc:docMkLst>
         <pc:docMk/>
       </pc:docMkLst>
@@ -1633,20 +1633,36 @@
           </ac:picMkLst>
         </pc:picChg>
       </pc:sldChg>
-      <pc:sldChg chg="modSp mod">
-        <pc:chgData name="Philippe Baucour" userId="5102170ae7533958" providerId="LiveId" clId="{ABAE05BF-949A-4E93-BC19-2AEAAED3ED81}" dt="2024-09-03T08:51:35.722" v="2652" actId="20577"/>
+      <pc:sldChg chg="addSp modSp mod modNotesTx">
+        <pc:chgData name="Philippe Baucour" userId="5102170ae7533958" providerId="LiveId" clId="{ABAE05BF-949A-4E93-BC19-2AEAAED3ED81}" dt="2024-09-04T14:03:37.276" v="2979" actId="6549"/>
         <pc:sldMkLst>
           <pc:docMk/>
           <pc:sldMk cId="3201622378" sldId="257"/>
         </pc:sldMkLst>
         <pc:spChg chg="mod">
-          <ac:chgData name="Philippe Baucour" userId="5102170ae7533958" providerId="LiveId" clId="{ABAE05BF-949A-4E93-BC19-2AEAAED3ED81}" dt="2024-09-03T08:51:35.722" v="2652" actId="20577"/>
+          <ac:chgData name="Philippe Baucour" userId="5102170ae7533958" providerId="LiveId" clId="{ABAE05BF-949A-4E93-BC19-2AEAAED3ED81}" dt="2024-09-04T13:55:12.013" v="2853" actId="20577"/>
           <ac:spMkLst>
             <pc:docMk/>
             <pc:sldMk cId="3201622378" sldId="257"/>
             <ac:spMk id="3" creationId="{1A803C62-BD0B-D0AC-2B41-C4F420891B06}"/>
           </ac:spMkLst>
         </pc:spChg>
+        <pc:spChg chg="add">
+          <ac:chgData name="Philippe Baucour" userId="5102170ae7533958" providerId="LiveId" clId="{ABAE05BF-949A-4E93-BC19-2AEAAED3ED81}" dt="2024-09-04T13:55:48.374" v="2854"/>
+          <ac:spMkLst>
+            <pc:docMk/>
+            <pc:sldMk cId="3201622378" sldId="257"/>
+            <ac:spMk id="4" creationId="{20D0381A-FBA0-AB44-6D71-9FED8CCC6156}"/>
+          </ac:spMkLst>
+        </pc:spChg>
+        <pc:picChg chg="add mod modCrop">
+          <ac:chgData name="Philippe Baucour" userId="5102170ae7533958" providerId="LiveId" clId="{ABAE05BF-949A-4E93-BC19-2AEAAED3ED81}" dt="2024-09-04T13:57:08.332" v="2864" actId="1076"/>
+          <ac:picMkLst>
+            <pc:docMk/>
+            <pc:sldMk cId="3201622378" sldId="257"/>
+            <ac:picMk id="5" creationId="{6A3C50B5-69FB-F9D8-70F1-0579A3213984}"/>
+          </ac:picMkLst>
+        </pc:picChg>
       </pc:sldChg>
       <pc:sldChg chg="addSp modSp mod">
         <pc:chgData name="Philippe Baucour" userId="5102170ae7533958" providerId="LiveId" clId="{ABAE05BF-949A-4E93-BC19-2AEAAED3ED81}" dt="2024-09-02T09:39:42.054" v="150" actId="1076"/>
@@ -2271,7 +2287,7 @@
           <a:p>
             <a:fld id="{FD1752CD-A7D2-4825-BC26-9DAEFBD0A5FF}" type="datetimeFigureOut">
               <a:rPr lang="fr-FR" smtClean="0"/>
-              <a:t>03/09/2024</a:t>
+              <a:t>04/09/2024</a:t>
             </a:fld>
             <a:endParaRPr lang="fr-FR"/>
           </a:p>
@@ -3525,6 +3541,124 @@
 </p:notes>
 </file>
 
+<file path=ppt/notesSlides/notesSlide6.xml><?xml version="1.0" encoding="utf-8"?>
+<p:notes xmlns:a="http://schemas.openxmlformats.org/drawingml/2006/main" xmlns:r="http://schemas.openxmlformats.org/officeDocument/2006/relationships" xmlns:p="http://schemas.openxmlformats.org/presentationml/2006/main">
+  <p:cSld>
+    <p:spTree>
+      <p:nvGrpSpPr>
+        <p:cNvPr id="1" name=""/>
+        <p:cNvGrpSpPr/>
+        <p:nvPr/>
+      </p:nvGrpSpPr>
+      <p:grpSpPr>
+        <a:xfrm>
+          <a:off x="0" y="0"/>
+          <a:ext cx="0" cy="0"/>
+          <a:chOff x="0" y="0"/>
+          <a:chExt cx="0" cy="0"/>
+        </a:xfrm>
+      </p:grpSpPr>
+      <p:sp>
+        <p:nvSpPr>
+          <p:cNvPr id="2" name="Espace réservé de l'image des diapositives 1"/>
+          <p:cNvSpPr>
+            <a:spLocks noGrp="1" noRot="1" noChangeAspect="1"/>
+          </p:cNvSpPr>
+          <p:nvPr>
+            <p:ph type="sldImg"/>
+          </p:nvPr>
+        </p:nvSpPr>
+        <p:spPr/>
+      </p:sp>
+      <p:sp>
+        <p:nvSpPr>
+          <p:cNvPr id="3" name="Espace réservé des notes 2"/>
+          <p:cNvSpPr>
+            <a:spLocks noGrp="1"/>
+          </p:cNvSpPr>
+          <p:nvPr>
+            <p:ph type="body" idx="1"/>
+          </p:nvPr>
+        </p:nvSpPr>
+        <p:spPr/>
+        <p:txBody>
+          <a:bodyPr/>
+          <a:lstStyle/>
+          <a:p>
+            <a:r>
+              <a:rPr lang="en-US" dirty="0"/>
+              <a:t>Don't mess with EDA 	: Never!</a:t>
+            </a:r>
+          </a:p>
+          <a:p>
+            <a:r>
+              <a:rPr lang="en-US" dirty="0"/>
+              <a:t>Feature engineering	: Smart!</a:t>
+            </a:r>
+          </a:p>
+          <a:p>
+            <a:r>
+              <a:rPr lang="en-US" dirty="0"/>
+              <a:t>Get a baseline model	: Fast!</a:t>
+            </a:r>
+          </a:p>
+          <a:p>
+            <a:r>
+              <a:rPr lang="en-US" dirty="0"/>
+              <a:t>Results analysis	: Always! </a:t>
+            </a:r>
+          </a:p>
+          <a:p>
+            <a:endParaRPr lang="en-US" dirty="0"/>
+          </a:p>
+          <a:p>
+            <a:r>
+              <a:rPr lang="en-US"/>
+              <a:t> </a:t>
+            </a:r>
+            <a:endParaRPr lang="en-US" dirty="0"/>
+          </a:p>
+          <a:p>
+            <a:endParaRPr lang="fr-FR" dirty="0"/>
+          </a:p>
+        </p:txBody>
+      </p:sp>
+      <p:sp>
+        <p:nvSpPr>
+          <p:cNvPr id="4" name="Espace réservé du numéro de diapositive 3"/>
+          <p:cNvSpPr>
+            <a:spLocks noGrp="1"/>
+          </p:cNvSpPr>
+          <p:nvPr>
+            <p:ph type="sldNum" sz="quarter" idx="5"/>
+          </p:nvPr>
+        </p:nvSpPr>
+        <p:spPr/>
+        <p:txBody>
+          <a:bodyPr/>
+          <a:lstStyle/>
+          <a:p>
+            <a:fld id="{341AEC00-4977-4C47-A11B-52155DC12F54}" type="slidenum">
+              <a:rPr lang="fr-FR" smtClean="0"/>
+              <a:t>9</a:t>
+            </a:fld>
+            <a:endParaRPr lang="fr-FR"/>
+          </a:p>
+        </p:txBody>
+      </p:sp>
+    </p:spTree>
+    <p:extLst>
+      <p:ext uri="{BB962C8B-B14F-4D97-AF65-F5344CB8AC3E}">
+        <p14:creationId xmlns:p14="http://schemas.microsoft.com/office/powerpoint/2010/main" val="1869599011"/>
+      </p:ext>
+    </p:extLst>
+  </p:cSld>
+  <p:clrMapOvr>
+    <a:masterClrMapping/>
+  </p:clrMapOvr>
+</p:notes>
+</file>
+
 <file path=ppt/slideLayouts/slideLayout1.xml><?xml version="1.0" encoding="utf-8"?>
 <p:sldLayout xmlns:a="http://schemas.openxmlformats.org/drawingml/2006/main" xmlns:r="http://schemas.openxmlformats.org/officeDocument/2006/relationships" xmlns:p="http://schemas.openxmlformats.org/presentationml/2006/main" type="title" preserve="1">
   <p:cSld name="Diapositive de titre">
@@ -3672,7 +3806,7 @@
           <a:p>
             <a:fld id="{7ECB9D5A-E5E4-41FE-AF39-634902D6D5D2}" type="datetimeFigureOut">
               <a:rPr lang="fr-FR" smtClean="0"/>
-              <a:t>03/09/2024</a:t>
+              <a:t>04/09/2024</a:t>
             </a:fld>
             <a:endParaRPr lang="fr-FR"/>
           </a:p>
@@ -3870,7 +4004,7 @@
           <a:p>
             <a:fld id="{7ECB9D5A-E5E4-41FE-AF39-634902D6D5D2}" type="datetimeFigureOut">
               <a:rPr lang="fr-FR" smtClean="0"/>
-              <a:t>03/09/2024</a:t>
+              <a:t>04/09/2024</a:t>
             </a:fld>
             <a:endParaRPr lang="fr-FR"/>
           </a:p>
@@ -4078,7 +4212,7 @@
           <a:p>
             <a:fld id="{7ECB9D5A-E5E4-41FE-AF39-634902D6D5D2}" type="datetimeFigureOut">
               <a:rPr lang="fr-FR" smtClean="0"/>
-              <a:t>03/09/2024</a:t>
+              <a:t>04/09/2024</a:t>
             </a:fld>
             <a:endParaRPr lang="fr-FR"/>
           </a:p>
@@ -4276,7 +4410,7 @@
           <a:p>
             <a:fld id="{7ECB9D5A-E5E4-41FE-AF39-634902D6D5D2}" type="datetimeFigureOut">
               <a:rPr lang="fr-FR" smtClean="0"/>
-              <a:t>03/09/2024</a:t>
+              <a:t>04/09/2024</a:t>
             </a:fld>
             <a:endParaRPr lang="fr-FR"/>
           </a:p>
@@ -4551,7 +4685,7 @@
           <a:p>
             <a:fld id="{7ECB9D5A-E5E4-41FE-AF39-634902D6D5D2}" type="datetimeFigureOut">
               <a:rPr lang="fr-FR" smtClean="0"/>
-              <a:t>03/09/2024</a:t>
+              <a:t>04/09/2024</a:t>
             </a:fld>
             <a:endParaRPr lang="fr-FR"/>
           </a:p>
@@ -4816,7 +4950,7 @@
           <a:p>
             <a:fld id="{7ECB9D5A-E5E4-41FE-AF39-634902D6D5D2}" type="datetimeFigureOut">
               <a:rPr lang="fr-FR" smtClean="0"/>
-              <a:t>03/09/2024</a:t>
+              <a:t>04/09/2024</a:t>
             </a:fld>
             <a:endParaRPr lang="fr-FR"/>
           </a:p>
@@ -5228,7 +5362,7 @@
           <a:p>
             <a:fld id="{7ECB9D5A-E5E4-41FE-AF39-634902D6D5D2}" type="datetimeFigureOut">
               <a:rPr lang="fr-FR" smtClean="0"/>
-              <a:t>03/09/2024</a:t>
+              <a:t>04/09/2024</a:t>
             </a:fld>
             <a:endParaRPr lang="fr-FR"/>
           </a:p>
@@ -5369,7 +5503,7 @@
           <a:p>
             <a:fld id="{7ECB9D5A-E5E4-41FE-AF39-634902D6D5D2}" type="datetimeFigureOut">
               <a:rPr lang="fr-FR" smtClean="0"/>
-              <a:t>03/09/2024</a:t>
+              <a:t>04/09/2024</a:t>
             </a:fld>
             <a:endParaRPr lang="fr-FR"/>
           </a:p>
@@ -5482,7 +5616,7 @@
           <a:p>
             <a:fld id="{7ECB9D5A-E5E4-41FE-AF39-634902D6D5D2}" type="datetimeFigureOut">
               <a:rPr lang="fr-FR" smtClean="0"/>
-              <a:t>03/09/2024</a:t>
+              <a:t>04/09/2024</a:t>
             </a:fld>
             <a:endParaRPr lang="fr-FR"/>
           </a:p>
@@ -5793,7 +5927,7 @@
           <a:p>
             <a:fld id="{7ECB9D5A-E5E4-41FE-AF39-634902D6D5D2}" type="datetimeFigureOut">
               <a:rPr lang="fr-FR" smtClean="0"/>
-              <a:t>03/09/2024</a:t>
+              <a:t>04/09/2024</a:t>
             </a:fld>
             <a:endParaRPr lang="fr-FR"/>
           </a:p>
@@ -6084,7 +6218,7 @@
           <a:p>
             <a:fld id="{7ECB9D5A-E5E4-41FE-AF39-634902D6D5D2}" type="datetimeFigureOut">
               <a:rPr lang="fr-FR" smtClean="0"/>
-              <a:t>03/09/2024</a:t>
+              <a:t>04/09/2024</a:t>
             </a:fld>
             <a:endParaRPr lang="fr-FR"/>
           </a:p>
@@ -6325,7 +6459,7 @@
           <a:p>
             <a:fld id="{7ECB9D5A-E5E4-41FE-AF39-634902D6D5D2}" type="datetimeFigureOut">
               <a:rPr lang="fr-FR" smtClean="0"/>
-              <a:t>03/09/2024</a:t>
+              <a:t>04/09/2024</a:t>
             </a:fld>
             <a:endParaRPr lang="fr-FR"/>
           </a:p>
@@ -9482,7 +9616,9 @@
         </p:nvSpPr>
         <p:spPr/>
         <p:txBody>
-          <a:bodyPr/>
+          <a:bodyPr>
+            <a:normAutofit lnSpcReduction="10000"/>
+          </a:bodyPr>
           <a:lstStyle/>
           <a:p>
             <a:r>
@@ -9507,15 +9643,63 @@
             </a:r>
             <a:r>
               <a:rPr lang="fr-FR" dirty="0" err="1"/>
-              <a:t>learn</a:t>
+              <a:t>keep</a:t>
             </a:r>
             <a:r>
               <a:rPr lang="fr-FR" dirty="0"/>
-              <a:t> 2 </a:t>
+              <a:t> in </a:t>
             </a:r>
             <a:r>
               <a:rPr lang="fr-FR" dirty="0" err="1"/>
-              <a:t>things</a:t>
+              <a:t>mind</a:t>
+            </a:r>
+            <a:r>
+              <a:rPr lang="fr-FR" dirty="0"/>
+              <a:t> :</a:t>
+            </a:r>
+          </a:p>
+          <a:p>
+            <a:pPr lvl="1">
+              <a:tabLst>
+                <a:tab pos="4572000" algn="l"/>
+              </a:tabLst>
+            </a:pPr>
+            <a:r>
+              <a:rPr lang="en-US" dirty="0"/>
+              <a:t>EDA	: The recipe</a:t>
+            </a:r>
+          </a:p>
+          <a:p>
+            <a:pPr lvl="1">
+              <a:tabLst>
+                <a:tab pos="4572000" algn="l"/>
+              </a:tabLst>
+            </a:pPr>
+            <a:r>
+              <a:rPr lang="en-US" dirty="0"/>
+              <a:t>Features Engineering	: The secret sauce</a:t>
+            </a:r>
+          </a:p>
+          <a:p>
+            <a:pPr lvl="1">
+              <a:tabLst>
+                <a:tab pos="4572000" algn="l"/>
+              </a:tabLst>
+            </a:pPr>
+            <a:r>
+              <a:rPr lang="en-US" dirty="0"/>
+              <a:t>Baseline model	: The first taste</a:t>
+            </a:r>
+          </a:p>
+          <a:p>
+            <a:pPr lvl="1">
+              <a:tabLst>
+                <a:tab pos="4572000" algn="l"/>
+              </a:tabLst>
+            </a:pPr>
+            <a:r>
+              <a:rPr lang="en-US" dirty="0"/>
+              <a:t>Interpreting results	: The tasting notes</a:t>
             </a:r>
             <a:endParaRPr lang="fr-FR" dirty="0"/>
           </a:p>
@@ -9524,36 +9708,7 @@
               <a:buFont typeface="+mj-lt"/>
               <a:buAutoNum type="arabicPeriod"/>
             </a:pPr>
-            <a:r>
-              <a:rPr lang="fr-FR" dirty="0"/>
-              <a:t>Don't mess </a:t>
-            </a:r>
-            <a:r>
-              <a:rPr lang="fr-FR" dirty="0" err="1"/>
-              <a:t>with</a:t>
-            </a:r>
-            <a:r>
-              <a:rPr lang="fr-FR" dirty="0"/>
-              <a:t> EDA.  Never !</a:t>
-            </a:r>
-          </a:p>
-          <a:p>
-            <a:pPr marL="914400" lvl="1" indent="-457200">
-              <a:buFont typeface="+mj-lt"/>
-              <a:buAutoNum type="arabicPeriod"/>
-            </a:pPr>
-            <a:r>
-              <a:rPr lang="fr-FR" dirty="0"/>
-              <a:t>Get a </a:t>
-            </a:r>
-            <a:r>
-              <a:rPr lang="fr-FR" dirty="0" err="1"/>
-              <a:t>baseline</a:t>
-            </a:r>
-            <a:r>
-              <a:rPr lang="fr-FR" dirty="0"/>
-              <a:t> model. Quick !</a:t>
-            </a:r>
+            <a:endParaRPr lang="fr-FR" dirty="0"/>
           </a:p>
           <a:p>
             <a:r>
@@ -9679,6 +9834,42 @@
           </a:p>
         </p:txBody>
       </p:sp>
+      <p:pic>
+        <p:nvPicPr>
+          <p:cNvPr id="5" name="Image 4">
+            <a:extLst>
+              <a:ext uri="{FF2B5EF4-FFF2-40B4-BE49-F238E27FC236}">
+                <a16:creationId xmlns:a16="http://schemas.microsoft.com/office/drawing/2014/main" id="{6A3C50B5-69FB-F9D8-70F1-0579A3213984}"/>
+              </a:ext>
+            </a:extLst>
+          </p:cNvPr>
+          <p:cNvPicPr>
+            <a:picLocks noChangeAspect="1"/>
+          </p:cNvPicPr>
+          <p:nvPr/>
+        </p:nvPicPr>
+        <p:blipFill>
+          <a:blip r:embed="rId3"/>
+          <a:srcRect l="25506" t="5814" r="18520"/>
+          <a:stretch/>
+        </p:blipFill>
+        <p:spPr>
+          <a:xfrm>
+            <a:off x="8984610" y="1700089"/>
+            <a:ext cx="1149290" cy="1287306"/>
+          </a:xfrm>
+          <a:prstGeom prst="rect">
+            <a:avLst/>
+          </a:prstGeom>
+          <a:effectLst>
+            <a:outerShdw blurRad="50800" dist="38100" dir="2700000" algn="tl" rotWithShape="0">
+              <a:prstClr val="black">
+                <a:alpha val="40000"/>
+              </a:prstClr>
+            </a:outerShdw>
+          </a:effectLst>
+        </p:spPr>
+      </p:pic>
     </p:spTree>
     <p:extLst>
       <p:ext uri="{BB962C8B-B14F-4D97-AF65-F5344CB8AC3E}">

--- a/07_deep_learning/99_Project_ATT/01_att_project.pptx
+++ b/07_deep_learning/99_Project_ATT/01_att_project.pptx
@@ -1566,7 +1566,7 @@
   <pc:docChgLst>
     <pc:chgData name="Philippe Baucour" userId="5102170ae7533958" providerId="LiveId" clId="{ABAE05BF-949A-4E93-BC19-2AEAAED3ED81}"/>
     <pc:docChg chg="undo custSel addSld modSld sldOrd">
-      <pc:chgData name="Philippe Baucour" userId="5102170ae7533958" providerId="LiveId" clId="{ABAE05BF-949A-4E93-BC19-2AEAAED3ED81}" dt="2024-09-04T14:03:37.276" v="2979" actId="6549"/>
+      <pc:chgData name="Philippe Baucour" userId="5102170ae7533958" providerId="LiveId" clId="{ABAE05BF-949A-4E93-BC19-2AEAAED3ED81}" dt="2024-09-05T15:57:35.002" v="2981" actId="729"/>
       <pc:docMkLst>
         <pc:docMk/>
       </pc:docMkLst>
@@ -1664,8 +1664,8 @@
           </ac:picMkLst>
         </pc:picChg>
       </pc:sldChg>
-      <pc:sldChg chg="addSp modSp mod">
-        <pc:chgData name="Philippe Baucour" userId="5102170ae7533958" providerId="LiveId" clId="{ABAE05BF-949A-4E93-BC19-2AEAAED3ED81}" dt="2024-09-02T09:39:42.054" v="150" actId="1076"/>
+      <pc:sldChg chg="addSp modSp mod modShow">
+        <pc:chgData name="Philippe Baucour" userId="5102170ae7533958" providerId="LiveId" clId="{ABAE05BF-949A-4E93-BC19-2AEAAED3ED81}" dt="2024-09-05T15:57:35.002" v="2981" actId="729"/>
         <pc:sldMkLst>
           <pc:docMk/>
           <pc:sldMk cId="246086491" sldId="258"/>
@@ -1687,8 +1687,8 @@
           </ac:picMkLst>
         </pc:picChg>
       </pc:sldChg>
-      <pc:sldChg chg="ord">
-        <pc:chgData name="Philippe Baucour" userId="5102170ae7533958" providerId="LiveId" clId="{ABAE05BF-949A-4E93-BC19-2AEAAED3ED81}" dt="2024-09-02T09:39:49.786" v="152"/>
+      <pc:sldChg chg="mod ord modShow">
+        <pc:chgData name="Philippe Baucour" userId="5102170ae7533958" providerId="LiveId" clId="{ABAE05BF-949A-4E93-BC19-2AEAAED3ED81}" dt="2024-09-05T15:57:24.919" v="2980" actId="729"/>
         <pc:sldMkLst>
           <pc:docMk/>
           <pc:sldMk cId="312535264" sldId="263"/>
@@ -2287,7 +2287,7 @@
           <a:p>
             <a:fld id="{FD1752CD-A7D2-4825-BC26-9DAEFBD0A5FF}" type="datetimeFigureOut">
               <a:rPr lang="fr-FR" smtClean="0"/>
-              <a:t>04/09/2024</a:t>
+              <a:t>05/09/2024</a:t>
             </a:fld>
             <a:endParaRPr lang="fr-FR"/>
           </a:p>
@@ -3806,7 +3806,7 @@
           <a:p>
             <a:fld id="{7ECB9D5A-E5E4-41FE-AF39-634902D6D5D2}" type="datetimeFigureOut">
               <a:rPr lang="fr-FR" smtClean="0"/>
-              <a:t>04/09/2024</a:t>
+              <a:t>05/09/2024</a:t>
             </a:fld>
             <a:endParaRPr lang="fr-FR"/>
           </a:p>
@@ -4004,7 +4004,7 @@
           <a:p>
             <a:fld id="{7ECB9D5A-E5E4-41FE-AF39-634902D6D5D2}" type="datetimeFigureOut">
               <a:rPr lang="fr-FR" smtClean="0"/>
-              <a:t>04/09/2024</a:t>
+              <a:t>05/09/2024</a:t>
             </a:fld>
             <a:endParaRPr lang="fr-FR"/>
           </a:p>
@@ -4212,7 +4212,7 @@
           <a:p>
             <a:fld id="{7ECB9D5A-E5E4-41FE-AF39-634902D6D5D2}" type="datetimeFigureOut">
               <a:rPr lang="fr-FR" smtClean="0"/>
-              <a:t>04/09/2024</a:t>
+              <a:t>05/09/2024</a:t>
             </a:fld>
             <a:endParaRPr lang="fr-FR"/>
           </a:p>
@@ -4410,7 +4410,7 @@
           <a:p>
             <a:fld id="{7ECB9D5A-E5E4-41FE-AF39-634902D6D5D2}" type="datetimeFigureOut">
               <a:rPr lang="fr-FR" smtClean="0"/>
-              <a:t>04/09/2024</a:t>
+              <a:t>05/09/2024</a:t>
             </a:fld>
             <a:endParaRPr lang="fr-FR"/>
           </a:p>
@@ -4685,7 +4685,7 @@
           <a:p>
             <a:fld id="{7ECB9D5A-E5E4-41FE-AF39-634902D6D5D2}" type="datetimeFigureOut">
               <a:rPr lang="fr-FR" smtClean="0"/>
-              <a:t>04/09/2024</a:t>
+              <a:t>05/09/2024</a:t>
             </a:fld>
             <a:endParaRPr lang="fr-FR"/>
           </a:p>
@@ -4950,7 +4950,7 @@
           <a:p>
             <a:fld id="{7ECB9D5A-E5E4-41FE-AF39-634902D6D5D2}" type="datetimeFigureOut">
               <a:rPr lang="fr-FR" smtClean="0"/>
-              <a:t>04/09/2024</a:t>
+              <a:t>05/09/2024</a:t>
             </a:fld>
             <a:endParaRPr lang="fr-FR"/>
           </a:p>
@@ -5362,7 +5362,7 @@
           <a:p>
             <a:fld id="{7ECB9D5A-E5E4-41FE-AF39-634902D6D5D2}" type="datetimeFigureOut">
               <a:rPr lang="fr-FR" smtClean="0"/>
-              <a:t>04/09/2024</a:t>
+              <a:t>05/09/2024</a:t>
             </a:fld>
             <a:endParaRPr lang="fr-FR"/>
           </a:p>
@@ -5503,7 +5503,7 @@
           <a:p>
             <a:fld id="{7ECB9D5A-E5E4-41FE-AF39-634902D6D5D2}" type="datetimeFigureOut">
               <a:rPr lang="fr-FR" smtClean="0"/>
-              <a:t>04/09/2024</a:t>
+              <a:t>05/09/2024</a:t>
             </a:fld>
             <a:endParaRPr lang="fr-FR"/>
           </a:p>
@@ -5616,7 +5616,7 @@
           <a:p>
             <a:fld id="{7ECB9D5A-E5E4-41FE-AF39-634902D6D5D2}" type="datetimeFigureOut">
               <a:rPr lang="fr-FR" smtClean="0"/>
-              <a:t>04/09/2024</a:t>
+              <a:t>05/09/2024</a:t>
             </a:fld>
             <a:endParaRPr lang="fr-FR"/>
           </a:p>
@@ -5927,7 +5927,7 @@
           <a:p>
             <a:fld id="{7ECB9D5A-E5E4-41FE-AF39-634902D6D5D2}" type="datetimeFigureOut">
               <a:rPr lang="fr-FR" smtClean="0"/>
-              <a:t>04/09/2024</a:t>
+              <a:t>05/09/2024</a:t>
             </a:fld>
             <a:endParaRPr lang="fr-FR"/>
           </a:p>
@@ -6218,7 +6218,7 @@
           <a:p>
             <a:fld id="{7ECB9D5A-E5E4-41FE-AF39-634902D6D5D2}" type="datetimeFigureOut">
               <a:rPr lang="fr-FR" smtClean="0"/>
-              <a:t>04/09/2024</a:t>
+              <a:t>05/09/2024</a:t>
             </a:fld>
             <a:endParaRPr lang="fr-FR"/>
           </a:p>
@@ -6459,7 +6459,7 @@
           <a:p>
             <a:fld id="{7ECB9D5A-E5E4-41FE-AF39-634902D6D5D2}" type="datetimeFigureOut">
               <a:rPr lang="fr-FR" smtClean="0"/>
-              <a:t>04/09/2024</a:t>
+              <a:t>05/09/2024</a:t>
             </a:fld>
             <a:endParaRPr lang="fr-FR"/>
           </a:p>
@@ -7197,7 +7197,7 @@
 </file>
 
 <file path=ppt/slides/slide10.xml><?xml version="1.0" encoding="utf-8"?>
-<p:sld xmlns:a="http://schemas.openxmlformats.org/drawingml/2006/main" xmlns:r="http://schemas.openxmlformats.org/officeDocument/2006/relationships" xmlns:p="http://schemas.openxmlformats.org/presentationml/2006/main">
+<p:sld xmlns:a="http://schemas.openxmlformats.org/drawingml/2006/main" xmlns:r="http://schemas.openxmlformats.org/officeDocument/2006/relationships" xmlns:p="http://schemas.openxmlformats.org/presentationml/2006/main" show="0">
   <p:cSld>
     <p:spTree>
       <p:nvGrpSpPr>
@@ -7291,7 +7291,7 @@
 </file>
 
 <file path=ppt/slides/slide2.xml><?xml version="1.0" encoding="utf-8"?>
-<p:sld xmlns:a="http://schemas.openxmlformats.org/drawingml/2006/main" xmlns:r="http://schemas.openxmlformats.org/officeDocument/2006/relationships" xmlns:p="http://schemas.openxmlformats.org/presentationml/2006/main">
+<p:sld xmlns:a="http://schemas.openxmlformats.org/drawingml/2006/main" xmlns:r="http://schemas.openxmlformats.org/officeDocument/2006/relationships" xmlns:p="http://schemas.openxmlformats.org/presentationml/2006/main" show="0">
   <p:cSld>
     <p:spTree>
       <p:nvGrpSpPr>

--- a/07_deep_learning/99_Project_ATT/01_att_project.pptx
+++ b/07_deep_learning/99_Project_ATT/01_att_project.pptx
@@ -5,7 +5,7 @@
     <p:sldMasterId id="2147483660" r:id="rId1"/>
   </p:sldMasterIdLst>
   <p:notesMasterIdLst>
-    <p:notesMasterId r:id="rId12"/>
+    <p:notesMasterId r:id="rId13"/>
   </p:notesMasterIdLst>
   <p:sldIdLst>
     <p:sldId id="256" r:id="rId2"/>
@@ -13,11 +13,12 @@
     <p:sldId id="264" r:id="rId4"/>
     <p:sldId id="266" r:id="rId5"/>
     <p:sldId id="267" r:id="rId6"/>
-    <p:sldId id="268" r:id="rId7"/>
-    <p:sldId id="269" r:id="rId8"/>
-    <p:sldId id="265" r:id="rId9"/>
-    <p:sldId id="257" r:id="rId10"/>
-    <p:sldId id="263" r:id="rId11"/>
+    <p:sldId id="270" r:id="rId7"/>
+    <p:sldId id="268" r:id="rId8"/>
+    <p:sldId id="269" r:id="rId9"/>
+    <p:sldId id="265" r:id="rId10"/>
+    <p:sldId id="257" r:id="rId11"/>
+    <p:sldId id="263" r:id="rId12"/>
   </p:sldIdLst>
   <p:sldSz cx="12192000" cy="6858000"/>
   <p:notesSz cx="6858000" cy="9144000"/>
@@ -127,7 +128,7 @@
 <file path=ppt/revisionInfo.xml><?xml version="1.0" encoding="utf-8"?>
 <p1510:revInfo xmlns:a="http://schemas.openxmlformats.org/drawingml/2006/main" xmlns:r="http://schemas.openxmlformats.org/officeDocument/2006/relationships" xmlns:p1510="http://schemas.microsoft.com/office/powerpoint/2015/10/main">
   <p1510:revLst>
-    <p1510:client id="{ABAE05BF-949A-4E93-BC19-2AEAAED3ED81}" v="25" dt="2024-09-04T13:58:46.902"/>
+    <p1510:client id="{ABAE05BF-949A-4E93-BC19-2AEAAED3ED81}" v="28" dt="2024-09-13T14:55:21.478"/>
   </p1510:revLst>
 </p1510:revInfo>
 </file>
@@ -1566,7 +1567,7 @@
   <pc:docChgLst>
     <pc:chgData name="Philippe Baucour" userId="5102170ae7533958" providerId="LiveId" clId="{ABAE05BF-949A-4E93-BC19-2AEAAED3ED81}"/>
     <pc:docChg chg="undo custSel addSld modSld sldOrd">
-      <pc:chgData name="Philippe Baucour" userId="5102170ae7533958" providerId="LiveId" clId="{ABAE05BF-949A-4E93-BC19-2AEAAED3ED81}" dt="2024-09-05T15:57:35.002" v="2981" actId="729"/>
+      <pc:chgData name="Philippe Baucour" userId="5102170ae7533958" providerId="LiveId" clId="{ABAE05BF-949A-4E93-BC19-2AEAAED3ED81}" dt="2024-09-13T14:56:12.048" v="3089" actId="1076"/>
       <pc:docMkLst>
         <pc:docMk/>
       </pc:docMkLst>
@@ -1916,7 +1917,7 @@
         </pc:picChg>
       </pc:sldChg>
       <pc:sldChg chg="addSp delSp modSp new mod modNotesTx">
-        <pc:chgData name="Philippe Baucour" userId="5102170ae7533958" providerId="LiveId" clId="{ABAE05BF-949A-4E93-BC19-2AEAAED3ED81}" dt="2024-09-03T10:36:57.247" v="2700" actId="1036"/>
+        <pc:chgData name="Philippe Baucour" userId="5102170ae7533958" providerId="LiveId" clId="{ABAE05BF-949A-4E93-BC19-2AEAAED3ED81}" dt="2024-09-13T14:56:12.048" v="3089" actId="1076"/>
         <pc:sldMkLst>
           <pc:docMk/>
           <pc:sldMk cId="671232843" sldId="267"/>
@@ -1929,8 +1930,8 @@
             <ac:spMk id="2" creationId="{5C06DFB4-6CEB-9A90-B9B4-CD5231B0FC34}"/>
           </ac:spMkLst>
         </pc:spChg>
-        <pc:spChg chg="add mod">
-          <ac:chgData name="Philippe Baucour" userId="5102170ae7533958" providerId="LiveId" clId="{ABAE05BF-949A-4E93-BC19-2AEAAED3ED81}" dt="2024-09-02T14:18:34.620" v="898" actId="1076"/>
+        <pc:spChg chg="add del mod">
+          <ac:chgData name="Philippe Baucour" userId="5102170ae7533958" providerId="LiveId" clId="{ABAE05BF-949A-4E93-BC19-2AEAAED3ED81}" dt="2024-09-13T14:55:17.747" v="3006" actId="21"/>
           <ac:spMkLst>
             <pc:docMk/>
             <pc:sldMk cId="671232843" sldId="267"/>
@@ -1938,7 +1939,7 @@
           </ac:spMkLst>
         </pc:spChg>
         <pc:picChg chg="add mod">
-          <ac:chgData name="Philippe Baucour" userId="5102170ae7533958" providerId="LiveId" clId="{ABAE05BF-949A-4E93-BC19-2AEAAED3ED81}" dt="2024-09-03T10:36:57.247" v="2700" actId="1036"/>
+          <ac:chgData name="Philippe Baucour" userId="5102170ae7533958" providerId="LiveId" clId="{ABAE05BF-949A-4E93-BC19-2AEAAED3ED81}" dt="2024-09-13T14:56:09.590" v="3088" actId="1036"/>
           <ac:picMkLst>
             <pc:docMk/>
             <pc:sldMk cId="671232843" sldId="267"/>
@@ -1954,7 +1955,7 @@
           </ac:picMkLst>
         </pc:picChg>
         <pc:picChg chg="add mod">
-          <ac:chgData name="Philippe Baucour" userId="5102170ae7533958" providerId="LiveId" clId="{ABAE05BF-949A-4E93-BC19-2AEAAED3ED81}" dt="2024-09-02T12:31:10.525" v="445" actId="14100"/>
+          <ac:chgData name="Philippe Baucour" userId="5102170ae7533958" providerId="LiveId" clId="{ABAE05BF-949A-4E93-BC19-2AEAAED3ED81}" dt="2024-09-13T14:56:01.962" v="3077" actId="1036"/>
           <ac:picMkLst>
             <pc:docMk/>
             <pc:sldMk cId="671232843" sldId="267"/>
@@ -1970,7 +1971,7 @@
           </ac:picMkLst>
         </pc:picChg>
         <pc:picChg chg="add mod">
-          <ac:chgData name="Philippe Baucour" userId="5102170ae7533958" providerId="LiveId" clId="{ABAE05BF-949A-4E93-BC19-2AEAAED3ED81}" dt="2024-09-02T12:32:29.879" v="465" actId="1038"/>
+          <ac:chgData name="Philippe Baucour" userId="5102170ae7533958" providerId="LiveId" clId="{ABAE05BF-949A-4E93-BC19-2AEAAED3ED81}" dt="2024-09-13T14:56:01.962" v="3077" actId="1036"/>
           <ac:picMkLst>
             <pc:docMk/>
             <pc:sldMk cId="671232843" sldId="267"/>
@@ -1978,7 +1979,7 @@
           </ac:picMkLst>
         </pc:picChg>
         <pc:picChg chg="add mod">
-          <ac:chgData name="Philippe Baucour" userId="5102170ae7533958" providerId="LiveId" clId="{ABAE05BF-949A-4E93-BC19-2AEAAED3ED81}" dt="2024-09-02T12:30:37.861" v="386" actId="14100"/>
+          <ac:chgData name="Philippe Baucour" userId="5102170ae7533958" providerId="LiveId" clId="{ABAE05BF-949A-4E93-BC19-2AEAAED3ED81}" dt="2024-09-13T14:56:01.962" v="3077" actId="1036"/>
           <ac:picMkLst>
             <pc:docMk/>
             <pc:sldMk cId="671232843" sldId="267"/>
@@ -1986,7 +1987,7 @@
           </ac:picMkLst>
         </pc:picChg>
         <pc:picChg chg="add mod">
-          <ac:chgData name="Philippe Baucour" userId="5102170ae7533958" providerId="LiveId" clId="{ABAE05BF-949A-4E93-BC19-2AEAAED3ED81}" dt="2024-09-02T12:32:29.879" v="465" actId="1038"/>
+          <ac:chgData name="Philippe Baucour" userId="5102170ae7533958" providerId="LiveId" clId="{ABAE05BF-949A-4E93-BC19-2AEAAED3ED81}" dt="2024-09-13T14:56:09.590" v="3088" actId="1036"/>
           <ac:picMkLst>
             <pc:docMk/>
             <pc:sldMk cId="671232843" sldId="267"/>
@@ -1994,15 +1995,15 @@
           </ac:picMkLst>
         </pc:picChg>
         <pc:picChg chg="add mod">
-          <ac:chgData name="Philippe Baucour" userId="5102170ae7533958" providerId="LiveId" clId="{ABAE05BF-949A-4E93-BC19-2AEAAED3ED81}" dt="2024-09-02T12:32:16.637" v="450" actId="1076"/>
+          <ac:chgData name="Philippe Baucour" userId="5102170ae7533958" providerId="LiveId" clId="{ABAE05BF-949A-4E93-BC19-2AEAAED3ED81}" dt="2024-09-13T14:56:09.590" v="3088" actId="1036"/>
           <ac:picMkLst>
             <pc:docMk/>
             <pc:sldMk cId="671232843" sldId="267"/>
             <ac:picMk id="16" creationId="{4BBD0288-8849-D410-540F-88973DB583A2}"/>
           </ac:picMkLst>
         </pc:picChg>
-        <pc:picChg chg="add mod">
-          <ac:chgData name="Philippe Baucour" userId="5102170ae7533958" providerId="LiveId" clId="{ABAE05BF-949A-4E93-BC19-2AEAAED3ED81}" dt="2024-09-02T12:37:56.841" v="593" actId="1038"/>
+        <pc:picChg chg="add del mod">
+          <ac:chgData name="Philippe Baucour" userId="5102170ae7533958" providerId="LiveId" clId="{ABAE05BF-949A-4E93-BC19-2AEAAED3ED81}" dt="2024-09-13T14:55:17.747" v="3006" actId="21"/>
           <ac:picMkLst>
             <pc:docMk/>
             <pc:sldMk cId="671232843" sldId="267"/>
@@ -2010,7 +2011,7 @@
           </ac:picMkLst>
         </pc:picChg>
         <pc:picChg chg="add mod">
-          <ac:chgData name="Philippe Baucour" userId="5102170ae7533958" providerId="LiveId" clId="{ABAE05BF-949A-4E93-BC19-2AEAAED3ED81}" dt="2024-09-02T14:18:17.318" v="897" actId="1076"/>
+          <ac:chgData name="Philippe Baucour" userId="5102170ae7533958" providerId="LiveId" clId="{ABAE05BF-949A-4E93-BC19-2AEAAED3ED81}" dt="2024-09-13T14:56:01.962" v="3077" actId="1036"/>
           <ac:picMkLst>
             <pc:docMk/>
             <pc:sldMk cId="671232843" sldId="267"/>
@@ -2018,7 +2019,7 @@
           </ac:picMkLst>
         </pc:picChg>
         <pc:picChg chg="add mod">
-          <ac:chgData name="Philippe Baucour" userId="5102170ae7533958" providerId="LiveId" clId="{ABAE05BF-949A-4E93-BC19-2AEAAED3ED81}" dt="2024-09-02T14:18:13.378" v="896" actId="1076"/>
+          <ac:chgData name="Philippe Baucour" userId="5102170ae7533958" providerId="LiveId" clId="{ABAE05BF-949A-4E93-BC19-2AEAAED3ED81}" dt="2024-09-13T14:56:01.962" v="3077" actId="1036"/>
           <ac:picMkLst>
             <pc:docMk/>
             <pc:sldMk cId="671232843" sldId="267"/>
@@ -2034,7 +2035,7 @@
           </ac:picMkLst>
         </pc:picChg>
         <pc:picChg chg="add mod">
-          <ac:chgData name="Philippe Baucour" userId="5102170ae7533958" providerId="LiveId" clId="{ABAE05BF-949A-4E93-BC19-2AEAAED3ED81}" dt="2024-09-02T14:18:41.261" v="899" actId="1076"/>
+          <ac:chgData name="Philippe Baucour" userId="5102170ae7533958" providerId="LiveId" clId="{ABAE05BF-949A-4E93-BC19-2AEAAED3ED81}" dt="2024-09-13T14:56:12.048" v="3089" actId="1076"/>
           <ac:picMkLst>
             <pc:docMk/>
             <pc:sldMk cId="671232843" sldId="267"/>
@@ -2042,7 +2043,7 @@
           </ac:picMkLst>
         </pc:picChg>
         <pc:picChg chg="add mod">
-          <ac:chgData name="Philippe Baucour" userId="5102170ae7533958" providerId="LiveId" clId="{ABAE05BF-949A-4E93-BC19-2AEAAED3ED81}" dt="2024-09-02T14:18:08.790" v="895" actId="1076"/>
+          <ac:chgData name="Philippe Baucour" userId="5102170ae7533958" providerId="LiveId" clId="{ABAE05BF-949A-4E93-BC19-2AEAAED3ED81}" dt="2024-09-13T14:56:01.962" v="3077" actId="1036"/>
           <ac:picMkLst>
             <pc:docMk/>
             <pc:sldMk cId="671232843" sldId="267"/>
@@ -2197,6 +2198,53 @@
             <pc:docMk/>
             <pc:sldMk cId="2840346932" sldId="269"/>
             <ac:picMk id="19" creationId="{53B19E68-B5FA-6930-E7D3-25EC7616B0D7}"/>
+          </ac:picMkLst>
+        </pc:picChg>
+      </pc:sldChg>
+      <pc:sldChg chg="addSp modSp new mod">
+        <pc:chgData name="Philippe Baucour" userId="5102170ae7533958" providerId="LiveId" clId="{ABAE05BF-949A-4E93-BC19-2AEAAED3ED81}" dt="2024-09-13T14:55:49.683" v="3057" actId="1037"/>
+        <pc:sldMkLst>
+          <pc:docMk/>
+          <pc:sldMk cId="3058765758" sldId="270"/>
+        </pc:sldMkLst>
+        <pc:spChg chg="mod">
+          <ac:chgData name="Philippe Baucour" userId="5102170ae7533958" providerId="LiveId" clId="{ABAE05BF-949A-4E93-BC19-2AEAAED3ED81}" dt="2024-09-13T14:54:59.879" v="3005" actId="20577"/>
+          <ac:spMkLst>
+            <pc:docMk/>
+            <pc:sldMk cId="3058765758" sldId="270"/>
+            <ac:spMk id="2" creationId="{838961C0-2432-63B6-698C-B8CB48BC51A7}"/>
+          </ac:spMkLst>
+        </pc:spChg>
+        <pc:spChg chg="add mod">
+          <ac:chgData name="Philippe Baucour" userId="5102170ae7533958" providerId="LiveId" clId="{ABAE05BF-949A-4E93-BC19-2AEAAED3ED81}" dt="2024-09-13T14:55:49.683" v="3057" actId="1037"/>
+          <ac:spMkLst>
+            <pc:docMk/>
+            <pc:sldMk cId="3058765758" sldId="270"/>
+            <ac:spMk id="17" creationId="{3053E7A8-B72C-E8FD-CA87-54B853B912FF}"/>
+          </ac:spMkLst>
+        </pc:spChg>
+        <pc:picChg chg="add mod">
+          <ac:chgData name="Philippe Baucour" userId="5102170ae7533958" providerId="LiveId" clId="{ABAE05BF-949A-4E93-BC19-2AEAAED3ED81}" dt="2024-09-13T14:55:44.950" v="3052" actId="1038"/>
+          <ac:picMkLst>
+            <pc:docMk/>
+            <pc:sldMk cId="3058765758" sldId="270"/>
+            <ac:picMk id="4" creationId="{39288974-209F-32A6-3D30-6870C498E5D7}"/>
+          </ac:picMkLst>
+        </pc:picChg>
+        <pc:picChg chg="add mod">
+          <ac:chgData name="Philippe Baucour" userId="5102170ae7533958" providerId="LiveId" clId="{ABAE05BF-949A-4E93-BC19-2AEAAED3ED81}" dt="2024-09-13T14:55:44.950" v="3052" actId="1038"/>
+          <ac:picMkLst>
+            <pc:docMk/>
+            <pc:sldMk cId="3058765758" sldId="270"/>
+            <ac:picMk id="6" creationId="{16CA6C83-D939-8456-F725-6E9598F87D90}"/>
+          </ac:picMkLst>
+        </pc:picChg>
+        <pc:picChg chg="add mod">
+          <ac:chgData name="Philippe Baucour" userId="5102170ae7533958" providerId="LiveId" clId="{ABAE05BF-949A-4E93-BC19-2AEAAED3ED81}" dt="2024-09-13T14:55:49.683" v="3057" actId="1037"/>
+          <ac:picMkLst>
+            <pc:docMk/>
+            <pc:sldMk cId="3058765758" sldId="270"/>
+            <ac:picMk id="19" creationId="{10D1E19D-8BF6-E276-0361-5D7954E56B3A}"/>
           </ac:picMkLst>
         </pc:picChg>
       </pc:sldChg>
@@ -2287,7 +2335,7 @@
           <a:p>
             <a:fld id="{FD1752CD-A7D2-4825-BC26-9DAEFBD0A5FF}" type="datetimeFigureOut">
               <a:rPr lang="fr-FR" smtClean="0"/>
-              <a:t>05/09/2024</a:t>
+              <a:t>13/09/2024</a:t>
             </a:fld>
             <a:endParaRPr lang="fr-FR"/>
           </a:p>
@@ -3404,7 +3452,7 @@
           <a:p>
             <a:fld id="{341AEC00-4977-4C47-A11B-52155DC12F54}" type="slidenum">
               <a:rPr lang="fr-FR" smtClean="0"/>
-              <a:t>7</a:t>
+              <a:t>8</a:t>
             </a:fld>
             <a:endParaRPr lang="fr-FR"/>
           </a:p>
@@ -3522,7 +3570,7 @@
           <a:p>
             <a:fld id="{341AEC00-4977-4C47-A11B-52155DC12F54}" type="slidenum">
               <a:rPr lang="fr-FR" smtClean="0"/>
-              <a:t>8</a:t>
+              <a:t>9</a:t>
             </a:fld>
             <a:endParaRPr lang="fr-FR"/>
           </a:p>
@@ -3640,7 +3688,7 @@
           <a:p>
             <a:fld id="{341AEC00-4977-4C47-A11B-52155DC12F54}" type="slidenum">
               <a:rPr lang="fr-FR" smtClean="0"/>
-              <a:t>9</a:t>
+              <a:t>10</a:t>
             </a:fld>
             <a:endParaRPr lang="fr-FR"/>
           </a:p>
@@ -3806,7 +3854,7 @@
           <a:p>
             <a:fld id="{7ECB9D5A-E5E4-41FE-AF39-634902D6D5D2}" type="datetimeFigureOut">
               <a:rPr lang="fr-FR" smtClean="0"/>
-              <a:t>05/09/2024</a:t>
+              <a:t>13/09/2024</a:t>
             </a:fld>
             <a:endParaRPr lang="fr-FR"/>
           </a:p>
@@ -4004,7 +4052,7 @@
           <a:p>
             <a:fld id="{7ECB9D5A-E5E4-41FE-AF39-634902D6D5D2}" type="datetimeFigureOut">
               <a:rPr lang="fr-FR" smtClean="0"/>
-              <a:t>05/09/2024</a:t>
+              <a:t>13/09/2024</a:t>
             </a:fld>
             <a:endParaRPr lang="fr-FR"/>
           </a:p>
@@ -4212,7 +4260,7 @@
           <a:p>
             <a:fld id="{7ECB9D5A-E5E4-41FE-AF39-634902D6D5D2}" type="datetimeFigureOut">
               <a:rPr lang="fr-FR" smtClean="0"/>
-              <a:t>05/09/2024</a:t>
+              <a:t>13/09/2024</a:t>
             </a:fld>
             <a:endParaRPr lang="fr-FR"/>
           </a:p>
@@ -4410,7 +4458,7 @@
           <a:p>
             <a:fld id="{7ECB9D5A-E5E4-41FE-AF39-634902D6D5D2}" type="datetimeFigureOut">
               <a:rPr lang="fr-FR" smtClean="0"/>
-              <a:t>05/09/2024</a:t>
+              <a:t>13/09/2024</a:t>
             </a:fld>
             <a:endParaRPr lang="fr-FR"/>
           </a:p>
@@ -4685,7 +4733,7 @@
           <a:p>
             <a:fld id="{7ECB9D5A-E5E4-41FE-AF39-634902D6D5D2}" type="datetimeFigureOut">
               <a:rPr lang="fr-FR" smtClean="0"/>
-              <a:t>05/09/2024</a:t>
+              <a:t>13/09/2024</a:t>
             </a:fld>
             <a:endParaRPr lang="fr-FR"/>
           </a:p>
@@ -4950,7 +4998,7 @@
           <a:p>
             <a:fld id="{7ECB9D5A-E5E4-41FE-AF39-634902D6D5D2}" type="datetimeFigureOut">
               <a:rPr lang="fr-FR" smtClean="0"/>
-              <a:t>05/09/2024</a:t>
+              <a:t>13/09/2024</a:t>
             </a:fld>
             <a:endParaRPr lang="fr-FR"/>
           </a:p>
@@ -5362,7 +5410,7 @@
           <a:p>
             <a:fld id="{7ECB9D5A-E5E4-41FE-AF39-634902D6D5D2}" type="datetimeFigureOut">
               <a:rPr lang="fr-FR" smtClean="0"/>
-              <a:t>05/09/2024</a:t>
+              <a:t>13/09/2024</a:t>
             </a:fld>
             <a:endParaRPr lang="fr-FR"/>
           </a:p>
@@ -5503,7 +5551,7 @@
           <a:p>
             <a:fld id="{7ECB9D5A-E5E4-41FE-AF39-634902D6D5D2}" type="datetimeFigureOut">
               <a:rPr lang="fr-FR" smtClean="0"/>
-              <a:t>05/09/2024</a:t>
+              <a:t>13/09/2024</a:t>
             </a:fld>
             <a:endParaRPr lang="fr-FR"/>
           </a:p>
@@ -5616,7 +5664,7 @@
           <a:p>
             <a:fld id="{7ECB9D5A-E5E4-41FE-AF39-634902D6D5D2}" type="datetimeFigureOut">
               <a:rPr lang="fr-FR" smtClean="0"/>
-              <a:t>05/09/2024</a:t>
+              <a:t>13/09/2024</a:t>
             </a:fld>
             <a:endParaRPr lang="fr-FR"/>
           </a:p>
@@ -5927,7 +5975,7 @@
           <a:p>
             <a:fld id="{7ECB9D5A-E5E4-41FE-AF39-634902D6D5D2}" type="datetimeFigureOut">
               <a:rPr lang="fr-FR" smtClean="0"/>
-              <a:t>05/09/2024</a:t>
+              <a:t>13/09/2024</a:t>
             </a:fld>
             <a:endParaRPr lang="fr-FR"/>
           </a:p>
@@ -6218,7 +6266,7 @@
           <a:p>
             <a:fld id="{7ECB9D5A-E5E4-41FE-AF39-634902D6D5D2}" type="datetimeFigureOut">
               <a:rPr lang="fr-FR" smtClean="0"/>
-              <a:t>05/09/2024</a:t>
+              <a:t>13/09/2024</a:t>
             </a:fld>
             <a:endParaRPr lang="fr-FR"/>
           </a:p>
@@ -6459,7 +6507,7 @@
           <a:p>
             <a:fld id="{7ECB9D5A-E5E4-41FE-AF39-634902D6D5D2}" type="datetimeFigureOut">
               <a:rPr lang="fr-FR" smtClean="0"/>
-              <a:t>05/09/2024</a:t>
+              <a:t>13/09/2024</a:t>
             </a:fld>
             <a:endParaRPr lang="fr-FR"/>
           </a:p>
@@ -7197,6 +7245,345 @@
 </file>
 
 <file path=ppt/slides/slide10.xml><?xml version="1.0" encoding="utf-8"?>
+<p:sld xmlns:a="http://schemas.openxmlformats.org/drawingml/2006/main" xmlns:r="http://schemas.openxmlformats.org/officeDocument/2006/relationships" xmlns:p="http://schemas.openxmlformats.org/presentationml/2006/main">
+  <p:cSld>
+    <p:spTree>
+      <p:nvGrpSpPr>
+        <p:cNvPr id="1" name=""/>
+        <p:cNvGrpSpPr/>
+        <p:nvPr/>
+      </p:nvGrpSpPr>
+      <p:grpSpPr>
+        <a:xfrm>
+          <a:off x="0" y="0"/>
+          <a:ext cx="0" cy="0"/>
+          <a:chOff x="0" y="0"/>
+          <a:chExt cx="0" cy="0"/>
+        </a:xfrm>
+      </p:grpSpPr>
+      <p:sp>
+        <p:nvSpPr>
+          <p:cNvPr id="2" name="Titre 1">
+            <a:extLst>
+              <a:ext uri="{FF2B5EF4-FFF2-40B4-BE49-F238E27FC236}">
+                <a16:creationId xmlns:a16="http://schemas.microsoft.com/office/drawing/2014/main" id="{F13D07B4-C7D9-46E1-38A0-A6EEF16B48EB}"/>
+              </a:ext>
+            </a:extLst>
+          </p:cNvPr>
+          <p:cNvSpPr>
+            <a:spLocks noGrp="1"/>
+          </p:cNvSpPr>
+          <p:nvPr>
+            <p:ph type="title"/>
+          </p:nvPr>
+        </p:nvSpPr>
+        <p:spPr/>
+        <p:txBody>
+          <a:bodyPr/>
+          <a:lstStyle/>
+          <a:p>
+            <a:r>
+              <a:rPr lang="fr-FR" dirty="0" err="1"/>
+              <a:t>Take</a:t>
+            </a:r>
+            <a:r>
+              <a:rPr lang="fr-FR" dirty="0"/>
+              <a:t> </a:t>
+            </a:r>
+            <a:r>
+              <a:rPr lang="fr-FR" dirty="0" err="1"/>
+              <a:t>away</a:t>
+            </a:r>
+            <a:endParaRPr lang="fr-FR" dirty="0"/>
+          </a:p>
+        </p:txBody>
+      </p:sp>
+      <p:sp>
+        <p:nvSpPr>
+          <p:cNvPr id="3" name="Espace réservé du contenu 2">
+            <a:extLst>
+              <a:ext uri="{FF2B5EF4-FFF2-40B4-BE49-F238E27FC236}">
+                <a16:creationId xmlns:a16="http://schemas.microsoft.com/office/drawing/2014/main" id="{1A803C62-BD0B-D0AC-2B41-C4F420891B06}"/>
+              </a:ext>
+            </a:extLst>
+          </p:cNvPr>
+          <p:cNvSpPr>
+            <a:spLocks noGrp="1"/>
+          </p:cNvSpPr>
+          <p:nvPr>
+            <p:ph idx="1"/>
+          </p:nvPr>
+        </p:nvSpPr>
+        <p:spPr/>
+        <p:txBody>
+          <a:bodyPr>
+            <a:normAutofit lnSpcReduction="10000"/>
+          </a:bodyPr>
+          <a:lstStyle/>
+          <a:p>
+            <a:r>
+              <a:rPr lang="fr-FR" dirty="0"/>
+              <a:t>So far, </a:t>
+            </a:r>
+            <a:r>
+              <a:rPr lang="fr-FR" dirty="0" err="1"/>
+              <a:t>working</a:t>
+            </a:r>
+            <a:r>
+              <a:rPr lang="fr-FR" dirty="0"/>
+              <a:t> on the </a:t>
+            </a:r>
+            <a:r>
+              <a:rPr lang="fr-FR" dirty="0" err="1"/>
+              <a:t>projects</a:t>
+            </a:r>
+            <a:r>
+              <a:rPr lang="fr-FR" dirty="0"/>
+              <a:t> I </a:t>
+            </a:r>
+            <a:r>
+              <a:rPr lang="fr-FR" dirty="0" err="1"/>
+              <a:t>keep</a:t>
+            </a:r>
+            <a:r>
+              <a:rPr lang="fr-FR" dirty="0"/>
+              <a:t> in </a:t>
+            </a:r>
+            <a:r>
+              <a:rPr lang="fr-FR" dirty="0" err="1"/>
+              <a:t>mind</a:t>
+            </a:r>
+            <a:r>
+              <a:rPr lang="fr-FR" dirty="0"/>
+              <a:t> :</a:t>
+            </a:r>
+          </a:p>
+          <a:p>
+            <a:pPr lvl="1">
+              <a:tabLst>
+                <a:tab pos="4572000" algn="l"/>
+              </a:tabLst>
+            </a:pPr>
+            <a:r>
+              <a:rPr lang="en-US" dirty="0"/>
+              <a:t>EDA	: The recipe</a:t>
+            </a:r>
+          </a:p>
+          <a:p>
+            <a:pPr lvl="1">
+              <a:tabLst>
+                <a:tab pos="4572000" algn="l"/>
+              </a:tabLst>
+            </a:pPr>
+            <a:r>
+              <a:rPr lang="en-US" dirty="0"/>
+              <a:t>Features Engineering	: The secret sauce</a:t>
+            </a:r>
+          </a:p>
+          <a:p>
+            <a:pPr lvl="1">
+              <a:tabLst>
+                <a:tab pos="4572000" algn="l"/>
+              </a:tabLst>
+            </a:pPr>
+            <a:r>
+              <a:rPr lang="en-US" dirty="0"/>
+              <a:t>Baseline model	: The first taste</a:t>
+            </a:r>
+          </a:p>
+          <a:p>
+            <a:pPr lvl="1">
+              <a:tabLst>
+                <a:tab pos="4572000" algn="l"/>
+              </a:tabLst>
+            </a:pPr>
+            <a:r>
+              <a:rPr lang="en-US" dirty="0"/>
+              <a:t>Interpreting results	: The tasting notes</a:t>
+            </a:r>
+            <a:endParaRPr lang="fr-FR" dirty="0"/>
+          </a:p>
+          <a:p>
+            <a:pPr marL="914400" lvl="1" indent="-457200">
+              <a:buFont typeface="+mj-lt"/>
+              <a:buAutoNum type="arabicPeriod"/>
+            </a:pPr>
+            <a:endParaRPr lang="fr-FR" dirty="0"/>
+          </a:p>
+          <a:p>
+            <a:r>
+              <a:rPr lang="fr-FR" dirty="0"/>
+              <a:t>It </a:t>
+            </a:r>
+            <a:r>
+              <a:rPr lang="fr-FR" dirty="0" err="1"/>
+              <a:t>is</a:t>
+            </a:r>
+            <a:r>
+              <a:rPr lang="fr-FR" dirty="0"/>
+              <a:t> true </a:t>
+            </a:r>
+            <a:r>
+              <a:rPr lang="fr-FR" dirty="0" err="1"/>
+              <a:t>here</a:t>
+            </a:r>
+            <a:r>
+              <a:rPr lang="fr-FR" dirty="0"/>
+              <a:t> </a:t>
+            </a:r>
+            <a:r>
+              <a:rPr lang="fr-FR" dirty="0" err="1"/>
+              <a:t>too</a:t>
+            </a:r>
+            <a:endParaRPr lang="fr-FR" dirty="0"/>
+          </a:p>
+          <a:p>
+            <a:endParaRPr lang="fr-FR" dirty="0"/>
+          </a:p>
+          <a:p>
+            <a:r>
+              <a:rPr lang="fr-FR" dirty="0" err="1"/>
+              <a:t>Impressed</a:t>
+            </a:r>
+            <a:r>
+              <a:rPr lang="fr-FR" dirty="0"/>
+              <a:t> by the </a:t>
+            </a:r>
+            <a:r>
+              <a:rPr lang="fr-FR" dirty="0" err="1"/>
+              <a:t>results</a:t>
+            </a:r>
+            <a:r>
+              <a:rPr lang="fr-FR" dirty="0"/>
+              <a:t> of the </a:t>
+            </a:r>
+            <a:r>
+              <a:rPr lang="fr-FR" dirty="0" err="1"/>
+              <a:t>baseline</a:t>
+            </a:r>
+            <a:r>
+              <a:rPr lang="fr-FR" dirty="0"/>
+              <a:t> model</a:t>
+            </a:r>
+          </a:p>
+          <a:p>
+            <a:r>
+              <a:rPr lang="fr-FR" dirty="0"/>
+              <a:t>BERT (</a:t>
+            </a:r>
+            <a:r>
+              <a:rPr lang="fr-FR" dirty="0" err="1"/>
+              <a:t>unfreezed</a:t>
+            </a:r>
+            <a:r>
+              <a:rPr lang="fr-FR" dirty="0"/>
+              <a:t>) help to </a:t>
+            </a:r>
+            <a:r>
+              <a:rPr lang="fr-FR" dirty="0" err="1"/>
+              <a:t>keep</a:t>
+            </a:r>
+            <a:r>
+              <a:rPr lang="fr-FR" dirty="0"/>
+              <a:t> the </a:t>
+            </a:r>
+            <a:r>
+              <a:rPr lang="fr-FR" dirty="0" err="1"/>
+              <a:t>Precision</a:t>
+            </a:r>
+            <a:r>
+              <a:rPr lang="fr-FR" dirty="0"/>
+              <a:t> </a:t>
+            </a:r>
+            <a:r>
+              <a:rPr lang="fr-FR" dirty="0" err="1"/>
+              <a:t>while</a:t>
+            </a:r>
+            <a:r>
+              <a:rPr lang="fr-FR" dirty="0"/>
+              <a:t> </a:t>
+            </a:r>
+            <a:r>
+              <a:rPr lang="fr-FR" dirty="0" err="1"/>
+              <a:t>improving</a:t>
+            </a:r>
+            <a:r>
+              <a:rPr lang="fr-FR" dirty="0"/>
+              <a:t> the Accuracy but at the </a:t>
+            </a:r>
+            <a:r>
+              <a:rPr lang="fr-FR" dirty="0" err="1"/>
+              <a:t>cost</a:t>
+            </a:r>
+            <a:r>
+              <a:rPr lang="fr-FR" dirty="0"/>
+              <a:t> of training time</a:t>
+            </a:r>
+          </a:p>
+          <a:p>
+            <a:endParaRPr lang="fr-FR" dirty="0"/>
+          </a:p>
+          <a:p>
+            <a:pPr marL="457200" lvl="1" indent="0">
+              <a:buNone/>
+            </a:pPr>
+            <a:endParaRPr lang="fr-FR" dirty="0"/>
+          </a:p>
+          <a:p>
+            <a:endParaRPr lang="fr-FR" dirty="0"/>
+          </a:p>
+        </p:txBody>
+      </p:sp>
+      <p:pic>
+        <p:nvPicPr>
+          <p:cNvPr id="5" name="Image 4">
+            <a:extLst>
+              <a:ext uri="{FF2B5EF4-FFF2-40B4-BE49-F238E27FC236}">
+                <a16:creationId xmlns:a16="http://schemas.microsoft.com/office/drawing/2014/main" id="{6A3C50B5-69FB-F9D8-70F1-0579A3213984}"/>
+              </a:ext>
+            </a:extLst>
+          </p:cNvPr>
+          <p:cNvPicPr>
+            <a:picLocks noChangeAspect="1"/>
+          </p:cNvPicPr>
+          <p:nvPr/>
+        </p:nvPicPr>
+        <p:blipFill>
+          <a:blip r:embed="rId3"/>
+          <a:srcRect l="25506" t="5814" r="18520"/>
+          <a:stretch/>
+        </p:blipFill>
+        <p:spPr>
+          <a:xfrm>
+            <a:off x="8984610" y="1700089"/>
+            <a:ext cx="1149290" cy="1287306"/>
+          </a:xfrm>
+          <a:prstGeom prst="rect">
+            <a:avLst/>
+          </a:prstGeom>
+          <a:effectLst>
+            <a:outerShdw blurRad="50800" dist="38100" dir="2700000" algn="tl" rotWithShape="0">
+              <a:prstClr val="black">
+                <a:alpha val="40000"/>
+              </a:prstClr>
+            </a:outerShdw>
+          </a:effectLst>
+        </p:spPr>
+      </p:pic>
+    </p:spTree>
+    <p:extLst>
+      <p:ext uri="{BB962C8B-B14F-4D97-AF65-F5344CB8AC3E}">
+        <p14:creationId xmlns:p14="http://schemas.microsoft.com/office/powerpoint/2010/main" val="3201622378"/>
+      </p:ext>
+    </p:extLst>
+  </p:cSld>
+  <p:clrMapOvr>
+    <a:masterClrMapping/>
+  </p:clrMapOvr>
+</p:sld>
+</file>
+
+<file path=ppt/slides/slide11.xml><?xml version="1.0" encoding="utf-8"?>
 <p:sld xmlns:a="http://schemas.openxmlformats.org/drawingml/2006/main" xmlns:r="http://schemas.openxmlformats.org/officeDocument/2006/relationships" xmlns:p="http://schemas.openxmlformats.org/presentationml/2006/main" show="0">
   <p:cSld>
     <p:spTree>
@@ -8045,7 +8432,7 @@
         </p:blipFill>
         <p:spPr>
           <a:xfrm>
-            <a:off x="213359" y="920035"/>
+            <a:off x="213359" y="1515654"/>
             <a:ext cx="2564880" cy="3035500"/>
           </a:xfrm>
           <a:prstGeom prst="rect">
@@ -8082,7 +8469,7 @@
         </p:blipFill>
         <p:spPr>
           <a:xfrm>
-            <a:off x="3591522" y="920035"/>
+            <a:off x="3591522" y="1515654"/>
             <a:ext cx="4068862" cy="3035500"/>
           </a:xfrm>
           <a:prstGeom prst="rect">
@@ -8119,7 +8506,7 @@
         </p:blipFill>
         <p:spPr>
           <a:xfrm>
-            <a:off x="7909779" y="920035"/>
+            <a:off x="7909779" y="1515654"/>
             <a:ext cx="4068862" cy="3035500"/>
           </a:xfrm>
           <a:prstGeom prst="rect">
@@ -8156,7 +8543,7 @@
         </p:blipFill>
         <p:spPr>
           <a:xfrm>
-            <a:off x="3591520" y="4077423"/>
+            <a:off x="3591520" y="4865989"/>
             <a:ext cx="4068863" cy="998855"/>
           </a:xfrm>
           <a:prstGeom prst="rect">
@@ -8193,7 +8580,7 @@
         </p:blipFill>
         <p:spPr>
           <a:xfrm>
-            <a:off x="7909779" y="4077423"/>
+            <a:off x="7909779" y="4865989"/>
             <a:ext cx="4068862" cy="742232"/>
           </a:xfrm>
           <a:prstGeom prst="rect">
@@ -8201,86 +8588,12 @@
           </a:prstGeom>
         </p:spPr>
       </p:pic>
-      <p:sp>
-        <p:nvSpPr>
-          <p:cNvPr id="17" name="ZoneTexte 16">
-            <a:extLst>
-              <a:ext uri="{FF2B5EF4-FFF2-40B4-BE49-F238E27FC236}">
-                <a16:creationId xmlns:a16="http://schemas.microsoft.com/office/drawing/2014/main" id="{3053E7A8-B72C-E8FD-CA87-54B853B912FF}"/>
-              </a:ext>
-            </a:extLst>
-          </p:cNvPr>
-          <p:cNvSpPr txBox="1"/>
-          <p:nvPr/>
-        </p:nvSpPr>
-        <p:spPr>
-          <a:xfrm>
-            <a:off x="2581475" y="5280331"/>
-            <a:ext cx="2390398" cy="923330"/>
-          </a:xfrm>
-          <a:prstGeom prst="rect">
-            <a:avLst/>
-          </a:prstGeom>
-          <a:solidFill>
-            <a:schemeClr val="bg1">
-              <a:lumMod val="95000"/>
-            </a:schemeClr>
-          </a:solidFill>
-          <a:effectLst>
-            <a:outerShdw blurRad="50800" dist="38100" dir="2700000" algn="tl" rotWithShape="0">
-              <a:prstClr val="black">
-                <a:alpha val="40000"/>
-              </a:prstClr>
-            </a:outerShdw>
-          </a:effectLst>
-        </p:spPr>
-        <p:txBody>
-          <a:bodyPr wrap="none" rtlCol="0">
-            <a:spAutoFit/>
-          </a:bodyPr>
-          <a:lstStyle/>
-          <a:p>
-            <a:r>
-              <a:rPr lang="fr-FR" dirty="0" err="1">
-                <a:latin typeface="Courier New" panose="02070309020205020404" pitchFamily="49" charset="0"/>
-                <a:cs typeface="Courier New" panose="02070309020205020404" pitchFamily="49" charset="0"/>
-              </a:rPr>
-              <a:t>Precision</a:t>
-            </a:r>
-            <a:r>
-              <a:rPr lang="fr-FR" dirty="0">
-                <a:latin typeface="Courier New" panose="02070309020205020404" pitchFamily="49" charset="0"/>
-                <a:cs typeface="Courier New" panose="02070309020205020404" pitchFamily="49" charset="0"/>
-              </a:rPr>
-              <a:t> : 0.98</a:t>
-            </a:r>
-          </a:p>
-          <a:p>
-            <a:r>
-              <a:rPr lang="fr-FR" dirty="0">
-                <a:latin typeface="Courier New" panose="02070309020205020404" pitchFamily="49" charset="0"/>
-                <a:cs typeface="Courier New" panose="02070309020205020404" pitchFamily="49" charset="0"/>
-              </a:rPr>
-              <a:t>Recall    : 0.89</a:t>
-            </a:r>
-          </a:p>
-          <a:p>
-            <a:r>
-              <a:rPr lang="fr-FR" dirty="0">
-                <a:latin typeface="Courier New" panose="02070309020205020404" pitchFamily="49" charset="0"/>
-                <a:cs typeface="Courier New" panose="02070309020205020404" pitchFamily="49" charset="0"/>
-              </a:rPr>
-              <a:t>F1        : 0.93</a:t>
-            </a:r>
-          </a:p>
-        </p:txBody>
-      </p:sp>
       <p:pic>
         <p:nvPicPr>
-          <p:cNvPr id="19" name="Image 18">
-            <a:extLst>
-              <a:ext uri="{FF2B5EF4-FFF2-40B4-BE49-F238E27FC236}">
-                <a16:creationId xmlns:a16="http://schemas.microsoft.com/office/drawing/2014/main" id="{10D1E19D-8BF6-E276-0361-5D7954E56B3A}"/>
+          <p:cNvPr id="20" name="Graphique 19" descr="Badge 3 avec un remplissage uni">
+            <a:extLst>
+              <a:ext uri="{FF2B5EF4-FFF2-40B4-BE49-F238E27FC236}">
+                <a16:creationId xmlns:a16="http://schemas.microsoft.com/office/drawing/2014/main" id="{8D66137E-54DB-EAD7-AEA2-D5B91141B969}"/>
               </a:ext>
             </a:extLst>
           </p:cNvPr>
@@ -8290,47 +8603,10 @@
           <p:nvPr/>
         </p:nvPicPr>
         <p:blipFill>
-          <a:blip r:embed="rId8"/>
-          <a:stretch>
-            <a:fillRect/>
-          </a:stretch>
-        </p:blipFill>
-        <p:spPr>
-          <a:xfrm>
-            <a:off x="5192077" y="5260832"/>
-            <a:ext cx="5259364" cy="1460643"/>
-          </a:xfrm>
-          <a:prstGeom prst="rect">
-            <a:avLst/>
-          </a:prstGeom>
-          <a:effectLst>
-            <a:outerShdw blurRad="50800" dist="38100" dir="2700000" algn="tl" rotWithShape="0">
-              <a:prstClr val="black">
-                <a:alpha val="40000"/>
-              </a:prstClr>
-            </a:outerShdw>
-          </a:effectLst>
-        </p:spPr>
-      </p:pic>
-      <p:pic>
-        <p:nvPicPr>
-          <p:cNvPr id="20" name="Graphique 19" descr="Badge 3 avec un remplissage uni">
-            <a:extLst>
-              <a:ext uri="{FF2B5EF4-FFF2-40B4-BE49-F238E27FC236}">
-                <a16:creationId xmlns:a16="http://schemas.microsoft.com/office/drawing/2014/main" id="{8D66137E-54DB-EAD7-AEA2-D5B91141B969}"/>
-              </a:ext>
-            </a:extLst>
-          </p:cNvPr>
-          <p:cNvPicPr>
-            <a:picLocks noChangeAspect="1"/>
-          </p:cNvPicPr>
-          <p:nvPr/>
-        </p:nvPicPr>
-        <p:blipFill>
-          <a:blip r:embed="rId9">
+          <a:blip r:embed="rId8">
             <a:extLst>
               <a:ext uri="{96DAC541-7B7A-43D3-8B79-37D633B846F1}">
-                <asvg:svgBlip xmlns:asvg="http://schemas.microsoft.com/office/drawing/2016/SVG/main" r:embed="rId10"/>
+                <asvg:svgBlip xmlns:asvg="http://schemas.microsoft.com/office/drawing/2016/SVG/main" r:embed="rId9"/>
               </a:ext>
             </a:extLst>
           </a:blip>
@@ -8340,7 +8616,7 @@
         </p:blipFill>
         <p:spPr>
           <a:xfrm>
-            <a:off x="10451441" y="1523385"/>
+            <a:off x="10451441" y="2119004"/>
             <a:ext cx="914400" cy="914400"/>
           </a:xfrm>
           <a:prstGeom prst="rect">
@@ -8363,10 +8639,10 @@
           <p:nvPr/>
         </p:nvPicPr>
         <p:blipFill>
-          <a:blip r:embed="rId11">
+          <a:blip r:embed="rId10">
             <a:extLst>
               <a:ext uri="{96DAC541-7B7A-43D3-8B79-37D633B846F1}">
-                <asvg:svgBlip xmlns:asvg="http://schemas.microsoft.com/office/drawing/2016/SVG/main" r:embed="rId12"/>
+                <asvg:svgBlip xmlns:asvg="http://schemas.microsoft.com/office/drawing/2016/SVG/main" r:embed="rId11"/>
               </a:ext>
             </a:extLst>
           </a:blip>
@@ -8376,7 +8652,7 @@
         </p:blipFill>
         <p:spPr>
           <a:xfrm>
-            <a:off x="5194037" y="1319934"/>
+            <a:off x="5194037" y="1915553"/>
             <a:ext cx="914400" cy="914400"/>
           </a:xfrm>
           <a:prstGeom prst="rect">
@@ -8399,10 +8675,10 @@
           <p:nvPr/>
         </p:nvPicPr>
         <p:blipFill>
-          <a:blip r:embed="rId13">
+          <a:blip r:embed="rId12">
             <a:extLst>
               <a:ext uri="{96DAC541-7B7A-43D3-8B79-37D633B846F1}">
-                <asvg:svgBlip xmlns:asvg="http://schemas.microsoft.com/office/drawing/2016/SVG/main" r:embed="rId14"/>
+                <asvg:svgBlip xmlns:asvg="http://schemas.microsoft.com/office/drawing/2016/SVG/main" r:embed="rId13"/>
               </a:ext>
             </a:extLst>
           </a:blip>
@@ -8435,10 +8711,10 @@
           <p:nvPr/>
         </p:nvPicPr>
         <p:blipFill>
-          <a:blip r:embed="rId15">
+          <a:blip r:embed="rId14">
             <a:extLst>
               <a:ext uri="{96DAC541-7B7A-43D3-8B79-37D633B846F1}">
-                <asvg:svgBlip xmlns:asvg="http://schemas.microsoft.com/office/drawing/2016/SVG/main" r:embed="rId16"/>
+                <asvg:svgBlip xmlns:asvg="http://schemas.microsoft.com/office/drawing/2016/SVG/main" r:embed="rId15"/>
               </a:ext>
             </a:extLst>
           </a:blip>
@@ -8448,7 +8724,7 @@
         </p:blipFill>
         <p:spPr>
           <a:xfrm>
-            <a:off x="3134320" y="5991153"/>
+            <a:off x="-1941019" y="4322705"/>
             <a:ext cx="914400" cy="914400"/>
           </a:xfrm>
           <a:prstGeom prst="rect">
@@ -8471,10 +8747,10 @@
           <p:nvPr/>
         </p:nvPicPr>
         <p:blipFill>
-          <a:blip r:embed="rId17">
+          <a:blip r:embed="rId16">
             <a:extLst>
               <a:ext uri="{96DAC541-7B7A-43D3-8B79-37D633B846F1}">
-                <asvg:svgBlip xmlns:asvg="http://schemas.microsoft.com/office/drawing/2016/SVG/main" r:embed="rId18"/>
+                <asvg:svgBlip xmlns:asvg="http://schemas.microsoft.com/office/drawing/2016/SVG/main" r:embed="rId17"/>
               </a:ext>
             </a:extLst>
           </a:blip>
@@ -8484,7 +8760,7 @@
         </p:blipFill>
         <p:spPr>
           <a:xfrm>
-            <a:off x="2427727" y="2644879"/>
+            <a:off x="2427727" y="3240498"/>
             <a:ext cx="914400" cy="914400"/>
           </a:xfrm>
           <a:prstGeom prst="rect">
@@ -8507,14 +8783,14 @@
           <p:nvPr/>
         </p:nvPicPr>
         <p:blipFill>
-          <a:blip r:embed="rId19"/>
+          <a:blip r:embed="rId18"/>
           <a:stretch>
             <a:fillRect/>
           </a:stretch>
         </p:blipFill>
         <p:spPr>
           <a:xfrm>
-            <a:off x="213359" y="4089925"/>
+            <a:off x="213359" y="4878491"/>
             <a:ext cx="3168088" cy="678352"/>
           </a:xfrm>
           <a:prstGeom prst="rect">
@@ -8557,6 +8833,261 @@
           <p:cNvPr id="2" name="Titre 1">
             <a:extLst>
               <a:ext uri="{FF2B5EF4-FFF2-40B4-BE49-F238E27FC236}">
+                <a16:creationId xmlns:a16="http://schemas.microsoft.com/office/drawing/2014/main" id="{838961C0-2432-63B6-698C-B8CB48BC51A7}"/>
+              </a:ext>
+            </a:extLst>
+          </p:cNvPr>
+          <p:cNvSpPr>
+            <a:spLocks noGrp="1"/>
+          </p:cNvSpPr>
+          <p:nvPr>
+            <p:ph type="title"/>
+          </p:nvPr>
+        </p:nvSpPr>
+        <p:spPr/>
+        <p:txBody>
+          <a:bodyPr/>
+          <a:lstStyle/>
+          <a:p>
+            <a:r>
+              <a:rPr lang="fr-FR" dirty="0"/>
+              <a:t>Basic model</a:t>
+            </a:r>
+          </a:p>
+        </p:txBody>
+      </p:sp>
+      <p:pic>
+        <p:nvPicPr>
+          <p:cNvPr id="4" name="Image 3" descr="Une image contenant texte, capture d’écran, Caractère coloré, Rectangle&#10;&#10;Description générée automatiquement">
+            <a:extLst>
+              <a:ext uri="{FF2B5EF4-FFF2-40B4-BE49-F238E27FC236}">
+                <a16:creationId xmlns:a16="http://schemas.microsoft.com/office/drawing/2014/main" id="{39288974-209F-32A6-3D30-6870C498E5D7}"/>
+              </a:ext>
+            </a:extLst>
+          </p:cNvPr>
+          <p:cNvPicPr>
+            <a:picLocks noChangeAspect="1"/>
+          </p:cNvPicPr>
+          <p:nvPr/>
+        </p:nvPicPr>
+        <p:blipFill>
+          <a:blip r:embed="rId2">
+            <a:extLst>
+              <a:ext uri="{28A0092B-C50C-407E-A947-70E740481C1C}">
+                <a14:useLocalDpi xmlns:a14="http://schemas.microsoft.com/office/drawing/2010/main" val="0"/>
+              </a:ext>
+            </a:extLst>
+          </a:blip>
+          <a:stretch>
+            <a:fillRect/>
+          </a:stretch>
+        </p:blipFill>
+        <p:spPr>
+          <a:xfrm>
+            <a:off x="1451294" y="1135380"/>
+            <a:ext cx="3955409" cy="3955409"/>
+          </a:xfrm>
+          <a:prstGeom prst="rect">
+            <a:avLst/>
+          </a:prstGeom>
+          <a:effectLst>
+            <a:outerShdw blurRad="50800" dist="38100" dir="2700000" algn="tl" rotWithShape="0">
+              <a:prstClr val="black">
+                <a:alpha val="40000"/>
+              </a:prstClr>
+            </a:outerShdw>
+          </a:effectLst>
+        </p:spPr>
+      </p:pic>
+      <p:pic>
+        <p:nvPicPr>
+          <p:cNvPr id="6" name="Image 5" descr="Une image contenant texte, capture d’écran, Caractère coloré, Rectangle&#10;&#10;Description générée automatiquement">
+            <a:extLst>
+              <a:ext uri="{FF2B5EF4-FFF2-40B4-BE49-F238E27FC236}">
+                <a16:creationId xmlns:a16="http://schemas.microsoft.com/office/drawing/2014/main" id="{16CA6C83-D939-8456-F725-6E9598F87D90}"/>
+              </a:ext>
+            </a:extLst>
+          </p:cNvPr>
+          <p:cNvPicPr>
+            <a:picLocks noChangeAspect="1"/>
+          </p:cNvPicPr>
+          <p:nvPr/>
+        </p:nvPicPr>
+        <p:blipFill>
+          <a:blip r:embed="rId3">
+            <a:extLst>
+              <a:ext uri="{28A0092B-C50C-407E-A947-70E740481C1C}">
+                <a14:useLocalDpi xmlns:a14="http://schemas.microsoft.com/office/drawing/2010/main" val="0"/>
+              </a:ext>
+            </a:extLst>
+          </a:blip>
+          <a:stretch>
+            <a:fillRect/>
+          </a:stretch>
+        </p:blipFill>
+        <p:spPr>
+          <a:xfrm>
+            <a:off x="6785294" y="1135380"/>
+            <a:ext cx="3955409" cy="3955409"/>
+          </a:xfrm>
+          <a:prstGeom prst="rect">
+            <a:avLst/>
+          </a:prstGeom>
+          <a:effectLst>
+            <a:outerShdw blurRad="50800" dist="38100" dir="2700000" algn="tl" rotWithShape="0">
+              <a:prstClr val="black">
+                <a:alpha val="40000"/>
+              </a:prstClr>
+            </a:outerShdw>
+          </a:effectLst>
+        </p:spPr>
+      </p:pic>
+      <p:sp>
+        <p:nvSpPr>
+          <p:cNvPr id="17" name="ZoneTexte 16">
+            <a:extLst>
+              <a:ext uri="{FF2B5EF4-FFF2-40B4-BE49-F238E27FC236}">
+                <a16:creationId xmlns:a16="http://schemas.microsoft.com/office/drawing/2014/main" id="{3053E7A8-B72C-E8FD-CA87-54B853B912FF}"/>
+              </a:ext>
+            </a:extLst>
+          </p:cNvPr>
+          <p:cNvSpPr txBox="1"/>
+          <p:nvPr/>
+        </p:nvSpPr>
+        <p:spPr>
+          <a:xfrm>
+            <a:off x="2531141" y="5280331"/>
+            <a:ext cx="2390398" cy="923330"/>
+          </a:xfrm>
+          <a:prstGeom prst="rect">
+            <a:avLst/>
+          </a:prstGeom>
+          <a:solidFill>
+            <a:schemeClr val="bg1">
+              <a:lumMod val="95000"/>
+            </a:schemeClr>
+          </a:solidFill>
+          <a:effectLst>
+            <a:outerShdw blurRad="50800" dist="38100" dir="2700000" algn="tl" rotWithShape="0">
+              <a:prstClr val="black">
+                <a:alpha val="40000"/>
+              </a:prstClr>
+            </a:outerShdw>
+          </a:effectLst>
+        </p:spPr>
+        <p:txBody>
+          <a:bodyPr wrap="none" rtlCol="0">
+            <a:spAutoFit/>
+          </a:bodyPr>
+          <a:lstStyle/>
+          <a:p>
+            <a:r>
+              <a:rPr lang="fr-FR" dirty="0" err="1">
+                <a:latin typeface="Courier New" panose="02070309020205020404" pitchFamily="49" charset="0"/>
+                <a:cs typeface="Courier New" panose="02070309020205020404" pitchFamily="49" charset="0"/>
+              </a:rPr>
+              <a:t>Precision</a:t>
+            </a:r>
+            <a:r>
+              <a:rPr lang="fr-FR" dirty="0">
+                <a:latin typeface="Courier New" panose="02070309020205020404" pitchFamily="49" charset="0"/>
+                <a:cs typeface="Courier New" panose="02070309020205020404" pitchFamily="49" charset="0"/>
+              </a:rPr>
+              <a:t> : 0.98</a:t>
+            </a:r>
+          </a:p>
+          <a:p>
+            <a:r>
+              <a:rPr lang="fr-FR" dirty="0">
+                <a:latin typeface="Courier New" panose="02070309020205020404" pitchFamily="49" charset="0"/>
+                <a:cs typeface="Courier New" panose="02070309020205020404" pitchFamily="49" charset="0"/>
+              </a:rPr>
+              <a:t>Recall    : 0.89</a:t>
+            </a:r>
+          </a:p>
+          <a:p>
+            <a:r>
+              <a:rPr lang="fr-FR" dirty="0">
+                <a:latin typeface="Courier New" panose="02070309020205020404" pitchFamily="49" charset="0"/>
+                <a:cs typeface="Courier New" panose="02070309020205020404" pitchFamily="49" charset="0"/>
+              </a:rPr>
+              <a:t>F1        : 0.93</a:t>
+            </a:r>
+          </a:p>
+        </p:txBody>
+      </p:sp>
+      <p:pic>
+        <p:nvPicPr>
+          <p:cNvPr id="19" name="Image 18">
+            <a:extLst>
+              <a:ext uri="{FF2B5EF4-FFF2-40B4-BE49-F238E27FC236}">
+                <a16:creationId xmlns:a16="http://schemas.microsoft.com/office/drawing/2014/main" id="{10D1E19D-8BF6-E276-0361-5D7954E56B3A}"/>
+              </a:ext>
+            </a:extLst>
+          </p:cNvPr>
+          <p:cNvPicPr>
+            <a:picLocks noChangeAspect="1"/>
+          </p:cNvPicPr>
+          <p:nvPr/>
+        </p:nvPicPr>
+        <p:blipFill>
+          <a:blip r:embed="rId4"/>
+          <a:stretch>
+            <a:fillRect/>
+          </a:stretch>
+        </p:blipFill>
+        <p:spPr>
+          <a:xfrm>
+            <a:off x="5141743" y="5260832"/>
+            <a:ext cx="5259364" cy="1460643"/>
+          </a:xfrm>
+          <a:prstGeom prst="rect">
+            <a:avLst/>
+          </a:prstGeom>
+          <a:effectLst>
+            <a:outerShdw blurRad="50800" dist="38100" dir="2700000" algn="tl" rotWithShape="0">
+              <a:prstClr val="black">
+                <a:alpha val="40000"/>
+              </a:prstClr>
+            </a:outerShdw>
+          </a:effectLst>
+        </p:spPr>
+      </p:pic>
+    </p:spTree>
+    <p:extLst>
+      <p:ext uri="{BB962C8B-B14F-4D97-AF65-F5344CB8AC3E}">
+        <p14:creationId xmlns:p14="http://schemas.microsoft.com/office/powerpoint/2010/main" val="3058765758"/>
+      </p:ext>
+    </p:extLst>
+  </p:cSld>
+  <p:clrMapOvr>
+    <a:masterClrMapping/>
+  </p:clrMapOvr>
+</p:sld>
+</file>
+
+<file path=ppt/slides/slide7.xml><?xml version="1.0" encoding="utf-8"?>
+<p:sld xmlns:a="http://schemas.openxmlformats.org/drawingml/2006/main" xmlns:r="http://schemas.openxmlformats.org/officeDocument/2006/relationships" xmlns:p="http://schemas.openxmlformats.org/presentationml/2006/main">
+  <p:cSld>
+    <p:spTree>
+      <p:nvGrpSpPr>
+        <p:cNvPr id="1" name=""/>
+        <p:cNvGrpSpPr/>
+        <p:nvPr/>
+      </p:nvGrpSpPr>
+      <p:grpSpPr>
+        <a:xfrm>
+          <a:off x="0" y="0"/>
+          <a:ext cx="0" cy="0"/>
+          <a:chOff x="0" y="0"/>
+          <a:chExt cx="0" cy="0"/>
+        </a:xfrm>
+      </p:grpSpPr>
+      <p:sp>
+        <p:nvSpPr>
+          <p:cNvPr id="2" name="Titre 1">
+            <a:extLst>
+              <a:ext uri="{FF2B5EF4-FFF2-40B4-BE49-F238E27FC236}">
                 <a16:creationId xmlns:a16="http://schemas.microsoft.com/office/drawing/2014/main" id="{298D14FB-41AD-08E5-65AA-A5B1CAF68D21}"/>
               </a:ext>
             </a:extLst>
@@ -8833,7 +9364,7 @@
 </p:sld>
 </file>
 
-<file path=ppt/slides/slide7.xml><?xml version="1.0" encoding="utf-8"?>
+<file path=ppt/slides/slide8.xml><?xml version="1.0" encoding="utf-8"?>
 <p:sld xmlns:a="http://schemas.openxmlformats.org/drawingml/2006/main" xmlns:r="http://schemas.openxmlformats.org/officeDocument/2006/relationships" xmlns:p="http://schemas.openxmlformats.org/presentationml/2006/main">
   <p:cSld>
     <p:spTree>
@@ -9129,7 +9660,7 @@
 </p:sld>
 </file>
 
-<file path=ppt/slides/slide8.xml><?xml version="1.0" encoding="utf-8"?>
+<file path=ppt/slides/slide9.xml><?xml version="1.0" encoding="utf-8"?>
 <p:sld xmlns:a="http://schemas.openxmlformats.org/drawingml/2006/main" xmlns:r="http://schemas.openxmlformats.org/officeDocument/2006/relationships" xmlns:p="http://schemas.openxmlformats.org/presentationml/2006/main">
   <p:cSld>
     <p:spTree>
@@ -9535,345 +10066,6 @@
     <p:extLst>
       <p:ext uri="{BB962C8B-B14F-4D97-AF65-F5344CB8AC3E}">
         <p14:creationId xmlns:p14="http://schemas.microsoft.com/office/powerpoint/2010/main" val="52206540"/>
-      </p:ext>
-    </p:extLst>
-  </p:cSld>
-  <p:clrMapOvr>
-    <a:masterClrMapping/>
-  </p:clrMapOvr>
-</p:sld>
-</file>
-
-<file path=ppt/slides/slide9.xml><?xml version="1.0" encoding="utf-8"?>
-<p:sld xmlns:a="http://schemas.openxmlformats.org/drawingml/2006/main" xmlns:r="http://schemas.openxmlformats.org/officeDocument/2006/relationships" xmlns:p="http://schemas.openxmlformats.org/presentationml/2006/main">
-  <p:cSld>
-    <p:spTree>
-      <p:nvGrpSpPr>
-        <p:cNvPr id="1" name=""/>
-        <p:cNvGrpSpPr/>
-        <p:nvPr/>
-      </p:nvGrpSpPr>
-      <p:grpSpPr>
-        <a:xfrm>
-          <a:off x="0" y="0"/>
-          <a:ext cx="0" cy="0"/>
-          <a:chOff x="0" y="0"/>
-          <a:chExt cx="0" cy="0"/>
-        </a:xfrm>
-      </p:grpSpPr>
-      <p:sp>
-        <p:nvSpPr>
-          <p:cNvPr id="2" name="Titre 1">
-            <a:extLst>
-              <a:ext uri="{FF2B5EF4-FFF2-40B4-BE49-F238E27FC236}">
-                <a16:creationId xmlns:a16="http://schemas.microsoft.com/office/drawing/2014/main" id="{F13D07B4-C7D9-46E1-38A0-A6EEF16B48EB}"/>
-              </a:ext>
-            </a:extLst>
-          </p:cNvPr>
-          <p:cNvSpPr>
-            <a:spLocks noGrp="1"/>
-          </p:cNvSpPr>
-          <p:nvPr>
-            <p:ph type="title"/>
-          </p:nvPr>
-        </p:nvSpPr>
-        <p:spPr/>
-        <p:txBody>
-          <a:bodyPr/>
-          <a:lstStyle/>
-          <a:p>
-            <a:r>
-              <a:rPr lang="fr-FR" dirty="0" err="1"/>
-              <a:t>Take</a:t>
-            </a:r>
-            <a:r>
-              <a:rPr lang="fr-FR" dirty="0"/>
-              <a:t> </a:t>
-            </a:r>
-            <a:r>
-              <a:rPr lang="fr-FR" dirty="0" err="1"/>
-              <a:t>away</a:t>
-            </a:r>
-            <a:endParaRPr lang="fr-FR" dirty="0"/>
-          </a:p>
-        </p:txBody>
-      </p:sp>
-      <p:sp>
-        <p:nvSpPr>
-          <p:cNvPr id="3" name="Espace réservé du contenu 2">
-            <a:extLst>
-              <a:ext uri="{FF2B5EF4-FFF2-40B4-BE49-F238E27FC236}">
-                <a16:creationId xmlns:a16="http://schemas.microsoft.com/office/drawing/2014/main" id="{1A803C62-BD0B-D0AC-2B41-C4F420891B06}"/>
-              </a:ext>
-            </a:extLst>
-          </p:cNvPr>
-          <p:cNvSpPr>
-            <a:spLocks noGrp="1"/>
-          </p:cNvSpPr>
-          <p:nvPr>
-            <p:ph idx="1"/>
-          </p:nvPr>
-        </p:nvSpPr>
-        <p:spPr/>
-        <p:txBody>
-          <a:bodyPr>
-            <a:normAutofit lnSpcReduction="10000"/>
-          </a:bodyPr>
-          <a:lstStyle/>
-          <a:p>
-            <a:r>
-              <a:rPr lang="fr-FR" dirty="0"/>
-              <a:t>So far, </a:t>
-            </a:r>
-            <a:r>
-              <a:rPr lang="fr-FR" dirty="0" err="1"/>
-              <a:t>working</a:t>
-            </a:r>
-            <a:r>
-              <a:rPr lang="fr-FR" dirty="0"/>
-              <a:t> on the </a:t>
-            </a:r>
-            <a:r>
-              <a:rPr lang="fr-FR" dirty="0" err="1"/>
-              <a:t>projects</a:t>
-            </a:r>
-            <a:r>
-              <a:rPr lang="fr-FR" dirty="0"/>
-              <a:t> I </a:t>
-            </a:r>
-            <a:r>
-              <a:rPr lang="fr-FR" dirty="0" err="1"/>
-              <a:t>keep</a:t>
-            </a:r>
-            <a:r>
-              <a:rPr lang="fr-FR" dirty="0"/>
-              <a:t> in </a:t>
-            </a:r>
-            <a:r>
-              <a:rPr lang="fr-FR" dirty="0" err="1"/>
-              <a:t>mind</a:t>
-            </a:r>
-            <a:r>
-              <a:rPr lang="fr-FR" dirty="0"/>
-              <a:t> :</a:t>
-            </a:r>
-          </a:p>
-          <a:p>
-            <a:pPr lvl="1">
-              <a:tabLst>
-                <a:tab pos="4572000" algn="l"/>
-              </a:tabLst>
-            </a:pPr>
-            <a:r>
-              <a:rPr lang="en-US" dirty="0"/>
-              <a:t>EDA	: The recipe</a:t>
-            </a:r>
-          </a:p>
-          <a:p>
-            <a:pPr lvl="1">
-              <a:tabLst>
-                <a:tab pos="4572000" algn="l"/>
-              </a:tabLst>
-            </a:pPr>
-            <a:r>
-              <a:rPr lang="en-US" dirty="0"/>
-              <a:t>Features Engineering	: The secret sauce</a:t>
-            </a:r>
-          </a:p>
-          <a:p>
-            <a:pPr lvl="1">
-              <a:tabLst>
-                <a:tab pos="4572000" algn="l"/>
-              </a:tabLst>
-            </a:pPr>
-            <a:r>
-              <a:rPr lang="en-US" dirty="0"/>
-              <a:t>Baseline model	: The first taste</a:t>
-            </a:r>
-          </a:p>
-          <a:p>
-            <a:pPr lvl="1">
-              <a:tabLst>
-                <a:tab pos="4572000" algn="l"/>
-              </a:tabLst>
-            </a:pPr>
-            <a:r>
-              <a:rPr lang="en-US" dirty="0"/>
-              <a:t>Interpreting results	: The tasting notes</a:t>
-            </a:r>
-            <a:endParaRPr lang="fr-FR" dirty="0"/>
-          </a:p>
-          <a:p>
-            <a:pPr marL="914400" lvl="1" indent="-457200">
-              <a:buFont typeface="+mj-lt"/>
-              <a:buAutoNum type="arabicPeriod"/>
-            </a:pPr>
-            <a:endParaRPr lang="fr-FR" dirty="0"/>
-          </a:p>
-          <a:p>
-            <a:r>
-              <a:rPr lang="fr-FR" dirty="0"/>
-              <a:t>It </a:t>
-            </a:r>
-            <a:r>
-              <a:rPr lang="fr-FR" dirty="0" err="1"/>
-              <a:t>is</a:t>
-            </a:r>
-            <a:r>
-              <a:rPr lang="fr-FR" dirty="0"/>
-              <a:t> true </a:t>
-            </a:r>
-            <a:r>
-              <a:rPr lang="fr-FR" dirty="0" err="1"/>
-              <a:t>here</a:t>
-            </a:r>
-            <a:r>
-              <a:rPr lang="fr-FR" dirty="0"/>
-              <a:t> </a:t>
-            </a:r>
-            <a:r>
-              <a:rPr lang="fr-FR" dirty="0" err="1"/>
-              <a:t>too</a:t>
-            </a:r>
-            <a:endParaRPr lang="fr-FR" dirty="0"/>
-          </a:p>
-          <a:p>
-            <a:endParaRPr lang="fr-FR" dirty="0"/>
-          </a:p>
-          <a:p>
-            <a:r>
-              <a:rPr lang="fr-FR" dirty="0" err="1"/>
-              <a:t>Impressed</a:t>
-            </a:r>
-            <a:r>
-              <a:rPr lang="fr-FR" dirty="0"/>
-              <a:t> by the </a:t>
-            </a:r>
-            <a:r>
-              <a:rPr lang="fr-FR" dirty="0" err="1"/>
-              <a:t>results</a:t>
-            </a:r>
-            <a:r>
-              <a:rPr lang="fr-FR" dirty="0"/>
-              <a:t> of the </a:t>
-            </a:r>
-            <a:r>
-              <a:rPr lang="fr-FR" dirty="0" err="1"/>
-              <a:t>baseline</a:t>
-            </a:r>
-            <a:r>
-              <a:rPr lang="fr-FR" dirty="0"/>
-              <a:t> model</a:t>
-            </a:r>
-          </a:p>
-          <a:p>
-            <a:r>
-              <a:rPr lang="fr-FR" dirty="0"/>
-              <a:t>BERT (</a:t>
-            </a:r>
-            <a:r>
-              <a:rPr lang="fr-FR" dirty="0" err="1"/>
-              <a:t>unfreezed</a:t>
-            </a:r>
-            <a:r>
-              <a:rPr lang="fr-FR" dirty="0"/>
-              <a:t>) help to </a:t>
-            </a:r>
-            <a:r>
-              <a:rPr lang="fr-FR" dirty="0" err="1"/>
-              <a:t>keep</a:t>
-            </a:r>
-            <a:r>
-              <a:rPr lang="fr-FR" dirty="0"/>
-              <a:t> the </a:t>
-            </a:r>
-            <a:r>
-              <a:rPr lang="fr-FR" dirty="0" err="1"/>
-              <a:t>Precision</a:t>
-            </a:r>
-            <a:r>
-              <a:rPr lang="fr-FR" dirty="0"/>
-              <a:t> </a:t>
-            </a:r>
-            <a:r>
-              <a:rPr lang="fr-FR" dirty="0" err="1"/>
-              <a:t>while</a:t>
-            </a:r>
-            <a:r>
-              <a:rPr lang="fr-FR" dirty="0"/>
-              <a:t> </a:t>
-            </a:r>
-            <a:r>
-              <a:rPr lang="fr-FR" dirty="0" err="1"/>
-              <a:t>improving</a:t>
-            </a:r>
-            <a:r>
-              <a:rPr lang="fr-FR" dirty="0"/>
-              <a:t> the Accuracy but at the </a:t>
-            </a:r>
-            <a:r>
-              <a:rPr lang="fr-FR" dirty="0" err="1"/>
-              <a:t>cost</a:t>
-            </a:r>
-            <a:r>
-              <a:rPr lang="fr-FR" dirty="0"/>
-              <a:t> of training time</a:t>
-            </a:r>
-          </a:p>
-          <a:p>
-            <a:endParaRPr lang="fr-FR" dirty="0"/>
-          </a:p>
-          <a:p>
-            <a:pPr marL="457200" lvl="1" indent="0">
-              <a:buNone/>
-            </a:pPr>
-            <a:endParaRPr lang="fr-FR" dirty="0"/>
-          </a:p>
-          <a:p>
-            <a:endParaRPr lang="fr-FR" dirty="0"/>
-          </a:p>
-        </p:txBody>
-      </p:sp>
-      <p:pic>
-        <p:nvPicPr>
-          <p:cNvPr id="5" name="Image 4">
-            <a:extLst>
-              <a:ext uri="{FF2B5EF4-FFF2-40B4-BE49-F238E27FC236}">
-                <a16:creationId xmlns:a16="http://schemas.microsoft.com/office/drawing/2014/main" id="{6A3C50B5-69FB-F9D8-70F1-0579A3213984}"/>
-              </a:ext>
-            </a:extLst>
-          </p:cNvPr>
-          <p:cNvPicPr>
-            <a:picLocks noChangeAspect="1"/>
-          </p:cNvPicPr>
-          <p:nvPr/>
-        </p:nvPicPr>
-        <p:blipFill>
-          <a:blip r:embed="rId3"/>
-          <a:srcRect l="25506" t="5814" r="18520"/>
-          <a:stretch/>
-        </p:blipFill>
-        <p:spPr>
-          <a:xfrm>
-            <a:off x="8984610" y="1700089"/>
-            <a:ext cx="1149290" cy="1287306"/>
-          </a:xfrm>
-          <a:prstGeom prst="rect">
-            <a:avLst/>
-          </a:prstGeom>
-          <a:effectLst>
-            <a:outerShdw blurRad="50800" dist="38100" dir="2700000" algn="tl" rotWithShape="0">
-              <a:prstClr val="black">
-                <a:alpha val="40000"/>
-              </a:prstClr>
-            </a:outerShdw>
-          </a:effectLst>
-        </p:spPr>
-      </p:pic>
-    </p:spTree>
-    <p:extLst>
-      <p:ext uri="{BB962C8B-B14F-4D97-AF65-F5344CB8AC3E}">
-        <p14:creationId xmlns:p14="http://schemas.microsoft.com/office/powerpoint/2010/main" val="3201622378"/>
       </p:ext>
     </p:extLst>
   </p:cSld>

--- a/07_deep_learning/99_Project_ATT/01_att_project.pptx
+++ b/07_deep_learning/99_Project_ATT/01_att_project.pptx
@@ -128,7 +128,7 @@
 <file path=ppt/revisionInfo.xml><?xml version="1.0" encoding="utf-8"?>
 <p1510:revInfo xmlns:a="http://schemas.openxmlformats.org/drawingml/2006/main" xmlns:r="http://schemas.openxmlformats.org/officeDocument/2006/relationships" xmlns:p1510="http://schemas.microsoft.com/office/powerpoint/2015/10/main">
   <p1510:revLst>
-    <p1510:client id="{ABAE05BF-949A-4E93-BC19-2AEAAED3ED81}" v="28" dt="2024-09-13T14:55:21.478"/>
+    <p1510:client id="{ABAE05BF-949A-4E93-BC19-2AEAAED3ED81}" v="30" dt="2024-09-16T21:21:35.376"/>
   </p1510:revLst>
 </p1510:revInfo>
 </file>
@@ -1567,7 +1567,7 @@
   <pc:docChgLst>
     <pc:chgData name="Philippe Baucour" userId="5102170ae7533958" providerId="LiveId" clId="{ABAE05BF-949A-4E93-BC19-2AEAAED3ED81}"/>
     <pc:docChg chg="undo custSel addSld modSld sldOrd">
-      <pc:chgData name="Philippe Baucour" userId="5102170ae7533958" providerId="LiveId" clId="{ABAE05BF-949A-4E93-BC19-2AEAAED3ED81}" dt="2024-09-13T14:56:12.048" v="3089" actId="1076"/>
+      <pc:chgData name="Philippe Baucour" userId="5102170ae7533958" providerId="LiveId" clId="{ABAE05BF-949A-4E93-BC19-2AEAAED3ED81}" dt="2024-09-16T21:25:48.527" v="3343" actId="1037"/>
       <pc:docMkLst>
         <pc:docMk/>
       </pc:docMkLst>
@@ -2201,8 +2201,8 @@
           </ac:picMkLst>
         </pc:picChg>
       </pc:sldChg>
-      <pc:sldChg chg="addSp modSp new mod">
-        <pc:chgData name="Philippe Baucour" userId="5102170ae7533958" providerId="LiveId" clId="{ABAE05BF-949A-4E93-BC19-2AEAAED3ED81}" dt="2024-09-13T14:55:49.683" v="3057" actId="1037"/>
+      <pc:sldChg chg="addSp delSp modSp new mod">
+        <pc:chgData name="Philippe Baucour" userId="5102170ae7533958" providerId="LiveId" clId="{ABAE05BF-949A-4E93-BC19-2AEAAED3ED81}" dt="2024-09-16T21:25:48.527" v="3343" actId="1037"/>
         <pc:sldMkLst>
           <pc:docMk/>
           <pc:sldMk cId="3058765758" sldId="270"/>
@@ -2216,15 +2216,15 @@
           </ac:spMkLst>
         </pc:spChg>
         <pc:spChg chg="add mod">
-          <ac:chgData name="Philippe Baucour" userId="5102170ae7533958" providerId="LiveId" clId="{ABAE05BF-949A-4E93-BC19-2AEAAED3ED81}" dt="2024-09-13T14:55:49.683" v="3057" actId="1037"/>
+          <ac:chgData name="Philippe Baucour" userId="5102170ae7533958" providerId="LiveId" clId="{ABAE05BF-949A-4E93-BC19-2AEAAED3ED81}" dt="2024-09-16T21:25:00.115" v="3286" actId="1035"/>
           <ac:spMkLst>
             <pc:docMk/>
             <pc:sldMk cId="3058765758" sldId="270"/>
             <ac:spMk id="17" creationId="{3053E7A8-B72C-E8FD-CA87-54B853B912FF}"/>
           </ac:spMkLst>
         </pc:spChg>
-        <pc:picChg chg="add mod">
-          <ac:chgData name="Philippe Baucour" userId="5102170ae7533958" providerId="LiveId" clId="{ABAE05BF-949A-4E93-BC19-2AEAAED3ED81}" dt="2024-09-13T14:55:44.950" v="3052" actId="1038"/>
+        <pc:picChg chg="add del mod">
+          <ac:chgData name="Philippe Baucour" userId="5102170ae7533958" providerId="LiveId" clId="{ABAE05BF-949A-4E93-BC19-2AEAAED3ED81}" dt="2024-09-16T21:19:53.732" v="3090" actId="478"/>
           <ac:picMkLst>
             <pc:docMk/>
             <pc:sldMk cId="3058765758" sldId="270"/>
@@ -2232,7 +2232,15 @@
           </ac:picMkLst>
         </pc:picChg>
         <pc:picChg chg="add mod">
-          <ac:chgData name="Philippe Baucour" userId="5102170ae7533958" providerId="LiveId" clId="{ABAE05BF-949A-4E93-BC19-2AEAAED3ED81}" dt="2024-09-13T14:55:44.950" v="3052" actId="1038"/>
+          <ac:chgData name="Philippe Baucour" userId="5102170ae7533958" providerId="LiveId" clId="{ABAE05BF-949A-4E93-BC19-2AEAAED3ED81}" dt="2024-09-16T21:25:44.557" v="3334" actId="1037"/>
+          <ac:picMkLst>
+            <pc:docMk/>
+            <pc:sldMk cId="3058765758" sldId="270"/>
+            <ac:picMk id="5" creationId="{FD2E9C7F-2FA1-E98A-E665-71910E0F0742}"/>
+          </ac:picMkLst>
+        </pc:picChg>
+        <pc:picChg chg="add del mod">
+          <ac:chgData name="Philippe Baucour" userId="5102170ae7533958" providerId="LiveId" clId="{ABAE05BF-949A-4E93-BC19-2AEAAED3ED81}" dt="2024-09-16T21:22:38.365" v="3151" actId="478"/>
           <ac:picMkLst>
             <pc:docMk/>
             <pc:sldMk cId="3058765758" sldId="270"/>
@@ -2240,7 +2248,15 @@
           </ac:picMkLst>
         </pc:picChg>
         <pc:picChg chg="add mod">
-          <ac:chgData name="Philippe Baucour" userId="5102170ae7533958" providerId="LiveId" clId="{ABAE05BF-949A-4E93-BC19-2AEAAED3ED81}" dt="2024-09-13T14:55:49.683" v="3057" actId="1037"/>
+          <ac:chgData name="Philippe Baucour" userId="5102170ae7533958" providerId="LiveId" clId="{ABAE05BF-949A-4E93-BC19-2AEAAED3ED81}" dt="2024-09-16T21:25:48.527" v="3343" actId="1037"/>
+          <ac:picMkLst>
+            <pc:docMk/>
+            <pc:sldMk cId="3058765758" sldId="270"/>
+            <ac:picMk id="8" creationId="{0BE888AE-4D34-5A6A-D08B-C5957BDAC0BE}"/>
+          </ac:picMkLst>
+        </pc:picChg>
+        <pc:picChg chg="add mod">
+          <ac:chgData name="Philippe Baucour" userId="5102170ae7533958" providerId="LiveId" clId="{ABAE05BF-949A-4E93-BC19-2AEAAED3ED81}" dt="2024-09-16T21:25:00.115" v="3286" actId="1035"/>
           <ac:picMkLst>
             <pc:docMk/>
             <pc:sldMk cId="3058765758" sldId="270"/>
@@ -2335,7 +2351,7 @@
           <a:p>
             <a:fld id="{FD1752CD-A7D2-4825-BC26-9DAEFBD0A5FF}" type="datetimeFigureOut">
               <a:rPr lang="fr-FR" smtClean="0"/>
-              <a:t>13/09/2024</a:t>
+              <a:t>16/09/2024</a:t>
             </a:fld>
             <a:endParaRPr lang="fr-FR"/>
           </a:p>
@@ -3854,7 +3870,7 @@
           <a:p>
             <a:fld id="{7ECB9D5A-E5E4-41FE-AF39-634902D6D5D2}" type="datetimeFigureOut">
               <a:rPr lang="fr-FR" smtClean="0"/>
-              <a:t>13/09/2024</a:t>
+              <a:t>16/09/2024</a:t>
             </a:fld>
             <a:endParaRPr lang="fr-FR"/>
           </a:p>
@@ -4052,7 +4068,7 @@
           <a:p>
             <a:fld id="{7ECB9D5A-E5E4-41FE-AF39-634902D6D5D2}" type="datetimeFigureOut">
               <a:rPr lang="fr-FR" smtClean="0"/>
-              <a:t>13/09/2024</a:t>
+              <a:t>16/09/2024</a:t>
             </a:fld>
             <a:endParaRPr lang="fr-FR"/>
           </a:p>
@@ -4260,7 +4276,7 @@
           <a:p>
             <a:fld id="{7ECB9D5A-E5E4-41FE-AF39-634902D6D5D2}" type="datetimeFigureOut">
               <a:rPr lang="fr-FR" smtClean="0"/>
-              <a:t>13/09/2024</a:t>
+              <a:t>16/09/2024</a:t>
             </a:fld>
             <a:endParaRPr lang="fr-FR"/>
           </a:p>
@@ -4458,7 +4474,7 @@
           <a:p>
             <a:fld id="{7ECB9D5A-E5E4-41FE-AF39-634902D6D5D2}" type="datetimeFigureOut">
               <a:rPr lang="fr-FR" smtClean="0"/>
-              <a:t>13/09/2024</a:t>
+              <a:t>16/09/2024</a:t>
             </a:fld>
             <a:endParaRPr lang="fr-FR"/>
           </a:p>
@@ -4733,7 +4749,7 @@
           <a:p>
             <a:fld id="{7ECB9D5A-E5E4-41FE-AF39-634902D6D5D2}" type="datetimeFigureOut">
               <a:rPr lang="fr-FR" smtClean="0"/>
-              <a:t>13/09/2024</a:t>
+              <a:t>16/09/2024</a:t>
             </a:fld>
             <a:endParaRPr lang="fr-FR"/>
           </a:p>
@@ -4998,7 +5014,7 @@
           <a:p>
             <a:fld id="{7ECB9D5A-E5E4-41FE-AF39-634902D6D5D2}" type="datetimeFigureOut">
               <a:rPr lang="fr-FR" smtClean="0"/>
-              <a:t>13/09/2024</a:t>
+              <a:t>16/09/2024</a:t>
             </a:fld>
             <a:endParaRPr lang="fr-FR"/>
           </a:p>
@@ -5410,7 +5426,7 @@
           <a:p>
             <a:fld id="{7ECB9D5A-E5E4-41FE-AF39-634902D6D5D2}" type="datetimeFigureOut">
               <a:rPr lang="fr-FR" smtClean="0"/>
-              <a:t>13/09/2024</a:t>
+              <a:t>16/09/2024</a:t>
             </a:fld>
             <a:endParaRPr lang="fr-FR"/>
           </a:p>
@@ -5551,7 +5567,7 @@
           <a:p>
             <a:fld id="{7ECB9D5A-E5E4-41FE-AF39-634902D6D5D2}" type="datetimeFigureOut">
               <a:rPr lang="fr-FR" smtClean="0"/>
-              <a:t>13/09/2024</a:t>
+              <a:t>16/09/2024</a:t>
             </a:fld>
             <a:endParaRPr lang="fr-FR"/>
           </a:p>
@@ -5664,7 +5680,7 @@
           <a:p>
             <a:fld id="{7ECB9D5A-E5E4-41FE-AF39-634902D6D5D2}" type="datetimeFigureOut">
               <a:rPr lang="fr-FR" smtClean="0"/>
-              <a:t>13/09/2024</a:t>
+              <a:t>16/09/2024</a:t>
             </a:fld>
             <a:endParaRPr lang="fr-FR"/>
           </a:p>
@@ -5975,7 +5991,7 @@
           <a:p>
             <a:fld id="{7ECB9D5A-E5E4-41FE-AF39-634902D6D5D2}" type="datetimeFigureOut">
               <a:rPr lang="fr-FR" smtClean="0"/>
-              <a:t>13/09/2024</a:t>
+              <a:t>16/09/2024</a:t>
             </a:fld>
             <a:endParaRPr lang="fr-FR"/>
           </a:p>
@@ -6266,7 +6282,7 @@
           <a:p>
             <a:fld id="{7ECB9D5A-E5E4-41FE-AF39-634902D6D5D2}" type="datetimeFigureOut">
               <a:rPr lang="fr-FR" smtClean="0"/>
-              <a:t>13/09/2024</a:t>
+              <a:t>16/09/2024</a:t>
             </a:fld>
             <a:endParaRPr lang="fr-FR"/>
           </a:p>
@@ -6507,7 +6523,7 @@
           <a:p>
             <a:fld id="{7ECB9D5A-E5E4-41FE-AF39-634902D6D5D2}" type="datetimeFigureOut">
               <a:rPr lang="fr-FR" smtClean="0"/>
-              <a:t>13/09/2024</a:t>
+              <a:t>16/09/2024</a:t>
             </a:fld>
             <a:endParaRPr lang="fr-FR"/>
           </a:p>
@@ -8856,107 +8872,21 @@
           </a:p>
         </p:txBody>
       </p:sp>
-      <p:pic>
-        <p:nvPicPr>
-          <p:cNvPr id="4" name="Image 3" descr="Une image contenant texte, capture d’écran, Caractère coloré, Rectangle&#10;&#10;Description générée automatiquement">
-            <a:extLst>
-              <a:ext uri="{FF2B5EF4-FFF2-40B4-BE49-F238E27FC236}">
-                <a16:creationId xmlns:a16="http://schemas.microsoft.com/office/drawing/2014/main" id="{39288974-209F-32A6-3D30-6870C498E5D7}"/>
-              </a:ext>
-            </a:extLst>
-          </p:cNvPr>
-          <p:cNvPicPr>
-            <a:picLocks noChangeAspect="1"/>
-          </p:cNvPicPr>
+      <p:sp>
+        <p:nvSpPr>
+          <p:cNvPr id="17" name="ZoneTexte 16">
+            <a:extLst>
+              <a:ext uri="{FF2B5EF4-FFF2-40B4-BE49-F238E27FC236}">
+                <a16:creationId xmlns:a16="http://schemas.microsoft.com/office/drawing/2014/main" id="{3053E7A8-B72C-E8FD-CA87-54B853B912FF}"/>
+              </a:ext>
+            </a:extLst>
+          </p:cNvPr>
+          <p:cNvSpPr txBox="1"/>
           <p:nvPr/>
-        </p:nvPicPr>
-        <p:blipFill>
-          <a:blip r:embed="rId2">
-            <a:extLst>
-              <a:ext uri="{28A0092B-C50C-407E-A947-70E740481C1C}">
-                <a14:useLocalDpi xmlns:a14="http://schemas.microsoft.com/office/drawing/2010/main" val="0"/>
-              </a:ext>
-            </a:extLst>
-          </a:blip>
-          <a:stretch>
-            <a:fillRect/>
-          </a:stretch>
-        </p:blipFill>
+        </p:nvSpPr>
         <p:spPr>
           <a:xfrm>
-            <a:off x="1451294" y="1135380"/>
-            <a:ext cx="3955409" cy="3955409"/>
-          </a:xfrm>
-          <a:prstGeom prst="rect">
-            <a:avLst/>
-          </a:prstGeom>
-          <a:effectLst>
-            <a:outerShdw blurRad="50800" dist="38100" dir="2700000" algn="tl" rotWithShape="0">
-              <a:prstClr val="black">
-                <a:alpha val="40000"/>
-              </a:prstClr>
-            </a:outerShdw>
-          </a:effectLst>
-        </p:spPr>
-      </p:pic>
-      <p:pic>
-        <p:nvPicPr>
-          <p:cNvPr id="6" name="Image 5" descr="Une image contenant texte, capture d’écran, Caractère coloré, Rectangle&#10;&#10;Description générée automatiquement">
-            <a:extLst>
-              <a:ext uri="{FF2B5EF4-FFF2-40B4-BE49-F238E27FC236}">
-                <a16:creationId xmlns:a16="http://schemas.microsoft.com/office/drawing/2014/main" id="{16CA6C83-D939-8456-F725-6E9598F87D90}"/>
-              </a:ext>
-            </a:extLst>
-          </p:cNvPr>
-          <p:cNvPicPr>
-            <a:picLocks noChangeAspect="1"/>
-          </p:cNvPicPr>
-          <p:nvPr/>
-        </p:nvPicPr>
-        <p:blipFill>
-          <a:blip r:embed="rId3">
-            <a:extLst>
-              <a:ext uri="{28A0092B-C50C-407E-A947-70E740481C1C}">
-                <a14:useLocalDpi xmlns:a14="http://schemas.microsoft.com/office/drawing/2010/main" val="0"/>
-              </a:ext>
-            </a:extLst>
-          </a:blip>
-          <a:stretch>
-            <a:fillRect/>
-          </a:stretch>
-        </p:blipFill>
-        <p:spPr>
-          <a:xfrm>
-            <a:off x="6785294" y="1135380"/>
-            <a:ext cx="3955409" cy="3955409"/>
-          </a:xfrm>
-          <a:prstGeom prst="rect">
-            <a:avLst/>
-          </a:prstGeom>
-          <a:effectLst>
-            <a:outerShdw blurRad="50800" dist="38100" dir="2700000" algn="tl" rotWithShape="0">
-              <a:prstClr val="black">
-                <a:alpha val="40000"/>
-              </a:prstClr>
-            </a:outerShdw>
-          </a:effectLst>
-        </p:spPr>
-      </p:pic>
-      <p:sp>
-        <p:nvSpPr>
-          <p:cNvPr id="17" name="ZoneTexte 16">
-            <a:extLst>
-              <a:ext uri="{FF2B5EF4-FFF2-40B4-BE49-F238E27FC236}">
-                <a16:creationId xmlns:a16="http://schemas.microsoft.com/office/drawing/2014/main" id="{3053E7A8-B72C-E8FD-CA87-54B853B912FF}"/>
-              </a:ext>
-            </a:extLst>
-          </p:cNvPr>
-          <p:cNvSpPr txBox="1"/>
-          <p:nvPr/>
-        </p:nvSpPr>
-        <p:spPr>
-          <a:xfrm>
-            <a:off x="2531141" y="5280331"/>
+            <a:off x="2531141" y="5388849"/>
             <a:ext cx="2390398" cy="923330"/>
           </a:xfrm>
           <a:prstGeom prst="rect">
@@ -9031,15 +8961,101 @@
           <p:nvPr/>
         </p:nvPicPr>
         <p:blipFill>
-          <a:blip r:embed="rId4"/>
+          <a:blip r:embed="rId2"/>
           <a:stretch>
             <a:fillRect/>
           </a:stretch>
         </p:blipFill>
         <p:spPr>
           <a:xfrm>
-            <a:off x="5141743" y="5260832"/>
-            <a:ext cx="5259364" cy="1460643"/>
+            <a:off x="5791199" y="5388849"/>
+            <a:ext cx="4609907" cy="1280274"/>
+          </a:xfrm>
+          <a:prstGeom prst="rect">
+            <a:avLst/>
+          </a:prstGeom>
+          <a:effectLst>
+            <a:outerShdw blurRad="50800" dist="38100" dir="2700000" algn="tl" rotWithShape="0">
+              <a:prstClr val="black">
+                <a:alpha val="40000"/>
+              </a:prstClr>
+            </a:outerShdw>
+          </a:effectLst>
+        </p:spPr>
+      </p:pic>
+      <p:pic>
+        <p:nvPicPr>
+          <p:cNvPr id="5" name="Image 4" descr="Une image contenant capture d’écran, texte, Caractère coloré&#10;&#10;Description générée automatiquement">
+            <a:extLst>
+              <a:ext uri="{FF2B5EF4-FFF2-40B4-BE49-F238E27FC236}">
+                <a16:creationId xmlns:a16="http://schemas.microsoft.com/office/drawing/2014/main" id="{FD2E9C7F-2FA1-E98A-E665-71910E0F0742}"/>
+              </a:ext>
+            </a:extLst>
+          </p:cNvPr>
+          <p:cNvPicPr>
+            <a:picLocks noChangeAspect="1"/>
+          </p:cNvPicPr>
+          <p:nvPr/>
+        </p:nvPicPr>
+        <p:blipFill>
+          <a:blip r:embed="rId3">
+            <a:extLst>
+              <a:ext uri="{28A0092B-C50C-407E-A947-70E740481C1C}">
+                <a14:useLocalDpi xmlns:a14="http://schemas.microsoft.com/office/drawing/2010/main" val="0"/>
+              </a:ext>
+            </a:extLst>
+          </a:blip>
+          <a:stretch>
+            <a:fillRect/>
+          </a:stretch>
+        </p:blipFill>
+        <p:spPr>
+          <a:xfrm>
+            <a:off x="518822" y="829757"/>
+            <a:ext cx="4413432" cy="4413432"/>
+          </a:xfrm>
+          <a:prstGeom prst="rect">
+            <a:avLst/>
+          </a:prstGeom>
+          <a:effectLst>
+            <a:outerShdw blurRad="50800" dist="38100" dir="2700000" algn="tl" rotWithShape="0">
+              <a:prstClr val="black">
+                <a:alpha val="40000"/>
+              </a:prstClr>
+            </a:outerShdw>
+          </a:effectLst>
+        </p:spPr>
+      </p:pic>
+      <p:pic>
+        <p:nvPicPr>
+          <p:cNvPr id="8" name="Image 7" descr="Une image contenant texte, capture d’écran, Caractère coloré, Rectangle&#10;&#10;Description générée automatiquement">
+            <a:extLst>
+              <a:ext uri="{FF2B5EF4-FFF2-40B4-BE49-F238E27FC236}">
+                <a16:creationId xmlns:a16="http://schemas.microsoft.com/office/drawing/2014/main" id="{0BE888AE-4D34-5A6A-D08B-C5957BDAC0BE}"/>
+              </a:ext>
+            </a:extLst>
+          </p:cNvPr>
+          <p:cNvPicPr>
+            <a:picLocks noChangeAspect="1"/>
+          </p:cNvPicPr>
+          <p:nvPr/>
+        </p:nvPicPr>
+        <p:blipFill>
+          <a:blip r:embed="rId4">
+            <a:extLst>
+              <a:ext uri="{28A0092B-C50C-407E-A947-70E740481C1C}">
+                <a14:useLocalDpi xmlns:a14="http://schemas.microsoft.com/office/drawing/2010/main" val="0"/>
+              </a:ext>
+            </a:extLst>
+          </a:blip>
+          <a:stretch>
+            <a:fillRect/>
+          </a:stretch>
+        </p:blipFill>
+        <p:spPr>
+          <a:xfrm>
+            <a:off x="5974152" y="829756"/>
+            <a:ext cx="4413432" cy="4413432"/>
           </a:xfrm>
           <a:prstGeom prst="rect">
             <a:avLst/>

--- a/07_deep_learning/99_Project_ATT/01_att_project.pptx
+++ b/07_deep_learning/99_Project_ATT/01_att_project.pptx
@@ -128,7 +128,7 @@
 <file path=ppt/revisionInfo.xml><?xml version="1.0" encoding="utf-8"?>
 <p1510:revInfo xmlns:a="http://schemas.openxmlformats.org/drawingml/2006/main" xmlns:r="http://schemas.openxmlformats.org/officeDocument/2006/relationships" xmlns:p1510="http://schemas.microsoft.com/office/powerpoint/2015/10/main">
   <p1510:revLst>
-    <p1510:client id="{ABAE05BF-949A-4E93-BC19-2AEAAED3ED81}" v="30" dt="2024-09-16T21:21:35.376"/>
+    <p1510:client id="{ABAE05BF-949A-4E93-BC19-2AEAAED3ED81}" v="37" dt="2024-09-17T07:03:26.665"/>
   </p1510:revLst>
 </p1510:revInfo>
 </file>
@@ -1567,7 +1567,7 @@
   <pc:docChgLst>
     <pc:chgData name="Philippe Baucour" userId="5102170ae7533958" providerId="LiveId" clId="{ABAE05BF-949A-4E93-BC19-2AEAAED3ED81}"/>
     <pc:docChg chg="undo custSel addSld modSld sldOrd">
-      <pc:chgData name="Philippe Baucour" userId="5102170ae7533958" providerId="LiveId" clId="{ABAE05BF-949A-4E93-BC19-2AEAAED3ED81}" dt="2024-09-16T21:25:48.527" v="3343" actId="1037"/>
+      <pc:chgData name="Philippe Baucour" userId="5102170ae7533958" providerId="LiveId" clId="{ABAE05BF-949A-4E93-BC19-2AEAAED3ED81}" dt="2024-09-17T07:25:46.117" v="3777" actId="554"/>
       <pc:docMkLst>
         <pc:docMk/>
       </pc:docMkLst>
@@ -1634,14 +1634,14 @@
           </ac:picMkLst>
         </pc:picChg>
       </pc:sldChg>
-      <pc:sldChg chg="addSp modSp mod modNotesTx">
-        <pc:chgData name="Philippe Baucour" userId="5102170ae7533958" providerId="LiveId" clId="{ABAE05BF-949A-4E93-BC19-2AEAAED3ED81}" dt="2024-09-04T14:03:37.276" v="2979" actId="6549"/>
+      <pc:sldChg chg="addSp modSp mod modAnim modNotesTx">
+        <pc:chgData name="Philippe Baucour" userId="5102170ae7533958" providerId="LiveId" clId="{ABAE05BF-949A-4E93-BC19-2AEAAED3ED81}" dt="2024-09-17T07:03:26.665" v="3663"/>
         <pc:sldMkLst>
           <pc:docMk/>
           <pc:sldMk cId="3201622378" sldId="257"/>
         </pc:sldMkLst>
         <pc:spChg chg="mod">
-          <ac:chgData name="Philippe Baucour" userId="5102170ae7533958" providerId="LiveId" clId="{ABAE05BF-949A-4E93-BC19-2AEAAED3ED81}" dt="2024-09-04T13:55:12.013" v="2853" actId="20577"/>
+          <ac:chgData name="Philippe Baucour" userId="5102170ae7533958" providerId="LiveId" clId="{ABAE05BF-949A-4E93-BC19-2AEAAED3ED81}" dt="2024-09-17T06:35:26.791" v="3656" actId="20577"/>
           <ac:spMkLst>
             <pc:docMk/>
             <pc:sldMk cId="3201622378" sldId="257"/>
@@ -1657,7 +1657,7 @@
           </ac:spMkLst>
         </pc:spChg>
         <pc:picChg chg="add mod modCrop">
-          <ac:chgData name="Philippe Baucour" userId="5102170ae7533958" providerId="LiveId" clId="{ABAE05BF-949A-4E93-BC19-2AEAAED3ED81}" dt="2024-09-04T13:57:08.332" v="2864" actId="1076"/>
+          <ac:chgData name="Philippe Baucour" userId="5102170ae7533958" providerId="LiveId" clId="{ABAE05BF-949A-4E93-BC19-2AEAAED3ED81}" dt="2024-09-17T06:22:25.051" v="3623" actId="1037"/>
           <ac:picMkLst>
             <pc:docMk/>
             <pc:sldMk cId="3201622378" sldId="257"/>
@@ -1917,7 +1917,7 @@
         </pc:picChg>
       </pc:sldChg>
       <pc:sldChg chg="addSp delSp modSp new mod modNotesTx">
-        <pc:chgData name="Philippe Baucour" userId="5102170ae7533958" providerId="LiveId" clId="{ABAE05BF-949A-4E93-BC19-2AEAAED3ED81}" dt="2024-09-13T14:56:12.048" v="3089" actId="1076"/>
+        <pc:chgData name="Philippe Baucour" userId="5102170ae7533958" providerId="LiveId" clId="{ABAE05BF-949A-4E93-BC19-2AEAAED3ED81}" dt="2024-09-17T07:15:26.317" v="3694" actId="554"/>
         <pc:sldMkLst>
           <pc:docMk/>
           <pc:sldMk cId="671232843" sldId="267"/>
@@ -1939,7 +1939,7 @@
           </ac:spMkLst>
         </pc:spChg>
         <pc:picChg chg="add mod">
-          <ac:chgData name="Philippe Baucour" userId="5102170ae7533958" providerId="LiveId" clId="{ABAE05BF-949A-4E93-BC19-2AEAAED3ED81}" dt="2024-09-13T14:56:09.590" v="3088" actId="1036"/>
+          <ac:chgData name="Philippe Baucour" userId="5102170ae7533958" providerId="LiveId" clId="{ABAE05BF-949A-4E93-BC19-2AEAAED3ED81}" dt="2024-09-17T07:15:26.317" v="3694" actId="554"/>
           <ac:picMkLst>
             <pc:docMk/>
             <pc:sldMk cId="671232843" sldId="267"/>
@@ -1987,7 +1987,7 @@
           </ac:picMkLst>
         </pc:picChg>
         <pc:picChg chg="add mod">
-          <ac:chgData name="Philippe Baucour" userId="5102170ae7533958" providerId="LiveId" clId="{ABAE05BF-949A-4E93-BC19-2AEAAED3ED81}" dt="2024-09-13T14:56:09.590" v="3088" actId="1036"/>
+          <ac:chgData name="Philippe Baucour" userId="5102170ae7533958" providerId="LiveId" clId="{ABAE05BF-949A-4E93-BC19-2AEAAED3ED81}" dt="2024-09-17T07:15:26.317" v="3694" actId="554"/>
           <ac:picMkLst>
             <pc:docMk/>
             <pc:sldMk cId="671232843" sldId="267"/>
@@ -1995,7 +1995,7 @@
           </ac:picMkLst>
         </pc:picChg>
         <pc:picChg chg="add mod">
-          <ac:chgData name="Philippe Baucour" userId="5102170ae7533958" providerId="LiveId" clId="{ABAE05BF-949A-4E93-BC19-2AEAAED3ED81}" dt="2024-09-13T14:56:09.590" v="3088" actId="1036"/>
+          <ac:chgData name="Philippe Baucour" userId="5102170ae7533958" providerId="LiveId" clId="{ABAE05BF-949A-4E93-BC19-2AEAAED3ED81}" dt="2024-09-17T07:15:26.317" v="3694" actId="554"/>
           <ac:picMkLst>
             <pc:docMk/>
             <pc:sldMk cId="671232843" sldId="267"/>
@@ -2202,13 +2202,13 @@
         </pc:picChg>
       </pc:sldChg>
       <pc:sldChg chg="addSp delSp modSp new mod">
-        <pc:chgData name="Philippe Baucour" userId="5102170ae7533958" providerId="LiveId" clId="{ABAE05BF-949A-4E93-BC19-2AEAAED3ED81}" dt="2024-09-16T21:25:48.527" v="3343" actId="1037"/>
+        <pc:chgData name="Philippe Baucour" userId="5102170ae7533958" providerId="LiveId" clId="{ABAE05BF-949A-4E93-BC19-2AEAAED3ED81}" dt="2024-09-17T07:25:46.117" v="3777" actId="554"/>
         <pc:sldMkLst>
           <pc:docMk/>
           <pc:sldMk cId="3058765758" sldId="270"/>
         </pc:sldMkLst>
         <pc:spChg chg="mod">
-          <ac:chgData name="Philippe Baucour" userId="5102170ae7533958" providerId="LiveId" clId="{ABAE05BF-949A-4E93-BC19-2AEAAED3ED81}" dt="2024-09-13T14:54:59.879" v="3005" actId="20577"/>
+          <ac:chgData name="Philippe Baucour" userId="5102170ae7533958" providerId="LiveId" clId="{ABAE05BF-949A-4E93-BC19-2AEAAED3ED81}" dt="2024-09-17T07:14:50.461" v="3692" actId="20577"/>
           <ac:spMkLst>
             <pc:docMk/>
             <pc:sldMk cId="3058765758" sldId="270"/>
@@ -2216,7 +2216,7 @@
           </ac:spMkLst>
         </pc:spChg>
         <pc:spChg chg="add mod">
-          <ac:chgData name="Philippe Baucour" userId="5102170ae7533958" providerId="LiveId" clId="{ABAE05BF-949A-4E93-BC19-2AEAAED3ED81}" dt="2024-09-16T21:25:00.115" v="3286" actId="1035"/>
+          <ac:chgData name="Philippe Baucour" userId="5102170ae7533958" providerId="LiveId" clId="{ABAE05BF-949A-4E93-BC19-2AEAAED3ED81}" dt="2024-09-17T07:25:46.117" v="3777" actId="554"/>
           <ac:spMkLst>
             <pc:docMk/>
             <pc:sldMk cId="3058765758" sldId="270"/>
@@ -2248,7 +2248,7 @@
           </ac:picMkLst>
         </pc:picChg>
         <pc:picChg chg="add mod">
-          <ac:chgData name="Philippe Baucour" userId="5102170ae7533958" providerId="LiveId" clId="{ABAE05BF-949A-4E93-BC19-2AEAAED3ED81}" dt="2024-09-16T21:25:48.527" v="3343" actId="1037"/>
+          <ac:chgData name="Philippe Baucour" userId="5102170ae7533958" providerId="LiveId" clId="{ABAE05BF-949A-4E93-BC19-2AEAAED3ED81}" dt="2024-09-17T07:25:01.800" v="3730" actId="1037"/>
           <ac:picMkLst>
             <pc:docMk/>
             <pc:sldMk cId="3058765758" sldId="270"/>
@@ -2256,7 +2256,7 @@
           </ac:picMkLst>
         </pc:picChg>
         <pc:picChg chg="add mod">
-          <ac:chgData name="Philippe Baucour" userId="5102170ae7533958" providerId="LiveId" clId="{ABAE05BF-949A-4E93-BC19-2AEAAED3ED81}" dt="2024-09-16T21:25:00.115" v="3286" actId="1035"/>
+          <ac:chgData name="Philippe Baucour" userId="5102170ae7533958" providerId="LiveId" clId="{ABAE05BF-949A-4E93-BC19-2AEAAED3ED81}" dt="2024-09-17T07:25:46.117" v="3777" actId="554"/>
           <ac:picMkLst>
             <pc:docMk/>
             <pc:sldMk cId="3058765758" sldId="270"/>
@@ -2351,7 +2351,7 @@
           <a:p>
             <a:fld id="{FD1752CD-A7D2-4825-BC26-9DAEFBD0A5FF}" type="datetimeFigureOut">
               <a:rPr lang="fr-FR" smtClean="0"/>
-              <a:t>16/09/2024</a:t>
+              <a:t>17/09/2024</a:t>
             </a:fld>
             <a:endParaRPr lang="fr-FR"/>
           </a:p>
@@ -3870,7 +3870,7 @@
           <a:p>
             <a:fld id="{7ECB9D5A-E5E4-41FE-AF39-634902D6D5D2}" type="datetimeFigureOut">
               <a:rPr lang="fr-FR" smtClean="0"/>
-              <a:t>16/09/2024</a:t>
+              <a:t>17/09/2024</a:t>
             </a:fld>
             <a:endParaRPr lang="fr-FR"/>
           </a:p>
@@ -4068,7 +4068,7 @@
           <a:p>
             <a:fld id="{7ECB9D5A-E5E4-41FE-AF39-634902D6D5D2}" type="datetimeFigureOut">
               <a:rPr lang="fr-FR" smtClean="0"/>
-              <a:t>16/09/2024</a:t>
+              <a:t>17/09/2024</a:t>
             </a:fld>
             <a:endParaRPr lang="fr-FR"/>
           </a:p>
@@ -4276,7 +4276,7 @@
           <a:p>
             <a:fld id="{7ECB9D5A-E5E4-41FE-AF39-634902D6D5D2}" type="datetimeFigureOut">
               <a:rPr lang="fr-FR" smtClean="0"/>
-              <a:t>16/09/2024</a:t>
+              <a:t>17/09/2024</a:t>
             </a:fld>
             <a:endParaRPr lang="fr-FR"/>
           </a:p>
@@ -4474,7 +4474,7 @@
           <a:p>
             <a:fld id="{7ECB9D5A-E5E4-41FE-AF39-634902D6D5D2}" type="datetimeFigureOut">
               <a:rPr lang="fr-FR" smtClean="0"/>
-              <a:t>16/09/2024</a:t>
+              <a:t>17/09/2024</a:t>
             </a:fld>
             <a:endParaRPr lang="fr-FR"/>
           </a:p>
@@ -4749,7 +4749,7 @@
           <a:p>
             <a:fld id="{7ECB9D5A-E5E4-41FE-AF39-634902D6D5D2}" type="datetimeFigureOut">
               <a:rPr lang="fr-FR" smtClean="0"/>
-              <a:t>16/09/2024</a:t>
+              <a:t>17/09/2024</a:t>
             </a:fld>
             <a:endParaRPr lang="fr-FR"/>
           </a:p>
@@ -5014,7 +5014,7 @@
           <a:p>
             <a:fld id="{7ECB9D5A-E5E4-41FE-AF39-634902D6D5D2}" type="datetimeFigureOut">
               <a:rPr lang="fr-FR" smtClean="0"/>
-              <a:t>16/09/2024</a:t>
+              <a:t>17/09/2024</a:t>
             </a:fld>
             <a:endParaRPr lang="fr-FR"/>
           </a:p>
@@ -5426,7 +5426,7 @@
           <a:p>
             <a:fld id="{7ECB9D5A-E5E4-41FE-AF39-634902D6D5D2}" type="datetimeFigureOut">
               <a:rPr lang="fr-FR" smtClean="0"/>
-              <a:t>16/09/2024</a:t>
+              <a:t>17/09/2024</a:t>
             </a:fld>
             <a:endParaRPr lang="fr-FR"/>
           </a:p>
@@ -5567,7 +5567,7 @@
           <a:p>
             <a:fld id="{7ECB9D5A-E5E4-41FE-AF39-634902D6D5D2}" type="datetimeFigureOut">
               <a:rPr lang="fr-FR" smtClean="0"/>
-              <a:t>16/09/2024</a:t>
+              <a:t>17/09/2024</a:t>
             </a:fld>
             <a:endParaRPr lang="fr-FR"/>
           </a:p>
@@ -5680,7 +5680,7 @@
           <a:p>
             <a:fld id="{7ECB9D5A-E5E4-41FE-AF39-634902D6D5D2}" type="datetimeFigureOut">
               <a:rPr lang="fr-FR" smtClean="0"/>
-              <a:t>16/09/2024</a:t>
+              <a:t>17/09/2024</a:t>
             </a:fld>
             <a:endParaRPr lang="fr-FR"/>
           </a:p>
@@ -5991,7 +5991,7 @@
           <a:p>
             <a:fld id="{7ECB9D5A-E5E4-41FE-AF39-634902D6D5D2}" type="datetimeFigureOut">
               <a:rPr lang="fr-FR" smtClean="0"/>
-              <a:t>16/09/2024</a:t>
+              <a:t>17/09/2024</a:t>
             </a:fld>
             <a:endParaRPr lang="fr-FR"/>
           </a:p>
@@ -6282,7 +6282,7 @@
           <a:p>
             <a:fld id="{7ECB9D5A-E5E4-41FE-AF39-634902D6D5D2}" type="datetimeFigureOut">
               <a:rPr lang="fr-FR" smtClean="0"/>
-              <a:t>16/09/2024</a:t>
+              <a:t>17/09/2024</a:t>
             </a:fld>
             <a:endParaRPr lang="fr-FR"/>
           </a:p>
@@ -6523,7 +6523,7 @@
           <a:p>
             <a:fld id="{7ECB9D5A-E5E4-41FE-AF39-634902D6D5D2}" type="datetimeFigureOut">
               <a:rPr lang="fr-FR" smtClean="0"/>
-              <a:t>16/09/2024</a:t>
+              <a:t>17/09/2024</a:t>
             </a:fld>
             <a:endParaRPr lang="fr-FR"/>
           </a:p>
@@ -7415,7 +7415,30 @@
             </a:pPr>
             <a:r>
               <a:rPr lang="en-US" dirty="0"/>
-              <a:t>Interpreting results	: The tasting notes</a:t>
+              <a:t>Metrics Analysis	: The critics' score</a:t>
+            </a:r>
+          </a:p>
+          <a:p>
+            <a:pPr lvl="1">
+              <a:tabLst>
+                <a:tab pos="4572000" algn="l"/>
+              </a:tabLst>
+            </a:pPr>
+            <a:r>
+              <a:rPr lang="fr-FR" dirty="0"/>
+              <a:t>API &amp; App	: Sharing </a:t>
+            </a:r>
+            <a:r>
+              <a:rPr lang="fr-FR" dirty="0" err="1"/>
+              <a:t>with</a:t>
+            </a:r>
+            <a:r>
+              <a:rPr lang="fr-FR" dirty="0"/>
+              <a:t> </a:t>
+            </a:r>
+            <a:r>
+              <a:rPr lang="fr-FR" dirty="0" err="1"/>
+              <a:t>friends</a:t>
             </a:r>
             <a:endParaRPr lang="fr-FR" dirty="0"/>
           </a:p>
@@ -7424,33 +7447,6 @@
               <a:buFont typeface="+mj-lt"/>
               <a:buAutoNum type="arabicPeriod"/>
             </a:pPr>
-            <a:endParaRPr lang="fr-FR" dirty="0"/>
-          </a:p>
-          <a:p>
-            <a:r>
-              <a:rPr lang="fr-FR" dirty="0"/>
-              <a:t>It </a:t>
-            </a:r>
-            <a:r>
-              <a:rPr lang="fr-FR" dirty="0" err="1"/>
-              <a:t>is</a:t>
-            </a:r>
-            <a:r>
-              <a:rPr lang="fr-FR" dirty="0"/>
-              <a:t> true </a:t>
-            </a:r>
-            <a:r>
-              <a:rPr lang="fr-FR" dirty="0" err="1"/>
-              <a:t>here</a:t>
-            </a:r>
-            <a:r>
-              <a:rPr lang="fr-FR" dirty="0"/>
-              <a:t> </a:t>
-            </a:r>
-            <a:r>
-              <a:rPr lang="fr-FR" dirty="0" err="1"/>
-              <a:t>too</a:t>
-            </a:r>
             <a:endParaRPr lang="fr-FR" dirty="0"/>
           </a:p>
           <a:p>
@@ -7571,8 +7567,8 @@
         </p:blipFill>
         <p:spPr>
           <a:xfrm>
-            <a:off x="8984610" y="1700089"/>
-            <a:ext cx="1149290" cy="1287306"/>
+            <a:off x="9267626" y="1729425"/>
+            <a:ext cx="1435722" cy="1608135"/>
           </a:xfrm>
           <a:prstGeom prst="rect">
             <a:avLst/>
@@ -7596,6 +7592,376 @@
   <p:clrMapOvr>
     <a:masterClrMapping/>
   </p:clrMapOvr>
+  <p:timing>
+    <p:tnLst>
+      <p:par>
+        <p:cTn id="1" dur="indefinite" restart="never" nodeType="tmRoot">
+          <p:childTnLst>
+            <p:seq concurrent="1" nextAc="seek">
+              <p:cTn id="2" dur="indefinite" nodeType="mainSeq">
+                <p:childTnLst>
+                  <p:par>
+                    <p:cTn id="3" fill="hold">
+                      <p:stCondLst>
+                        <p:cond delay="indefinite"/>
+                      </p:stCondLst>
+                      <p:childTnLst>
+                        <p:par>
+                          <p:cTn id="4" fill="hold">
+                            <p:stCondLst>
+                              <p:cond delay="0"/>
+                            </p:stCondLst>
+                            <p:childTnLst>
+                              <p:par>
+                                <p:cTn id="5" presetID="1" presetClass="entr" presetSubtype="0" fill="hold" grpId="0" nodeType="clickEffect">
+                                  <p:stCondLst>
+                                    <p:cond delay="0"/>
+                                  </p:stCondLst>
+                                  <p:childTnLst>
+                                    <p:set>
+                                      <p:cBhvr>
+                                        <p:cTn id="6" dur="1" fill="hold">
+                                          <p:stCondLst>
+                                            <p:cond delay="0"/>
+                                          </p:stCondLst>
+                                        </p:cTn>
+                                        <p:tgtEl>
+                                          <p:spTgt spid="3">
+                                            <p:txEl>
+                                              <p:pRg st="0" end="0"/>
+                                            </p:txEl>
+                                          </p:spTgt>
+                                        </p:tgtEl>
+                                        <p:attrNameLst>
+                                          <p:attrName>style.visibility</p:attrName>
+                                        </p:attrNameLst>
+                                      </p:cBhvr>
+                                      <p:to>
+                                        <p:strVal val="visible"/>
+                                      </p:to>
+                                    </p:set>
+                                  </p:childTnLst>
+                                </p:cTn>
+                              </p:par>
+                              <p:par>
+                                <p:cTn id="7" presetID="1" presetClass="entr" presetSubtype="0" fill="hold" grpId="0" nodeType="withEffect">
+                                  <p:stCondLst>
+                                    <p:cond delay="0"/>
+                                  </p:stCondLst>
+                                  <p:childTnLst>
+                                    <p:set>
+                                      <p:cBhvr>
+                                        <p:cTn id="8" dur="1" fill="hold">
+                                          <p:stCondLst>
+                                            <p:cond delay="0"/>
+                                          </p:stCondLst>
+                                        </p:cTn>
+                                        <p:tgtEl>
+                                          <p:spTgt spid="3">
+                                            <p:txEl>
+                                              <p:pRg st="1" end="1"/>
+                                            </p:txEl>
+                                          </p:spTgt>
+                                        </p:tgtEl>
+                                        <p:attrNameLst>
+                                          <p:attrName>style.visibility</p:attrName>
+                                        </p:attrNameLst>
+                                      </p:cBhvr>
+                                      <p:to>
+                                        <p:strVal val="visible"/>
+                                      </p:to>
+                                    </p:set>
+                                  </p:childTnLst>
+                                </p:cTn>
+                              </p:par>
+                              <p:par>
+                                <p:cTn id="9" presetID="1" presetClass="entr" presetSubtype="0" fill="hold" grpId="0" nodeType="withEffect">
+                                  <p:stCondLst>
+                                    <p:cond delay="0"/>
+                                  </p:stCondLst>
+                                  <p:childTnLst>
+                                    <p:set>
+                                      <p:cBhvr>
+                                        <p:cTn id="10" dur="1" fill="hold">
+                                          <p:stCondLst>
+                                            <p:cond delay="0"/>
+                                          </p:stCondLst>
+                                        </p:cTn>
+                                        <p:tgtEl>
+                                          <p:spTgt spid="3">
+                                            <p:txEl>
+                                              <p:pRg st="2" end="2"/>
+                                            </p:txEl>
+                                          </p:spTgt>
+                                        </p:tgtEl>
+                                        <p:attrNameLst>
+                                          <p:attrName>style.visibility</p:attrName>
+                                        </p:attrNameLst>
+                                      </p:cBhvr>
+                                      <p:to>
+                                        <p:strVal val="visible"/>
+                                      </p:to>
+                                    </p:set>
+                                  </p:childTnLst>
+                                </p:cTn>
+                              </p:par>
+                              <p:par>
+                                <p:cTn id="11" presetID="1" presetClass="entr" presetSubtype="0" fill="hold" grpId="0" nodeType="withEffect">
+                                  <p:stCondLst>
+                                    <p:cond delay="0"/>
+                                  </p:stCondLst>
+                                  <p:childTnLst>
+                                    <p:set>
+                                      <p:cBhvr>
+                                        <p:cTn id="12" dur="1" fill="hold">
+                                          <p:stCondLst>
+                                            <p:cond delay="0"/>
+                                          </p:stCondLst>
+                                        </p:cTn>
+                                        <p:tgtEl>
+                                          <p:spTgt spid="3">
+                                            <p:txEl>
+                                              <p:pRg st="3" end="3"/>
+                                            </p:txEl>
+                                          </p:spTgt>
+                                        </p:tgtEl>
+                                        <p:attrNameLst>
+                                          <p:attrName>style.visibility</p:attrName>
+                                        </p:attrNameLst>
+                                      </p:cBhvr>
+                                      <p:to>
+                                        <p:strVal val="visible"/>
+                                      </p:to>
+                                    </p:set>
+                                  </p:childTnLst>
+                                </p:cTn>
+                              </p:par>
+                              <p:par>
+                                <p:cTn id="13" presetID="1" presetClass="entr" presetSubtype="0" fill="hold" grpId="0" nodeType="withEffect">
+                                  <p:stCondLst>
+                                    <p:cond delay="0"/>
+                                  </p:stCondLst>
+                                  <p:childTnLst>
+                                    <p:set>
+                                      <p:cBhvr>
+                                        <p:cTn id="14" dur="1" fill="hold">
+                                          <p:stCondLst>
+                                            <p:cond delay="0"/>
+                                          </p:stCondLst>
+                                        </p:cTn>
+                                        <p:tgtEl>
+                                          <p:spTgt spid="3">
+                                            <p:txEl>
+                                              <p:pRg st="4" end="4"/>
+                                            </p:txEl>
+                                          </p:spTgt>
+                                        </p:tgtEl>
+                                        <p:attrNameLst>
+                                          <p:attrName>style.visibility</p:attrName>
+                                        </p:attrNameLst>
+                                      </p:cBhvr>
+                                      <p:to>
+                                        <p:strVal val="visible"/>
+                                      </p:to>
+                                    </p:set>
+                                  </p:childTnLst>
+                                </p:cTn>
+                              </p:par>
+                              <p:par>
+                                <p:cTn id="15" presetID="1" presetClass="entr" presetSubtype="0" fill="hold" grpId="0" nodeType="withEffect">
+                                  <p:stCondLst>
+                                    <p:cond delay="0"/>
+                                  </p:stCondLst>
+                                  <p:childTnLst>
+                                    <p:set>
+                                      <p:cBhvr>
+                                        <p:cTn id="16" dur="1" fill="hold">
+                                          <p:stCondLst>
+                                            <p:cond delay="0"/>
+                                          </p:stCondLst>
+                                        </p:cTn>
+                                        <p:tgtEl>
+                                          <p:spTgt spid="3">
+                                            <p:txEl>
+                                              <p:pRg st="5" end="5"/>
+                                            </p:txEl>
+                                          </p:spTgt>
+                                        </p:tgtEl>
+                                        <p:attrNameLst>
+                                          <p:attrName>style.visibility</p:attrName>
+                                        </p:attrNameLst>
+                                      </p:cBhvr>
+                                      <p:to>
+                                        <p:strVal val="visible"/>
+                                      </p:to>
+                                    </p:set>
+                                  </p:childTnLst>
+                                </p:cTn>
+                              </p:par>
+                              <p:par>
+                                <p:cTn id="17" presetID="10" presetClass="entr" presetSubtype="0" fill="hold" nodeType="withEffect">
+                                  <p:stCondLst>
+                                    <p:cond delay="0"/>
+                                  </p:stCondLst>
+                                  <p:childTnLst>
+                                    <p:set>
+                                      <p:cBhvr>
+                                        <p:cTn id="18" dur="1" fill="hold">
+                                          <p:stCondLst>
+                                            <p:cond delay="0"/>
+                                          </p:stCondLst>
+                                        </p:cTn>
+                                        <p:tgtEl>
+                                          <p:spTgt spid="5"/>
+                                        </p:tgtEl>
+                                        <p:attrNameLst>
+                                          <p:attrName>style.visibility</p:attrName>
+                                        </p:attrNameLst>
+                                      </p:cBhvr>
+                                      <p:to>
+                                        <p:strVal val="visible"/>
+                                      </p:to>
+                                    </p:set>
+                                    <p:animEffect transition="in" filter="fade">
+                                      <p:cBhvr>
+                                        <p:cTn id="19" dur="500"/>
+                                        <p:tgtEl>
+                                          <p:spTgt spid="5"/>
+                                        </p:tgtEl>
+                                      </p:cBhvr>
+                                    </p:animEffect>
+                                  </p:childTnLst>
+                                </p:cTn>
+                              </p:par>
+                            </p:childTnLst>
+                          </p:cTn>
+                        </p:par>
+                      </p:childTnLst>
+                    </p:cTn>
+                  </p:par>
+                  <p:par>
+                    <p:cTn id="20" fill="hold">
+                      <p:stCondLst>
+                        <p:cond delay="indefinite"/>
+                      </p:stCondLst>
+                      <p:childTnLst>
+                        <p:par>
+                          <p:cTn id="21" fill="hold">
+                            <p:stCondLst>
+                              <p:cond delay="0"/>
+                            </p:stCondLst>
+                            <p:childTnLst>
+                              <p:par>
+                                <p:cTn id="22" presetID="1" presetClass="entr" presetSubtype="0" fill="hold" grpId="0" nodeType="clickEffect">
+                                  <p:stCondLst>
+                                    <p:cond delay="0"/>
+                                  </p:stCondLst>
+                                  <p:childTnLst>
+                                    <p:set>
+                                      <p:cBhvr>
+                                        <p:cTn id="23" dur="1" fill="hold">
+                                          <p:stCondLst>
+                                            <p:cond delay="0"/>
+                                          </p:stCondLst>
+                                        </p:cTn>
+                                        <p:tgtEl>
+                                          <p:spTgt spid="3">
+                                            <p:txEl>
+                                              <p:pRg st="8" end="8"/>
+                                            </p:txEl>
+                                          </p:spTgt>
+                                        </p:tgtEl>
+                                        <p:attrNameLst>
+                                          <p:attrName>style.visibility</p:attrName>
+                                        </p:attrNameLst>
+                                      </p:cBhvr>
+                                      <p:to>
+                                        <p:strVal val="visible"/>
+                                      </p:to>
+                                    </p:set>
+                                  </p:childTnLst>
+                                </p:cTn>
+                              </p:par>
+                            </p:childTnLst>
+                          </p:cTn>
+                        </p:par>
+                      </p:childTnLst>
+                    </p:cTn>
+                  </p:par>
+                  <p:par>
+                    <p:cTn id="24" fill="hold">
+                      <p:stCondLst>
+                        <p:cond delay="indefinite"/>
+                      </p:stCondLst>
+                      <p:childTnLst>
+                        <p:par>
+                          <p:cTn id="25" fill="hold">
+                            <p:stCondLst>
+                              <p:cond delay="0"/>
+                            </p:stCondLst>
+                            <p:childTnLst>
+                              <p:par>
+                                <p:cTn id="26" presetID="1" presetClass="entr" presetSubtype="0" fill="hold" grpId="0" nodeType="clickEffect">
+                                  <p:stCondLst>
+                                    <p:cond delay="0"/>
+                                  </p:stCondLst>
+                                  <p:childTnLst>
+                                    <p:set>
+                                      <p:cBhvr>
+                                        <p:cTn id="27" dur="1" fill="hold">
+                                          <p:stCondLst>
+                                            <p:cond delay="0"/>
+                                          </p:stCondLst>
+                                        </p:cTn>
+                                        <p:tgtEl>
+                                          <p:spTgt spid="3">
+                                            <p:txEl>
+                                              <p:pRg st="9" end="9"/>
+                                            </p:txEl>
+                                          </p:spTgt>
+                                        </p:tgtEl>
+                                        <p:attrNameLst>
+                                          <p:attrName>style.visibility</p:attrName>
+                                        </p:attrNameLst>
+                                      </p:cBhvr>
+                                      <p:to>
+                                        <p:strVal val="visible"/>
+                                      </p:to>
+                                    </p:set>
+                                  </p:childTnLst>
+                                </p:cTn>
+                              </p:par>
+                            </p:childTnLst>
+                          </p:cTn>
+                        </p:par>
+                      </p:childTnLst>
+                    </p:cTn>
+                  </p:par>
+                </p:childTnLst>
+              </p:cTn>
+              <p:prevCondLst>
+                <p:cond evt="onPrev" delay="0">
+                  <p:tgtEl>
+                    <p:sldTgt/>
+                  </p:tgtEl>
+                </p:cond>
+              </p:prevCondLst>
+              <p:nextCondLst>
+                <p:cond evt="onNext" delay="0">
+                  <p:tgtEl>
+                    <p:sldTgt/>
+                  </p:tgtEl>
+                </p:cond>
+              </p:nextCondLst>
+            </p:seq>
+          </p:childTnLst>
+        </p:cTn>
+      </p:par>
+    </p:tnLst>
+    <p:bldLst>
+      <p:bldP spid="3" grpId="0" uiExpand="1" build="p"/>
+    </p:bldLst>
+  </p:timing>
 </p:sld>
 </file>
 
@@ -8806,12 +9172,19 @@
         </p:blipFill>
         <p:spPr>
           <a:xfrm>
-            <a:off x="213359" y="4878491"/>
+            <a:off x="213359" y="4865989"/>
             <a:ext cx="3168088" cy="678352"/>
           </a:xfrm>
           <a:prstGeom prst="rect">
             <a:avLst/>
           </a:prstGeom>
+          <a:effectLst>
+            <a:outerShdw blurRad="50800" dist="38100" dir="2700000" algn="tl" rotWithShape="0">
+              <a:prstClr val="black">
+                <a:alpha val="40000"/>
+              </a:prstClr>
+            </a:outerShdw>
+          </a:effectLst>
         </p:spPr>
       </p:pic>
     </p:spTree>
@@ -8867,7 +9240,15 @@
           <a:p>
             <a:r>
               <a:rPr lang="fr-FR" dirty="0"/>
-              <a:t>Basic model</a:t>
+              <a:t>Basic model – </a:t>
+            </a:r>
+            <a:r>
+              <a:rPr lang="fr-FR" dirty="0" err="1"/>
+              <a:t>Animated</a:t>
+            </a:r>
+            <a:r>
+              <a:rPr lang="fr-FR" dirty="0"/>
+              <a:t> Confusion Matrix</a:t>
             </a:r>
           </a:p>
         </p:txBody>
@@ -8886,7 +9267,7 @@
         </p:nvSpPr>
         <p:spPr>
           <a:xfrm>
-            <a:off x="2531141" y="5388849"/>
+            <a:off x="2537237" y="5388849"/>
             <a:ext cx="2390398" cy="923330"/>
           </a:xfrm>
           <a:prstGeom prst="rect">
@@ -8968,7 +9349,7 @@
         </p:blipFill>
         <p:spPr>
           <a:xfrm>
-            <a:off x="5791199" y="5388849"/>
+            <a:off x="6400799" y="5388849"/>
             <a:ext cx="4609907" cy="1280274"/>
           </a:xfrm>
           <a:prstGeom prst="rect">
@@ -9054,7 +9435,7 @@
         </p:blipFill>
         <p:spPr>
           <a:xfrm>
-            <a:off x="5974152" y="829756"/>
+            <a:off x="6583752" y="829756"/>
             <a:ext cx="4413432" cy="4413432"/>
           </a:xfrm>
           <a:prstGeom prst="rect">

--- a/07_deep_learning/99_Project_ATT/01_att_project.pptx
+++ b/07_deep_learning/99_Project_ATT/01_att_project.pptx
@@ -128,7 +128,7 @@
 <file path=ppt/revisionInfo.xml><?xml version="1.0" encoding="utf-8"?>
 <p1510:revInfo xmlns:a="http://schemas.openxmlformats.org/drawingml/2006/main" xmlns:r="http://schemas.openxmlformats.org/officeDocument/2006/relationships" xmlns:p1510="http://schemas.microsoft.com/office/powerpoint/2015/10/main">
   <p1510:revLst>
-    <p1510:client id="{ABAE05BF-949A-4E93-BC19-2AEAAED3ED81}" v="37" dt="2024-09-17T07:03:26.665"/>
+    <p1510:client id="{ABAE05BF-949A-4E93-BC19-2AEAAED3ED81}" v="42" dt="2024-09-17T15:13:18.346"/>
   </p1510:revLst>
 </p1510:revInfo>
 </file>
@@ -1567,7 +1567,7 @@
   <pc:docChgLst>
     <pc:chgData name="Philippe Baucour" userId="5102170ae7533958" providerId="LiveId" clId="{ABAE05BF-949A-4E93-BC19-2AEAAED3ED81}"/>
     <pc:docChg chg="undo custSel addSld modSld sldOrd">
-      <pc:chgData name="Philippe Baucour" userId="5102170ae7533958" providerId="LiveId" clId="{ABAE05BF-949A-4E93-BC19-2AEAAED3ED81}" dt="2024-09-17T07:25:46.117" v="3777" actId="554"/>
+      <pc:chgData name="Philippe Baucour" userId="5102170ae7533958" providerId="LiveId" clId="{ABAE05BF-949A-4E93-BC19-2AEAAED3ED81}" dt="2024-09-17T15:13:18.346" v="3872"/>
       <pc:docMkLst>
         <pc:docMk/>
       </pc:docMkLst>
@@ -1634,14 +1634,14 @@
           </ac:picMkLst>
         </pc:picChg>
       </pc:sldChg>
-      <pc:sldChg chg="addSp modSp mod modAnim modNotesTx">
-        <pc:chgData name="Philippe Baucour" userId="5102170ae7533958" providerId="LiveId" clId="{ABAE05BF-949A-4E93-BC19-2AEAAED3ED81}" dt="2024-09-17T07:03:26.665" v="3663"/>
+      <pc:sldChg chg="addSp delSp modSp mod modAnim modNotesTx">
+        <pc:chgData name="Philippe Baucour" userId="5102170ae7533958" providerId="LiveId" clId="{ABAE05BF-949A-4E93-BC19-2AEAAED3ED81}" dt="2024-09-17T15:13:18.346" v="3872"/>
         <pc:sldMkLst>
           <pc:docMk/>
           <pc:sldMk cId="3201622378" sldId="257"/>
         </pc:sldMkLst>
         <pc:spChg chg="mod">
-          <ac:chgData name="Philippe Baucour" userId="5102170ae7533958" providerId="LiveId" clId="{ABAE05BF-949A-4E93-BC19-2AEAAED3ED81}" dt="2024-09-17T06:35:26.791" v="3656" actId="20577"/>
+          <ac:chgData name="Philippe Baucour" userId="5102170ae7533958" providerId="LiveId" clId="{ABAE05BF-949A-4E93-BC19-2AEAAED3ED81}" dt="2024-09-17T13:43:06.739" v="3865" actId="1076"/>
           <ac:spMkLst>
             <pc:docMk/>
             <pc:sldMk cId="3201622378" sldId="257"/>
@@ -1656,6 +1656,62 @@
             <ac:spMk id="4" creationId="{20D0381A-FBA0-AB44-6D71-9FED8CCC6156}"/>
           </ac:spMkLst>
         </pc:spChg>
+        <pc:spChg chg="mod topLvl">
+          <ac:chgData name="Philippe Baucour" userId="5102170ae7533958" providerId="LiveId" clId="{ABAE05BF-949A-4E93-BC19-2AEAAED3ED81}" dt="2024-09-17T13:44:13.238" v="3868" actId="207"/>
+          <ac:spMkLst>
+            <pc:docMk/>
+            <pc:sldMk cId="3201622378" sldId="257"/>
+            <ac:spMk id="6" creationId="{24E7E9CA-F20D-B615-A493-E5AC4055DA41}"/>
+          </ac:spMkLst>
+        </pc:spChg>
+        <pc:spChg chg="mod topLvl">
+          <ac:chgData name="Philippe Baucour" userId="5102170ae7533958" providerId="LiveId" clId="{ABAE05BF-949A-4E93-BC19-2AEAAED3ED81}" dt="2024-09-17T13:43:47.921" v="3867" actId="164"/>
+          <ac:spMkLst>
+            <pc:docMk/>
+            <pc:sldMk cId="3201622378" sldId="257"/>
+            <ac:spMk id="7" creationId="{F4C97974-E092-38BA-4150-43B734BDD140}"/>
+          </ac:spMkLst>
+        </pc:spChg>
+        <pc:spChg chg="mod topLvl">
+          <ac:chgData name="Philippe Baucour" userId="5102170ae7533958" providerId="LiveId" clId="{ABAE05BF-949A-4E93-BC19-2AEAAED3ED81}" dt="2024-09-17T13:44:47.492" v="3870" actId="207"/>
+          <ac:spMkLst>
+            <pc:docMk/>
+            <pc:sldMk cId="3201622378" sldId="257"/>
+            <ac:spMk id="8" creationId="{894A5451-FAD7-E527-5558-C6E16BC69264}"/>
+          </ac:spMkLst>
+        </pc:spChg>
+        <pc:spChg chg="mod topLvl">
+          <ac:chgData name="Philippe Baucour" userId="5102170ae7533958" providerId="LiveId" clId="{ABAE05BF-949A-4E93-BC19-2AEAAED3ED81}" dt="2024-09-17T13:43:47.921" v="3867" actId="164"/>
+          <ac:spMkLst>
+            <pc:docMk/>
+            <pc:sldMk cId="3201622378" sldId="257"/>
+            <ac:spMk id="9" creationId="{750FD02D-8713-8F57-9159-8B6DD4D2AEC2}"/>
+          </ac:spMkLst>
+        </pc:spChg>
+        <pc:spChg chg="mod topLvl">
+          <ac:chgData name="Philippe Baucour" userId="5102170ae7533958" providerId="LiveId" clId="{ABAE05BF-949A-4E93-BC19-2AEAAED3ED81}" dt="2024-09-17T13:44:24.036" v="3869" actId="207"/>
+          <ac:spMkLst>
+            <pc:docMk/>
+            <pc:sldMk cId="3201622378" sldId="257"/>
+            <ac:spMk id="10" creationId="{3BAE07F1-7B1F-EB8A-4F5B-C70A349EBA2D}"/>
+          </ac:spMkLst>
+        </pc:spChg>
+        <pc:grpChg chg="add del mod">
+          <ac:chgData name="Philippe Baucour" userId="5102170ae7533958" providerId="LiveId" clId="{ABAE05BF-949A-4E93-BC19-2AEAAED3ED81}" dt="2024-09-17T13:42:16.882" v="3782" actId="165"/>
+          <ac:grpSpMkLst>
+            <pc:docMk/>
+            <pc:sldMk cId="3201622378" sldId="257"/>
+            <ac:grpSpMk id="4" creationId="{6D99E9B6-F8F7-ADB8-7A61-EB827E6C1EBC}"/>
+          </ac:grpSpMkLst>
+        </pc:grpChg>
+        <pc:grpChg chg="add mod">
+          <ac:chgData name="Philippe Baucour" userId="5102170ae7533958" providerId="LiveId" clId="{ABAE05BF-949A-4E93-BC19-2AEAAED3ED81}" dt="2024-09-17T13:43:47.921" v="3867" actId="164"/>
+          <ac:grpSpMkLst>
+            <pc:docMk/>
+            <pc:sldMk cId="3201622378" sldId="257"/>
+            <ac:grpSpMk id="11" creationId="{7120AF6E-785D-C94C-BBDA-A06DEEBAD2A9}"/>
+          </ac:grpSpMkLst>
+        </pc:grpChg>
         <pc:picChg chg="add mod modCrop">
           <ac:chgData name="Philippe Baucour" userId="5102170ae7533958" providerId="LiveId" clId="{ABAE05BF-949A-4E93-BC19-2AEAAED3ED81}" dt="2024-09-17T06:22:25.051" v="3623" actId="1037"/>
           <ac:picMkLst>
@@ -7582,6 +7638,287 @@
           </a:effectLst>
         </p:spPr>
       </p:pic>
+      <p:grpSp>
+        <p:nvGrpSpPr>
+          <p:cNvPr id="11" name="Groupe 10">
+            <a:extLst>
+              <a:ext uri="{FF2B5EF4-FFF2-40B4-BE49-F238E27FC236}">
+                <a16:creationId xmlns:a16="http://schemas.microsoft.com/office/drawing/2014/main" id="{7120AF6E-785D-C94C-BBDA-A06DEEBAD2A9}"/>
+              </a:ext>
+            </a:extLst>
+          </p:cNvPr>
+          <p:cNvGrpSpPr/>
+          <p:nvPr/>
+        </p:nvGrpSpPr>
+        <p:grpSpPr>
+          <a:xfrm>
+            <a:off x="693609" y="1729425"/>
+            <a:ext cx="180000" cy="1610871"/>
+            <a:chOff x="693609" y="1729425"/>
+            <a:chExt cx="180000" cy="1610871"/>
+          </a:xfrm>
+        </p:grpSpPr>
+        <p:sp>
+          <p:nvSpPr>
+            <p:cNvPr id="6" name="Ellipse 5">
+              <a:extLst>
+                <a:ext uri="{FF2B5EF4-FFF2-40B4-BE49-F238E27FC236}">
+                  <a16:creationId xmlns:a16="http://schemas.microsoft.com/office/drawing/2014/main" id="{24E7E9CA-F20D-B615-A493-E5AC4055DA41}"/>
+                </a:ext>
+              </a:extLst>
+            </p:cNvPr>
+            <p:cNvSpPr/>
+            <p:nvPr/>
+          </p:nvSpPr>
+          <p:spPr>
+            <a:xfrm>
+              <a:off x="693609" y="1729425"/>
+              <a:ext cx="180000" cy="180000"/>
+            </a:xfrm>
+            <a:prstGeom prst="ellipse">
+              <a:avLst/>
+            </a:prstGeom>
+            <a:solidFill>
+              <a:srgbClr val="92D050"/>
+            </a:solidFill>
+            <a:ln>
+              <a:noFill/>
+            </a:ln>
+          </p:spPr>
+          <p:style>
+            <a:lnRef idx="2">
+              <a:schemeClr val="accent1">
+                <a:shade val="15000"/>
+              </a:schemeClr>
+            </a:lnRef>
+            <a:fillRef idx="1">
+              <a:schemeClr val="accent1"/>
+            </a:fillRef>
+            <a:effectRef idx="0">
+              <a:schemeClr val="accent1"/>
+            </a:effectRef>
+            <a:fontRef idx="minor">
+              <a:schemeClr val="lt1"/>
+            </a:fontRef>
+          </p:style>
+          <p:txBody>
+            <a:bodyPr rtlCol="0" anchor="ctr"/>
+            <a:lstStyle/>
+            <a:p>
+              <a:pPr algn="ctr"/>
+              <a:endParaRPr lang="fr-FR"/>
+            </a:p>
+          </p:txBody>
+        </p:sp>
+        <p:sp>
+          <p:nvSpPr>
+            <p:cNvPr id="7" name="Ellipse 6">
+              <a:extLst>
+                <a:ext uri="{FF2B5EF4-FFF2-40B4-BE49-F238E27FC236}">
+                  <a16:creationId xmlns:a16="http://schemas.microsoft.com/office/drawing/2014/main" id="{F4C97974-E092-38BA-4150-43B734BDD140}"/>
+                </a:ext>
+              </a:extLst>
+            </p:cNvPr>
+            <p:cNvSpPr/>
+            <p:nvPr/>
+          </p:nvSpPr>
+          <p:spPr>
+            <a:xfrm>
+              <a:off x="693609" y="2087143"/>
+              <a:ext cx="180000" cy="180000"/>
+            </a:xfrm>
+            <a:prstGeom prst="ellipse">
+              <a:avLst/>
+            </a:prstGeom>
+            <a:solidFill>
+              <a:srgbClr val="92D050"/>
+            </a:solidFill>
+            <a:ln>
+              <a:noFill/>
+            </a:ln>
+          </p:spPr>
+          <p:style>
+            <a:lnRef idx="2">
+              <a:schemeClr val="accent1">
+                <a:shade val="15000"/>
+              </a:schemeClr>
+            </a:lnRef>
+            <a:fillRef idx="1">
+              <a:schemeClr val="accent1"/>
+            </a:fillRef>
+            <a:effectRef idx="0">
+              <a:schemeClr val="accent1"/>
+            </a:effectRef>
+            <a:fontRef idx="minor">
+              <a:schemeClr val="lt1"/>
+            </a:fontRef>
+          </p:style>
+          <p:txBody>
+            <a:bodyPr rtlCol="0" anchor="ctr"/>
+            <a:lstStyle/>
+            <a:p>
+              <a:pPr algn="ctr"/>
+              <a:endParaRPr lang="fr-FR"/>
+            </a:p>
+          </p:txBody>
+        </p:sp>
+        <p:sp>
+          <p:nvSpPr>
+            <p:cNvPr id="8" name="Ellipse 7">
+              <a:extLst>
+                <a:ext uri="{FF2B5EF4-FFF2-40B4-BE49-F238E27FC236}">
+                  <a16:creationId xmlns:a16="http://schemas.microsoft.com/office/drawing/2014/main" id="{894A5451-FAD7-E527-5558-C6E16BC69264}"/>
+                </a:ext>
+              </a:extLst>
+            </p:cNvPr>
+            <p:cNvSpPr/>
+            <p:nvPr/>
+          </p:nvSpPr>
+          <p:spPr>
+            <a:xfrm>
+              <a:off x="693609" y="2444861"/>
+              <a:ext cx="180000" cy="180000"/>
+            </a:xfrm>
+            <a:prstGeom prst="ellipse">
+              <a:avLst/>
+            </a:prstGeom>
+            <a:solidFill>
+              <a:srgbClr val="92D050"/>
+            </a:solidFill>
+            <a:ln>
+              <a:noFill/>
+            </a:ln>
+          </p:spPr>
+          <p:style>
+            <a:lnRef idx="2">
+              <a:schemeClr val="accent1">
+                <a:shade val="15000"/>
+              </a:schemeClr>
+            </a:lnRef>
+            <a:fillRef idx="1">
+              <a:schemeClr val="accent1"/>
+            </a:fillRef>
+            <a:effectRef idx="0">
+              <a:schemeClr val="accent1"/>
+            </a:effectRef>
+            <a:fontRef idx="minor">
+              <a:schemeClr val="lt1"/>
+            </a:fontRef>
+          </p:style>
+          <p:txBody>
+            <a:bodyPr rtlCol="0" anchor="ctr"/>
+            <a:lstStyle/>
+            <a:p>
+              <a:pPr algn="ctr"/>
+              <a:endParaRPr lang="fr-FR"/>
+            </a:p>
+          </p:txBody>
+        </p:sp>
+        <p:sp>
+          <p:nvSpPr>
+            <p:cNvPr id="9" name="Ellipse 8">
+              <a:extLst>
+                <a:ext uri="{FF2B5EF4-FFF2-40B4-BE49-F238E27FC236}">
+                  <a16:creationId xmlns:a16="http://schemas.microsoft.com/office/drawing/2014/main" id="{750FD02D-8713-8F57-9159-8B6DD4D2AEC2}"/>
+                </a:ext>
+              </a:extLst>
+            </p:cNvPr>
+            <p:cNvSpPr/>
+            <p:nvPr/>
+          </p:nvSpPr>
+          <p:spPr>
+            <a:xfrm>
+              <a:off x="693609" y="2802579"/>
+              <a:ext cx="180000" cy="180000"/>
+            </a:xfrm>
+            <a:prstGeom prst="ellipse">
+              <a:avLst/>
+            </a:prstGeom>
+            <a:solidFill>
+              <a:srgbClr val="92D050"/>
+            </a:solidFill>
+            <a:ln>
+              <a:noFill/>
+            </a:ln>
+          </p:spPr>
+          <p:style>
+            <a:lnRef idx="2">
+              <a:schemeClr val="accent1">
+                <a:shade val="15000"/>
+              </a:schemeClr>
+            </a:lnRef>
+            <a:fillRef idx="1">
+              <a:schemeClr val="accent1"/>
+            </a:fillRef>
+            <a:effectRef idx="0">
+              <a:schemeClr val="accent1"/>
+            </a:effectRef>
+            <a:fontRef idx="minor">
+              <a:schemeClr val="lt1"/>
+            </a:fontRef>
+          </p:style>
+          <p:txBody>
+            <a:bodyPr rtlCol="0" anchor="ctr"/>
+            <a:lstStyle/>
+            <a:p>
+              <a:pPr algn="ctr"/>
+              <a:endParaRPr lang="fr-FR"/>
+            </a:p>
+          </p:txBody>
+        </p:sp>
+        <p:sp>
+          <p:nvSpPr>
+            <p:cNvPr id="10" name="Ellipse 9">
+              <a:extLst>
+                <a:ext uri="{FF2B5EF4-FFF2-40B4-BE49-F238E27FC236}">
+                  <a16:creationId xmlns:a16="http://schemas.microsoft.com/office/drawing/2014/main" id="{3BAE07F1-7B1F-EB8A-4F5B-C70A349EBA2D}"/>
+                </a:ext>
+              </a:extLst>
+            </p:cNvPr>
+            <p:cNvSpPr/>
+            <p:nvPr/>
+          </p:nvSpPr>
+          <p:spPr>
+            <a:xfrm>
+              <a:off x="693609" y="3160296"/>
+              <a:ext cx="180000" cy="180000"/>
+            </a:xfrm>
+            <a:prstGeom prst="ellipse">
+              <a:avLst/>
+            </a:prstGeom>
+            <a:solidFill>
+              <a:srgbClr val="C00000"/>
+            </a:solidFill>
+            <a:ln>
+              <a:noFill/>
+            </a:ln>
+          </p:spPr>
+          <p:style>
+            <a:lnRef idx="2">
+              <a:schemeClr val="accent1">
+                <a:shade val="15000"/>
+              </a:schemeClr>
+            </a:lnRef>
+            <a:fillRef idx="1">
+              <a:schemeClr val="accent1"/>
+            </a:fillRef>
+            <a:effectRef idx="0">
+              <a:schemeClr val="accent1"/>
+            </a:effectRef>
+            <a:fontRef idx="minor">
+              <a:schemeClr val="lt1"/>
+            </a:fontRef>
+          </p:style>
+          <p:txBody>
+            <a:bodyPr rtlCol="0" anchor="ctr"/>
+            <a:lstStyle/>
+            <a:p>
+              <a:pPr algn="ctr"/>
+              <a:endParaRPr lang="fr-FR"/>
+            </a:p>
+          </p:txBody>
+        </p:sp>
+      </p:grpSp>
     </p:spTree>
     <p:extLst>
       <p:ext uri="{BB962C8B-B14F-4D97-AF65-F5344CB8AC3E}">
@@ -7643,15 +7980,68 @@
                                   </p:childTnLst>
                                 </p:cTn>
                               </p:par>
+                            </p:childTnLst>
+                          </p:cTn>
+                        </p:par>
+                      </p:childTnLst>
+                    </p:cTn>
+                  </p:par>
+                  <p:par>
+                    <p:cTn id="7" fill="hold">
+                      <p:stCondLst>
+                        <p:cond delay="indefinite"/>
+                      </p:stCondLst>
+                      <p:childTnLst>
+                        <p:par>
+                          <p:cTn id="8" fill="hold">
+                            <p:stCondLst>
+                              <p:cond delay="0"/>
+                            </p:stCondLst>
+                            <p:childTnLst>
                               <p:par>
-                                <p:cTn id="7" presetID="1" presetClass="entr" presetSubtype="0" fill="hold" grpId="0" nodeType="withEffect">
+                                <p:cTn id="9" presetID="10" presetClass="entr" presetSubtype="0" fill="hold" nodeType="clickEffect">
                                   <p:stCondLst>
                                     <p:cond delay="0"/>
                                   </p:stCondLst>
                                   <p:childTnLst>
                                     <p:set>
                                       <p:cBhvr>
-                                        <p:cTn id="8" dur="1" fill="hold">
+                                        <p:cTn id="10" dur="1" fill="hold">
+                                          <p:stCondLst>
+                                            <p:cond delay="0"/>
+                                          </p:stCondLst>
+                                        </p:cTn>
+                                        <p:tgtEl>
+                                          <p:spTgt spid="11"/>
+                                        </p:tgtEl>
+                                        <p:attrNameLst>
+                                          <p:attrName>style.visibility</p:attrName>
+                                        </p:attrNameLst>
+                                      </p:cBhvr>
+                                      <p:to>
+                                        <p:strVal val="visible"/>
+                                      </p:to>
+                                    </p:set>
+                                    <p:animEffect transition="in" filter="fade">
+                                      <p:cBhvr>
+                                        <p:cTn id="11" dur="500"/>
+                                        <p:tgtEl>
+                                          <p:spTgt spid="11"/>
+                                        </p:tgtEl>
+                                      </p:cBhvr>
+                                    </p:animEffect>
+                                  </p:childTnLst>
+                                </p:cTn>
+                              </p:par>
+                              <p:par>
+                                <p:cTn id="12" presetID="1" presetClass="entr" presetSubtype="0" fill="hold" grpId="0" nodeType="withEffect">
+                                  <p:stCondLst>
+                                    <p:cond delay="0"/>
+                                  </p:stCondLst>
+                                  <p:childTnLst>
+                                    <p:set>
+                                      <p:cBhvr>
+                                        <p:cTn id="13" dur="1" fill="hold">
                                           <p:stCondLst>
                                             <p:cond delay="0"/>
                                           </p:stCondLst>
@@ -7675,14 +8065,14 @@
                                 </p:cTn>
                               </p:par>
                               <p:par>
-                                <p:cTn id="9" presetID="1" presetClass="entr" presetSubtype="0" fill="hold" grpId="0" nodeType="withEffect">
+                                <p:cTn id="14" presetID="1" presetClass="entr" presetSubtype="0" fill="hold" grpId="0" nodeType="withEffect">
                                   <p:stCondLst>
                                     <p:cond delay="0"/>
                                   </p:stCondLst>
                                   <p:childTnLst>
                                     <p:set>
                                       <p:cBhvr>
-                                        <p:cTn id="10" dur="1" fill="hold">
+                                        <p:cTn id="15" dur="1" fill="hold">
                                           <p:stCondLst>
                                             <p:cond delay="0"/>
                                           </p:stCondLst>
@@ -7706,14 +8096,14 @@
                                 </p:cTn>
                               </p:par>
                               <p:par>
-                                <p:cTn id="11" presetID="1" presetClass="entr" presetSubtype="0" fill="hold" grpId="0" nodeType="withEffect">
+                                <p:cTn id="16" presetID="1" presetClass="entr" presetSubtype="0" fill="hold" grpId="0" nodeType="withEffect">
                                   <p:stCondLst>
                                     <p:cond delay="0"/>
                                   </p:stCondLst>
                                   <p:childTnLst>
                                     <p:set>
                                       <p:cBhvr>
-                                        <p:cTn id="12" dur="1" fill="hold">
+                                        <p:cTn id="17" dur="1" fill="hold">
                                           <p:stCondLst>
                                             <p:cond delay="0"/>
                                           </p:stCondLst>
@@ -7737,14 +8127,14 @@
                                 </p:cTn>
                               </p:par>
                               <p:par>
-                                <p:cTn id="13" presetID="1" presetClass="entr" presetSubtype="0" fill="hold" grpId="0" nodeType="withEffect">
+                                <p:cTn id="18" presetID="1" presetClass="entr" presetSubtype="0" fill="hold" grpId="0" nodeType="withEffect">
                                   <p:stCondLst>
                                     <p:cond delay="0"/>
                                   </p:stCondLst>
                                   <p:childTnLst>
                                     <p:set>
                                       <p:cBhvr>
-                                        <p:cTn id="14" dur="1" fill="hold">
+                                        <p:cTn id="19" dur="1" fill="hold">
                                           <p:stCondLst>
                                             <p:cond delay="0"/>
                                           </p:stCondLst>
@@ -7768,14 +8158,14 @@
                                 </p:cTn>
                               </p:par>
                               <p:par>
-                                <p:cTn id="15" presetID="1" presetClass="entr" presetSubtype="0" fill="hold" grpId="0" nodeType="withEffect">
+                                <p:cTn id="20" presetID="1" presetClass="entr" presetSubtype="0" fill="hold" grpId="0" nodeType="withEffect">
                                   <p:stCondLst>
                                     <p:cond delay="0"/>
                                   </p:stCondLst>
                                   <p:childTnLst>
                                     <p:set>
                                       <p:cBhvr>
-                                        <p:cTn id="16" dur="1" fill="hold">
+                                        <p:cTn id="21" dur="1" fill="hold">
                                           <p:stCondLst>
                                             <p:cond delay="0"/>
                                           </p:stCondLst>
@@ -7799,14 +8189,14 @@
                                 </p:cTn>
                               </p:par>
                               <p:par>
-                                <p:cTn id="17" presetID="10" presetClass="entr" presetSubtype="0" fill="hold" nodeType="withEffect">
+                                <p:cTn id="22" presetID="10" presetClass="entr" presetSubtype="0" fill="hold" nodeType="withEffect">
                                   <p:stCondLst>
                                     <p:cond delay="0"/>
                                   </p:stCondLst>
                                   <p:childTnLst>
                                     <p:set>
                                       <p:cBhvr>
-                                        <p:cTn id="18" dur="1" fill="hold">
+                                        <p:cTn id="23" dur="1" fill="hold">
                                           <p:stCondLst>
                                             <p:cond delay="0"/>
                                           </p:stCondLst>
@@ -7824,7 +8214,7 @@
                                     </p:set>
                                     <p:animEffect transition="in" filter="fade">
                                       <p:cBhvr>
-                                        <p:cTn id="19" dur="500"/>
+                                        <p:cTn id="24" dur="500"/>
                                         <p:tgtEl>
                                           <p:spTgt spid="5"/>
                                         </p:tgtEl>
@@ -7840,26 +8230,26 @@
                     </p:cTn>
                   </p:par>
                   <p:par>
-                    <p:cTn id="20" fill="hold">
+                    <p:cTn id="25" fill="hold">
                       <p:stCondLst>
                         <p:cond delay="indefinite"/>
                       </p:stCondLst>
                       <p:childTnLst>
                         <p:par>
-                          <p:cTn id="21" fill="hold">
+                          <p:cTn id="26" fill="hold">
                             <p:stCondLst>
                               <p:cond delay="0"/>
                             </p:stCondLst>
                             <p:childTnLst>
                               <p:par>
-                                <p:cTn id="22" presetID="1" presetClass="entr" presetSubtype="0" fill="hold" grpId="0" nodeType="clickEffect">
+                                <p:cTn id="27" presetID="1" presetClass="entr" presetSubtype="0" fill="hold" grpId="0" nodeType="clickEffect">
                                   <p:stCondLst>
                                     <p:cond delay="0"/>
                                   </p:stCondLst>
                                   <p:childTnLst>
                                     <p:set>
                                       <p:cBhvr>
-                                        <p:cTn id="23" dur="1" fill="hold">
+                                        <p:cTn id="28" dur="1" fill="hold">
                                           <p:stCondLst>
                                             <p:cond delay="0"/>
                                           </p:stCondLst>
@@ -7889,26 +8279,26 @@
                     </p:cTn>
                   </p:par>
                   <p:par>
-                    <p:cTn id="24" fill="hold">
+                    <p:cTn id="29" fill="hold">
                       <p:stCondLst>
                         <p:cond delay="indefinite"/>
                       </p:stCondLst>
                       <p:childTnLst>
                         <p:par>
-                          <p:cTn id="25" fill="hold">
+                          <p:cTn id="30" fill="hold">
                             <p:stCondLst>
                               <p:cond delay="0"/>
                             </p:stCondLst>
                             <p:childTnLst>
                               <p:par>
-                                <p:cTn id="26" presetID="1" presetClass="entr" presetSubtype="0" fill="hold" grpId="0" nodeType="clickEffect">
+                                <p:cTn id="31" presetID="1" presetClass="entr" presetSubtype="0" fill="hold" grpId="0" nodeType="clickEffect">
                                   <p:stCondLst>
                                     <p:cond delay="0"/>
                                   </p:stCondLst>
                                   <p:childTnLst>
                                     <p:set>
                                       <p:cBhvr>
-                                        <p:cTn id="27" dur="1" fill="hold">
+                                        <p:cTn id="32" dur="1" fill="hold">
                                           <p:stCondLst>
                                             <p:cond delay="0"/>
                                           </p:stCondLst>

--- a/07_deep_learning/99_Project_ATT/01_att_project.pptx
+++ b/07_deep_learning/99_Project_ATT/01_att_project.pptx
@@ -128,7 +128,7 @@
 <file path=ppt/revisionInfo.xml><?xml version="1.0" encoding="utf-8"?>
 <p1510:revInfo xmlns:a="http://schemas.openxmlformats.org/drawingml/2006/main" xmlns:r="http://schemas.openxmlformats.org/officeDocument/2006/relationships" xmlns:p1510="http://schemas.microsoft.com/office/powerpoint/2015/10/main">
   <p1510:revLst>
-    <p1510:client id="{ABAE05BF-949A-4E93-BC19-2AEAAED3ED81}" v="42" dt="2024-09-17T15:13:18.346"/>
+    <p1510:client id="{ABAE05BF-949A-4E93-BC19-2AEAAED3ED81}" v="109" dt="2024-09-18T13:25:26.778"/>
   </p1510:revLst>
 </p1510:revInfo>
 </file>
@@ -1567,7 +1567,7 @@
   <pc:docChgLst>
     <pc:chgData name="Philippe Baucour" userId="5102170ae7533958" providerId="LiveId" clId="{ABAE05BF-949A-4E93-BC19-2AEAAED3ED81}"/>
     <pc:docChg chg="undo custSel addSld modSld sldOrd">
-      <pc:chgData name="Philippe Baucour" userId="5102170ae7533958" providerId="LiveId" clId="{ABAE05BF-949A-4E93-BC19-2AEAAED3ED81}" dt="2024-09-17T15:13:18.346" v="3872"/>
+      <pc:chgData name="Philippe Baucour" userId="5102170ae7533958" providerId="LiveId" clId="{ABAE05BF-949A-4E93-BC19-2AEAAED3ED81}" dt="2024-09-18T13:53:26.117" v="4138" actId="6549"/>
       <pc:docMkLst>
         <pc:docMk/>
       </pc:docMkLst>
@@ -1635,13 +1635,13 @@
         </pc:picChg>
       </pc:sldChg>
       <pc:sldChg chg="addSp delSp modSp mod modAnim modNotesTx">
-        <pc:chgData name="Philippe Baucour" userId="5102170ae7533958" providerId="LiveId" clId="{ABAE05BF-949A-4E93-BC19-2AEAAED3ED81}" dt="2024-09-17T15:13:18.346" v="3872"/>
+        <pc:chgData name="Philippe Baucour" userId="5102170ae7533958" providerId="LiveId" clId="{ABAE05BF-949A-4E93-BC19-2AEAAED3ED81}" dt="2024-09-18T13:25:26.778" v="3956"/>
         <pc:sldMkLst>
           <pc:docMk/>
           <pc:sldMk cId="3201622378" sldId="257"/>
         </pc:sldMkLst>
         <pc:spChg chg="mod">
-          <ac:chgData name="Philippe Baucour" userId="5102170ae7533958" providerId="LiveId" clId="{ABAE05BF-949A-4E93-BC19-2AEAAED3ED81}" dt="2024-09-17T13:43:06.739" v="3865" actId="1076"/>
+          <ac:chgData name="Philippe Baucour" userId="5102170ae7533958" providerId="LiveId" clId="{ABAE05BF-949A-4E93-BC19-2AEAAED3ED81}" dt="2024-09-18T13:24:12.113" v="3940" actId="20577"/>
           <ac:spMkLst>
             <pc:docMk/>
             <pc:sldMk cId="3201622378" sldId="257"/>
@@ -1656,8 +1656,16 @@
             <ac:spMk id="4" creationId="{20D0381A-FBA0-AB44-6D71-9FED8CCC6156}"/>
           </ac:spMkLst>
         </pc:spChg>
+        <pc:spChg chg="add mod">
+          <ac:chgData name="Philippe Baucour" userId="5102170ae7533958" providerId="LiveId" clId="{ABAE05BF-949A-4E93-BC19-2AEAAED3ED81}" dt="2024-09-18T13:24:55.877" v="3944" actId="164"/>
+          <ac:spMkLst>
+            <pc:docMk/>
+            <pc:sldMk cId="3201622378" sldId="257"/>
+            <ac:spMk id="4" creationId="{FDCF9747-D983-E2EE-9309-035260BCAFD8}"/>
+          </ac:spMkLst>
+        </pc:spChg>
         <pc:spChg chg="mod topLvl">
-          <ac:chgData name="Philippe Baucour" userId="5102170ae7533958" providerId="LiveId" clId="{ABAE05BF-949A-4E93-BC19-2AEAAED3ED81}" dt="2024-09-17T13:44:13.238" v="3868" actId="207"/>
+          <ac:chgData name="Philippe Baucour" userId="5102170ae7533958" providerId="LiveId" clId="{ABAE05BF-949A-4E93-BC19-2AEAAED3ED81}" dt="2024-09-18T13:24:55.877" v="3944" actId="164"/>
           <ac:spMkLst>
             <pc:docMk/>
             <pc:sldMk cId="3201622378" sldId="257"/>
@@ -1665,7 +1673,7 @@
           </ac:spMkLst>
         </pc:spChg>
         <pc:spChg chg="mod topLvl">
-          <ac:chgData name="Philippe Baucour" userId="5102170ae7533958" providerId="LiveId" clId="{ABAE05BF-949A-4E93-BC19-2AEAAED3ED81}" dt="2024-09-17T13:43:47.921" v="3867" actId="164"/>
+          <ac:chgData name="Philippe Baucour" userId="5102170ae7533958" providerId="LiveId" clId="{ABAE05BF-949A-4E93-BC19-2AEAAED3ED81}" dt="2024-09-18T13:24:55.877" v="3944" actId="164"/>
           <ac:spMkLst>
             <pc:docMk/>
             <pc:sldMk cId="3201622378" sldId="257"/>
@@ -1673,7 +1681,7 @@
           </ac:spMkLst>
         </pc:spChg>
         <pc:spChg chg="mod topLvl">
-          <ac:chgData name="Philippe Baucour" userId="5102170ae7533958" providerId="LiveId" clId="{ABAE05BF-949A-4E93-BC19-2AEAAED3ED81}" dt="2024-09-17T13:44:47.492" v="3870" actId="207"/>
+          <ac:chgData name="Philippe Baucour" userId="5102170ae7533958" providerId="LiveId" clId="{ABAE05BF-949A-4E93-BC19-2AEAAED3ED81}" dt="2024-09-18T13:24:55.877" v="3944" actId="164"/>
           <ac:spMkLst>
             <pc:docMk/>
             <pc:sldMk cId="3201622378" sldId="257"/>
@@ -1681,7 +1689,7 @@
           </ac:spMkLst>
         </pc:spChg>
         <pc:spChg chg="mod topLvl">
-          <ac:chgData name="Philippe Baucour" userId="5102170ae7533958" providerId="LiveId" clId="{ABAE05BF-949A-4E93-BC19-2AEAAED3ED81}" dt="2024-09-17T13:43:47.921" v="3867" actId="164"/>
+          <ac:chgData name="Philippe Baucour" userId="5102170ae7533958" providerId="LiveId" clId="{ABAE05BF-949A-4E93-BC19-2AEAAED3ED81}" dt="2024-09-18T13:24:55.877" v="3944" actId="164"/>
           <ac:spMkLst>
             <pc:docMk/>
             <pc:sldMk cId="3201622378" sldId="257"/>
@@ -1689,7 +1697,7 @@
           </ac:spMkLst>
         </pc:spChg>
         <pc:spChg chg="mod topLvl">
-          <ac:chgData name="Philippe Baucour" userId="5102170ae7533958" providerId="LiveId" clId="{ABAE05BF-949A-4E93-BC19-2AEAAED3ED81}" dt="2024-09-17T13:44:24.036" v="3869" actId="207"/>
+          <ac:chgData name="Philippe Baucour" userId="5102170ae7533958" providerId="LiveId" clId="{ABAE05BF-949A-4E93-BC19-2AEAAED3ED81}" dt="2024-09-18T13:24:55.877" v="3944" actId="164"/>
           <ac:spMkLst>
             <pc:docMk/>
             <pc:sldMk cId="3201622378" sldId="257"/>
@@ -1704,12 +1712,20 @@
             <ac:grpSpMk id="4" creationId="{6D99E9B6-F8F7-ADB8-7A61-EB827E6C1EBC}"/>
           </ac:grpSpMkLst>
         </pc:grpChg>
-        <pc:grpChg chg="add mod">
-          <ac:chgData name="Philippe Baucour" userId="5102170ae7533958" providerId="LiveId" clId="{ABAE05BF-949A-4E93-BC19-2AEAAED3ED81}" dt="2024-09-17T13:43:47.921" v="3867" actId="164"/>
+        <pc:grpChg chg="add del mod">
+          <ac:chgData name="Philippe Baucour" userId="5102170ae7533958" providerId="LiveId" clId="{ABAE05BF-949A-4E93-BC19-2AEAAED3ED81}" dt="2024-09-18T13:24:23.453" v="3941" actId="165"/>
           <ac:grpSpMkLst>
             <pc:docMk/>
             <pc:sldMk cId="3201622378" sldId="257"/>
             <ac:grpSpMk id="11" creationId="{7120AF6E-785D-C94C-BBDA-A06DEEBAD2A9}"/>
+          </ac:grpSpMkLst>
+        </pc:grpChg>
+        <pc:grpChg chg="add mod">
+          <ac:chgData name="Philippe Baucour" userId="5102170ae7533958" providerId="LiveId" clId="{ABAE05BF-949A-4E93-BC19-2AEAAED3ED81}" dt="2024-09-18T13:24:59.796" v="3954" actId="1036"/>
+          <ac:grpSpMkLst>
+            <pc:docMk/>
+            <pc:sldMk cId="3201622378" sldId="257"/>
+            <ac:grpSpMk id="12" creationId="{20273B96-1E36-D2C8-0290-84DC89996CAC}"/>
           </ac:grpSpMkLst>
         </pc:grpChg>
         <pc:picChg chg="add mod modCrop">
@@ -1917,8 +1933,8 @@
           </ac:picMkLst>
         </pc:picChg>
       </pc:sldChg>
-      <pc:sldChg chg="addSp modSp new mod ord">
-        <pc:chgData name="Philippe Baucour" userId="5102170ae7533958" providerId="LiveId" clId="{ABAE05BF-949A-4E93-BC19-2AEAAED3ED81}" dt="2024-09-02T12:22:50.343" v="304" actId="20577"/>
+      <pc:sldChg chg="addSp modSp new mod ord modNotesTx">
+        <pc:chgData name="Philippe Baucour" userId="5102170ae7533958" providerId="LiveId" clId="{ABAE05BF-949A-4E93-BC19-2AEAAED3ED81}" dt="2024-09-18T13:46:08.231" v="4068" actId="313"/>
         <pc:sldMkLst>
           <pc:docMk/>
           <pc:sldMk cId="1208043485" sldId="266"/>
@@ -1973,7 +1989,7 @@
         </pc:picChg>
       </pc:sldChg>
       <pc:sldChg chg="addSp delSp modSp new mod modNotesTx">
-        <pc:chgData name="Philippe Baucour" userId="5102170ae7533958" providerId="LiveId" clId="{ABAE05BF-949A-4E93-BC19-2AEAAED3ED81}" dt="2024-09-17T07:15:26.317" v="3694" actId="554"/>
+        <pc:chgData name="Philippe Baucour" userId="5102170ae7533958" providerId="LiveId" clId="{ABAE05BF-949A-4E93-BC19-2AEAAED3ED81}" dt="2024-09-18T13:53:26.117" v="4138" actId="6549"/>
         <pc:sldMkLst>
           <pc:docMk/>
           <pc:sldMk cId="671232843" sldId="267"/>
@@ -2257,8 +2273,8 @@
           </ac:picMkLst>
         </pc:picChg>
       </pc:sldChg>
-      <pc:sldChg chg="addSp delSp modSp new mod">
-        <pc:chgData name="Philippe Baucour" userId="5102170ae7533958" providerId="LiveId" clId="{ABAE05BF-949A-4E93-BC19-2AEAAED3ED81}" dt="2024-09-17T07:25:46.117" v="3777" actId="554"/>
+      <pc:sldChg chg="addSp delSp modSp new mod ord">
+        <pc:chgData name="Philippe Baucour" userId="5102170ae7533958" providerId="LiveId" clId="{ABAE05BF-949A-4E93-BC19-2AEAAED3ED81}" dt="2024-09-18T09:42:56.496" v="3876"/>
         <pc:sldMkLst>
           <pc:docMk/>
           <pc:sldMk cId="3058765758" sldId="270"/>
@@ -2407,7 +2423,7 @@
           <a:p>
             <a:fld id="{FD1752CD-A7D2-4825-BC26-9DAEFBD0A5FF}" type="datetimeFigureOut">
               <a:rPr lang="fr-FR" smtClean="0"/>
-              <a:t>17/09/2024</a:t>
+              <a:t>18/09/2024</a:t>
             </a:fld>
             <a:endParaRPr lang="fr-FR"/>
           </a:p>
@@ -3120,266 +3136,15 @@
           <a:lstStyle/>
           <a:p>
             <a:r>
-              <a:rPr lang="en-US" b="0" dirty="0">
-                <a:solidFill>
-                  <a:srgbClr val="CCCCCC"/>
-                </a:solidFill>
-                <a:effectLst/>
-                <a:latin typeface="JetBrains Mono" panose="02000009000000000000" pitchFamily="49" charset="0"/>
-              </a:rPr>
-              <a:t>* </a:t>
-            </a:r>
-            <a:r>
-              <a:rPr lang="en-US" b="0" dirty="0" err="1">
-                <a:solidFill>
-                  <a:srgbClr val="CCCCCC"/>
-                </a:solidFill>
-                <a:effectLst/>
-                <a:latin typeface="JetBrains Mono" panose="02000009000000000000" pitchFamily="49" charset="0"/>
-              </a:rPr>
-              <a:t>Sms</a:t>
-            </a:r>
-            <a:r>
-              <a:rPr lang="en-US" b="0" dirty="0">
-                <a:solidFill>
-                  <a:srgbClr val="CCCCCC"/>
-                </a:solidFill>
-                <a:effectLst/>
-                <a:latin typeface="JetBrains Mono" panose="02000009000000000000" pitchFamily="49" charset="0"/>
-              </a:rPr>
-              <a:t> identified as spam (=1)</a:t>
-            </a:r>
-          </a:p>
-          <a:p>
-            <a:r>
-              <a:rPr lang="en-US" b="0" dirty="0">
-                <a:solidFill>
-                  <a:srgbClr val="6796E6"/>
-                </a:solidFill>
-                <a:effectLst/>
-                <a:latin typeface="JetBrains Mono" panose="02000009000000000000" pitchFamily="49" charset="0"/>
-              </a:rPr>
-              <a:t>*</a:t>
-            </a:r>
-            <a:r>
-              <a:rPr lang="en-US" b="0" dirty="0">
-                <a:solidFill>
-                  <a:srgbClr val="CCCCCC"/>
-                </a:solidFill>
-                <a:effectLst/>
-                <a:latin typeface="JetBrains Mono" panose="02000009000000000000" pitchFamily="49" charset="0"/>
-              </a:rPr>
-              <a:t> Can I accept spam in my </a:t>
-            </a:r>
-            <a:r>
-              <a:rPr lang="en-US" b="0" dirty="0" err="1">
-                <a:solidFill>
-                  <a:srgbClr val="CCCCCC"/>
-                </a:solidFill>
-                <a:effectLst/>
-                <a:latin typeface="JetBrains Mono" panose="02000009000000000000" pitchFamily="49" charset="0"/>
-              </a:rPr>
-              <a:t>sms</a:t>
-            </a:r>
-            <a:r>
-              <a:rPr lang="en-US" b="0" dirty="0">
-                <a:solidFill>
-                  <a:srgbClr val="CCCCCC"/>
-                </a:solidFill>
-                <a:effectLst/>
-                <a:latin typeface="JetBrains Mono" panose="02000009000000000000" pitchFamily="49" charset="0"/>
-              </a:rPr>
-              <a:t>? I don't know...</a:t>
-            </a:r>
-          </a:p>
-          <a:p>
-            <a:r>
-              <a:rPr lang="en-US" b="0" dirty="0">
-                <a:solidFill>
-                  <a:srgbClr val="6796E6"/>
-                </a:solidFill>
-                <a:effectLst/>
-                <a:latin typeface="JetBrains Mono" panose="02000009000000000000" pitchFamily="49" charset="0"/>
-              </a:rPr>
-              <a:t>*</a:t>
-            </a:r>
-            <a:r>
-              <a:rPr lang="en-US" b="0" dirty="0">
-                <a:solidFill>
-                  <a:srgbClr val="CCCCCC"/>
-                </a:solidFill>
-                <a:effectLst/>
-                <a:latin typeface="JetBrains Mono" panose="02000009000000000000" pitchFamily="49" charset="0"/>
-              </a:rPr>
-              <a:t> Can I accept to see an </a:t>
-            </a:r>
-            <a:r>
-              <a:rPr lang="en-US" b="0" dirty="0" err="1">
-                <a:solidFill>
-                  <a:srgbClr val="CCCCCC"/>
-                </a:solidFill>
-                <a:effectLst/>
-                <a:latin typeface="JetBrains Mono" panose="02000009000000000000" pitchFamily="49" charset="0"/>
-              </a:rPr>
-              <a:t>sms</a:t>
-            </a:r>
-            <a:r>
-              <a:rPr lang="en-US" b="0" dirty="0">
-                <a:solidFill>
-                  <a:srgbClr val="CCCCCC"/>
-                </a:solidFill>
-                <a:effectLst/>
-                <a:latin typeface="JetBrains Mono" panose="02000009000000000000" pitchFamily="49" charset="0"/>
-              </a:rPr>
-              <a:t> from my beloved CEO classified as spam? No! </a:t>
-            </a:r>
-          </a:p>
-          <a:p>
-            <a:r>
-              <a:rPr lang="en-US" b="0" dirty="0">
-                <a:solidFill>
-                  <a:srgbClr val="6796E6"/>
-                </a:solidFill>
-                <a:effectLst/>
-                <a:latin typeface="JetBrains Mono" panose="02000009000000000000" pitchFamily="49" charset="0"/>
-              </a:rPr>
-              <a:t>*</a:t>
-            </a:r>
-            <a:r>
-              <a:rPr lang="en-US" b="0" dirty="0">
-                <a:solidFill>
-                  <a:srgbClr val="CCCCCC"/>
-                </a:solidFill>
-                <a:effectLst/>
-                <a:latin typeface="JetBrains Mono" panose="02000009000000000000" pitchFamily="49" charset="0"/>
-              </a:rPr>
-              <a:t> So I want FP to tend towards 0 and precision $</a:t>
-            </a:r>
-            <a:r>
-              <a:rPr lang="en-US" b="0" dirty="0">
-                <a:solidFill>
-                  <a:srgbClr val="569CD6"/>
-                </a:solidFill>
-                <a:effectLst/>
-                <a:latin typeface="JetBrains Mono" panose="02000009000000000000" pitchFamily="49" charset="0"/>
-              </a:rPr>
-              <a:t>\</a:t>
-            </a:r>
-            <a:r>
-              <a:rPr lang="en-US" b="0" dirty="0">
-                <a:solidFill>
-                  <a:srgbClr val="DCDCAA"/>
-                </a:solidFill>
-                <a:effectLst/>
-                <a:latin typeface="JetBrains Mono" panose="02000009000000000000" pitchFamily="49" charset="0"/>
-              </a:rPr>
-              <a:t>frac</a:t>
-            </a:r>
-            <a:r>
-              <a:rPr lang="en-US" b="0" dirty="0">
-                <a:solidFill>
-                  <a:srgbClr val="D4D4D4"/>
-                </a:solidFill>
-                <a:effectLst/>
-                <a:latin typeface="JetBrains Mono" panose="02000009000000000000" pitchFamily="49" charset="0"/>
-              </a:rPr>
-              <a:t>{TP}{TP+FP}</a:t>
-            </a:r>
-            <a:r>
-              <a:rPr lang="en-US" b="0" dirty="0">
-                <a:solidFill>
-                  <a:srgbClr val="CCCCCC"/>
-                </a:solidFill>
-                <a:effectLst/>
-                <a:latin typeface="JetBrains Mono" panose="02000009000000000000" pitchFamily="49" charset="0"/>
-              </a:rPr>
-              <a:t>$ towards 1 (even if the recall, $</a:t>
-            </a:r>
-            <a:r>
-              <a:rPr lang="en-US" b="0" dirty="0">
-                <a:solidFill>
-                  <a:srgbClr val="569CD6"/>
-                </a:solidFill>
-                <a:effectLst/>
-                <a:latin typeface="JetBrains Mono" panose="02000009000000000000" pitchFamily="49" charset="0"/>
-              </a:rPr>
-              <a:t>\</a:t>
-            </a:r>
-            <a:r>
-              <a:rPr lang="en-US" b="0" dirty="0">
-                <a:solidFill>
-                  <a:srgbClr val="DCDCAA"/>
-                </a:solidFill>
-                <a:effectLst/>
-                <a:latin typeface="JetBrains Mono" panose="02000009000000000000" pitchFamily="49" charset="0"/>
-              </a:rPr>
-              <a:t>frac</a:t>
-            </a:r>
-            <a:r>
-              <a:rPr lang="en-US" b="0" dirty="0">
-                <a:solidFill>
-                  <a:srgbClr val="D4D4D4"/>
-                </a:solidFill>
-                <a:effectLst/>
-                <a:latin typeface="JetBrains Mono" panose="02000009000000000000" pitchFamily="49" charset="0"/>
-              </a:rPr>
-              <a:t>{TP}{TP+FN}</a:t>
-            </a:r>
-            <a:r>
-              <a:rPr lang="en-US" b="0" dirty="0">
-                <a:solidFill>
-                  <a:srgbClr val="CCCCCC"/>
-                </a:solidFill>
-                <a:effectLst/>
-                <a:latin typeface="JetBrains Mono" panose="02000009000000000000" pitchFamily="49" charset="0"/>
-              </a:rPr>
-              <a:t>$, is not that great )</a:t>
-            </a:r>
-          </a:p>
-          <a:p>
-            <a:r>
-              <a:rPr lang="en-US" b="0" dirty="0">
-                <a:solidFill>
-                  <a:srgbClr val="6796E6"/>
-                </a:solidFill>
-                <a:effectLst/>
-                <a:latin typeface="JetBrains Mono" panose="02000009000000000000" pitchFamily="49" charset="0"/>
-              </a:rPr>
-              <a:t>*</a:t>
-            </a:r>
-            <a:r>
-              <a:rPr lang="en-US" b="0" dirty="0">
-                <a:solidFill>
-                  <a:srgbClr val="CCCCCC"/>
-                </a:solidFill>
-                <a:effectLst/>
-                <a:latin typeface="JetBrains Mono" panose="02000009000000000000" pitchFamily="49" charset="0"/>
-              </a:rPr>
-              <a:t> I decide to </a:t>
-            </a:r>
-            <a:r>
-              <a:rPr lang="en-US" b="0" dirty="0" err="1">
-                <a:solidFill>
-                  <a:srgbClr val="CCCCCC"/>
-                </a:solidFill>
-                <a:effectLst/>
-                <a:latin typeface="JetBrains Mono" panose="02000009000000000000" pitchFamily="49" charset="0"/>
-              </a:rPr>
-              <a:t>favour</a:t>
-            </a:r>
-            <a:r>
-              <a:rPr lang="en-US" b="0" dirty="0">
-                <a:solidFill>
-                  <a:srgbClr val="CCCCCC"/>
-                </a:solidFill>
-                <a:effectLst/>
-                <a:latin typeface="JetBrains Mono" panose="02000009000000000000" pitchFamily="49" charset="0"/>
-              </a:rPr>
-              <a:t> precision over recall</a:t>
-            </a:r>
-          </a:p>
-          <a:p>
-            <a:endParaRPr lang="fr-FR" dirty="0"/>
+              <a:rPr lang="fr-FR" dirty="0"/>
+              <a:t>SPAM : 20% des mots représentent 80% des occurrences. Pareto </a:t>
+            </a:r>
+          </a:p>
+          <a:p>
+            <a:r>
+              <a:rPr lang="fr-FR" dirty="0"/>
+              <a:t>HAM : 12% des mots représentent 80% des occurrences</a:t>
+            </a:r>
           </a:p>
         </p:txBody>
       </p:sp>
@@ -3400,7 +3165,7 @@
           <a:p>
             <a:fld id="{341AEC00-4977-4C47-A11B-52155DC12F54}" type="slidenum">
               <a:rPr lang="fr-FR" smtClean="0"/>
-              <a:t>5</a:t>
+              <a:t>4</a:t>
             </a:fld>
             <a:endParaRPr lang="fr-FR"/>
           </a:p>
@@ -3409,7 +3174,7 @@
     </p:spTree>
     <p:extLst>
       <p:ext uri="{BB962C8B-B14F-4D97-AF65-F5344CB8AC3E}">
-        <p14:creationId xmlns:p14="http://schemas.microsoft.com/office/powerpoint/2010/main" val="1978138556"/>
+        <p14:creationId xmlns:p14="http://schemas.microsoft.com/office/powerpoint/2010/main" val="1162047033"/>
       </p:ext>
     </p:extLst>
   </p:cSld>
@@ -3464,46 +3229,1315 @@
           <a:lstStyle/>
           <a:p>
             <a:r>
-              <a:rPr lang="fr-FR" dirty="0"/>
-              <a:t>On avait 8 169 paramètres entrainables avec le modèle de base</a:t>
-            </a:r>
-          </a:p>
-          <a:p>
-            <a:r>
-              <a:rPr lang="fr-FR" dirty="0"/>
-              <a:t>On a pris le parti de geler TOUTES les couches de BERT et de juste rajouter une dernière couche dense avec une activation </a:t>
-            </a:r>
-            <a:r>
-              <a:rPr lang="fr-FR" dirty="0" err="1"/>
-              <a:t>sigmoide</a:t>
-            </a:r>
+              <a:rPr lang="en-US" b="0" dirty="0">
+                <a:solidFill>
+                  <a:srgbClr val="CCCCCC"/>
+                </a:solidFill>
+                <a:effectLst/>
+                <a:latin typeface="JetBrains Mono" panose="02000009000000000000" pitchFamily="49" charset="0"/>
+              </a:rPr>
+              <a:t>* </a:t>
+            </a:r>
+            <a:r>
+              <a:rPr lang="en-US" b="0" dirty="0" err="1">
+                <a:solidFill>
+                  <a:srgbClr val="CCCCCC"/>
+                </a:solidFill>
+                <a:effectLst/>
+                <a:latin typeface="JetBrains Mono" panose="02000009000000000000" pitchFamily="49" charset="0"/>
+              </a:rPr>
+              <a:t>Sms</a:t>
+            </a:r>
+            <a:r>
+              <a:rPr lang="en-US" b="0" dirty="0">
+                <a:solidFill>
+                  <a:srgbClr val="CCCCCC"/>
+                </a:solidFill>
+                <a:effectLst/>
+                <a:latin typeface="JetBrains Mono" panose="02000009000000000000" pitchFamily="49" charset="0"/>
+              </a:rPr>
+              <a:t> identified as spam (=1)</a:t>
+            </a:r>
+          </a:p>
+          <a:p>
+            <a:r>
+              <a:rPr lang="en-US" b="0" dirty="0">
+                <a:solidFill>
+                  <a:srgbClr val="6796E6"/>
+                </a:solidFill>
+                <a:effectLst/>
+                <a:latin typeface="JetBrains Mono" panose="02000009000000000000" pitchFamily="49" charset="0"/>
+              </a:rPr>
+              <a:t>*</a:t>
+            </a:r>
+            <a:r>
+              <a:rPr lang="en-US" b="0" dirty="0">
+                <a:solidFill>
+                  <a:srgbClr val="CCCCCC"/>
+                </a:solidFill>
+                <a:effectLst/>
+                <a:latin typeface="JetBrains Mono" panose="02000009000000000000" pitchFamily="49" charset="0"/>
+              </a:rPr>
+              <a:t> Can I accept spam in my </a:t>
+            </a:r>
+            <a:r>
+              <a:rPr lang="en-US" b="0" dirty="0" err="1">
+                <a:solidFill>
+                  <a:srgbClr val="CCCCCC"/>
+                </a:solidFill>
+                <a:effectLst/>
+                <a:latin typeface="JetBrains Mono" panose="02000009000000000000" pitchFamily="49" charset="0"/>
+              </a:rPr>
+              <a:t>sms</a:t>
+            </a:r>
+            <a:r>
+              <a:rPr lang="en-US" b="0" dirty="0">
+                <a:solidFill>
+                  <a:srgbClr val="CCCCCC"/>
+                </a:solidFill>
+                <a:effectLst/>
+                <a:latin typeface="JetBrains Mono" panose="02000009000000000000" pitchFamily="49" charset="0"/>
+              </a:rPr>
+              <a:t>? I don't know...</a:t>
+            </a:r>
+          </a:p>
+          <a:p>
+            <a:r>
+              <a:rPr lang="en-US" b="0" dirty="0">
+                <a:solidFill>
+                  <a:srgbClr val="6796E6"/>
+                </a:solidFill>
+                <a:effectLst/>
+                <a:latin typeface="JetBrains Mono" panose="02000009000000000000" pitchFamily="49" charset="0"/>
+              </a:rPr>
+              <a:t>*</a:t>
+            </a:r>
+            <a:r>
+              <a:rPr lang="en-US" b="0" dirty="0">
+                <a:solidFill>
+                  <a:srgbClr val="CCCCCC"/>
+                </a:solidFill>
+                <a:effectLst/>
+                <a:latin typeface="JetBrains Mono" panose="02000009000000000000" pitchFamily="49" charset="0"/>
+              </a:rPr>
+              <a:t> Can I accept to see an </a:t>
+            </a:r>
+            <a:r>
+              <a:rPr lang="en-US" b="0" dirty="0" err="1">
+                <a:solidFill>
+                  <a:srgbClr val="CCCCCC"/>
+                </a:solidFill>
+                <a:effectLst/>
+                <a:latin typeface="JetBrains Mono" panose="02000009000000000000" pitchFamily="49" charset="0"/>
+              </a:rPr>
+              <a:t>sms</a:t>
+            </a:r>
+            <a:r>
+              <a:rPr lang="en-US" b="0" dirty="0">
+                <a:solidFill>
+                  <a:srgbClr val="CCCCCC"/>
+                </a:solidFill>
+                <a:effectLst/>
+                <a:latin typeface="JetBrains Mono" panose="02000009000000000000" pitchFamily="49" charset="0"/>
+              </a:rPr>
+              <a:t> from my beloved CEO classified as spam? No! </a:t>
+            </a:r>
+          </a:p>
+          <a:p>
+            <a:r>
+              <a:rPr lang="en-US" b="0" dirty="0">
+                <a:solidFill>
+                  <a:srgbClr val="6796E6"/>
+                </a:solidFill>
+                <a:effectLst/>
+                <a:latin typeface="JetBrains Mono" panose="02000009000000000000" pitchFamily="49" charset="0"/>
+              </a:rPr>
+              <a:t>*</a:t>
+            </a:r>
+            <a:r>
+              <a:rPr lang="en-US" b="0" dirty="0">
+                <a:solidFill>
+                  <a:srgbClr val="CCCCCC"/>
+                </a:solidFill>
+                <a:effectLst/>
+                <a:latin typeface="JetBrains Mono" panose="02000009000000000000" pitchFamily="49" charset="0"/>
+              </a:rPr>
+              <a:t> So I want FP to tend towards 0 and precision $</a:t>
+            </a:r>
+            <a:r>
+              <a:rPr lang="en-US" b="0" dirty="0">
+                <a:solidFill>
+                  <a:srgbClr val="569CD6"/>
+                </a:solidFill>
+                <a:effectLst/>
+                <a:latin typeface="JetBrains Mono" panose="02000009000000000000" pitchFamily="49" charset="0"/>
+              </a:rPr>
+              <a:t>\</a:t>
+            </a:r>
+            <a:r>
+              <a:rPr lang="en-US" b="0" dirty="0">
+                <a:solidFill>
+                  <a:srgbClr val="DCDCAA"/>
+                </a:solidFill>
+                <a:effectLst/>
+                <a:latin typeface="JetBrains Mono" panose="02000009000000000000" pitchFamily="49" charset="0"/>
+              </a:rPr>
+              <a:t>frac</a:t>
+            </a:r>
+            <a:r>
+              <a:rPr lang="en-US" b="0" dirty="0">
+                <a:solidFill>
+                  <a:srgbClr val="D4D4D4"/>
+                </a:solidFill>
+                <a:effectLst/>
+                <a:latin typeface="JetBrains Mono" panose="02000009000000000000" pitchFamily="49" charset="0"/>
+              </a:rPr>
+              <a:t>{TP}{TP+FP}</a:t>
+            </a:r>
+            <a:r>
+              <a:rPr lang="en-US" b="0" dirty="0">
+                <a:solidFill>
+                  <a:srgbClr val="CCCCCC"/>
+                </a:solidFill>
+                <a:effectLst/>
+                <a:latin typeface="JetBrains Mono" panose="02000009000000000000" pitchFamily="49" charset="0"/>
+              </a:rPr>
+              <a:t>$ towards 1 (even if the recall, $</a:t>
+            </a:r>
+            <a:r>
+              <a:rPr lang="en-US" b="0" dirty="0">
+                <a:solidFill>
+                  <a:srgbClr val="569CD6"/>
+                </a:solidFill>
+                <a:effectLst/>
+                <a:latin typeface="JetBrains Mono" panose="02000009000000000000" pitchFamily="49" charset="0"/>
+              </a:rPr>
+              <a:t>\</a:t>
+            </a:r>
+            <a:r>
+              <a:rPr lang="en-US" b="0" dirty="0">
+                <a:solidFill>
+                  <a:srgbClr val="DCDCAA"/>
+                </a:solidFill>
+                <a:effectLst/>
+                <a:latin typeface="JetBrains Mono" panose="02000009000000000000" pitchFamily="49" charset="0"/>
+              </a:rPr>
+              <a:t>frac</a:t>
+            </a:r>
+            <a:r>
+              <a:rPr lang="en-US" b="0" dirty="0">
+                <a:solidFill>
+                  <a:srgbClr val="D4D4D4"/>
+                </a:solidFill>
+                <a:effectLst/>
+                <a:latin typeface="JetBrains Mono" panose="02000009000000000000" pitchFamily="49" charset="0"/>
+              </a:rPr>
+              <a:t>{TP}{TP+FN}</a:t>
+            </a:r>
+            <a:r>
+              <a:rPr lang="en-US" b="0" dirty="0">
+                <a:solidFill>
+                  <a:srgbClr val="CCCCCC"/>
+                </a:solidFill>
+                <a:effectLst/>
+                <a:latin typeface="JetBrains Mono" panose="02000009000000000000" pitchFamily="49" charset="0"/>
+              </a:rPr>
+              <a:t>$, is not that great )</a:t>
+            </a:r>
+          </a:p>
+          <a:p>
+            <a:pPr marL="171450" indent="-171450">
+              <a:buFont typeface="Arial" panose="020B0604020202020204" pitchFamily="34" charset="0"/>
+              <a:buChar char="•"/>
+            </a:pPr>
+            <a:r>
+              <a:rPr lang="en-US" b="0" dirty="0">
+                <a:solidFill>
+                  <a:srgbClr val="CCCCCC"/>
+                </a:solidFill>
+                <a:effectLst/>
+                <a:latin typeface="JetBrains Mono" panose="02000009000000000000" pitchFamily="49" charset="0"/>
+              </a:rPr>
+              <a:t>I decide to </a:t>
+            </a:r>
+            <a:r>
+              <a:rPr lang="en-US" b="0" dirty="0" err="1">
+                <a:solidFill>
+                  <a:srgbClr val="CCCCCC"/>
+                </a:solidFill>
+                <a:effectLst/>
+                <a:latin typeface="JetBrains Mono" panose="02000009000000000000" pitchFamily="49" charset="0"/>
+              </a:rPr>
+              <a:t>favour</a:t>
+            </a:r>
+            <a:r>
+              <a:rPr lang="en-US" b="0" dirty="0">
+                <a:solidFill>
+                  <a:srgbClr val="CCCCCC"/>
+                </a:solidFill>
+                <a:effectLst/>
+                <a:latin typeface="JetBrains Mono" panose="02000009000000000000" pitchFamily="49" charset="0"/>
+              </a:rPr>
+              <a:t> precision over recall</a:t>
+            </a:r>
+          </a:p>
+          <a:p>
+            <a:endParaRPr lang="en-US" b="0" dirty="0">
+              <a:solidFill>
+                <a:srgbClr val="CCCCCC"/>
+              </a:solidFill>
+              <a:effectLst/>
+              <a:latin typeface="JetBrains Mono" panose="02000009000000000000" pitchFamily="49" charset="0"/>
+            </a:endParaRPr>
+          </a:p>
+          <a:p>
+            <a:r>
+              <a:rPr lang="en-US" b="0" dirty="0">
+                <a:solidFill>
+                  <a:srgbClr val="6A9955"/>
+                </a:solidFill>
+                <a:effectLst/>
+                <a:latin typeface="JetBrains Mono" panose="02000009000000000000" pitchFamily="49" charset="0"/>
+              </a:rPr>
+              <a:t># This Embedding layer converts integer-encoded words (from the tokenizer) into dense vectors of size 8 </a:t>
+            </a:r>
+            <a:endParaRPr lang="en-US" b="0" dirty="0">
+              <a:solidFill>
+                <a:srgbClr val="CCCCCC"/>
+              </a:solidFill>
+              <a:effectLst/>
+              <a:latin typeface="JetBrains Mono" panose="02000009000000000000" pitchFamily="49" charset="0"/>
+            </a:endParaRPr>
+          </a:p>
+          <a:p>
+            <a:r>
+              <a:rPr lang="en-US" b="0" dirty="0">
+                <a:solidFill>
+                  <a:srgbClr val="6A9955"/>
+                </a:solidFill>
+                <a:effectLst/>
+                <a:latin typeface="JetBrains Mono" panose="02000009000000000000" pitchFamily="49" charset="0"/>
+              </a:rPr>
+              <a:t># </a:t>
+            </a:r>
+            <a:r>
+              <a:rPr lang="en-US" b="0" dirty="0" err="1">
+                <a:solidFill>
+                  <a:srgbClr val="6A9955"/>
+                </a:solidFill>
+                <a:effectLst/>
+                <a:latin typeface="JetBrains Mono" panose="02000009000000000000" pitchFamily="49" charset="0"/>
+              </a:rPr>
+              <a:t>tokenizer.num_words</a:t>
+            </a:r>
+            <a:r>
+              <a:rPr lang="en-US" b="0" dirty="0">
+                <a:solidFill>
+                  <a:srgbClr val="6A9955"/>
+                </a:solidFill>
+                <a:effectLst/>
+                <a:latin typeface="JetBrains Mono" panose="02000009000000000000" pitchFamily="49" charset="0"/>
+              </a:rPr>
+              <a:t> should be equal to </a:t>
+            </a:r>
+            <a:r>
+              <a:rPr lang="en-US" b="0" dirty="0" err="1">
+                <a:solidFill>
+                  <a:srgbClr val="6A9955"/>
+                </a:solidFill>
+                <a:effectLst/>
+                <a:latin typeface="JetBrains Mono" panose="02000009000000000000" pitchFamily="49" charset="0"/>
+              </a:rPr>
+              <a:t>k_num_words</a:t>
+            </a:r>
+            <a:endParaRPr lang="en-US" b="0" dirty="0">
+              <a:solidFill>
+                <a:srgbClr val="CCCCCC"/>
+              </a:solidFill>
+              <a:effectLst/>
+              <a:latin typeface="JetBrains Mono" panose="02000009000000000000" pitchFamily="49" charset="0"/>
+            </a:endParaRPr>
+          </a:p>
+          <a:p>
+            <a:r>
+              <a:rPr lang="en-US" b="0" dirty="0">
+                <a:solidFill>
+                  <a:srgbClr val="6A9955"/>
+                </a:solidFill>
+                <a:effectLst/>
+                <a:latin typeface="JetBrains Mono" panose="02000009000000000000" pitchFamily="49" charset="0"/>
+              </a:rPr>
+              <a:t># +1 because TensorFlow reserves an index for padding or the OOV token</a:t>
+            </a:r>
+            <a:endParaRPr lang="en-US" b="0" dirty="0">
+              <a:solidFill>
+                <a:srgbClr val="CCCCCC"/>
+              </a:solidFill>
+              <a:effectLst/>
+              <a:latin typeface="JetBrains Mono" panose="02000009000000000000" pitchFamily="49" charset="0"/>
+            </a:endParaRPr>
+          </a:p>
+          <a:p>
+            <a:r>
+              <a:rPr lang="en-US" b="0" dirty="0">
+                <a:solidFill>
+                  <a:srgbClr val="6A9955"/>
+                </a:solidFill>
+                <a:effectLst/>
+                <a:latin typeface="JetBrains Mono" panose="02000009000000000000" pitchFamily="49" charset="0"/>
+              </a:rPr>
+              <a:t># </a:t>
+            </a:r>
+            <a:r>
+              <a:rPr lang="en-US" b="0" dirty="0" err="1">
+                <a:solidFill>
+                  <a:srgbClr val="6A9955"/>
+                </a:solidFill>
+                <a:effectLst/>
+                <a:latin typeface="JetBrains Mono" panose="02000009000000000000" pitchFamily="49" charset="0"/>
+              </a:rPr>
+              <a:t>sms.shape</a:t>
+            </a:r>
+            <a:r>
+              <a:rPr lang="en-US" b="0" dirty="0">
+                <a:solidFill>
+                  <a:srgbClr val="6A9955"/>
+                </a:solidFill>
+                <a:effectLst/>
+                <a:latin typeface="JetBrains Mono" panose="02000009000000000000" pitchFamily="49" charset="0"/>
+              </a:rPr>
+              <a:t>[1] is the length of the input sequence. See the output of the previous cell (77)</a:t>
+            </a:r>
+            <a:endParaRPr lang="en-US" b="0" dirty="0">
+              <a:solidFill>
+                <a:srgbClr val="CCCCCC"/>
+              </a:solidFill>
+              <a:effectLst/>
+              <a:latin typeface="JetBrains Mono" panose="02000009000000000000" pitchFamily="49" charset="0"/>
+            </a:endParaRPr>
+          </a:p>
+          <a:p>
+            <a:r>
+              <a:rPr lang="en-US" b="0" dirty="0">
+                <a:solidFill>
+                  <a:srgbClr val="6A9955"/>
+                </a:solidFill>
+                <a:effectLst/>
+                <a:latin typeface="JetBrains Mono" panose="02000009000000000000" pitchFamily="49" charset="0"/>
+              </a:rPr>
+              <a:t># For the output I tried : 16 8 4 and 2</a:t>
+            </a:r>
+            <a:endParaRPr lang="en-US" b="0" dirty="0">
+              <a:solidFill>
+                <a:srgbClr val="CCCCCC"/>
+              </a:solidFill>
+              <a:effectLst/>
+              <a:latin typeface="JetBrains Mono" panose="02000009000000000000" pitchFamily="49" charset="0"/>
+            </a:endParaRPr>
+          </a:p>
+          <a:p>
+            <a:r>
+              <a:rPr lang="en-US" b="0" dirty="0">
+                <a:solidFill>
+                  <a:srgbClr val="6A9955"/>
+                </a:solidFill>
+                <a:effectLst/>
+                <a:latin typeface="JetBrains Mono" panose="02000009000000000000" pitchFamily="49" charset="0"/>
+              </a:rPr>
+              <a:t># I like 8</a:t>
+            </a:r>
+            <a:endParaRPr lang="en-US" b="0" dirty="0">
+              <a:solidFill>
+                <a:srgbClr val="CCCCCC"/>
+              </a:solidFill>
+              <a:effectLst/>
+              <a:latin typeface="JetBrains Mono" panose="02000009000000000000" pitchFamily="49" charset="0"/>
+            </a:endParaRPr>
+          </a:p>
+          <a:p>
+            <a:r>
+              <a:rPr lang="en-US" b="0" dirty="0" err="1">
+                <a:solidFill>
+                  <a:srgbClr val="4EC9B0"/>
+                </a:solidFill>
+                <a:effectLst/>
+                <a:latin typeface="JetBrains Mono" panose="02000009000000000000" pitchFamily="49" charset="0"/>
+              </a:rPr>
+              <a:t>tf</a:t>
+            </a:r>
+            <a:r>
+              <a:rPr lang="en-US" b="0" dirty="0" err="1">
+                <a:solidFill>
+                  <a:srgbClr val="CCCCCC"/>
+                </a:solidFill>
+                <a:effectLst/>
+                <a:latin typeface="JetBrains Mono" panose="02000009000000000000" pitchFamily="49" charset="0"/>
+              </a:rPr>
+              <a:t>.</a:t>
+            </a:r>
+            <a:r>
+              <a:rPr lang="en-US" b="0" dirty="0" err="1">
+                <a:solidFill>
+                  <a:srgbClr val="4EC9B0"/>
+                </a:solidFill>
+                <a:effectLst/>
+                <a:latin typeface="JetBrains Mono" panose="02000009000000000000" pitchFamily="49" charset="0"/>
+              </a:rPr>
+              <a:t>keras</a:t>
+            </a:r>
+            <a:r>
+              <a:rPr lang="en-US" b="0" dirty="0" err="1">
+                <a:solidFill>
+                  <a:srgbClr val="CCCCCC"/>
+                </a:solidFill>
+                <a:effectLst/>
+                <a:latin typeface="JetBrains Mono" panose="02000009000000000000" pitchFamily="49" charset="0"/>
+              </a:rPr>
+              <a:t>.</a:t>
+            </a:r>
+            <a:r>
+              <a:rPr lang="en-US" b="0" dirty="0" err="1">
+                <a:solidFill>
+                  <a:srgbClr val="4EC9B0"/>
+                </a:solidFill>
+                <a:effectLst/>
+                <a:latin typeface="JetBrains Mono" panose="02000009000000000000" pitchFamily="49" charset="0"/>
+              </a:rPr>
+              <a:t>layers</a:t>
+            </a:r>
+            <a:r>
+              <a:rPr lang="en-US" b="0" dirty="0" err="1">
+                <a:solidFill>
+                  <a:srgbClr val="CCCCCC"/>
+                </a:solidFill>
+                <a:effectLst/>
+                <a:latin typeface="JetBrains Mono" panose="02000009000000000000" pitchFamily="49" charset="0"/>
+              </a:rPr>
+              <a:t>.</a:t>
+            </a:r>
+            <a:r>
+              <a:rPr lang="en-US" b="0" dirty="0" err="1">
+                <a:solidFill>
+                  <a:srgbClr val="4EC9B0"/>
+                </a:solidFill>
+                <a:effectLst/>
+                <a:latin typeface="JetBrains Mono" panose="02000009000000000000" pitchFamily="49" charset="0"/>
+              </a:rPr>
+              <a:t>Embedding</a:t>
+            </a:r>
+            <a:r>
+              <a:rPr lang="en-US" b="0" dirty="0">
+                <a:solidFill>
+                  <a:srgbClr val="CCCCCC"/>
+                </a:solidFill>
+                <a:effectLst/>
+                <a:latin typeface="JetBrains Mono" panose="02000009000000000000" pitchFamily="49" charset="0"/>
+              </a:rPr>
+              <a:t>(</a:t>
+            </a:r>
+            <a:r>
+              <a:rPr lang="en-US" b="0" dirty="0" err="1">
+                <a:solidFill>
+                  <a:srgbClr val="9CDCFE"/>
+                </a:solidFill>
+                <a:effectLst/>
+                <a:latin typeface="JetBrains Mono" panose="02000009000000000000" pitchFamily="49" charset="0"/>
+              </a:rPr>
+              <a:t>tokenizer</a:t>
+            </a:r>
+            <a:r>
+              <a:rPr lang="en-US" b="0" dirty="0" err="1">
+                <a:solidFill>
+                  <a:srgbClr val="CCCCCC"/>
+                </a:solidFill>
+                <a:effectLst/>
+                <a:latin typeface="JetBrains Mono" panose="02000009000000000000" pitchFamily="49" charset="0"/>
+              </a:rPr>
+              <a:t>.</a:t>
+            </a:r>
+            <a:r>
+              <a:rPr lang="en-US" b="0" dirty="0" err="1">
+                <a:solidFill>
+                  <a:srgbClr val="9CDCFE"/>
+                </a:solidFill>
+                <a:effectLst/>
+                <a:latin typeface="JetBrains Mono" panose="02000009000000000000" pitchFamily="49" charset="0"/>
+              </a:rPr>
+              <a:t>num_words</a:t>
+            </a:r>
+            <a:r>
+              <a:rPr lang="en-US" b="0" dirty="0">
+                <a:solidFill>
+                  <a:srgbClr val="CCCCCC"/>
+                </a:solidFill>
+                <a:effectLst/>
+                <a:latin typeface="JetBrains Mono" panose="02000009000000000000" pitchFamily="49" charset="0"/>
+              </a:rPr>
+              <a:t> </a:t>
+            </a:r>
+            <a:r>
+              <a:rPr lang="en-US" b="0" dirty="0">
+                <a:solidFill>
+                  <a:srgbClr val="D4D4D4"/>
+                </a:solidFill>
+                <a:effectLst/>
+                <a:latin typeface="JetBrains Mono" panose="02000009000000000000" pitchFamily="49" charset="0"/>
+              </a:rPr>
+              <a:t>+</a:t>
+            </a:r>
+            <a:r>
+              <a:rPr lang="en-US" b="0" dirty="0">
+                <a:solidFill>
+                  <a:srgbClr val="CCCCCC"/>
+                </a:solidFill>
+                <a:effectLst/>
+                <a:latin typeface="JetBrains Mono" panose="02000009000000000000" pitchFamily="49" charset="0"/>
+              </a:rPr>
+              <a:t> </a:t>
+            </a:r>
+            <a:r>
+              <a:rPr lang="en-US" b="0" dirty="0">
+                <a:solidFill>
+                  <a:srgbClr val="B5CEA8"/>
+                </a:solidFill>
+                <a:effectLst/>
+                <a:latin typeface="JetBrains Mono" panose="02000009000000000000" pitchFamily="49" charset="0"/>
+              </a:rPr>
+              <a:t>1</a:t>
+            </a:r>
+            <a:r>
+              <a:rPr lang="en-US" b="0" dirty="0">
+                <a:solidFill>
+                  <a:srgbClr val="CCCCCC"/>
+                </a:solidFill>
+                <a:effectLst/>
+                <a:latin typeface="JetBrains Mono" panose="02000009000000000000" pitchFamily="49" charset="0"/>
+              </a:rPr>
+              <a:t>, </a:t>
+            </a:r>
+            <a:r>
+              <a:rPr lang="en-US" b="0" dirty="0">
+                <a:solidFill>
+                  <a:srgbClr val="B5CEA8"/>
+                </a:solidFill>
+                <a:effectLst/>
+                <a:latin typeface="JetBrains Mono" panose="02000009000000000000" pitchFamily="49" charset="0"/>
+              </a:rPr>
+              <a:t>8</a:t>
+            </a:r>
+            <a:r>
+              <a:rPr lang="en-US" b="0" dirty="0">
+                <a:solidFill>
+                  <a:srgbClr val="CCCCCC"/>
+                </a:solidFill>
+                <a:effectLst/>
+                <a:latin typeface="JetBrains Mono" panose="02000009000000000000" pitchFamily="49" charset="0"/>
+              </a:rPr>
+              <a:t>, </a:t>
+            </a:r>
+            <a:r>
+              <a:rPr lang="en-US" b="0" dirty="0" err="1">
+                <a:solidFill>
+                  <a:srgbClr val="9CDCFE"/>
+                </a:solidFill>
+                <a:effectLst/>
+                <a:latin typeface="JetBrains Mono" panose="02000009000000000000" pitchFamily="49" charset="0"/>
+              </a:rPr>
+              <a:t>input_shape</a:t>
+            </a:r>
+            <a:r>
+              <a:rPr lang="en-US" b="0" dirty="0">
+                <a:solidFill>
+                  <a:srgbClr val="D4D4D4"/>
+                </a:solidFill>
+                <a:effectLst/>
+                <a:latin typeface="JetBrains Mono" panose="02000009000000000000" pitchFamily="49" charset="0"/>
+              </a:rPr>
+              <a:t>=</a:t>
+            </a:r>
+            <a:r>
+              <a:rPr lang="en-US" b="0" dirty="0">
+                <a:solidFill>
+                  <a:srgbClr val="CCCCCC"/>
+                </a:solidFill>
+                <a:effectLst/>
+                <a:latin typeface="JetBrains Mono" panose="02000009000000000000" pitchFamily="49" charset="0"/>
+              </a:rPr>
+              <a:t>[</a:t>
+            </a:r>
+            <a:r>
+              <a:rPr lang="en-US" b="0" dirty="0" err="1">
+                <a:solidFill>
+                  <a:srgbClr val="9CDCFE"/>
+                </a:solidFill>
+                <a:effectLst/>
+                <a:latin typeface="JetBrains Mono" panose="02000009000000000000" pitchFamily="49" charset="0"/>
+              </a:rPr>
+              <a:t>sms</a:t>
+            </a:r>
+            <a:r>
+              <a:rPr lang="en-US" b="0" dirty="0" err="1">
+                <a:solidFill>
+                  <a:srgbClr val="CCCCCC"/>
+                </a:solidFill>
+                <a:effectLst/>
+                <a:latin typeface="JetBrains Mono" panose="02000009000000000000" pitchFamily="49" charset="0"/>
+              </a:rPr>
+              <a:t>.shape</a:t>
+            </a:r>
+            <a:r>
+              <a:rPr lang="en-US" b="0" dirty="0">
+                <a:solidFill>
+                  <a:srgbClr val="CCCCCC"/>
+                </a:solidFill>
+                <a:effectLst/>
+                <a:latin typeface="JetBrains Mono" panose="02000009000000000000" pitchFamily="49" charset="0"/>
+              </a:rPr>
+              <a:t>[</a:t>
+            </a:r>
+            <a:r>
+              <a:rPr lang="en-US" b="0" dirty="0">
+                <a:solidFill>
+                  <a:srgbClr val="B5CEA8"/>
+                </a:solidFill>
+                <a:effectLst/>
+                <a:latin typeface="JetBrains Mono" panose="02000009000000000000" pitchFamily="49" charset="0"/>
+              </a:rPr>
+              <a:t>1</a:t>
+            </a:r>
+            <a:r>
+              <a:rPr lang="en-US" b="0" dirty="0">
+                <a:solidFill>
+                  <a:srgbClr val="CCCCCC"/>
+                </a:solidFill>
+                <a:effectLst/>
+                <a:latin typeface="JetBrains Mono" panose="02000009000000000000" pitchFamily="49" charset="0"/>
+              </a:rPr>
+              <a:t>],], </a:t>
+            </a:r>
+            <a:r>
+              <a:rPr lang="en-US" b="0" dirty="0">
+                <a:solidFill>
+                  <a:srgbClr val="9CDCFE"/>
+                </a:solidFill>
+                <a:effectLst/>
+                <a:latin typeface="JetBrains Mono" panose="02000009000000000000" pitchFamily="49" charset="0"/>
+              </a:rPr>
+              <a:t>name</a:t>
+            </a:r>
+            <a:r>
+              <a:rPr lang="en-US" b="0" dirty="0">
+                <a:solidFill>
+                  <a:srgbClr val="D4D4D4"/>
+                </a:solidFill>
+                <a:effectLst/>
+                <a:latin typeface="JetBrains Mono" panose="02000009000000000000" pitchFamily="49" charset="0"/>
+              </a:rPr>
+              <a:t>=</a:t>
+            </a:r>
+            <a:r>
+              <a:rPr lang="en-US" b="0" dirty="0">
+                <a:solidFill>
+                  <a:srgbClr val="CE9178"/>
+                </a:solidFill>
+                <a:effectLst/>
+                <a:latin typeface="JetBrains Mono" panose="02000009000000000000" pitchFamily="49" charset="0"/>
+              </a:rPr>
+              <a:t>"embedding"</a:t>
+            </a:r>
+            <a:r>
+              <a:rPr lang="en-US" b="0" dirty="0">
+                <a:solidFill>
+                  <a:srgbClr val="CCCCCC"/>
+                </a:solidFill>
+                <a:effectLst/>
+                <a:latin typeface="JetBrains Mono" panose="02000009000000000000" pitchFamily="49" charset="0"/>
+              </a:rPr>
+              <a:t>),</a:t>
+            </a:r>
+          </a:p>
+          <a:p>
+            <a:br>
+              <a:rPr lang="en-US" b="0" dirty="0">
+                <a:solidFill>
+                  <a:srgbClr val="CCCCCC"/>
+                </a:solidFill>
+                <a:effectLst/>
+                <a:latin typeface="JetBrains Mono" panose="02000009000000000000" pitchFamily="49" charset="0"/>
+              </a:rPr>
+            </a:br>
+            <a:r>
+              <a:rPr lang="en-US" b="0" dirty="0">
+                <a:solidFill>
+                  <a:srgbClr val="6A9955"/>
+                </a:solidFill>
+                <a:effectLst/>
+                <a:latin typeface="JetBrains Mono" panose="02000009000000000000" pitchFamily="49" charset="0"/>
+              </a:rPr>
+              <a:t># </a:t>
+            </a:r>
+            <a:r>
+              <a:rPr lang="en-US" b="0" dirty="0" err="1">
+                <a:solidFill>
+                  <a:srgbClr val="6A9955"/>
+                </a:solidFill>
+                <a:effectLst/>
+                <a:latin typeface="JetBrains Mono" panose="02000009000000000000" pitchFamily="49" charset="0"/>
+              </a:rPr>
+              <a:t>Gobal</a:t>
+            </a:r>
+            <a:r>
+              <a:rPr lang="en-US" b="0" dirty="0">
+                <a:solidFill>
+                  <a:srgbClr val="6A9955"/>
+                </a:solidFill>
+                <a:effectLst/>
+                <a:latin typeface="JetBrains Mono" panose="02000009000000000000" pitchFamily="49" charset="0"/>
+              </a:rPr>
+              <a:t> average pooling</a:t>
+            </a:r>
+            <a:endParaRPr lang="en-US" b="0" dirty="0">
+              <a:solidFill>
+                <a:srgbClr val="CCCCCC"/>
+              </a:solidFill>
+              <a:effectLst/>
+              <a:latin typeface="JetBrains Mono" panose="02000009000000000000" pitchFamily="49" charset="0"/>
+            </a:endParaRPr>
+          </a:p>
+          <a:p>
+            <a:r>
+              <a:rPr lang="en-US" b="0" dirty="0">
+                <a:solidFill>
+                  <a:srgbClr val="6A9955"/>
+                </a:solidFill>
+                <a:effectLst/>
+                <a:latin typeface="JetBrains Mono" panose="02000009000000000000" pitchFamily="49" charset="0"/>
+              </a:rPr>
+              <a:t># Reduces the dimensionality by averaging the vectors across the sequence length</a:t>
+            </a:r>
+            <a:endParaRPr lang="en-US" b="0" dirty="0">
+              <a:solidFill>
+                <a:srgbClr val="CCCCCC"/>
+              </a:solidFill>
+              <a:effectLst/>
+              <a:latin typeface="JetBrains Mono" panose="02000009000000000000" pitchFamily="49" charset="0"/>
+            </a:endParaRPr>
+          </a:p>
+          <a:p>
+            <a:r>
+              <a:rPr lang="en-US" b="0" dirty="0">
+                <a:solidFill>
+                  <a:srgbClr val="6A9955"/>
+                </a:solidFill>
+                <a:effectLst/>
+                <a:latin typeface="JetBrains Mono" panose="02000009000000000000" pitchFamily="49" charset="0"/>
+              </a:rPr>
+              <a:t># The model loose the order of the words but we don't care  </a:t>
+            </a:r>
+            <a:endParaRPr lang="en-US" b="0" dirty="0">
+              <a:solidFill>
+                <a:srgbClr val="CCCCCC"/>
+              </a:solidFill>
+              <a:effectLst/>
+              <a:latin typeface="JetBrains Mono" panose="02000009000000000000" pitchFamily="49" charset="0"/>
+            </a:endParaRPr>
+          </a:p>
+          <a:p>
+            <a:r>
+              <a:rPr lang="en-US" b="0" dirty="0">
+                <a:solidFill>
+                  <a:srgbClr val="4EC9B0"/>
+                </a:solidFill>
+                <a:effectLst/>
+                <a:latin typeface="JetBrains Mono" panose="02000009000000000000" pitchFamily="49" charset="0"/>
+              </a:rPr>
+              <a:t>tf</a:t>
+            </a:r>
+            <a:r>
+              <a:rPr lang="en-US" b="0" dirty="0">
+                <a:solidFill>
+                  <a:srgbClr val="CCCCCC"/>
+                </a:solidFill>
+                <a:effectLst/>
+                <a:latin typeface="JetBrains Mono" panose="02000009000000000000" pitchFamily="49" charset="0"/>
+              </a:rPr>
+              <a:t>.</a:t>
+            </a:r>
+            <a:r>
+              <a:rPr lang="en-US" b="0" dirty="0">
+                <a:solidFill>
+                  <a:srgbClr val="4EC9B0"/>
+                </a:solidFill>
+                <a:effectLst/>
+                <a:latin typeface="JetBrains Mono" panose="02000009000000000000" pitchFamily="49" charset="0"/>
+              </a:rPr>
+              <a:t>keras</a:t>
+            </a:r>
+            <a:r>
+              <a:rPr lang="en-US" b="0" dirty="0">
+                <a:solidFill>
+                  <a:srgbClr val="CCCCCC"/>
+                </a:solidFill>
+                <a:effectLst/>
+                <a:latin typeface="JetBrains Mono" panose="02000009000000000000" pitchFamily="49" charset="0"/>
+              </a:rPr>
+              <a:t>.</a:t>
+            </a:r>
+            <a:r>
+              <a:rPr lang="en-US" b="0" dirty="0">
+                <a:solidFill>
+                  <a:srgbClr val="4EC9B0"/>
+                </a:solidFill>
+                <a:effectLst/>
+                <a:latin typeface="JetBrains Mono" panose="02000009000000000000" pitchFamily="49" charset="0"/>
+              </a:rPr>
+              <a:t>layers</a:t>
+            </a:r>
+            <a:r>
+              <a:rPr lang="en-US" b="0" dirty="0">
+                <a:solidFill>
+                  <a:srgbClr val="CCCCCC"/>
+                </a:solidFill>
+                <a:effectLst/>
+                <a:latin typeface="JetBrains Mono" panose="02000009000000000000" pitchFamily="49" charset="0"/>
+              </a:rPr>
+              <a:t>.</a:t>
+            </a:r>
+            <a:r>
+              <a:rPr lang="en-US" b="0" dirty="0">
+                <a:solidFill>
+                  <a:srgbClr val="4EC9B0"/>
+                </a:solidFill>
+                <a:effectLst/>
+                <a:latin typeface="JetBrains Mono" panose="02000009000000000000" pitchFamily="49" charset="0"/>
+              </a:rPr>
+              <a:t>GlobalAveragePooling1D</a:t>
+            </a:r>
+            <a:r>
+              <a:rPr lang="en-US" b="0" dirty="0">
+                <a:solidFill>
+                  <a:srgbClr val="CCCCCC"/>
+                </a:solidFill>
+                <a:effectLst/>
+                <a:latin typeface="JetBrains Mono" panose="02000009000000000000" pitchFamily="49" charset="0"/>
+              </a:rPr>
+              <a:t>(),</a:t>
+            </a:r>
+          </a:p>
+          <a:p>
+            <a:br>
+              <a:rPr lang="en-US" b="0" dirty="0">
+                <a:solidFill>
+                  <a:srgbClr val="CCCCCC"/>
+                </a:solidFill>
+                <a:effectLst/>
+                <a:latin typeface="JetBrains Mono" panose="02000009000000000000" pitchFamily="49" charset="0"/>
+              </a:rPr>
+            </a:br>
+            <a:r>
+              <a:rPr lang="en-US" b="0" dirty="0">
+                <a:solidFill>
+                  <a:srgbClr val="6A9955"/>
+                </a:solidFill>
+                <a:effectLst/>
+                <a:latin typeface="JetBrains Mono" panose="02000009000000000000" pitchFamily="49" charset="0"/>
+              </a:rPr>
+              <a:t># Fully connected (Dense) layer with 16 neurons. </a:t>
+            </a:r>
+            <a:endParaRPr lang="en-US" b="0" dirty="0">
+              <a:solidFill>
+                <a:srgbClr val="CCCCCC"/>
+              </a:solidFill>
+              <a:effectLst/>
+              <a:latin typeface="JetBrains Mono" panose="02000009000000000000" pitchFamily="49" charset="0"/>
+            </a:endParaRPr>
+          </a:p>
+          <a:p>
+            <a:r>
+              <a:rPr lang="en-US" b="0" dirty="0">
+                <a:solidFill>
+                  <a:srgbClr val="6A9955"/>
+                </a:solidFill>
+                <a:effectLst/>
+                <a:latin typeface="JetBrains Mono" panose="02000009000000000000" pitchFamily="49" charset="0"/>
+              </a:rPr>
+              <a:t># </a:t>
+            </a:r>
+            <a:r>
+              <a:rPr lang="en-US" b="0" dirty="0" err="1">
+                <a:solidFill>
+                  <a:srgbClr val="6A9955"/>
+                </a:solidFill>
+                <a:effectLst/>
+                <a:latin typeface="JetBrains Mono" panose="02000009000000000000" pitchFamily="49" charset="0"/>
+              </a:rPr>
+              <a:t>relu</a:t>
+            </a:r>
+            <a:r>
+              <a:rPr lang="en-US" b="0" dirty="0">
+                <a:solidFill>
+                  <a:srgbClr val="6A9955"/>
+                </a:solidFill>
+                <a:effectLst/>
+                <a:latin typeface="JetBrains Mono" panose="02000009000000000000" pitchFamily="49" charset="0"/>
+              </a:rPr>
+              <a:t> activation function introduces non-linearity (this helps the model to capture more complex patterns)</a:t>
+            </a:r>
+            <a:endParaRPr lang="en-US" b="0" dirty="0">
+              <a:solidFill>
+                <a:srgbClr val="CCCCCC"/>
+              </a:solidFill>
+              <a:effectLst/>
+              <a:latin typeface="JetBrains Mono" panose="02000009000000000000" pitchFamily="49" charset="0"/>
+            </a:endParaRPr>
+          </a:p>
+          <a:p>
+            <a:r>
+              <a:rPr lang="en-US" b="0" dirty="0" err="1">
+                <a:solidFill>
+                  <a:srgbClr val="4EC9B0"/>
+                </a:solidFill>
+                <a:effectLst/>
+                <a:latin typeface="JetBrains Mono" panose="02000009000000000000" pitchFamily="49" charset="0"/>
+              </a:rPr>
+              <a:t>tf</a:t>
+            </a:r>
+            <a:r>
+              <a:rPr lang="en-US" b="0" dirty="0" err="1">
+                <a:solidFill>
+                  <a:srgbClr val="CCCCCC"/>
+                </a:solidFill>
+                <a:effectLst/>
+                <a:latin typeface="JetBrains Mono" panose="02000009000000000000" pitchFamily="49" charset="0"/>
+              </a:rPr>
+              <a:t>.</a:t>
+            </a:r>
+            <a:r>
+              <a:rPr lang="en-US" b="0" dirty="0" err="1">
+                <a:solidFill>
+                  <a:srgbClr val="4EC9B0"/>
+                </a:solidFill>
+                <a:effectLst/>
+                <a:latin typeface="JetBrains Mono" panose="02000009000000000000" pitchFamily="49" charset="0"/>
+              </a:rPr>
+              <a:t>keras</a:t>
+            </a:r>
+            <a:r>
+              <a:rPr lang="en-US" b="0" dirty="0" err="1">
+                <a:solidFill>
+                  <a:srgbClr val="CCCCCC"/>
+                </a:solidFill>
+                <a:effectLst/>
+                <a:latin typeface="JetBrains Mono" panose="02000009000000000000" pitchFamily="49" charset="0"/>
+              </a:rPr>
+              <a:t>.</a:t>
+            </a:r>
+            <a:r>
+              <a:rPr lang="en-US" b="0" dirty="0" err="1">
+                <a:solidFill>
+                  <a:srgbClr val="4EC9B0"/>
+                </a:solidFill>
+                <a:effectLst/>
+                <a:latin typeface="JetBrains Mono" panose="02000009000000000000" pitchFamily="49" charset="0"/>
+              </a:rPr>
+              <a:t>layers</a:t>
+            </a:r>
+            <a:r>
+              <a:rPr lang="en-US" b="0" dirty="0" err="1">
+                <a:solidFill>
+                  <a:srgbClr val="CCCCCC"/>
+                </a:solidFill>
+                <a:effectLst/>
+                <a:latin typeface="JetBrains Mono" panose="02000009000000000000" pitchFamily="49" charset="0"/>
+              </a:rPr>
+              <a:t>.</a:t>
+            </a:r>
+            <a:r>
+              <a:rPr lang="en-US" b="0" dirty="0" err="1">
+                <a:solidFill>
+                  <a:srgbClr val="4EC9B0"/>
+                </a:solidFill>
+                <a:effectLst/>
+                <a:latin typeface="JetBrains Mono" panose="02000009000000000000" pitchFamily="49" charset="0"/>
+              </a:rPr>
+              <a:t>Dense</a:t>
+            </a:r>
+            <a:r>
+              <a:rPr lang="en-US" b="0" dirty="0">
+                <a:solidFill>
+                  <a:srgbClr val="CCCCCC"/>
+                </a:solidFill>
+                <a:effectLst/>
+                <a:latin typeface="JetBrains Mono" panose="02000009000000000000" pitchFamily="49" charset="0"/>
+              </a:rPr>
+              <a:t>(</a:t>
+            </a:r>
+            <a:r>
+              <a:rPr lang="en-US" b="0" dirty="0">
+                <a:solidFill>
+                  <a:srgbClr val="B5CEA8"/>
+                </a:solidFill>
+                <a:effectLst/>
+                <a:latin typeface="JetBrains Mono" panose="02000009000000000000" pitchFamily="49" charset="0"/>
+              </a:rPr>
+              <a:t>16</a:t>
+            </a:r>
+            <a:r>
+              <a:rPr lang="en-US" b="0" dirty="0">
+                <a:solidFill>
+                  <a:srgbClr val="CCCCCC"/>
+                </a:solidFill>
+                <a:effectLst/>
+                <a:latin typeface="JetBrains Mono" panose="02000009000000000000" pitchFamily="49" charset="0"/>
+              </a:rPr>
+              <a:t>, </a:t>
+            </a:r>
+            <a:r>
+              <a:rPr lang="en-US" b="0" dirty="0">
+                <a:solidFill>
+                  <a:srgbClr val="9CDCFE"/>
+                </a:solidFill>
+                <a:effectLst/>
+                <a:latin typeface="JetBrains Mono" panose="02000009000000000000" pitchFamily="49" charset="0"/>
+              </a:rPr>
+              <a:t>activation</a:t>
+            </a:r>
+            <a:r>
+              <a:rPr lang="en-US" b="0" dirty="0">
+                <a:solidFill>
+                  <a:srgbClr val="D4D4D4"/>
+                </a:solidFill>
+                <a:effectLst/>
+                <a:latin typeface="JetBrains Mono" panose="02000009000000000000" pitchFamily="49" charset="0"/>
+              </a:rPr>
+              <a:t>=</a:t>
+            </a:r>
+            <a:r>
+              <a:rPr lang="en-US" b="0" dirty="0">
+                <a:solidFill>
+                  <a:srgbClr val="CE9178"/>
+                </a:solidFill>
+                <a:effectLst/>
+                <a:latin typeface="JetBrains Mono" panose="02000009000000000000" pitchFamily="49" charset="0"/>
+              </a:rPr>
+              <a:t>"</a:t>
+            </a:r>
+            <a:r>
+              <a:rPr lang="en-US" b="0" dirty="0" err="1">
+                <a:solidFill>
+                  <a:srgbClr val="CE9178"/>
+                </a:solidFill>
+                <a:effectLst/>
+                <a:latin typeface="JetBrains Mono" panose="02000009000000000000" pitchFamily="49" charset="0"/>
+              </a:rPr>
+              <a:t>relu</a:t>
+            </a:r>
+            <a:r>
+              <a:rPr lang="en-US" b="0" dirty="0">
+                <a:solidFill>
+                  <a:srgbClr val="CE9178"/>
+                </a:solidFill>
+                <a:effectLst/>
+                <a:latin typeface="JetBrains Mono" panose="02000009000000000000" pitchFamily="49" charset="0"/>
+              </a:rPr>
+              <a:t>"</a:t>
+            </a:r>
+            <a:r>
+              <a:rPr lang="en-US" b="0" dirty="0">
+                <a:solidFill>
+                  <a:srgbClr val="CCCCCC"/>
+                </a:solidFill>
+                <a:effectLst/>
+                <a:latin typeface="JetBrains Mono" panose="02000009000000000000" pitchFamily="49" charset="0"/>
+              </a:rPr>
+              <a:t>),</a:t>
+            </a:r>
+          </a:p>
+          <a:p>
+            <a:br>
+              <a:rPr lang="en-US" b="0" dirty="0">
+                <a:solidFill>
+                  <a:srgbClr val="CCCCCC"/>
+                </a:solidFill>
+                <a:effectLst/>
+                <a:latin typeface="JetBrains Mono" panose="02000009000000000000" pitchFamily="49" charset="0"/>
+              </a:rPr>
+            </a:br>
+            <a:r>
+              <a:rPr lang="en-US" b="0" dirty="0">
+                <a:solidFill>
+                  <a:srgbClr val="6A9955"/>
+                </a:solidFill>
+                <a:effectLst/>
+                <a:latin typeface="JetBrains Mono" panose="02000009000000000000" pitchFamily="49" charset="0"/>
+              </a:rPr>
+              <a:t># Since this is a binary classification problem (based on the sigmoid activation), there's a single output neuron. </a:t>
+            </a:r>
+            <a:endParaRPr lang="en-US" b="0" dirty="0">
+              <a:solidFill>
+                <a:srgbClr val="CCCCCC"/>
+              </a:solidFill>
+              <a:effectLst/>
+              <a:latin typeface="JetBrains Mono" panose="02000009000000000000" pitchFamily="49" charset="0"/>
+            </a:endParaRPr>
+          </a:p>
+          <a:p>
+            <a:r>
+              <a:rPr lang="en-US" b="0" dirty="0" err="1">
+                <a:solidFill>
+                  <a:srgbClr val="4EC9B0"/>
+                </a:solidFill>
+                <a:effectLst/>
+                <a:latin typeface="JetBrains Mono" panose="02000009000000000000" pitchFamily="49" charset="0"/>
+              </a:rPr>
+              <a:t>tf</a:t>
+            </a:r>
+            <a:r>
+              <a:rPr lang="en-US" b="0" dirty="0" err="1">
+                <a:solidFill>
+                  <a:srgbClr val="CCCCCC"/>
+                </a:solidFill>
+                <a:effectLst/>
+                <a:latin typeface="JetBrains Mono" panose="02000009000000000000" pitchFamily="49" charset="0"/>
+              </a:rPr>
+              <a:t>.</a:t>
+            </a:r>
+            <a:r>
+              <a:rPr lang="en-US" b="0" dirty="0" err="1">
+                <a:solidFill>
+                  <a:srgbClr val="4EC9B0"/>
+                </a:solidFill>
+                <a:effectLst/>
+                <a:latin typeface="JetBrains Mono" panose="02000009000000000000" pitchFamily="49" charset="0"/>
+              </a:rPr>
+              <a:t>keras</a:t>
+            </a:r>
+            <a:r>
+              <a:rPr lang="en-US" b="0" dirty="0" err="1">
+                <a:solidFill>
+                  <a:srgbClr val="CCCCCC"/>
+                </a:solidFill>
+                <a:effectLst/>
+                <a:latin typeface="JetBrains Mono" panose="02000009000000000000" pitchFamily="49" charset="0"/>
+              </a:rPr>
+              <a:t>.</a:t>
+            </a:r>
+            <a:r>
+              <a:rPr lang="en-US" b="0" dirty="0" err="1">
+                <a:solidFill>
+                  <a:srgbClr val="4EC9B0"/>
+                </a:solidFill>
+                <a:effectLst/>
+                <a:latin typeface="JetBrains Mono" panose="02000009000000000000" pitchFamily="49" charset="0"/>
+              </a:rPr>
+              <a:t>layers</a:t>
+            </a:r>
+            <a:r>
+              <a:rPr lang="en-US" b="0" dirty="0" err="1">
+                <a:solidFill>
+                  <a:srgbClr val="CCCCCC"/>
+                </a:solidFill>
+                <a:effectLst/>
+                <a:latin typeface="JetBrains Mono" panose="02000009000000000000" pitchFamily="49" charset="0"/>
+              </a:rPr>
+              <a:t>.</a:t>
+            </a:r>
+            <a:r>
+              <a:rPr lang="en-US" b="0" dirty="0" err="1">
+                <a:solidFill>
+                  <a:srgbClr val="4EC9B0"/>
+                </a:solidFill>
+                <a:effectLst/>
+                <a:latin typeface="JetBrains Mono" panose="02000009000000000000" pitchFamily="49" charset="0"/>
+              </a:rPr>
+              <a:t>Dense</a:t>
+            </a:r>
+            <a:r>
+              <a:rPr lang="en-US" b="0" dirty="0">
+                <a:solidFill>
+                  <a:srgbClr val="CCCCCC"/>
+                </a:solidFill>
+                <a:effectLst/>
+                <a:latin typeface="JetBrains Mono" panose="02000009000000000000" pitchFamily="49" charset="0"/>
+              </a:rPr>
+              <a:t>(</a:t>
+            </a:r>
+            <a:r>
+              <a:rPr lang="en-US" b="0" dirty="0">
+                <a:solidFill>
+                  <a:srgbClr val="B5CEA8"/>
+                </a:solidFill>
+                <a:effectLst/>
+                <a:latin typeface="JetBrains Mono" panose="02000009000000000000" pitchFamily="49" charset="0"/>
+              </a:rPr>
+              <a:t>1</a:t>
+            </a:r>
+            <a:r>
+              <a:rPr lang="en-US" b="0" dirty="0">
+                <a:solidFill>
+                  <a:srgbClr val="CCCCCC"/>
+                </a:solidFill>
+                <a:effectLst/>
+                <a:latin typeface="JetBrains Mono" panose="02000009000000000000" pitchFamily="49" charset="0"/>
+              </a:rPr>
+              <a:t>, </a:t>
+            </a:r>
+            <a:r>
+              <a:rPr lang="en-US" b="0" dirty="0">
+                <a:solidFill>
+                  <a:srgbClr val="9CDCFE"/>
+                </a:solidFill>
+                <a:effectLst/>
+                <a:latin typeface="JetBrains Mono" panose="02000009000000000000" pitchFamily="49" charset="0"/>
+              </a:rPr>
+              <a:t>activation</a:t>
+            </a:r>
+            <a:r>
+              <a:rPr lang="en-US" b="0" dirty="0">
+                <a:solidFill>
+                  <a:srgbClr val="D4D4D4"/>
+                </a:solidFill>
+                <a:effectLst/>
+                <a:latin typeface="JetBrains Mono" panose="02000009000000000000" pitchFamily="49" charset="0"/>
+              </a:rPr>
+              <a:t>=</a:t>
+            </a:r>
+            <a:r>
+              <a:rPr lang="en-US" b="0" dirty="0">
+                <a:solidFill>
+                  <a:srgbClr val="CE9178"/>
+                </a:solidFill>
+                <a:effectLst/>
+                <a:latin typeface="JetBrains Mono" panose="02000009000000000000" pitchFamily="49" charset="0"/>
+              </a:rPr>
+              <a:t>"sigmoid"</a:t>
+            </a:r>
+            <a:r>
+              <a:rPr lang="en-US" b="0" dirty="0">
+                <a:solidFill>
+                  <a:srgbClr val="CCCCCC"/>
+                </a:solidFill>
+                <a:effectLst/>
+                <a:latin typeface="JetBrains Mono" panose="02000009000000000000" pitchFamily="49" charset="0"/>
+              </a:rPr>
+              <a:t>)</a:t>
+            </a:r>
+          </a:p>
+          <a:p>
+            <a:pPr marL="171450" indent="-171450">
+              <a:buFont typeface="Arial" panose="020B0604020202020204" pitchFamily="34" charset="0"/>
+              <a:buChar char="•"/>
+            </a:pPr>
+            <a:endParaRPr lang="en-US" b="0" dirty="0">
+              <a:solidFill>
+                <a:srgbClr val="CCCCCC"/>
+              </a:solidFill>
+              <a:effectLst/>
+              <a:latin typeface="JetBrains Mono" panose="02000009000000000000" pitchFamily="49" charset="0"/>
+            </a:endParaRPr>
+          </a:p>
+          <a:p>
             <a:endParaRPr lang="fr-FR" dirty="0"/>
-          </a:p>
-          <a:p>
-            <a:r>
-              <a:rPr lang="fr-FR" dirty="0"/>
-              <a:t>Du coup même si BERT a 110 M de para entrainables, on en a que 769 à entrainer</a:t>
-            </a:r>
-          </a:p>
-          <a:p>
-            <a:r>
-              <a:rPr lang="fr-FR" dirty="0"/>
-              <a:t>Par contre c'est reste très </a:t>
-            </a:r>
-            <a:r>
-              <a:rPr lang="fr-FR" dirty="0" err="1"/>
-              <a:t>très</a:t>
-            </a:r>
-            <a:r>
-              <a:rPr lang="fr-FR" dirty="0"/>
-              <a:t> lent à entrainer</a:t>
-            </a:r>
-          </a:p>
-          <a:p>
-            <a:r>
-              <a:rPr lang="fr-FR" dirty="0"/>
-              <a:t>Les résultats sont pas top</a:t>
-            </a:r>
           </a:p>
         </p:txBody>
       </p:sp>
@@ -3524,7 +4558,7 @@
           <a:p>
             <a:fld id="{341AEC00-4977-4C47-A11B-52155DC12F54}" type="slidenum">
               <a:rPr lang="fr-FR" smtClean="0"/>
-              <a:t>8</a:t>
+              <a:t>5</a:t>
             </a:fld>
             <a:endParaRPr lang="fr-FR"/>
           </a:p>
@@ -3533,7 +4567,7 @@
     </p:spTree>
     <p:extLst>
       <p:ext uri="{BB962C8B-B14F-4D97-AF65-F5344CB8AC3E}">
-        <p14:creationId xmlns:p14="http://schemas.microsoft.com/office/powerpoint/2010/main" val="243988749"/>
+        <p14:creationId xmlns:p14="http://schemas.microsoft.com/office/powerpoint/2010/main" val="1978138556"/>
       </p:ext>
     </p:extLst>
   </p:cSld>
@@ -3623,6 +4657,12 @@
               <a:t> lent à entrainer</a:t>
             </a:r>
           </a:p>
+          <a:p>
+            <a:r>
+              <a:rPr lang="fr-FR" dirty="0"/>
+              <a:t>Les résultats sont pas top</a:t>
+            </a:r>
+          </a:p>
         </p:txBody>
       </p:sp>
       <p:sp>
@@ -3642,7 +4682,7 @@
           <a:p>
             <a:fld id="{341AEC00-4977-4C47-A11B-52155DC12F54}" type="slidenum">
               <a:rPr lang="fr-FR" smtClean="0"/>
-              <a:t>9</a:t>
+              <a:t>8</a:t>
             </a:fld>
             <a:endParaRPr lang="fr-FR"/>
           </a:p>
@@ -3651,7 +4691,7 @@
     </p:spTree>
     <p:extLst>
       <p:ext uri="{BB962C8B-B14F-4D97-AF65-F5344CB8AC3E}">
-        <p14:creationId xmlns:p14="http://schemas.microsoft.com/office/powerpoint/2010/main" val="1757169278"/>
+        <p14:creationId xmlns:p14="http://schemas.microsoft.com/office/powerpoint/2010/main" val="243988749"/>
       </p:ext>
     </p:extLst>
   </p:cSld>
@@ -3706,40 +4746,163 @@
           <a:lstStyle/>
           <a:p>
             <a:r>
+              <a:rPr lang="fr-FR" dirty="0"/>
+              <a:t>On avait 8 169 paramètres entrainables avec le modèle de base</a:t>
+            </a:r>
+          </a:p>
+          <a:p>
+            <a:r>
+              <a:rPr lang="fr-FR" dirty="0"/>
+              <a:t>On a pris le parti de geler TOUTES les couches de BERT et de juste rajouter une dernière couche dense avec une activation </a:t>
+            </a:r>
+            <a:r>
+              <a:rPr lang="fr-FR" dirty="0" err="1"/>
+              <a:t>sigmoide</a:t>
+            </a:r>
+            <a:endParaRPr lang="fr-FR" dirty="0"/>
+          </a:p>
+          <a:p>
+            <a:r>
+              <a:rPr lang="fr-FR" dirty="0"/>
+              <a:t>Du coup même si BERT a 110 M de para entrainables, on en a que 769 à entrainer</a:t>
+            </a:r>
+          </a:p>
+          <a:p>
+            <a:r>
+              <a:rPr lang="fr-FR" dirty="0"/>
+              <a:t>Par contre c'est reste très </a:t>
+            </a:r>
+            <a:r>
+              <a:rPr lang="fr-FR" dirty="0" err="1"/>
+              <a:t>très</a:t>
+            </a:r>
+            <a:r>
+              <a:rPr lang="fr-FR" dirty="0"/>
+              <a:t> lent à entrainer</a:t>
+            </a:r>
+          </a:p>
+        </p:txBody>
+      </p:sp>
+      <p:sp>
+        <p:nvSpPr>
+          <p:cNvPr id="4" name="Espace réservé du numéro de diapositive 3"/>
+          <p:cNvSpPr>
+            <a:spLocks noGrp="1"/>
+          </p:cNvSpPr>
+          <p:nvPr>
+            <p:ph type="sldNum" sz="quarter" idx="5"/>
+          </p:nvPr>
+        </p:nvSpPr>
+        <p:spPr/>
+        <p:txBody>
+          <a:bodyPr/>
+          <a:lstStyle/>
+          <a:p>
+            <a:fld id="{341AEC00-4977-4C47-A11B-52155DC12F54}" type="slidenum">
+              <a:rPr lang="fr-FR" smtClean="0"/>
+              <a:t>9</a:t>
+            </a:fld>
+            <a:endParaRPr lang="fr-FR"/>
+          </a:p>
+        </p:txBody>
+      </p:sp>
+    </p:spTree>
+    <p:extLst>
+      <p:ext uri="{BB962C8B-B14F-4D97-AF65-F5344CB8AC3E}">
+        <p14:creationId xmlns:p14="http://schemas.microsoft.com/office/powerpoint/2010/main" val="1757169278"/>
+      </p:ext>
+    </p:extLst>
+  </p:cSld>
+  <p:clrMapOvr>
+    <a:masterClrMapping/>
+  </p:clrMapOvr>
+</p:notes>
+</file>
+
+<file path=ppt/notesSlides/notesSlide7.xml><?xml version="1.0" encoding="utf-8"?>
+<p:notes xmlns:a="http://schemas.openxmlformats.org/drawingml/2006/main" xmlns:r="http://schemas.openxmlformats.org/officeDocument/2006/relationships" xmlns:p="http://schemas.openxmlformats.org/presentationml/2006/main">
+  <p:cSld>
+    <p:spTree>
+      <p:nvGrpSpPr>
+        <p:cNvPr id="1" name=""/>
+        <p:cNvGrpSpPr/>
+        <p:nvPr/>
+      </p:nvGrpSpPr>
+      <p:grpSpPr>
+        <a:xfrm>
+          <a:off x="0" y="0"/>
+          <a:ext cx="0" cy="0"/>
+          <a:chOff x="0" y="0"/>
+          <a:chExt cx="0" cy="0"/>
+        </a:xfrm>
+      </p:grpSpPr>
+      <p:sp>
+        <p:nvSpPr>
+          <p:cNvPr id="2" name="Espace réservé de l'image des diapositives 1"/>
+          <p:cNvSpPr>
+            <a:spLocks noGrp="1" noRot="1" noChangeAspect="1"/>
+          </p:cNvSpPr>
+          <p:nvPr>
+            <p:ph type="sldImg"/>
+          </p:nvPr>
+        </p:nvSpPr>
+        <p:spPr/>
+      </p:sp>
+      <p:sp>
+        <p:nvSpPr>
+          <p:cNvPr id="3" name="Espace réservé des notes 2"/>
+          <p:cNvSpPr>
+            <a:spLocks noGrp="1"/>
+          </p:cNvSpPr>
+          <p:nvPr>
+            <p:ph type="body" idx="1"/>
+          </p:nvPr>
+        </p:nvSpPr>
+        <p:spPr/>
+        <p:txBody>
+          <a:bodyPr/>
+          <a:lstStyle/>
+          <a:p>
+            <a:r>
               <a:rPr lang="en-US" dirty="0"/>
-              <a:t>Don't mess with EDA 	: Never!</a:t>
+              <a:t>EDA 		: The recipe </a:t>
             </a:r>
           </a:p>
           <a:p>
             <a:r>
               <a:rPr lang="en-US" dirty="0"/>
-              <a:t>Feature engineering	: Smart!</a:t>
+              <a:t>Features Engineering 	: The secret sauce </a:t>
             </a:r>
           </a:p>
           <a:p>
             <a:r>
               <a:rPr lang="en-US" dirty="0"/>
-              <a:t>Get a baseline model	: Fast!</a:t>
+              <a:t>Baseline model 	: The first taste </a:t>
             </a:r>
           </a:p>
           <a:p>
             <a:r>
               <a:rPr lang="en-US" dirty="0"/>
-              <a:t>Results analysis	: Always! </a:t>
-            </a:r>
-          </a:p>
-          <a:p>
-            <a:endParaRPr lang="en-US" dirty="0"/>
-          </a:p>
-          <a:p>
-            <a:r>
-              <a:rPr lang="en-US"/>
+              <a:t>Metrics Analysis 	: The critics' score </a:t>
+            </a:r>
+          </a:p>
+          <a:p>
+            <a:r>
+              <a:rPr lang="en-US" dirty="0"/>
+              <a:t>API &amp; App 		: Sharing with friends </a:t>
+            </a:r>
+          </a:p>
+          <a:p>
+            <a:r>
+              <a:rPr lang="en-US" dirty="0"/>
+              <a:t>Deployment &amp; Monitoring	: Serve the dish, maintain quality</a:t>
+            </a:r>
+          </a:p>
+          <a:p>
+            <a:r>
+              <a:rPr lang="en-US" dirty="0"/>
               <a:t> </a:t>
             </a:r>
-            <a:endParaRPr lang="en-US" dirty="0"/>
-          </a:p>
-          <a:p>
-            <a:endParaRPr lang="fr-FR" dirty="0"/>
           </a:p>
         </p:txBody>
       </p:sp>
@@ -3926,7 +5089,7 @@
           <a:p>
             <a:fld id="{7ECB9D5A-E5E4-41FE-AF39-634902D6D5D2}" type="datetimeFigureOut">
               <a:rPr lang="fr-FR" smtClean="0"/>
-              <a:t>17/09/2024</a:t>
+              <a:t>18/09/2024</a:t>
             </a:fld>
             <a:endParaRPr lang="fr-FR"/>
           </a:p>
@@ -4124,7 +5287,7 @@
           <a:p>
             <a:fld id="{7ECB9D5A-E5E4-41FE-AF39-634902D6D5D2}" type="datetimeFigureOut">
               <a:rPr lang="fr-FR" smtClean="0"/>
-              <a:t>17/09/2024</a:t>
+              <a:t>18/09/2024</a:t>
             </a:fld>
             <a:endParaRPr lang="fr-FR"/>
           </a:p>
@@ -4332,7 +5495,7 @@
           <a:p>
             <a:fld id="{7ECB9D5A-E5E4-41FE-AF39-634902D6D5D2}" type="datetimeFigureOut">
               <a:rPr lang="fr-FR" smtClean="0"/>
-              <a:t>17/09/2024</a:t>
+              <a:t>18/09/2024</a:t>
             </a:fld>
             <a:endParaRPr lang="fr-FR"/>
           </a:p>
@@ -4530,7 +5693,7 @@
           <a:p>
             <a:fld id="{7ECB9D5A-E5E4-41FE-AF39-634902D6D5D2}" type="datetimeFigureOut">
               <a:rPr lang="fr-FR" smtClean="0"/>
-              <a:t>17/09/2024</a:t>
+              <a:t>18/09/2024</a:t>
             </a:fld>
             <a:endParaRPr lang="fr-FR"/>
           </a:p>
@@ -4805,7 +5968,7 @@
           <a:p>
             <a:fld id="{7ECB9D5A-E5E4-41FE-AF39-634902D6D5D2}" type="datetimeFigureOut">
               <a:rPr lang="fr-FR" smtClean="0"/>
-              <a:t>17/09/2024</a:t>
+              <a:t>18/09/2024</a:t>
             </a:fld>
             <a:endParaRPr lang="fr-FR"/>
           </a:p>
@@ -5070,7 +6233,7 @@
           <a:p>
             <a:fld id="{7ECB9D5A-E5E4-41FE-AF39-634902D6D5D2}" type="datetimeFigureOut">
               <a:rPr lang="fr-FR" smtClean="0"/>
-              <a:t>17/09/2024</a:t>
+              <a:t>18/09/2024</a:t>
             </a:fld>
             <a:endParaRPr lang="fr-FR"/>
           </a:p>
@@ -5482,7 +6645,7 @@
           <a:p>
             <a:fld id="{7ECB9D5A-E5E4-41FE-AF39-634902D6D5D2}" type="datetimeFigureOut">
               <a:rPr lang="fr-FR" smtClean="0"/>
-              <a:t>17/09/2024</a:t>
+              <a:t>18/09/2024</a:t>
             </a:fld>
             <a:endParaRPr lang="fr-FR"/>
           </a:p>
@@ -5623,7 +6786,7 @@
           <a:p>
             <a:fld id="{7ECB9D5A-E5E4-41FE-AF39-634902D6D5D2}" type="datetimeFigureOut">
               <a:rPr lang="fr-FR" smtClean="0"/>
-              <a:t>17/09/2024</a:t>
+              <a:t>18/09/2024</a:t>
             </a:fld>
             <a:endParaRPr lang="fr-FR"/>
           </a:p>
@@ -5736,7 +6899,7 @@
           <a:p>
             <a:fld id="{7ECB9D5A-E5E4-41FE-AF39-634902D6D5D2}" type="datetimeFigureOut">
               <a:rPr lang="fr-FR" smtClean="0"/>
-              <a:t>17/09/2024</a:t>
+              <a:t>18/09/2024</a:t>
             </a:fld>
             <a:endParaRPr lang="fr-FR"/>
           </a:p>
@@ -6047,7 +7210,7 @@
           <a:p>
             <a:fld id="{7ECB9D5A-E5E4-41FE-AF39-634902D6D5D2}" type="datetimeFigureOut">
               <a:rPr lang="fr-FR" smtClean="0"/>
-              <a:t>17/09/2024</a:t>
+              <a:t>18/09/2024</a:t>
             </a:fld>
             <a:endParaRPr lang="fr-FR"/>
           </a:p>
@@ -6338,7 +7501,7 @@
           <a:p>
             <a:fld id="{7ECB9D5A-E5E4-41FE-AF39-634902D6D5D2}" type="datetimeFigureOut">
               <a:rPr lang="fr-FR" smtClean="0"/>
-              <a:t>17/09/2024</a:t>
+              <a:t>18/09/2024</a:t>
             </a:fld>
             <a:endParaRPr lang="fr-FR"/>
           </a:p>
@@ -6579,7 +7742,7 @@
           <a:p>
             <a:fld id="{7ECB9D5A-E5E4-41FE-AF39-634902D6D5D2}" type="datetimeFigureOut">
               <a:rPr lang="fr-FR" smtClean="0"/>
-              <a:t>17/09/2024</a:t>
+              <a:t>18/09/2024</a:t>
             </a:fld>
             <a:endParaRPr lang="fr-FR"/>
           </a:p>
@@ -7389,7 +8552,7 @@
         <p:spPr/>
         <p:txBody>
           <a:bodyPr>
-            <a:normAutofit lnSpcReduction="10000"/>
+            <a:normAutofit fontScale="92500"/>
           </a:bodyPr>
           <a:lstStyle/>
           <a:p>
@@ -7433,7 +8596,7 @@
           <a:p>
             <a:pPr lvl="1">
               <a:tabLst>
-                <a:tab pos="4572000" algn="l"/>
+                <a:tab pos="4662488" algn="l"/>
               </a:tabLst>
             </a:pPr>
             <a:r>
@@ -7444,7 +8607,7 @@
           <a:p>
             <a:pPr lvl="1">
               <a:tabLst>
-                <a:tab pos="4572000" algn="l"/>
+                <a:tab pos="4662488" algn="l"/>
               </a:tabLst>
             </a:pPr>
             <a:r>
@@ -7455,7 +8618,7 @@
           <a:p>
             <a:pPr lvl="1">
               <a:tabLst>
-                <a:tab pos="4572000" algn="l"/>
+                <a:tab pos="4662488" algn="l"/>
               </a:tabLst>
             </a:pPr>
             <a:r>
@@ -7466,7 +8629,7 @@
           <a:p>
             <a:pPr lvl="1">
               <a:tabLst>
-                <a:tab pos="4572000" algn="l"/>
+                <a:tab pos="4662488" algn="l"/>
               </a:tabLst>
             </a:pPr>
             <a:r>
@@ -7477,7 +8640,7 @@
           <a:p>
             <a:pPr lvl="1">
               <a:tabLst>
-                <a:tab pos="4572000" algn="l"/>
+                <a:tab pos="4662488" algn="l"/>
               </a:tabLst>
             </a:pPr>
             <a:r>
@@ -7495,6 +8658,42 @@
             <a:r>
               <a:rPr lang="fr-FR" dirty="0" err="1"/>
               <a:t>friends</a:t>
+            </a:r>
+            <a:endParaRPr lang="fr-FR" dirty="0"/>
+          </a:p>
+          <a:p>
+            <a:pPr lvl="1">
+              <a:tabLst>
+                <a:tab pos="4662488" algn="l"/>
+              </a:tabLst>
+            </a:pPr>
+            <a:r>
+              <a:rPr lang="fr-FR" dirty="0" err="1"/>
+              <a:t>Deployment</a:t>
+            </a:r>
+            <a:r>
+              <a:rPr lang="fr-FR" dirty="0"/>
+              <a:t> &amp; Monitoring	: Serve the </a:t>
+            </a:r>
+            <a:r>
+              <a:rPr lang="fr-FR" dirty="0" err="1"/>
+              <a:t>dish</a:t>
+            </a:r>
+            <a:r>
+              <a:rPr lang="fr-FR" dirty="0"/>
+              <a:t>, </a:t>
+            </a:r>
+            <a:r>
+              <a:rPr lang="fr-FR" dirty="0" err="1"/>
+              <a:t>maintain</a:t>
+            </a:r>
+            <a:r>
+              <a:rPr lang="fr-FR" dirty="0"/>
+              <a:t> </a:t>
+            </a:r>
+            <a:r>
+              <a:rPr lang="fr-FR" dirty="0" err="1"/>
+              <a:t>quality</a:t>
             </a:r>
             <a:endParaRPr lang="fr-FR" dirty="0"/>
           </a:p>
@@ -7640,10 +8839,10 @@
       </p:pic>
       <p:grpSp>
         <p:nvGrpSpPr>
-          <p:cNvPr id="11" name="Groupe 10">
+          <p:cNvPr id="12" name="Groupe 11">
             <a:extLst>
               <a:ext uri="{FF2B5EF4-FFF2-40B4-BE49-F238E27FC236}">
-                <a16:creationId xmlns:a16="http://schemas.microsoft.com/office/drawing/2014/main" id="{7120AF6E-785D-C94C-BBDA-A06DEEBAD2A9}"/>
+                <a16:creationId xmlns:a16="http://schemas.microsoft.com/office/drawing/2014/main" id="{20273B96-1E36-D2C8-0290-84DC89996CAC}"/>
               </a:ext>
             </a:extLst>
           </p:cNvPr>
@@ -7652,10 +8851,10 @@
         </p:nvGrpSpPr>
         <p:grpSpPr>
           <a:xfrm>
-            <a:off x="693609" y="1729425"/>
-            <a:ext cx="180000" cy="1610871"/>
+            <a:off x="693609" y="1804375"/>
+            <a:ext cx="180000" cy="1972028"/>
             <a:chOff x="693609" y="1729425"/>
-            <a:chExt cx="180000" cy="1610871"/>
+            <a:chExt cx="180000" cy="1972028"/>
           </a:xfrm>
         </p:grpSpPr>
         <p:sp>
@@ -7918,6 +9117,58 @@
             </a:p>
           </p:txBody>
         </p:sp>
+        <p:sp>
+          <p:nvSpPr>
+            <p:cNvPr id="4" name="Ellipse 3">
+              <a:extLst>
+                <a:ext uri="{FF2B5EF4-FFF2-40B4-BE49-F238E27FC236}">
+                  <a16:creationId xmlns:a16="http://schemas.microsoft.com/office/drawing/2014/main" id="{FDCF9747-D983-E2EE-9309-035260BCAFD8}"/>
+                </a:ext>
+              </a:extLst>
+            </p:cNvPr>
+            <p:cNvSpPr/>
+            <p:nvPr/>
+          </p:nvSpPr>
+          <p:spPr>
+            <a:xfrm>
+              <a:off x="693609" y="3521453"/>
+              <a:ext cx="180000" cy="180000"/>
+            </a:xfrm>
+            <a:prstGeom prst="ellipse">
+              <a:avLst/>
+            </a:prstGeom>
+            <a:solidFill>
+              <a:srgbClr val="C00000"/>
+            </a:solidFill>
+            <a:ln>
+              <a:noFill/>
+            </a:ln>
+          </p:spPr>
+          <p:style>
+            <a:lnRef idx="2">
+              <a:schemeClr val="accent1">
+                <a:shade val="15000"/>
+              </a:schemeClr>
+            </a:lnRef>
+            <a:fillRef idx="1">
+              <a:schemeClr val="accent1"/>
+            </a:fillRef>
+            <a:effectRef idx="0">
+              <a:schemeClr val="accent1"/>
+            </a:effectRef>
+            <a:fontRef idx="minor">
+              <a:schemeClr val="lt1"/>
+            </a:fontRef>
+          </p:style>
+          <p:txBody>
+            <a:bodyPr rtlCol="0" anchor="ctr"/>
+            <a:lstStyle/>
+            <a:p>
+              <a:pPr algn="ctr"/>
+              <a:endParaRPr lang="fr-FR"/>
+            </a:p>
+          </p:txBody>
+        </p:sp>
       </p:grpSp>
     </p:spTree>
     <p:extLst>
@@ -8012,7 +9263,7 @@
                                           </p:stCondLst>
                                         </p:cTn>
                                         <p:tgtEl>
-                                          <p:spTgt spid="11"/>
+                                          <p:spTgt spid="12"/>
                                         </p:tgtEl>
                                         <p:attrNameLst>
                                           <p:attrName>style.visibility</p:attrName>
@@ -8026,7 +9277,7 @@
                                       <p:cBhvr>
                                         <p:cTn id="11" dur="500"/>
                                         <p:tgtEl>
-                                          <p:spTgt spid="11"/>
+                                          <p:spTgt spid="12"/>
                                         </p:tgtEl>
                                       </p:cBhvr>
                                     </p:animEffect>
@@ -8189,7 +9440,7 @@
                                 </p:cTn>
                               </p:par>
                               <p:par>
-                                <p:cTn id="22" presetID="10" presetClass="entr" presetSubtype="0" fill="hold" nodeType="withEffect">
+                                <p:cTn id="22" presetID="1" presetClass="entr" presetSubtype="0" fill="hold" grpId="0" nodeType="withEffect">
                                   <p:stCondLst>
                                     <p:cond delay="0"/>
                                   </p:stCondLst>
@@ -8197,6 +9448,37 @@
                                     <p:set>
                                       <p:cBhvr>
                                         <p:cTn id="23" dur="1" fill="hold">
+                                          <p:stCondLst>
+                                            <p:cond delay="0"/>
+                                          </p:stCondLst>
+                                        </p:cTn>
+                                        <p:tgtEl>
+                                          <p:spTgt spid="3">
+                                            <p:txEl>
+                                              <p:pRg st="6" end="6"/>
+                                            </p:txEl>
+                                          </p:spTgt>
+                                        </p:tgtEl>
+                                        <p:attrNameLst>
+                                          <p:attrName>style.visibility</p:attrName>
+                                        </p:attrNameLst>
+                                      </p:cBhvr>
+                                      <p:to>
+                                        <p:strVal val="visible"/>
+                                      </p:to>
+                                    </p:set>
+                                  </p:childTnLst>
+                                </p:cTn>
+                              </p:par>
+                              <p:par>
+                                <p:cTn id="24" presetID="10" presetClass="entr" presetSubtype="0" fill="hold" nodeType="withEffect">
+                                  <p:stCondLst>
+                                    <p:cond delay="0"/>
+                                  </p:stCondLst>
+                                  <p:childTnLst>
+                                    <p:set>
+                                      <p:cBhvr>
+                                        <p:cTn id="25" dur="1" fill="hold">
                                           <p:stCondLst>
                                             <p:cond delay="0"/>
                                           </p:stCondLst>
@@ -8214,7 +9496,7 @@
                                     </p:set>
                                     <p:animEffect transition="in" filter="fade">
                                       <p:cBhvr>
-                                        <p:cTn id="24" dur="500"/>
+                                        <p:cTn id="26" dur="500"/>
                                         <p:tgtEl>
                                           <p:spTgt spid="5"/>
                                         </p:tgtEl>
@@ -8230,26 +9512,26 @@
                     </p:cTn>
                   </p:par>
                   <p:par>
-                    <p:cTn id="25" fill="hold">
+                    <p:cTn id="27" fill="hold">
                       <p:stCondLst>
                         <p:cond delay="indefinite"/>
                       </p:stCondLst>
                       <p:childTnLst>
                         <p:par>
-                          <p:cTn id="26" fill="hold">
+                          <p:cTn id="28" fill="hold">
                             <p:stCondLst>
                               <p:cond delay="0"/>
                             </p:stCondLst>
                             <p:childTnLst>
                               <p:par>
-                                <p:cTn id="27" presetID="1" presetClass="entr" presetSubtype="0" fill="hold" grpId="0" nodeType="clickEffect">
+                                <p:cTn id="29" presetID="1" presetClass="entr" presetSubtype="0" fill="hold" grpId="0" nodeType="clickEffect">
                                   <p:stCondLst>
                                     <p:cond delay="0"/>
                                   </p:stCondLst>
                                   <p:childTnLst>
                                     <p:set>
                                       <p:cBhvr>
-                                        <p:cTn id="28" dur="1" fill="hold">
+                                        <p:cTn id="30" dur="1" fill="hold">
                                           <p:stCondLst>
                                             <p:cond delay="0"/>
                                           </p:stCondLst>
@@ -8257,7 +9539,7 @@
                                         <p:tgtEl>
                                           <p:spTgt spid="3">
                                             <p:txEl>
-                                              <p:pRg st="8" end="8"/>
+                                              <p:pRg st="9" end="9"/>
                                             </p:txEl>
                                           </p:spTgt>
                                         </p:tgtEl>
@@ -8279,26 +9561,26 @@
                     </p:cTn>
                   </p:par>
                   <p:par>
-                    <p:cTn id="29" fill="hold">
+                    <p:cTn id="31" fill="hold">
                       <p:stCondLst>
                         <p:cond delay="indefinite"/>
                       </p:stCondLst>
                       <p:childTnLst>
                         <p:par>
-                          <p:cTn id="30" fill="hold">
+                          <p:cTn id="32" fill="hold">
                             <p:stCondLst>
                               <p:cond delay="0"/>
                             </p:stCondLst>
                             <p:childTnLst>
                               <p:par>
-                                <p:cTn id="31" presetID="1" presetClass="entr" presetSubtype="0" fill="hold" grpId="0" nodeType="clickEffect">
+                                <p:cTn id="33" presetID="1" presetClass="entr" presetSubtype="0" fill="hold" grpId="0" nodeType="clickEffect">
                                   <p:stCondLst>
                                     <p:cond delay="0"/>
                                   </p:stCondLst>
                                   <p:childTnLst>
                                     <p:set>
                                       <p:cBhvr>
-                                        <p:cTn id="32" dur="1" fill="hold">
+                                        <p:cTn id="34" dur="1" fill="hold">
                                           <p:stCondLst>
                                             <p:cond delay="0"/>
                                           </p:stCondLst>
@@ -8306,7 +9588,7 @@
                                         <p:tgtEl>
                                           <p:spTgt spid="3">
                                             <p:txEl>
-                                              <p:pRg st="9" end="9"/>
+                                              <p:pRg st="10" end="10"/>
                                             </p:txEl>
                                           </p:spTgt>
                                         </p:tgtEl>
@@ -8893,7 +10175,7 @@
           <p:nvPr/>
         </p:nvPicPr>
         <p:blipFill>
-          <a:blip r:embed="rId2"/>
+          <a:blip r:embed="rId3"/>
           <a:stretch>
             <a:fillRect/>
           </a:stretch>
@@ -8923,7 +10205,7 @@
           <p:nvPr/>
         </p:nvPicPr>
         <p:blipFill>
-          <a:blip r:embed="rId3"/>
+          <a:blip r:embed="rId4"/>
           <a:stretch>
             <a:fillRect/>
           </a:stretch>
@@ -8953,7 +10235,7 @@
           <p:nvPr/>
         </p:nvPicPr>
         <p:blipFill>
-          <a:blip r:embed="rId4"/>
+          <a:blip r:embed="rId5"/>
           <a:stretch>
             <a:fillRect/>
           </a:stretch>
@@ -8983,7 +10265,7 @@
           <p:nvPr/>
         </p:nvPicPr>
         <p:blipFill>
-          <a:blip r:embed="rId5"/>
+          <a:blip r:embed="rId6"/>
           <a:stretch>
             <a:fillRect/>
           </a:stretch>

--- a/07_deep_learning/99_Project_ATT/01_att_project.pptx
+++ b/07_deep_learning/99_Project_ATT/01_att_project.pptx
@@ -1567,7 +1567,7 @@
   <pc:docChgLst>
     <pc:chgData name="Philippe Baucour" userId="5102170ae7533958" providerId="LiveId" clId="{ABAE05BF-949A-4E93-BC19-2AEAAED3ED81}"/>
     <pc:docChg chg="undo custSel addSld modSld sldOrd">
-      <pc:chgData name="Philippe Baucour" userId="5102170ae7533958" providerId="LiveId" clId="{ABAE05BF-949A-4E93-BC19-2AEAAED3ED81}" dt="2024-09-18T13:53:26.117" v="4138" actId="6549"/>
+      <pc:chgData name="Philippe Baucour" userId="5102170ae7533958" providerId="LiveId" clId="{ABAE05BF-949A-4E93-BC19-2AEAAED3ED81}" dt="2024-09-18T16:55:55.565" v="4146" actId="313"/>
       <pc:docMkLst>
         <pc:docMk/>
       </pc:docMkLst>
@@ -2171,7 +2171,7 @@
         </pc:picChg>
       </pc:sldChg>
       <pc:sldChg chg="addSp delSp modSp add mod ord modNotesTx">
-        <pc:chgData name="Philippe Baucour" userId="5102170ae7533958" providerId="LiveId" clId="{ABAE05BF-949A-4E93-BC19-2AEAAED3ED81}" dt="2024-09-03T08:49:41.680" v="2615" actId="14100"/>
+        <pc:chgData name="Philippe Baucour" userId="5102170ae7533958" providerId="LiveId" clId="{ABAE05BF-949A-4E93-BC19-2AEAAED3ED81}" dt="2024-09-18T16:55:55.565" v="4146" actId="313"/>
         <pc:sldMkLst>
           <pc:docMk/>
           <pc:sldMk cId="2840346932" sldId="269"/>
@@ -4629,11 +4629,11 @@
           <a:p>
             <a:r>
               <a:rPr lang="fr-FR" dirty="0"/>
-              <a:t>On a pris le parti de geler TOUTES les couches de BERT et de juste rajouter une dernière couche dense avec une activation </a:t>
-            </a:r>
-            <a:r>
-              <a:rPr lang="fr-FR" dirty="0" err="1"/>
-              <a:t>sigmoide</a:t>
+              <a:t>On a pris le parti de geler TOUTES les couches de BERT et de juste rajouter une dernière couche dense avec une </a:t>
+            </a:r>
+            <a:r>
+              <a:rPr lang="fr-FR"/>
+              <a:t>activation sigmoïde</a:t>
             </a:r>
             <a:endParaRPr lang="fr-FR" dirty="0"/>
           </a:p>
@@ -4646,7 +4646,7 @@
           <a:p>
             <a:r>
               <a:rPr lang="fr-FR" dirty="0"/>
-              <a:t>Par contre c'est reste très </a:t>
+              <a:t>Par contre ça reste très </a:t>
             </a:r>
             <a:r>
               <a:rPr lang="fr-FR" dirty="0" err="1"/>

--- a/07_deep_learning/99_Project_ATT/01_att_project.pptx
+++ b/07_deep_learning/99_Project_ATT/01_att_project.pptx
@@ -1567,7 +1567,7 @@
   <pc:docChgLst>
     <pc:chgData name="Philippe Baucour" userId="5102170ae7533958" providerId="LiveId" clId="{ABAE05BF-949A-4E93-BC19-2AEAAED3ED81}"/>
     <pc:docChg chg="undo custSel addSld modSld sldOrd">
-      <pc:chgData name="Philippe Baucour" userId="5102170ae7533958" providerId="LiveId" clId="{ABAE05BF-949A-4E93-BC19-2AEAAED3ED81}" dt="2024-09-18T16:55:55.565" v="4146" actId="313"/>
+      <pc:chgData name="Philippe Baucour" userId="5102170ae7533958" providerId="LiveId" clId="{ABAE05BF-949A-4E93-BC19-2AEAAED3ED81}" dt="2024-09-19T09:46:39.239" v="4519"/>
       <pc:docMkLst>
         <pc:docMk/>
       </pc:docMkLst>
@@ -1989,13 +1989,13 @@
         </pc:picChg>
       </pc:sldChg>
       <pc:sldChg chg="addSp delSp modSp new mod modNotesTx">
-        <pc:chgData name="Philippe Baucour" userId="5102170ae7533958" providerId="LiveId" clId="{ABAE05BF-949A-4E93-BC19-2AEAAED3ED81}" dt="2024-09-18T13:53:26.117" v="4138" actId="6549"/>
+        <pc:chgData name="Philippe Baucour" userId="5102170ae7533958" providerId="LiveId" clId="{ABAE05BF-949A-4E93-BC19-2AEAAED3ED81}" dt="2024-09-19T09:17:32.401" v="4155" actId="20577"/>
         <pc:sldMkLst>
           <pc:docMk/>
           <pc:sldMk cId="671232843" sldId="267"/>
         </pc:sldMkLst>
         <pc:spChg chg="mod">
-          <ac:chgData name="Philippe Baucour" userId="5102170ae7533958" providerId="LiveId" clId="{ABAE05BF-949A-4E93-BC19-2AEAAED3ED81}" dt="2024-09-02T12:23:46.627" v="316" actId="20577"/>
+          <ac:chgData name="Philippe Baucour" userId="5102170ae7533958" providerId="LiveId" clId="{ABAE05BF-949A-4E93-BC19-2AEAAED3ED81}" dt="2024-09-19T09:17:32.401" v="4155" actId="20577"/>
           <ac:spMkLst>
             <pc:docMk/>
             <pc:sldMk cId="671232843" sldId="267"/>
@@ -2171,7 +2171,7 @@
         </pc:picChg>
       </pc:sldChg>
       <pc:sldChg chg="addSp delSp modSp add mod ord modNotesTx">
-        <pc:chgData name="Philippe Baucour" userId="5102170ae7533958" providerId="LiveId" clId="{ABAE05BF-949A-4E93-BC19-2AEAAED3ED81}" dt="2024-09-18T16:55:55.565" v="4146" actId="313"/>
+        <pc:chgData name="Philippe Baucour" userId="5102170ae7533958" providerId="LiveId" clId="{ABAE05BF-949A-4E93-BC19-2AEAAED3ED81}" dt="2024-09-19T09:46:39.239" v="4519"/>
         <pc:sldMkLst>
           <pc:docMk/>
           <pc:sldMk cId="2840346932" sldId="269"/>
@@ -2273,8 +2273,8 @@
           </ac:picMkLst>
         </pc:picChg>
       </pc:sldChg>
-      <pc:sldChg chg="addSp delSp modSp new mod ord">
-        <pc:chgData name="Philippe Baucour" userId="5102170ae7533958" providerId="LiveId" clId="{ABAE05BF-949A-4E93-BC19-2AEAAED3ED81}" dt="2024-09-18T09:42:56.496" v="3876"/>
+      <pc:sldChg chg="addSp delSp modSp new mod ord modNotesTx">
+        <pc:chgData name="Philippe Baucour" userId="5102170ae7533958" providerId="LiveId" clId="{ABAE05BF-949A-4E93-BC19-2AEAAED3ED81}" dt="2024-09-19T09:43:19.286" v="4517" actId="20577"/>
         <pc:sldMkLst>
           <pc:docMk/>
           <pc:sldMk cId="3058765758" sldId="270"/>
@@ -2423,7 +2423,7 @@
           <a:p>
             <a:fld id="{FD1752CD-A7D2-4825-BC26-9DAEFBD0A5FF}" type="datetimeFigureOut">
               <a:rPr lang="fr-FR" smtClean="0"/>
-              <a:t>18/09/2024</a:t>
+              <a:t>19/09/2024</a:t>
             </a:fld>
             <a:endParaRPr lang="fr-FR"/>
           </a:p>
@@ -4623,45 +4623,82 @@
           <a:p>
             <a:r>
               <a:rPr lang="fr-FR" dirty="0"/>
-              <a:t>On avait 8 169 paramètres entrainables avec le modèle de base</a:t>
-            </a:r>
+              <a:t>installer une callback dans </a:t>
+            </a:r>
+            <a:r>
+              <a:rPr lang="fr-FR" dirty="0" err="1"/>
+              <a:t>model.fit</a:t>
+            </a:r>
+            <a:endParaRPr lang="fr-FR" dirty="0"/>
           </a:p>
           <a:p>
             <a:r>
               <a:rPr lang="fr-FR" dirty="0"/>
-              <a:t>On a pris le parti de geler TOUTES les couches de BERT et de juste rajouter une dernière couche dense avec une </a:t>
-            </a:r>
-            <a:r>
-              <a:rPr lang="fr-FR"/>
-              <a:t>activation sigmoïde</a:t>
-            </a:r>
+              <a:t>y remplir une liste </a:t>
+            </a:r>
+            <a:r>
+              <a:rPr lang="fr-FR" dirty="0" err="1"/>
+              <a:t>confusion_matrices</a:t>
+            </a:r>
+            <a:r>
+              <a:rPr lang="fr-FR" dirty="0"/>
+              <a:t> de 50 matrices</a:t>
+            </a:r>
+          </a:p>
+          <a:p>
             <a:endParaRPr lang="fr-FR" dirty="0"/>
           </a:p>
           <a:p>
             <a:r>
               <a:rPr lang="fr-FR" dirty="0"/>
-              <a:t>Du coup même si BERT a 110 M de para entrainables, on en a que 769 à entrainer</a:t>
-            </a:r>
-          </a:p>
-          <a:p>
+              <a:t>Pour l'affichage</a:t>
+            </a:r>
+          </a:p>
+          <a:p>
+            <a:pPr lvl="1"/>
             <a:r>
               <a:rPr lang="fr-FR" dirty="0"/>
-              <a:t>Par contre ça reste très </a:t>
+              <a:t>Créer une figure qui contient des frames (une des 50 matrices de confusion)</a:t>
+            </a:r>
+          </a:p>
+          <a:p>
+            <a:pPr lvl="1"/>
+            <a:r>
+              <a:rPr lang="fr-FR" dirty="0"/>
+              <a:t>Ajouter un bouton Play </a:t>
+            </a:r>
+          </a:p>
+          <a:p>
+            <a:pPr lvl="1"/>
+            <a:r>
+              <a:rPr lang="fr-FR" dirty="0"/>
+              <a:t>Après faut ajouter ce qu'il faut pour les annotations, les axes etc.</a:t>
+            </a:r>
+          </a:p>
+          <a:p>
+            <a:pPr lvl="1"/>
+            <a:endParaRPr lang="fr-FR" dirty="0"/>
+          </a:p>
+          <a:p>
+            <a:pPr lvl="1"/>
+            <a:r>
+              <a:rPr lang="fr-FR" dirty="0"/>
+              <a:t>Ajouter un </a:t>
             </a:r>
             <a:r>
               <a:rPr lang="fr-FR" dirty="0" err="1"/>
-              <a:t>très</a:t>
-            </a:r>
-            <a:r>
-              <a:rPr lang="fr-FR" dirty="0"/>
-              <a:t> lent à entrainer</a:t>
-            </a:r>
-          </a:p>
-          <a:p>
-            <a:r>
-              <a:rPr lang="fr-FR" dirty="0"/>
-              <a:t>Les résultats sont pas top</a:t>
-            </a:r>
+              <a:t>slider</a:t>
+            </a:r>
+            <a:endParaRPr lang="fr-FR" dirty="0"/>
+          </a:p>
+          <a:p>
+            <a:endParaRPr lang="fr-FR" dirty="0"/>
+          </a:p>
+          <a:p>
+            <a:endParaRPr lang="fr-FR" dirty="0"/>
+          </a:p>
+          <a:p>
+            <a:endParaRPr lang="fr-FR" dirty="0"/>
           </a:p>
         </p:txBody>
       </p:sp>
@@ -4682,7 +4719,7 @@
           <a:p>
             <a:fld id="{341AEC00-4977-4C47-A11B-52155DC12F54}" type="slidenum">
               <a:rPr lang="fr-FR" smtClean="0"/>
-              <a:t>8</a:t>
+              <a:t>6</a:t>
             </a:fld>
             <a:endParaRPr lang="fr-FR"/>
           </a:p>
@@ -4691,7 +4728,7 @@
     </p:spTree>
     <p:extLst>
       <p:ext uri="{BB962C8B-B14F-4D97-AF65-F5344CB8AC3E}">
-        <p14:creationId xmlns:p14="http://schemas.microsoft.com/office/powerpoint/2010/main" val="243988749"/>
+        <p14:creationId xmlns:p14="http://schemas.microsoft.com/office/powerpoint/2010/main" val="3859205668"/>
       </p:ext>
     </p:extLst>
   </p:cSld>
@@ -4745,6 +4782,95 @@
           <a:bodyPr/>
           <a:lstStyle/>
           <a:p>
+            <a:pPr marL="0" marR="0" lvl="0" indent="0" algn="l" defTabSz="914400" rtl="0" eaLnBrk="1" fontAlgn="auto" latinLnBrk="0" hangingPunct="1">
+              <a:lnSpc>
+                <a:spcPct val="100000"/>
+              </a:lnSpc>
+              <a:spcBef>
+                <a:spcPts val="0"/>
+              </a:spcBef>
+              <a:spcAft>
+                <a:spcPts val="0"/>
+              </a:spcAft>
+              <a:buClrTx/>
+              <a:buSzTx/>
+              <a:buFontTx/>
+              <a:buNone/>
+              <a:tabLst/>
+              <a:defRPr/>
+            </a:pPr>
+            <a:r>
+              <a:rPr lang="fr-FR" b="0" dirty="0" err="1">
+                <a:solidFill>
+                  <a:srgbClr val="6A9955"/>
+                </a:solidFill>
+                <a:effectLst/>
+                <a:latin typeface="JetBrains Mono" panose="02000009000000000000" pitchFamily="49" charset="0"/>
+              </a:rPr>
+              <a:t>Bidirectional</a:t>
+            </a:r>
+            <a:r>
+              <a:rPr lang="fr-FR" b="0" dirty="0">
+                <a:solidFill>
+                  <a:srgbClr val="6A9955"/>
+                </a:solidFill>
+                <a:effectLst/>
+                <a:latin typeface="JetBrains Mono" panose="02000009000000000000" pitchFamily="49" charset="0"/>
+              </a:rPr>
+              <a:t> Encoder </a:t>
+            </a:r>
+            <a:r>
+              <a:rPr lang="fr-FR" b="0" dirty="0" err="1">
+                <a:solidFill>
+                  <a:srgbClr val="6A9955"/>
+                </a:solidFill>
+                <a:effectLst/>
+                <a:latin typeface="JetBrains Mono" panose="02000009000000000000" pitchFamily="49" charset="0"/>
+              </a:rPr>
+              <a:t>Representations</a:t>
+            </a:r>
+            <a:r>
+              <a:rPr lang="fr-FR" b="0" dirty="0">
+                <a:solidFill>
+                  <a:srgbClr val="6A9955"/>
+                </a:solidFill>
+                <a:effectLst/>
+                <a:latin typeface="JetBrains Mono" panose="02000009000000000000" pitchFamily="49" charset="0"/>
+              </a:rPr>
+              <a:t> </a:t>
+            </a:r>
+            <a:r>
+              <a:rPr lang="fr-FR" b="0" dirty="0" err="1">
+                <a:solidFill>
+                  <a:srgbClr val="6A9955"/>
+                </a:solidFill>
+                <a:effectLst/>
+                <a:latin typeface="JetBrains Mono" panose="02000009000000000000" pitchFamily="49" charset="0"/>
+              </a:rPr>
+              <a:t>from</a:t>
+            </a:r>
+            <a:r>
+              <a:rPr lang="fr-FR" b="0">
+                <a:solidFill>
+                  <a:srgbClr val="6A9955"/>
+                </a:solidFill>
+                <a:effectLst/>
+                <a:latin typeface="JetBrains Mono" panose="02000009000000000000" pitchFamily="49" charset="0"/>
+              </a:rPr>
+              <a:t> Transformers</a:t>
+            </a:r>
+            <a:endParaRPr lang="fr-FR" b="0">
+              <a:solidFill>
+                <a:srgbClr val="CCCCCC"/>
+              </a:solidFill>
+              <a:effectLst/>
+              <a:latin typeface="JetBrains Mono" panose="02000009000000000000" pitchFamily="49" charset="0"/>
+            </a:endParaRPr>
+          </a:p>
+          <a:p>
+            <a:endParaRPr lang="fr-FR"/>
+          </a:p>
+          <a:p>
             <a:r>
               <a:rPr lang="fr-FR" dirty="0"/>
               <a:t>On avait 8 169 paramètres entrainables avec le modèle de base</a:t>
@@ -4753,13 +4879,8 @@
           <a:p>
             <a:r>
               <a:rPr lang="fr-FR" dirty="0"/>
-              <a:t>On a pris le parti de geler TOUTES les couches de BERT et de juste rajouter une dernière couche dense avec une activation </a:t>
-            </a:r>
-            <a:r>
-              <a:rPr lang="fr-FR" dirty="0" err="1"/>
-              <a:t>sigmoide</a:t>
-            </a:r>
-            <a:endParaRPr lang="fr-FR" dirty="0"/>
+              <a:t>On a pris le parti de geler TOUTES les couches de BERT et de juste rajouter une dernière couche dense avec une activation sigmoïde</a:t>
+            </a:r>
           </a:p>
           <a:p>
             <a:r>
@@ -4770,7 +4891,7 @@
           <a:p>
             <a:r>
               <a:rPr lang="fr-FR" dirty="0"/>
-              <a:t>Par contre c'est reste très </a:t>
+              <a:t>Par contre ça reste très </a:t>
             </a:r>
             <a:r>
               <a:rPr lang="fr-FR" dirty="0" err="1"/>
@@ -4779,6 +4900,12 @@
             <a:r>
               <a:rPr lang="fr-FR" dirty="0"/>
               <a:t> lent à entrainer</a:t>
+            </a:r>
+          </a:p>
+          <a:p>
+            <a:r>
+              <a:rPr lang="fr-FR" dirty="0"/>
+              <a:t>Les résultats sont pas top</a:t>
             </a:r>
           </a:p>
         </p:txBody>
@@ -4800,6 +4927,124 @@
           <a:p>
             <a:fld id="{341AEC00-4977-4C47-A11B-52155DC12F54}" type="slidenum">
               <a:rPr lang="fr-FR" smtClean="0"/>
+              <a:t>8</a:t>
+            </a:fld>
+            <a:endParaRPr lang="fr-FR"/>
+          </a:p>
+        </p:txBody>
+      </p:sp>
+    </p:spTree>
+    <p:extLst>
+      <p:ext uri="{BB962C8B-B14F-4D97-AF65-F5344CB8AC3E}">
+        <p14:creationId xmlns:p14="http://schemas.microsoft.com/office/powerpoint/2010/main" val="243988749"/>
+      </p:ext>
+    </p:extLst>
+  </p:cSld>
+  <p:clrMapOvr>
+    <a:masterClrMapping/>
+  </p:clrMapOvr>
+</p:notes>
+</file>
+
+<file path=ppt/notesSlides/notesSlide7.xml><?xml version="1.0" encoding="utf-8"?>
+<p:notes xmlns:a="http://schemas.openxmlformats.org/drawingml/2006/main" xmlns:r="http://schemas.openxmlformats.org/officeDocument/2006/relationships" xmlns:p="http://schemas.openxmlformats.org/presentationml/2006/main">
+  <p:cSld>
+    <p:spTree>
+      <p:nvGrpSpPr>
+        <p:cNvPr id="1" name=""/>
+        <p:cNvGrpSpPr/>
+        <p:nvPr/>
+      </p:nvGrpSpPr>
+      <p:grpSpPr>
+        <a:xfrm>
+          <a:off x="0" y="0"/>
+          <a:ext cx="0" cy="0"/>
+          <a:chOff x="0" y="0"/>
+          <a:chExt cx="0" cy="0"/>
+        </a:xfrm>
+      </p:grpSpPr>
+      <p:sp>
+        <p:nvSpPr>
+          <p:cNvPr id="2" name="Espace réservé de l'image des diapositives 1"/>
+          <p:cNvSpPr>
+            <a:spLocks noGrp="1" noRot="1" noChangeAspect="1"/>
+          </p:cNvSpPr>
+          <p:nvPr>
+            <p:ph type="sldImg"/>
+          </p:nvPr>
+        </p:nvSpPr>
+        <p:spPr/>
+      </p:sp>
+      <p:sp>
+        <p:nvSpPr>
+          <p:cNvPr id="3" name="Espace réservé des notes 2"/>
+          <p:cNvSpPr>
+            <a:spLocks noGrp="1"/>
+          </p:cNvSpPr>
+          <p:nvPr>
+            <p:ph type="body" idx="1"/>
+          </p:nvPr>
+        </p:nvSpPr>
+        <p:spPr/>
+        <p:txBody>
+          <a:bodyPr/>
+          <a:lstStyle/>
+          <a:p>
+            <a:r>
+              <a:rPr lang="fr-FR" dirty="0"/>
+              <a:t>On avait 8 169 paramètres entrainables avec le modèle de base</a:t>
+            </a:r>
+          </a:p>
+          <a:p>
+            <a:r>
+              <a:rPr lang="fr-FR" dirty="0"/>
+              <a:t>On a pris le parti de geler TOUTES les couches de BERT et de juste rajouter une dernière couche dense avec une activation </a:t>
+            </a:r>
+            <a:r>
+              <a:rPr lang="fr-FR" dirty="0" err="1"/>
+              <a:t>sigmoide</a:t>
+            </a:r>
+            <a:endParaRPr lang="fr-FR" dirty="0"/>
+          </a:p>
+          <a:p>
+            <a:r>
+              <a:rPr lang="fr-FR" dirty="0"/>
+              <a:t>Du coup même si BERT a 110 M de para entrainables, on en a que 769 à entrainer</a:t>
+            </a:r>
+          </a:p>
+          <a:p>
+            <a:r>
+              <a:rPr lang="fr-FR" dirty="0"/>
+              <a:t>Par contre c'est reste très </a:t>
+            </a:r>
+            <a:r>
+              <a:rPr lang="fr-FR" dirty="0" err="1"/>
+              <a:t>très</a:t>
+            </a:r>
+            <a:r>
+              <a:rPr lang="fr-FR" dirty="0"/>
+              <a:t> lent à entrainer</a:t>
+            </a:r>
+          </a:p>
+        </p:txBody>
+      </p:sp>
+      <p:sp>
+        <p:nvSpPr>
+          <p:cNvPr id="4" name="Espace réservé du numéro de diapositive 3"/>
+          <p:cNvSpPr>
+            <a:spLocks noGrp="1"/>
+          </p:cNvSpPr>
+          <p:nvPr>
+            <p:ph type="sldNum" sz="quarter" idx="5"/>
+          </p:nvPr>
+        </p:nvSpPr>
+        <p:spPr/>
+        <p:txBody>
+          <a:bodyPr/>
+          <a:lstStyle/>
+          <a:p>
+            <a:fld id="{341AEC00-4977-4C47-A11B-52155DC12F54}" type="slidenum">
+              <a:rPr lang="fr-FR" smtClean="0"/>
               <a:t>9</a:t>
             </a:fld>
             <a:endParaRPr lang="fr-FR"/>
@@ -4819,7 +5064,7 @@
 </p:notes>
 </file>
 
-<file path=ppt/notesSlides/notesSlide7.xml><?xml version="1.0" encoding="utf-8"?>
+<file path=ppt/notesSlides/notesSlide8.xml><?xml version="1.0" encoding="utf-8"?>
 <p:notes xmlns:a="http://schemas.openxmlformats.org/drawingml/2006/main" xmlns:r="http://schemas.openxmlformats.org/officeDocument/2006/relationships" xmlns:p="http://schemas.openxmlformats.org/presentationml/2006/main">
   <p:cSld>
     <p:spTree>
@@ -5089,7 +5334,7 @@
           <a:p>
             <a:fld id="{7ECB9D5A-E5E4-41FE-AF39-634902D6D5D2}" type="datetimeFigureOut">
               <a:rPr lang="fr-FR" smtClean="0"/>
-              <a:t>18/09/2024</a:t>
+              <a:t>19/09/2024</a:t>
             </a:fld>
             <a:endParaRPr lang="fr-FR"/>
           </a:p>
@@ -5287,7 +5532,7 @@
           <a:p>
             <a:fld id="{7ECB9D5A-E5E4-41FE-AF39-634902D6D5D2}" type="datetimeFigureOut">
               <a:rPr lang="fr-FR" smtClean="0"/>
-              <a:t>18/09/2024</a:t>
+              <a:t>19/09/2024</a:t>
             </a:fld>
             <a:endParaRPr lang="fr-FR"/>
           </a:p>
@@ -5495,7 +5740,7 @@
           <a:p>
             <a:fld id="{7ECB9D5A-E5E4-41FE-AF39-634902D6D5D2}" type="datetimeFigureOut">
               <a:rPr lang="fr-FR" smtClean="0"/>
-              <a:t>18/09/2024</a:t>
+              <a:t>19/09/2024</a:t>
             </a:fld>
             <a:endParaRPr lang="fr-FR"/>
           </a:p>
@@ -5693,7 +5938,7 @@
           <a:p>
             <a:fld id="{7ECB9D5A-E5E4-41FE-AF39-634902D6D5D2}" type="datetimeFigureOut">
               <a:rPr lang="fr-FR" smtClean="0"/>
-              <a:t>18/09/2024</a:t>
+              <a:t>19/09/2024</a:t>
             </a:fld>
             <a:endParaRPr lang="fr-FR"/>
           </a:p>
@@ -5968,7 +6213,7 @@
           <a:p>
             <a:fld id="{7ECB9D5A-E5E4-41FE-AF39-634902D6D5D2}" type="datetimeFigureOut">
               <a:rPr lang="fr-FR" smtClean="0"/>
-              <a:t>18/09/2024</a:t>
+              <a:t>19/09/2024</a:t>
             </a:fld>
             <a:endParaRPr lang="fr-FR"/>
           </a:p>
@@ -6233,7 +6478,7 @@
           <a:p>
             <a:fld id="{7ECB9D5A-E5E4-41FE-AF39-634902D6D5D2}" type="datetimeFigureOut">
               <a:rPr lang="fr-FR" smtClean="0"/>
-              <a:t>18/09/2024</a:t>
+              <a:t>19/09/2024</a:t>
             </a:fld>
             <a:endParaRPr lang="fr-FR"/>
           </a:p>
@@ -6645,7 +6890,7 @@
           <a:p>
             <a:fld id="{7ECB9D5A-E5E4-41FE-AF39-634902D6D5D2}" type="datetimeFigureOut">
               <a:rPr lang="fr-FR" smtClean="0"/>
-              <a:t>18/09/2024</a:t>
+              <a:t>19/09/2024</a:t>
             </a:fld>
             <a:endParaRPr lang="fr-FR"/>
           </a:p>
@@ -6786,7 +7031,7 @@
           <a:p>
             <a:fld id="{7ECB9D5A-E5E4-41FE-AF39-634902D6D5D2}" type="datetimeFigureOut">
               <a:rPr lang="fr-FR" smtClean="0"/>
-              <a:t>18/09/2024</a:t>
+              <a:t>19/09/2024</a:t>
             </a:fld>
             <a:endParaRPr lang="fr-FR"/>
           </a:p>
@@ -6899,7 +7144,7 @@
           <a:p>
             <a:fld id="{7ECB9D5A-E5E4-41FE-AF39-634902D6D5D2}" type="datetimeFigureOut">
               <a:rPr lang="fr-FR" smtClean="0"/>
-              <a:t>18/09/2024</a:t>
+              <a:t>19/09/2024</a:t>
             </a:fld>
             <a:endParaRPr lang="fr-FR"/>
           </a:p>
@@ -7210,7 +7455,7 @@
           <a:p>
             <a:fld id="{7ECB9D5A-E5E4-41FE-AF39-634902D6D5D2}" type="datetimeFigureOut">
               <a:rPr lang="fr-FR" smtClean="0"/>
-              <a:t>18/09/2024</a:t>
+              <a:t>19/09/2024</a:t>
             </a:fld>
             <a:endParaRPr lang="fr-FR"/>
           </a:p>
@@ -7501,7 +7746,7 @@
           <a:p>
             <a:fld id="{7ECB9D5A-E5E4-41FE-AF39-634902D6D5D2}" type="datetimeFigureOut">
               <a:rPr lang="fr-FR" smtClean="0"/>
-              <a:t>18/09/2024</a:t>
+              <a:t>19/09/2024</a:t>
             </a:fld>
             <a:endParaRPr lang="fr-FR"/>
           </a:p>
@@ -7742,7 +7987,7 @@
           <a:p>
             <a:fld id="{7ECB9D5A-E5E4-41FE-AF39-634902D6D5D2}" type="datetimeFigureOut">
               <a:rPr lang="fr-FR" smtClean="0"/>
-              <a:t>18/09/2024</a:t>
+              <a:t>19/09/2024</a:t>
             </a:fld>
             <a:endParaRPr lang="fr-FR"/>
           </a:p>
@@ -10459,7 +10704,7 @@
           <a:p>
             <a:r>
               <a:rPr lang="fr-FR" dirty="0"/>
-              <a:t>Basic model</a:t>
+              <a:t>Baseline model</a:t>
             </a:r>
           </a:p>
         </p:txBody>
@@ -11014,7 +11259,7 @@
           <p:nvPr/>
         </p:nvPicPr>
         <p:blipFill>
-          <a:blip r:embed="rId2"/>
+          <a:blip r:embed="rId3"/>
           <a:stretch>
             <a:fillRect/>
           </a:stretch>
@@ -11051,7 +11296,7 @@
           <p:nvPr/>
         </p:nvPicPr>
         <p:blipFill>
-          <a:blip r:embed="rId3">
+          <a:blip r:embed="rId4">
             <a:extLst>
               <a:ext uri="{28A0092B-C50C-407E-A947-70E740481C1C}">
                 <a14:useLocalDpi xmlns:a14="http://schemas.microsoft.com/office/drawing/2010/main" val="0"/>
@@ -11094,7 +11339,7 @@
           <p:nvPr/>
         </p:nvPicPr>
         <p:blipFill>
-          <a:blip r:embed="rId4">
+          <a:blip r:embed="rId5">
             <a:extLst>
               <a:ext uri="{28A0092B-C50C-407E-A947-70E740481C1C}">
                 <a14:useLocalDpi xmlns:a14="http://schemas.microsoft.com/office/drawing/2010/main" val="0"/>

--- a/07_deep_learning/99_Project_ATT/01_att_project.pptx
+++ b/07_deep_learning/99_Project_ATT/01_att_project.pptx
@@ -128,7 +128,7 @@
 <file path=ppt/revisionInfo.xml><?xml version="1.0" encoding="utf-8"?>
 <p1510:revInfo xmlns:a="http://schemas.openxmlformats.org/drawingml/2006/main" xmlns:r="http://schemas.openxmlformats.org/officeDocument/2006/relationships" xmlns:p1510="http://schemas.microsoft.com/office/powerpoint/2015/10/main">
   <p1510:revLst>
-    <p1510:client id="{ABAE05BF-949A-4E93-BC19-2AEAAED3ED81}" v="109" dt="2024-09-18T13:25:26.778"/>
+    <p1510:client id="{ABAE05BF-949A-4E93-BC19-2AEAAED3ED81}" v="113" dt="2024-09-19T14:01:07.325"/>
   </p1510:revLst>
 </p1510:revInfo>
 </file>
@@ -1567,7 +1567,7 @@
   <pc:docChgLst>
     <pc:chgData name="Philippe Baucour" userId="5102170ae7533958" providerId="LiveId" clId="{ABAE05BF-949A-4E93-BC19-2AEAAED3ED81}"/>
     <pc:docChg chg="undo custSel addSld modSld sldOrd">
-      <pc:chgData name="Philippe Baucour" userId="5102170ae7533958" providerId="LiveId" clId="{ABAE05BF-949A-4E93-BC19-2AEAAED3ED81}" dt="2024-09-19T09:46:39.239" v="4519"/>
+      <pc:chgData name="Philippe Baucour" userId="5102170ae7533958" providerId="LiveId" clId="{ABAE05BF-949A-4E93-BC19-2AEAAED3ED81}" dt="2024-09-19T14:08:07.809" v="4634" actId="20577"/>
       <pc:docMkLst>
         <pc:docMk/>
       </pc:docMkLst>
@@ -1989,7 +1989,7 @@
         </pc:picChg>
       </pc:sldChg>
       <pc:sldChg chg="addSp delSp modSp new mod modNotesTx">
-        <pc:chgData name="Philippe Baucour" userId="5102170ae7533958" providerId="LiveId" clId="{ABAE05BF-949A-4E93-BC19-2AEAAED3ED81}" dt="2024-09-19T09:17:32.401" v="4155" actId="20577"/>
+        <pc:chgData name="Philippe Baucour" userId="5102170ae7533958" providerId="LiveId" clId="{ABAE05BF-949A-4E93-BC19-2AEAAED3ED81}" dt="2024-09-19T14:01:31.913" v="4633" actId="1035"/>
         <pc:sldMkLst>
           <pc:docMk/>
           <pc:sldMk cId="671232843" sldId="267"/>
@@ -2000,6 +2000,14 @@
             <pc:docMk/>
             <pc:sldMk cId="671232843" sldId="267"/>
             <ac:spMk id="2" creationId="{5C06DFB4-6CEB-9A90-B9B4-CD5231B0FC34}"/>
+          </ac:spMkLst>
+        </pc:spChg>
+        <pc:spChg chg="add mod">
+          <ac:chgData name="Philippe Baucour" userId="5102170ae7533958" providerId="LiveId" clId="{ABAE05BF-949A-4E93-BC19-2AEAAED3ED81}" dt="2024-09-19T14:01:31.913" v="4633" actId="1035"/>
+          <ac:spMkLst>
+            <pc:docMk/>
+            <pc:sldMk cId="671232843" sldId="267"/>
+            <ac:spMk id="3" creationId="{DE5FC0D8-B191-DB06-E004-BDAC484AAC35}"/>
           </ac:spMkLst>
         </pc:spChg>
         <pc:spChg chg="add del mod">
@@ -2274,7 +2282,7 @@
         </pc:picChg>
       </pc:sldChg>
       <pc:sldChg chg="addSp delSp modSp new mod ord modNotesTx">
-        <pc:chgData name="Philippe Baucour" userId="5102170ae7533958" providerId="LiveId" clId="{ABAE05BF-949A-4E93-BC19-2AEAAED3ED81}" dt="2024-09-19T09:43:19.286" v="4517" actId="20577"/>
+        <pc:chgData name="Philippe Baucour" userId="5102170ae7533958" providerId="LiveId" clId="{ABAE05BF-949A-4E93-BC19-2AEAAED3ED81}" dt="2024-09-19T14:08:07.809" v="4634" actId="20577"/>
         <pc:sldMkLst>
           <pc:docMk/>
           <pc:sldMk cId="3058765758" sldId="270"/>
@@ -2285,6 +2293,30 @@
             <pc:docMk/>
             <pc:sldMk cId="3058765758" sldId="270"/>
             <ac:spMk id="2" creationId="{838961C0-2432-63B6-698C-B8CB48BC51A7}"/>
+          </ac:spMkLst>
+        </pc:spChg>
+        <pc:spChg chg="add mod">
+          <ac:chgData name="Philippe Baucour" userId="5102170ae7533958" providerId="LiveId" clId="{ABAE05BF-949A-4E93-BC19-2AEAAED3ED81}" dt="2024-09-19T13:13:55.660" v="4589" actId="14100"/>
+          <ac:spMkLst>
+            <pc:docMk/>
+            <pc:sldMk cId="3058765758" sldId="270"/>
+            <ac:spMk id="3" creationId="{38DD7541-273F-2FB1-4211-97EF17EEB5CD}"/>
+          </ac:spMkLst>
+        </pc:spChg>
+        <pc:spChg chg="add mod">
+          <ac:chgData name="Philippe Baucour" userId="5102170ae7533958" providerId="LiveId" clId="{ABAE05BF-949A-4E93-BC19-2AEAAED3ED81}" dt="2024-09-19T13:14:14.750" v="4614" actId="1036"/>
+          <ac:spMkLst>
+            <pc:docMk/>
+            <pc:sldMk cId="3058765758" sldId="270"/>
+            <ac:spMk id="4" creationId="{E98CAF52-699B-C5A9-64AE-47BF6A633E5F}"/>
+          </ac:spMkLst>
+        </pc:spChg>
+        <pc:spChg chg="add mod">
+          <ac:chgData name="Philippe Baucour" userId="5102170ae7533958" providerId="LiveId" clId="{ABAE05BF-949A-4E93-BC19-2AEAAED3ED81}" dt="2024-09-19T13:14:25.030" v="4617" actId="14100"/>
+          <ac:spMkLst>
+            <pc:docMk/>
+            <pc:sldMk cId="3058765758" sldId="270"/>
+            <ac:spMk id="6" creationId="{A6B34733-D90B-E336-6B4D-6D52BD094EFE}"/>
           </ac:spMkLst>
         </pc:spChg>
         <pc:spChg chg="add mod">
@@ -4658,7 +4690,7 @@
             <a:pPr lvl="1"/>
             <a:r>
               <a:rPr lang="fr-FR" dirty="0"/>
-              <a:t>Créer une figure qui contient des frames (une des 50 matrices de confusion)</a:t>
+              <a:t>Créer une figure qui contient des frames (les 50 matrices de confusion)</a:t>
             </a:r>
           </a:p>
           <a:p>
@@ -11104,6 +11136,65 @@
           </a:effectLst>
         </p:spPr>
       </p:pic>
+      <p:sp>
+        <p:nvSpPr>
+          <p:cNvPr id="3" name="Flèche : haut 2">
+            <a:extLst>
+              <a:ext uri="{FF2B5EF4-FFF2-40B4-BE49-F238E27FC236}">
+                <a16:creationId xmlns:a16="http://schemas.microsoft.com/office/drawing/2014/main" id="{DE5FC0D8-B191-DB06-E004-BDAC484AAC35}"/>
+              </a:ext>
+            </a:extLst>
+          </p:cNvPr>
+          <p:cNvSpPr/>
+          <p:nvPr/>
+        </p:nvSpPr>
+        <p:spPr>
+          <a:xfrm>
+            <a:off x="2696262" y="5675277"/>
+            <a:ext cx="464127" cy="644236"/>
+          </a:xfrm>
+          <a:prstGeom prst="upArrow">
+            <a:avLst/>
+          </a:prstGeom>
+          <a:solidFill>
+            <a:srgbClr val="FF0000"/>
+          </a:solidFill>
+          <a:ln>
+            <a:noFill/>
+          </a:ln>
+          <a:effectLst>
+            <a:outerShdw blurRad="50800" dist="38100" dir="2700000" algn="tl" rotWithShape="0">
+              <a:prstClr val="black">
+                <a:alpha val="40000"/>
+              </a:prstClr>
+            </a:outerShdw>
+          </a:effectLst>
+        </p:spPr>
+        <p:style>
+          <a:lnRef idx="2">
+            <a:schemeClr val="accent1">
+              <a:shade val="15000"/>
+            </a:schemeClr>
+          </a:lnRef>
+          <a:fillRef idx="1">
+            <a:schemeClr val="accent1"/>
+          </a:fillRef>
+          <a:effectRef idx="0">
+            <a:schemeClr val="accent1"/>
+          </a:effectRef>
+          <a:fontRef idx="minor">
+            <a:schemeClr val="lt1"/>
+          </a:fontRef>
+        </p:style>
+        <p:txBody>
+          <a:bodyPr rtlCol="0" anchor="ctr"/>
+          <a:lstStyle/>
+          <a:p>
+            <a:pPr algn="ctr"/>
+            <a:endParaRPr lang="fr-FR"/>
+          </a:p>
+        </p:txBody>
+      </p:sp>
     </p:spTree>
     <p:extLst>
       <p:ext uri="{BB962C8B-B14F-4D97-AF65-F5344CB8AC3E}">
@@ -11367,6 +11458,168 @@
           </a:effectLst>
         </p:spPr>
       </p:pic>
+      <p:sp>
+        <p:nvSpPr>
+          <p:cNvPr id="3" name="Rectangle 2">
+            <a:extLst>
+              <a:ext uri="{FF2B5EF4-FFF2-40B4-BE49-F238E27FC236}">
+                <a16:creationId xmlns:a16="http://schemas.microsoft.com/office/drawing/2014/main" id="{38DD7541-273F-2FB1-4211-97EF17EEB5CD}"/>
+              </a:ext>
+            </a:extLst>
+          </p:cNvPr>
+          <p:cNvSpPr/>
+          <p:nvPr/>
+        </p:nvSpPr>
+        <p:spPr>
+          <a:xfrm>
+            <a:off x="2451735" y="4871085"/>
+            <a:ext cx="527685" cy="121805"/>
+          </a:xfrm>
+          <a:prstGeom prst="rect">
+            <a:avLst/>
+          </a:prstGeom>
+          <a:solidFill>
+            <a:srgbClr val="C00000">
+              <a:alpha val="25000"/>
+            </a:srgbClr>
+          </a:solidFill>
+          <a:ln>
+            <a:noFill/>
+          </a:ln>
+        </p:spPr>
+        <p:style>
+          <a:lnRef idx="2">
+            <a:schemeClr val="accent1">
+              <a:shade val="15000"/>
+            </a:schemeClr>
+          </a:lnRef>
+          <a:fillRef idx="1">
+            <a:schemeClr val="accent1"/>
+          </a:fillRef>
+          <a:effectRef idx="0">
+            <a:schemeClr val="accent1"/>
+          </a:effectRef>
+          <a:fontRef idx="minor">
+            <a:schemeClr val="lt1"/>
+          </a:fontRef>
+        </p:style>
+        <p:txBody>
+          <a:bodyPr rtlCol="0" anchor="ctr"/>
+          <a:lstStyle/>
+          <a:p>
+            <a:pPr algn="ctr"/>
+            <a:endParaRPr lang="fr-FR"/>
+          </a:p>
+        </p:txBody>
+      </p:sp>
+      <p:sp>
+        <p:nvSpPr>
+          <p:cNvPr id="4" name="Rectangle 3">
+            <a:extLst>
+              <a:ext uri="{FF2B5EF4-FFF2-40B4-BE49-F238E27FC236}">
+                <a16:creationId xmlns:a16="http://schemas.microsoft.com/office/drawing/2014/main" id="{E98CAF52-699B-C5A9-64AE-47BF6A633E5F}"/>
+              </a:ext>
+            </a:extLst>
+          </p:cNvPr>
+          <p:cNvSpPr/>
+          <p:nvPr/>
+        </p:nvSpPr>
+        <p:spPr>
+          <a:xfrm>
+            <a:off x="1583055" y="4762500"/>
+            <a:ext cx="527685" cy="121805"/>
+          </a:xfrm>
+          <a:prstGeom prst="rect">
+            <a:avLst/>
+          </a:prstGeom>
+          <a:solidFill>
+            <a:srgbClr val="C00000">
+              <a:alpha val="25000"/>
+            </a:srgbClr>
+          </a:solidFill>
+          <a:ln>
+            <a:noFill/>
+          </a:ln>
+        </p:spPr>
+        <p:style>
+          <a:lnRef idx="2">
+            <a:schemeClr val="accent1">
+              <a:shade val="15000"/>
+            </a:schemeClr>
+          </a:lnRef>
+          <a:fillRef idx="1">
+            <a:schemeClr val="accent1"/>
+          </a:fillRef>
+          <a:effectRef idx="0">
+            <a:schemeClr val="accent1"/>
+          </a:effectRef>
+          <a:fontRef idx="minor">
+            <a:schemeClr val="lt1"/>
+          </a:fontRef>
+        </p:style>
+        <p:txBody>
+          <a:bodyPr rtlCol="0" anchor="ctr"/>
+          <a:lstStyle/>
+          <a:p>
+            <a:pPr algn="ctr"/>
+            <a:endParaRPr lang="fr-FR"/>
+          </a:p>
+        </p:txBody>
+      </p:sp>
+      <p:sp>
+        <p:nvSpPr>
+          <p:cNvPr id="6" name="Rectangle 5">
+            <a:extLst>
+              <a:ext uri="{FF2B5EF4-FFF2-40B4-BE49-F238E27FC236}">
+                <a16:creationId xmlns:a16="http://schemas.microsoft.com/office/drawing/2014/main" id="{A6B34733-D90B-E336-6B4D-6D52BD094EFE}"/>
+              </a:ext>
+            </a:extLst>
+          </p:cNvPr>
+          <p:cNvSpPr/>
+          <p:nvPr/>
+        </p:nvSpPr>
+        <p:spPr>
+          <a:xfrm>
+            <a:off x="725806" y="3846195"/>
+            <a:ext cx="255270" cy="121805"/>
+          </a:xfrm>
+          <a:prstGeom prst="rect">
+            <a:avLst/>
+          </a:prstGeom>
+          <a:solidFill>
+            <a:srgbClr val="C00000">
+              <a:alpha val="25000"/>
+            </a:srgbClr>
+          </a:solidFill>
+          <a:ln>
+            <a:noFill/>
+          </a:ln>
+        </p:spPr>
+        <p:style>
+          <a:lnRef idx="2">
+            <a:schemeClr val="accent1">
+              <a:shade val="15000"/>
+            </a:schemeClr>
+          </a:lnRef>
+          <a:fillRef idx="1">
+            <a:schemeClr val="accent1"/>
+          </a:fillRef>
+          <a:effectRef idx="0">
+            <a:schemeClr val="accent1"/>
+          </a:effectRef>
+          <a:fontRef idx="minor">
+            <a:schemeClr val="lt1"/>
+          </a:fontRef>
+        </p:style>
+        <p:txBody>
+          <a:bodyPr rtlCol="0" anchor="ctr"/>
+          <a:lstStyle/>
+          <a:p>
+            <a:pPr algn="ctr"/>
+            <a:endParaRPr lang="fr-FR"/>
+          </a:p>
+        </p:txBody>
+      </p:sp>
     </p:spTree>
     <p:extLst>
       <p:ext uri="{BB962C8B-B14F-4D97-AF65-F5344CB8AC3E}">
